--- a/DB_PPT/2장. 데이터 모델링.pptx
+++ b/DB_PPT/2장. 데이터 모델링.pptx
@@ -5,45 +5,41 @@
     <p:sldMasterId id="2147483648" r:id="rId1"/>
   </p:sldMasterIdLst>
   <p:notesMasterIdLst>
-    <p:notesMasterId r:id="rId38"/>
+    <p:notesMasterId r:id="rId34"/>
   </p:notesMasterIdLst>
   <p:sldIdLst>
     <p:sldId id="256" r:id="rId2"/>
-    <p:sldId id="317" r:id="rId3"/>
-    <p:sldId id="318" r:id="rId4"/>
-    <p:sldId id="319" r:id="rId5"/>
-    <p:sldId id="320" r:id="rId6"/>
-    <p:sldId id="280" r:id="rId7"/>
-    <p:sldId id="295" r:id="rId8"/>
-    <p:sldId id="296" r:id="rId9"/>
-    <p:sldId id="297" r:id="rId10"/>
-    <p:sldId id="298" r:id="rId11"/>
-    <p:sldId id="299" r:id="rId12"/>
-    <p:sldId id="300" r:id="rId13"/>
-    <p:sldId id="301" r:id="rId14"/>
-    <p:sldId id="302" r:id="rId15"/>
-    <p:sldId id="303" r:id="rId16"/>
-    <p:sldId id="304" r:id="rId17"/>
-    <p:sldId id="305" r:id="rId18"/>
-    <p:sldId id="306" r:id="rId19"/>
-    <p:sldId id="281" r:id="rId20"/>
-    <p:sldId id="310" r:id="rId21"/>
-    <p:sldId id="311" r:id="rId22"/>
-    <p:sldId id="312" r:id="rId23"/>
-    <p:sldId id="315" r:id="rId24"/>
-    <p:sldId id="313" r:id="rId25"/>
-    <p:sldId id="314" r:id="rId26"/>
-    <p:sldId id="308" r:id="rId27"/>
-    <p:sldId id="309" r:id="rId28"/>
-    <p:sldId id="321" r:id="rId29"/>
-    <p:sldId id="323" r:id="rId30"/>
-    <p:sldId id="322" r:id="rId31"/>
-    <p:sldId id="307" r:id="rId32"/>
-    <p:sldId id="293" r:id="rId33"/>
-    <p:sldId id="279" r:id="rId34"/>
-    <p:sldId id="288" r:id="rId35"/>
-    <p:sldId id="291" r:id="rId36"/>
-    <p:sldId id="292" r:id="rId37"/>
+    <p:sldId id="280" r:id="rId3"/>
+    <p:sldId id="295" r:id="rId4"/>
+    <p:sldId id="296" r:id="rId5"/>
+    <p:sldId id="297" r:id="rId6"/>
+    <p:sldId id="298" r:id="rId7"/>
+    <p:sldId id="299" r:id="rId8"/>
+    <p:sldId id="300" r:id="rId9"/>
+    <p:sldId id="301" r:id="rId10"/>
+    <p:sldId id="302" r:id="rId11"/>
+    <p:sldId id="303" r:id="rId12"/>
+    <p:sldId id="304" r:id="rId13"/>
+    <p:sldId id="305" r:id="rId14"/>
+    <p:sldId id="306" r:id="rId15"/>
+    <p:sldId id="281" r:id="rId16"/>
+    <p:sldId id="310" r:id="rId17"/>
+    <p:sldId id="311" r:id="rId18"/>
+    <p:sldId id="312" r:id="rId19"/>
+    <p:sldId id="315" r:id="rId20"/>
+    <p:sldId id="313" r:id="rId21"/>
+    <p:sldId id="314" r:id="rId22"/>
+    <p:sldId id="308" r:id="rId23"/>
+    <p:sldId id="309" r:id="rId24"/>
+    <p:sldId id="321" r:id="rId25"/>
+    <p:sldId id="323" r:id="rId26"/>
+    <p:sldId id="322" r:id="rId27"/>
+    <p:sldId id="307" r:id="rId28"/>
+    <p:sldId id="293" r:id="rId29"/>
+    <p:sldId id="279" r:id="rId30"/>
+    <p:sldId id="288" r:id="rId31"/>
+    <p:sldId id="291" r:id="rId32"/>
+    <p:sldId id="292" r:id="rId33"/>
   </p:sldIdLst>
   <p:sldSz cx="9144000" cy="6858000" type="screen4x3"/>
   <p:notesSz cx="6858000" cy="9144000"/>
@@ -144,7 +140,7 @@
   </p:defaultTextStyle>
   <p:extLst>
     <p:ext uri="{EFAFB233-063F-42B5-8137-9DF3F51BA10A}">
-      <p15:sldGuideLst xmlns:p15="http://schemas.microsoft.com/office/powerpoint/2012/main" xmlns="">
+      <p15:sldGuideLst xmlns:p15="http://schemas.microsoft.com/office/powerpoint/2012/main">
         <p15:guide id="1" orient="horz" pos="2160">
           <p15:clr>
             <a:srgbClr val="A4A3A4"/>
@@ -3488,7 +3484,7 @@
           <a:p>
             <a:fld id="{7665CDAC-D627-4E87-877A-1B781DD4CADC}" type="datetimeFigureOut">
               <a:rPr lang="ko-KR" altLang="en-US" smtClean="0"/>
-              <a:t>2022-08-03</a:t>
+              <a:t>2023-03-26</a:t>
             </a:fld>
             <a:endParaRPr lang="ko-KR" altLang="en-US"/>
           </a:p>
@@ -4344,7 +4340,7 @@
           <a:p>
             <a:fld id="{E240FE80-3752-4C44-80B8-E31C3450070D}" type="datetime1">
               <a:rPr lang="ko-KR" altLang="en-US" smtClean="0"/>
-              <a:t>2022-08-03</a:t>
+              <a:t>2023-03-26</a:t>
             </a:fld>
             <a:endParaRPr lang="ko-KR" altLang="en-US"/>
           </a:p>
@@ -4524,7 +4520,7 @@
           <a:p>
             <a:fld id="{5FA88D13-428F-4553-BC93-2E91B1DA3F5C}" type="datetime1">
               <a:rPr lang="ko-KR" altLang="en-US" smtClean="0"/>
-              <a:t>2022-08-03</a:t>
+              <a:t>2023-03-26</a:t>
             </a:fld>
             <a:endParaRPr lang="ko-KR" altLang="en-US"/>
           </a:p>
@@ -4698,7 +4694,7 @@
           <a:p>
             <a:fld id="{4E9D4779-FB94-4D0A-9770-16BB460ADD4B}" type="datetime1">
               <a:rPr lang="ko-KR" altLang="en-US" smtClean="0"/>
-              <a:t>2022-08-03</a:t>
+              <a:t>2023-03-26</a:t>
             </a:fld>
             <a:endParaRPr lang="ko-KR" altLang="en-US"/>
           </a:p>
@@ -4944,7 +4940,7 @@
           <a:p>
             <a:fld id="{DD687F0D-089E-4098-8EE9-5721C76E52EC}" type="datetime1">
               <a:rPr lang="ko-KR" altLang="en-US" smtClean="0"/>
-              <a:t>2022-08-03</a:t>
+              <a:t>2023-03-26</a:t>
             </a:fld>
             <a:endParaRPr lang="ko-KR" altLang="en-US"/>
           </a:p>
@@ -5232,7 +5228,7 @@
           <a:p>
             <a:fld id="{09C650FE-E6B2-4D57-AAF6-1B2A37421AAD}" type="datetime1">
               <a:rPr lang="ko-KR" altLang="en-US" smtClean="0"/>
-              <a:t>2022-08-03</a:t>
+              <a:t>2023-03-26</a:t>
             </a:fld>
             <a:endParaRPr lang="ko-KR" altLang="en-US"/>
           </a:p>
@@ -5654,7 +5650,7 @@
           <a:p>
             <a:fld id="{E87F20C2-C949-4E4F-9580-FEE4F2DAC554}" type="datetime1">
               <a:rPr lang="ko-KR" altLang="en-US" smtClean="0"/>
-              <a:t>2022-08-03</a:t>
+              <a:t>2023-03-26</a:t>
             </a:fld>
             <a:endParaRPr lang="ko-KR" altLang="en-US"/>
           </a:p>
@@ -5772,7 +5768,7 @@
           <a:p>
             <a:fld id="{476DBFE0-70CA-4AA9-9C17-F02054822E7E}" type="datetime1">
               <a:rPr lang="ko-KR" altLang="en-US" smtClean="0"/>
-              <a:t>2022-08-03</a:t>
+              <a:t>2023-03-26</a:t>
             </a:fld>
             <a:endParaRPr lang="ko-KR" altLang="en-US"/>
           </a:p>
@@ -5867,7 +5863,7 @@
           <a:p>
             <a:fld id="{6DA84A72-C6AC-45C3-AE5A-9CF6D245353A}" type="datetime1">
               <a:rPr lang="ko-KR" altLang="en-US" smtClean="0"/>
-              <a:t>2022-08-03</a:t>
+              <a:t>2023-03-26</a:t>
             </a:fld>
             <a:endParaRPr lang="ko-KR" altLang="en-US"/>
           </a:p>
@@ -6144,7 +6140,7 @@
           <a:p>
             <a:fld id="{092D9E8D-7616-4FA8-9B12-88059974D499}" type="datetime1">
               <a:rPr lang="ko-KR" altLang="en-US" smtClean="0"/>
-              <a:t>2022-08-03</a:t>
+              <a:t>2023-03-26</a:t>
             </a:fld>
             <a:endParaRPr lang="ko-KR" altLang="en-US"/>
           </a:p>
@@ -6397,7 +6393,7 @@
           <a:p>
             <a:fld id="{79F4C3F6-B4DC-4E51-8609-BCC628ECDBF3}" type="datetime1">
               <a:rPr lang="ko-KR" altLang="en-US" smtClean="0"/>
-              <a:t>2022-08-03</a:t>
+              <a:t>2023-03-26</a:t>
             </a:fld>
             <a:endParaRPr lang="ko-KR" altLang="en-US"/>
           </a:p>
@@ -6577,7 +6573,7 @@
           <a:p>
             <a:fld id="{B2C4C586-F21B-48DD-B591-4B12E73E0749}" type="datetime1">
               <a:rPr lang="ko-KR" altLang="en-US" smtClean="0"/>
-              <a:t>2022-08-03</a:t>
+              <a:t>2023-03-26</a:t>
             </a:fld>
             <a:endParaRPr lang="ko-KR" altLang="en-US"/>
           </a:p>
@@ -7434,11 +7430,11 @@
           <a:p>
             <a:r>
               <a:rPr lang="en-US" altLang="ko-KR" dirty="0" smtClean="0"/>
-              <a:t>  </a:t>
+              <a:t>  ER</a:t>
             </a:r>
             <a:r>
               <a:rPr lang="ko-KR" altLang="en-US" dirty="0" smtClean="0"/>
-              <a:t>데이터 모델링</a:t>
+              <a:t> 모델</a:t>
             </a:r>
             <a:endParaRPr lang="ko-KR" altLang="en-US" dirty="0"/>
           </a:p>
@@ -7462,2264 +7458,6 @@
             <a:fld id="{1BDE3FE7-3AEA-4B05-AC5A-802D1816ACF0}" type="slidenum">
               <a:rPr lang="ko-KR" altLang="en-US" smtClean="0"/>
               <a:t>10</a:t>
-            </a:fld>
-            <a:endParaRPr lang="ko-KR" altLang="en-US"/>
-          </a:p>
-        </p:txBody>
-      </p:sp>
-      <p:sp>
-        <p:nvSpPr>
-          <p:cNvPr id="27" name="TextBox 26"/>
-          <p:cNvSpPr txBox="1"/>
-          <p:nvPr/>
-        </p:nvSpPr>
-        <p:spPr>
-          <a:xfrm>
-            <a:off x="870788" y="1000722"/>
-            <a:ext cx="1901569" cy="369332"/>
-          </a:xfrm>
-          <a:prstGeom prst="rect">
-            <a:avLst/>
-          </a:prstGeom>
-          <a:noFill/>
-        </p:spPr>
-        <p:txBody>
-          <a:bodyPr wrap="square" rtlCol="0">
-            <a:spAutoFit/>
-          </a:bodyPr>
-          <a:lstStyle/>
-          <a:p>
-            <a:pPr algn="ctr"/>
-            <a:r>
-              <a:rPr lang="ko-KR" altLang="en-US" b="1" dirty="0"/>
-              <a:t>물</a:t>
-            </a:r>
-            <a:r>
-              <a:rPr lang="ko-KR" altLang="en-US" b="1" dirty="0" smtClean="0"/>
-              <a:t>리적 모델링</a:t>
-            </a:r>
-            <a:endParaRPr lang="ko-KR" altLang="en-US" b="1" dirty="0"/>
-          </a:p>
-        </p:txBody>
-      </p:sp>
-      <p:sp>
-        <p:nvSpPr>
-          <p:cNvPr id="5" name="원통 4"/>
-          <p:cNvSpPr/>
-          <p:nvPr/>
-        </p:nvSpPr>
-        <p:spPr>
-          <a:xfrm>
-            <a:off x="395536" y="1370054"/>
-            <a:ext cx="8280920" cy="4723242"/>
-          </a:xfrm>
-          <a:prstGeom prst="can">
-            <a:avLst/>
-          </a:prstGeom>
-          <a:solidFill>
-            <a:schemeClr val="accent4">
-              <a:lumMod val="20000"/>
-              <a:lumOff val="80000"/>
-            </a:schemeClr>
-          </a:solidFill>
-          <a:ln w="12700">
-            <a:solidFill>
-              <a:schemeClr val="bg2">
-                <a:lumMod val="50000"/>
-              </a:schemeClr>
-            </a:solidFill>
-          </a:ln>
-        </p:spPr>
-        <p:style>
-          <a:lnRef idx="2">
-            <a:schemeClr val="accent1">
-              <a:shade val="50000"/>
-            </a:schemeClr>
-          </a:lnRef>
-          <a:fillRef idx="1">
-            <a:schemeClr val="accent1"/>
-          </a:fillRef>
-          <a:effectRef idx="0">
-            <a:schemeClr val="accent1"/>
-          </a:effectRef>
-          <a:fontRef idx="minor">
-            <a:schemeClr val="lt1"/>
-          </a:fontRef>
-        </p:style>
-        <p:txBody>
-          <a:bodyPr rtlCol="0" anchor="ctr"/>
-          <a:lstStyle/>
-          <a:p>
-            <a:pPr algn="ctr"/>
-            <a:endParaRPr lang="ko-KR" altLang="en-US"/>
-          </a:p>
-        </p:txBody>
-      </p:sp>
-      <p:sp>
-        <p:nvSpPr>
-          <p:cNvPr id="6" name="직사각형 5"/>
-          <p:cNvSpPr/>
-          <p:nvPr/>
-        </p:nvSpPr>
-        <p:spPr>
-          <a:xfrm>
-            <a:off x="827584" y="1916832"/>
-            <a:ext cx="3158237" cy="333617"/>
-          </a:xfrm>
-          <a:prstGeom prst="rect">
-            <a:avLst/>
-          </a:prstGeom>
-        </p:spPr>
-        <p:txBody>
-          <a:bodyPr wrap="none">
-            <a:spAutoFit/>
-          </a:bodyPr>
-          <a:lstStyle/>
-          <a:p>
-            <a:pPr>
-              <a:lnSpc>
-                <a:spcPct val="150000"/>
-              </a:lnSpc>
-            </a:pPr>
-            <a:r>
-              <a:rPr lang="ko-KR" altLang="en-US" sz="1200" dirty="0"/>
-              <a:t>도서</a:t>
-            </a:r>
-            <a:r>
-              <a:rPr lang="en-US" altLang="ko-KR" sz="1200" dirty="0"/>
-              <a:t>(</a:t>
-            </a:r>
-            <a:r>
-              <a:rPr lang="ko-KR" altLang="en-US" sz="1200" u="sng" dirty="0"/>
-              <a:t>도서번호</a:t>
-            </a:r>
-            <a:r>
-              <a:rPr lang="en-US" altLang="ko-KR" sz="1200" dirty="0"/>
-              <a:t>, </a:t>
-            </a:r>
-            <a:r>
-              <a:rPr lang="ko-KR" altLang="en-US" sz="1200" dirty="0"/>
-              <a:t>도서이름</a:t>
-            </a:r>
-            <a:r>
-              <a:rPr lang="en-US" altLang="ko-KR" sz="1200" dirty="0"/>
-              <a:t>, </a:t>
-            </a:r>
-            <a:r>
-              <a:rPr lang="ko-KR" altLang="en-US" sz="1200" dirty="0"/>
-              <a:t>출판사</a:t>
-            </a:r>
-            <a:r>
-              <a:rPr lang="en-US" altLang="ko-KR" sz="1200" dirty="0"/>
-              <a:t>, </a:t>
-            </a:r>
-            <a:r>
-              <a:rPr lang="ko-KR" altLang="en-US" sz="1200" dirty="0"/>
-              <a:t>도서단가</a:t>
-            </a:r>
-            <a:r>
-              <a:rPr lang="en-US" altLang="ko-KR" sz="1200" dirty="0"/>
-              <a:t>)</a:t>
-            </a:r>
-          </a:p>
-        </p:txBody>
-      </p:sp>
-      <p:pic>
-        <p:nvPicPr>
-          <p:cNvPr id="7" name="그림 6"/>
-          <p:cNvPicPr>
-            <a:picLocks noChangeAspect="1"/>
-          </p:cNvPicPr>
-          <p:nvPr/>
-        </p:nvPicPr>
-        <p:blipFill>
-          <a:blip r:embed="rId2">
-            <a:extLst>
-              <a:ext uri="{28A0092B-C50C-407E-A947-70E740481C1C}">
-                <a14:useLocalDpi xmlns:a14="http://schemas.microsoft.com/office/drawing/2010/main" val="0"/>
-              </a:ext>
-            </a:extLst>
-          </a:blip>
-          <a:stretch>
-            <a:fillRect/>
-          </a:stretch>
-        </p:blipFill>
-        <p:spPr>
-          <a:xfrm>
-            <a:off x="924476" y="2338029"/>
-            <a:ext cx="3061345" cy="1321638"/>
-          </a:xfrm>
-          <a:prstGeom prst="rect">
-            <a:avLst/>
-          </a:prstGeom>
-        </p:spPr>
-      </p:pic>
-      <p:pic>
-        <p:nvPicPr>
-          <p:cNvPr id="9" name="그림 8"/>
-          <p:cNvPicPr>
-            <a:picLocks noChangeAspect="1"/>
-          </p:cNvPicPr>
-          <p:nvPr/>
-        </p:nvPicPr>
-        <p:blipFill>
-          <a:blip r:embed="rId3">
-            <a:extLst>
-              <a:ext uri="{28A0092B-C50C-407E-A947-70E740481C1C}">
-                <a14:useLocalDpi xmlns:a14="http://schemas.microsoft.com/office/drawing/2010/main" val="0"/>
-              </a:ext>
-            </a:extLst>
-          </a:blip>
-          <a:stretch>
-            <a:fillRect/>
-          </a:stretch>
-        </p:blipFill>
-        <p:spPr>
-          <a:xfrm>
-            <a:off x="4938398" y="2365451"/>
-            <a:ext cx="2981540" cy="1364652"/>
-          </a:xfrm>
-          <a:prstGeom prst="rect">
-            <a:avLst/>
-          </a:prstGeom>
-        </p:spPr>
-      </p:pic>
-      <p:sp>
-        <p:nvSpPr>
-          <p:cNvPr id="10" name="직사각형 9"/>
-          <p:cNvSpPr/>
-          <p:nvPr/>
-        </p:nvSpPr>
-        <p:spPr>
-          <a:xfrm>
-            <a:off x="4926994" y="1988840"/>
-            <a:ext cx="3004349" cy="333617"/>
-          </a:xfrm>
-          <a:prstGeom prst="rect">
-            <a:avLst/>
-          </a:prstGeom>
-        </p:spPr>
-        <p:txBody>
-          <a:bodyPr wrap="none">
-            <a:spAutoFit/>
-          </a:bodyPr>
-          <a:lstStyle/>
-          <a:p>
-            <a:pPr>
-              <a:lnSpc>
-                <a:spcPct val="150000"/>
-              </a:lnSpc>
-            </a:pPr>
-            <a:r>
-              <a:rPr lang="ko-KR" altLang="en-US" sz="1200" dirty="0"/>
-              <a:t>고객</a:t>
-            </a:r>
-            <a:r>
-              <a:rPr lang="en-US" altLang="ko-KR" sz="1200" dirty="0"/>
-              <a:t>(</a:t>
-            </a:r>
-            <a:r>
-              <a:rPr lang="ko-KR" altLang="en-US" sz="1200" u="sng" dirty="0"/>
-              <a:t>고객번호</a:t>
-            </a:r>
-            <a:r>
-              <a:rPr lang="en-US" altLang="ko-KR" sz="1200" dirty="0"/>
-              <a:t>, </a:t>
-            </a:r>
-            <a:r>
-              <a:rPr lang="ko-KR" altLang="en-US" sz="1200" dirty="0"/>
-              <a:t>고객이름</a:t>
-            </a:r>
-            <a:r>
-              <a:rPr lang="en-US" altLang="ko-KR" sz="1200" dirty="0"/>
-              <a:t>, </a:t>
-            </a:r>
-            <a:r>
-              <a:rPr lang="ko-KR" altLang="en-US" sz="1200" dirty="0"/>
-              <a:t>주소</a:t>
-            </a:r>
-            <a:r>
-              <a:rPr lang="en-US" altLang="ko-KR" sz="1200" dirty="0"/>
-              <a:t>, </a:t>
-            </a:r>
-            <a:r>
-              <a:rPr lang="ko-KR" altLang="en-US" sz="1200" dirty="0"/>
-              <a:t>전화번호</a:t>
-            </a:r>
-            <a:r>
-              <a:rPr lang="en-US" altLang="ko-KR" sz="1200" dirty="0"/>
-              <a:t>)</a:t>
-            </a:r>
-          </a:p>
-        </p:txBody>
-      </p:sp>
-      <p:sp>
-        <p:nvSpPr>
-          <p:cNvPr id="11" name="직사각형 10"/>
-          <p:cNvSpPr/>
-          <p:nvPr/>
-        </p:nvSpPr>
-        <p:spPr>
-          <a:xfrm>
-            <a:off x="924476" y="3851756"/>
-            <a:ext cx="4727644" cy="369332"/>
-          </a:xfrm>
-          <a:prstGeom prst="rect">
-            <a:avLst/>
-          </a:prstGeom>
-        </p:spPr>
-        <p:txBody>
-          <a:bodyPr wrap="square">
-            <a:spAutoFit/>
-          </a:bodyPr>
-          <a:lstStyle/>
-          <a:p>
-            <a:pPr>
-              <a:lnSpc>
-                <a:spcPct val="150000"/>
-              </a:lnSpc>
-            </a:pPr>
-            <a:r>
-              <a:rPr lang="ko-KR" altLang="en-US" sz="1200" dirty="0"/>
-              <a:t>주문</a:t>
-            </a:r>
-            <a:r>
-              <a:rPr lang="en-US" altLang="ko-KR" sz="1200" dirty="0"/>
-              <a:t>(</a:t>
-            </a:r>
-            <a:r>
-              <a:rPr lang="ko-KR" altLang="en-US" sz="1200" u="sng" dirty="0"/>
-              <a:t>주문번호</a:t>
-            </a:r>
-            <a:r>
-              <a:rPr lang="en-US" altLang="ko-KR" sz="1200" dirty="0"/>
-              <a:t>, </a:t>
-            </a:r>
-            <a:r>
-              <a:rPr lang="ko-KR" altLang="en-US" sz="1200" dirty="0"/>
-              <a:t>고객번호</a:t>
-            </a:r>
-            <a:r>
-              <a:rPr lang="en-US" altLang="ko-KR" sz="1200" dirty="0"/>
-              <a:t>(FK), </a:t>
-            </a:r>
-            <a:r>
-              <a:rPr lang="ko-KR" altLang="en-US" sz="1200" dirty="0"/>
-              <a:t>도서번호</a:t>
-            </a:r>
-            <a:r>
-              <a:rPr lang="en-US" altLang="ko-KR" sz="1200" dirty="0"/>
-              <a:t>(FK),  </a:t>
-            </a:r>
-            <a:r>
-              <a:rPr lang="ko-KR" altLang="en-US" sz="1200" dirty="0"/>
-              <a:t>주문금액</a:t>
-            </a:r>
-            <a:r>
-              <a:rPr lang="en-US" altLang="ko-KR" sz="1200" dirty="0"/>
-              <a:t>, </a:t>
-            </a:r>
-            <a:r>
-              <a:rPr lang="ko-KR" altLang="en-US" sz="1200" dirty="0"/>
-              <a:t>주문일자</a:t>
-            </a:r>
-            <a:r>
-              <a:rPr lang="en-US" altLang="ko-KR" sz="1200" dirty="0"/>
-              <a:t>)</a:t>
-            </a:r>
-            <a:endParaRPr lang="ko-KR" altLang="en-US" sz="1200" dirty="0"/>
-          </a:p>
-        </p:txBody>
-      </p:sp>
-      <p:pic>
-        <p:nvPicPr>
-          <p:cNvPr id="12" name="그림 11"/>
-          <p:cNvPicPr>
-            <a:picLocks noChangeAspect="1"/>
-          </p:cNvPicPr>
-          <p:nvPr/>
-        </p:nvPicPr>
-        <p:blipFill>
-          <a:blip r:embed="rId4">
-            <a:extLst>
-              <a:ext uri="{28A0092B-C50C-407E-A947-70E740481C1C}">
-                <a14:useLocalDpi xmlns:a14="http://schemas.microsoft.com/office/drawing/2010/main" val="0"/>
-              </a:ext>
-            </a:extLst>
-          </a:blip>
-          <a:stretch>
-            <a:fillRect/>
-          </a:stretch>
-        </p:blipFill>
-        <p:spPr>
-          <a:xfrm>
-            <a:off x="1416915" y="4306347"/>
-            <a:ext cx="3742765" cy="1755306"/>
-          </a:xfrm>
-          <a:prstGeom prst="rect">
-            <a:avLst/>
-          </a:prstGeom>
-        </p:spPr>
-      </p:pic>
-      <p:sp>
-        <p:nvSpPr>
-          <p:cNvPr id="13" name="TextBox 12"/>
-          <p:cNvSpPr txBox="1"/>
-          <p:nvPr/>
-        </p:nvSpPr>
-        <p:spPr>
-          <a:xfrm>
-            <a:off x="3985821" y="1484784"/>
-            <a:ext cx="936104" cy="400110"/>
-          </a:xfrm>
-          <a:prstGeom prst="rect">
-            <a:avLst/>
-          </a:prstGeom>
-          <a:noFill/>
-        </p:spPr>
-        <p:txBody>
-          <a:bodyPr wrap="square" rtlCol="0">
-            <a:spAutoFit/>
-          </a:bodyPr>
-          <a:lstStyle/>
-          <a:p>
-            <a:r>
-              <a:rPr lang="en-US" altLang="ko-KR" sz="2000" b="1" dirty="0" smtClean="0"/>
-              <a:t>DBMS</a:t>
-            </a:r>
-            <a:endParaRPr lang="ko-KR" altLang="en-US" sz="2000" b="1" dirty="0"/>
-          </a:p>
-        </p:txBody>
-      </p:sp>
-    </p:spTree>
-    <p:extLst>
-      <p:ext uri="{BB962C8B-B14F-4D97-AF65-F5344CB8AC3E}">
-        <p14:creationId xmlns:p14="http://schemas.microsoft.com/office/powerpoint/2010/main" val="3483134005"/>
-      </p:ext>
-    </p:extLst>
-  </p:cSld>
-  <p:clrMapOvr>
-    <a:masterClrMapping/>
-  </p:clrMapOvr>
-  <p:timing>
-    <p:tnLst>
-      <p:par>
-        <p:cTn id="1" dur="indefinite" restart="never" nodeType="tmRoot"/>
-      </p:par>
-    </p:tnLst>
-  </p:timing>
-</p:sld>
-</file>
-
-<file path=ppt/slides/slide11.xml><?xml version="1.0" encoding="utf-8"?>
-<p:sld xmlns:a="http://schemas.openxmlformats.org/drawingml/2006/main" xmlns:r="http://schemas.openxmlformats.org/officeDocument/2006/relationships" xmlns:p="http://schemas.openxmlformats.org/presentationml/2006/main">
-  <p:cSld>
-    <p:spTree>
-      <p:nvGrpSpPr>
-        <p:cNvPr id="1" name=""/>
-        <p:cNvGrpSpPr/>
-        <p:nvPr/>
-      </p:nvGrpSpPr>
-      <p:grpSpPr>
-        <a:xfrm>
-          <a:off x="0" y="0"/>
-          <a:ext cx="0" cy="0"/>
-          <a:chOff x="0" y="0"/>
-          <a:chExt cx="0" cy="0"/>
-        </a:xfrm>
-      </p:grpSpPr>
-      <p:sp>
-        <p:nvSpPr>
-          <p:cNvPr id="2" name="제목 1"/>
-          <p:cNvSpPr>
-            <a:spLocks noGrp="1"/>
-          </p:cNvSpPr>
-          <p:nvPr>
-            <p:ph type="title"/>
-          </p:nvPr>
-        </p:nvSpPr>
-        <p:spPr/>
-        <p:txBody>
-          <a:bodyPr/>
-          <a:lstStyle/>
-          <a:p>
-            <a:r>
-              <a:rPr lang="en-US" altLang="ko-KR" dirty="0" smtClean="0"/>
-              <a:t>  ER</a:t>
-            </a:r>
-            <a:r>
-              <a:rPr lang="ko-KR" altLang="en-US" dirty="0" smtClean="0"/>
-              <a:t> 모델</a:t>
-            </a:r>
-            <a:endParaRPr lang="ko-KR" altLang="en-US" dirty="0"/>
-          </a:p>
-        </p:txBody>
-      </p:sp>
-      <p:sp>
-        <p:nvSpPr>
-          <p:cNvPr id="4" name="슬라이드 번호 개체 틀 3"/>
-          <p:cNvSpPr>
-            <a:spLocks noGrp="1"/>
-          </p:cNvSpPr>
-          <p:nvPr>
-            <p:ph type="sldNum" sz="quarter" idx="12"/>
-          </p:nvPr>
-        </p:nvSpPr>
-        <p:spPr/>
-        <p:txBody>
-          <a:bodyPr/>
-          <a:lstStyle/>
-          <a:p>
-            <a:fld id="{1BDE3FE7-3AEA-4B05-AC5A-802D1816ACF0}" type="slidenum">
-              <a:rPr lang="ko-KR" altLang="en-US" smtClean="0"/>
-              <a:t>11</a:t>
-            </a:fld>
-            <a:endParaRPr lang="ko-KR" altLang="en-US"/>
-          </a:p>
-        </p:txBody>
-      </p:sp>
-      <p:sp>
-        <p:nvSpPr>
-          <p:cNvPr id="6" name="TextBox 5"/>
-          <p:cNvSpPr txBox="1"/>
-          <p:nvPr/>
-        </p:nvSpPr>
-        <p:spPr>
-          <a:xfrm>
-            <a:off x="611560" y="1196751"/>
-            <a:ext cx="7992888" cy="2723823"/>
-          </a:xfrm>
-          <a:prstGeom prst="rect">
-            <a:avLst/>
-          </a:prstGeom>
-          <a:noFill/>
-        </p:spPr>
-        <p:txBody>
-          <a:bodyPr wrap="square" rtlCol="0">
-            <a:spAutoFit/>
-          </a:bodyPr>
-          <a:lstStyle/>
-          <a:p>
-            <a:pPr>
-              <a:lnSpc>
-                <a:spcPct val="150000"/>
-              </a:lnSpc>
-            </a:pPr>
-            <a:r>
-              <a:rPr lang="en-US" altLang="ko-KR" b="1" dirty="0" smtClean="0"/>
-              <a:t>ER(Entity Relationship) </a:t>
-            </a:r>
-            <a:r>
-              <a:rPr lang="ko-KR" altLang="en-US" b="1" dirty="0" smtClean="0"/>
-              <a:t>모델은</a:t>
-            </a:r>
-            <a:r>
-              <a:rPr lang="ko-KR" altLang="en-US" dirty="0" smtClean="0"/>
-              <a:t> </a:t>
-            </a:r>
-            <a:r>
-              <a:rPr lang="ko-KR" altLang="en-US" sz="1600" dirty="0" smtClean="0"/>
-              <a:t>데이터 모델링 과정 중 개념적 모델링에서 사용하는 모델로 </a:t>
-            </a:r>
-            <a:r>
-              <a:rPr lang="en-US" altLang="ko-KR" sz="1600" dirty="0" smtClean="0"/>
-              <a:t>1976</a:t>
-            </a:r>
-            <a:r>
-              <a:rPr lang="ko-KR" altLang="en-US" sz="1600" dirty="0" smtClean="0"/>
-              <a:t>년 </a:t>
-            </a:r>
-            <a:r>
-              <a:rPr lang="ko-KR" altLang="en-US" sz="1600" dirty="0" err="1" smtClean="0"/>
-              <a:t>피터</a:t>
-            </a:r>
-            <a:r>
-              <a:rPr lang="ko-KR" altLang="en-US" sz="1600" dirty="0" smtClean="0"/>
-              <a:t> </a:t>
-            </a:r>
-            <a:r>
-              <a:rPr lang="ko-KR" altLang="en-US" sz="1600" dirty="0" err="1" smtClean="0"/>
-              <a:t>첸이</a:t>
-            </a:r>
-            <a:r>
-              <a:rPr lang="ko-KR" altLang="en-US" sz="1600" dirty="0" smtClean="0"/>
-              <a:t> 제안하였다</a:t>
-            </a:r>
-            <a:r>
-              <a:rPr lang="en-US" altLang="ko-KR" sz="1600" dirty="0" smtClean="0"/>
-              <a:t>.</a:t>
-            </a:r>
-          </a:p>
-          <a:p>
-            <a:pPr>
-              <a:lnSpc>
-                <a:spcPct val="150000"/>
-              </a:lnSpc>
-            </a:pPr>
-            <a:r>
-              <a:rPr lang="en-US" altLang="ko-KR" sz="1600" dirty="0" smtClean="0"/>
-              <a:t>ER </a:t>
-            </a:r>
-            <a:r>
-              <a:rPr lang="ko-KR" altLang="en-US" sz="1600" dirty="0" smtClean="0"/>
-              <a:t>모델은 세상의 사물을 개체와 개체 간의 관계로 표현한다</a:t>
-            </a:r>
-            <a:r>
-              <a:rPr lang="en-US" altLang="ko-KR" sz="1600" dirty="0" smtClean="0"/>
-              <a:t>.</a:t>
-            </a:r>
-          </a:p>
-          <a:p>
-            <a:pPr>
-              <a:lnSpc>
-                <a:spcPct val="150000"/>
-              </a:lnSpc>
-            </a:pPr>
-            <a:r>
-              <a:rPr lang="ko-KR" altLang="en-US" sz="1600" dirty="0" smtClean="0"/>
-              <a:t>개체는 독립적인 의미를 지니고 있는 </a:t>
-            </a:r>
-            <a:r>
-              <a:rPr lang="ko-KR" altLang="en-US" sz="1600" dirty="0" err="1" smtClean="0"/>
-              <a:t>유무형의</a:t>
-            </a:r>
-            <a:r>
-              <a:rPr lang="ko-KR" altLang="en-US" sz="1600" dirty="0" smtClean="0"/>
-              <a:t> 사람 또는 사물을 말하며</a:t>
-            </a:r>
-            <a:r>
-              <a:rPr lang="en-US" altLang="ko-KR" sz="1600" dirty="0" smtClean="0"/>
-              <a:t>, </a:t>
-            </a:r>
-            <a:r>
-              <a:rPr lang="ko-KR" altLang="en-US" sz="1600" dirty="0" smtClean="0"/>
-              <a:t>개체의 특성을 나타내는 속성</a:t>
-            </a:r>
-            <a:r>
-              <a:rPr lang="en-US" altLang="ko-KR" sz="1600" dirty="0" smtClean="0"/>
-              <a:t>(attribute)</a:t>
-            </a:r>
-            <a:r>
-              <a:rPr lang="ko-KR" altLang="en-US" sz="1600" dirty="0" smtClean="0"/>
-              <a:t>으로 식별한다</a:t>
-            </a:r>
-            <a:r>
-              <a:rPr lang="en-US" altLang="ko-KR" sz="1600" dirty="0" smtClean="0"/>
-              <a:t>.</a:t>
-            </a:r>
-            <a:r>
-              <a:rPr lang="ko-KR" altLang="en-US" sz="1600" dirty="0"/>
-              <a:t> </a:t>
-            </a:r>
-            <a:r>
-              <a:rPr lang="ko-KR" altLang="en-US" sz="1600" dirty="0" smtClean="0"/>
-              <a:t>또한 개체끼리는 서로 관계를 가진다</a:t>
-            </a:r>
-            <a:r>
-              <a:rPr lang="en-US" altLang="ko-KR" sz="1600" dirty="0" smtClean="0"/>
-              <a:t>.</a:t>
-            </a:r>
-          </a:p>
-          <a:p>
-            <a:pPr>
-              <a:lnSpc>
-                <a:spcPct val="150000"/>
-              </a:lnSpc>
-            </a:pPr>
-            <a:endParaRPr lang="en-US" altLang="ko-KR" sz="1600" dirty="0"/>
-          </a:p>
-          <a:p>
-            <a:pPr>
-              <a:lnSpc>
-                <a:spcPct val="150000"/>
-              </a:lnSpc>
-            </a:pPr>
-            <a:r>
-              <a:rPr lang="en-US" altLang="ko-KR" sz="1600" dirty="0" smtClean="0"/>
-              <a:t>ER </a:t>
-            </a:r>
-            <a:r>
-              <a:rPr lang="ko-KR" altLang="en-US" sz="1600" dirty="0" smtClean="0"/>
-              <a:t>모델은 개체와 개체간의 관계를 </a:t>
-            </a:r>
-            <a:r>
-              <a:rPr lang="en-US" altLang="ko-KR" sz="1600" dirty="0" smtClean="0"/>
-              <a:t>ER </a:t>
-            </a:r>
-            <a:r>
-              <a:rPr lang="ko-KR" altLang="en-US" sz="1600" dirty="0" smtClean="0"/>
-              <a:t>다이어그램이라는 표준화된 그림으로 표현한다</a:t>
-            </a:r>
-            <a:r>
-              <a:rPr lang="en-US" altLang="ko-KR" sz="1600" dirty="0" smtClean="0"/>
-              <a:t>.</a:t>
-            </a:r>
-          </a:p>
-        </p:txBody>
-      </p:sp>
-      <p:pic>
-        <p:nvPicPr>
-          <p:cNvPr id="3" name="그림 2"/>
-          <p:cNvPicPr>
-            <a:picLocks noChangeAspect="1"/>
-          </p:cNvPicPr>
-          <p:nvPr/>
-        </p:nvPicPr>
-        <p:blipFill>
-          <a:blip r:embed="rId2">
-            <a:extLst>
-              <a:ext uri="{28A0092B-C50C-407E-A947-70E740481C1C}">
-                <a14:useLocalDpi xmlns:a14="http://schemas.microsoft.com/office/drawing/2010/main" val="0"/>
-              </a:ext>
-            </a:extLst>
-          </a:blip>
-          <a:stretch>
-            <a:fillRect/>
-          </a:stretch>
-        </p:blipFill>
-        <p:spPr>
-          <a:xfrm>
-            <a:off x="1380654" y="4077072"/>
-            <a:ext cx="6143674" cy="1813363"/>
-          </a:xfrm>
-          <a:prstGeom prst="rect">
-            <a:avLst/>
-          </a:prstGeom>
-        </p:spPr>
-      </p:pic>
-    </p:spTree>
-    <p:extLst>
-      <p:ext uri="{BB962C8B-B14F-4D97-AF65-F5344CB8AC3E}">
-        <p14:creationId xmlns:p14="http://schemas.microsoft.com/office/powerpoint/2010/main" val="661845020"/>
-      </p:ext>
-    </p:extLst>
-  </p:cSld>
-  <p:clrMapOvr>
-    <a:masterClrMapping/>
-  </p:clrMapOvr>
-  <p:timing>
-    <p:tnLst>
-      <p:par>
-        <p:cTn id="1" dur="indefinite" restart="never" nodeType="tmRoot"/>
-      </p:par>
-    </p:tnLst>
-  </p:timing>
-</p:sld>
-</file>
-
-<file path=ppt/slides/slide12.xml><?xml version="1.0" encoding="utf-8"?>
-<p:sld xmlns:a="http://schemas.openxmlformats.org/drawingml/2006/main" xmlns:r="http://schemas.openxmlformats.org/officeDocument/2006/relationships" xmlns:p="http://schemas.openxmlformats.org/presentationml/2006/main">
-  <p:cSld>
-    <p:spTree>
-      <p:nvGrpSpPr>
-        <p:cNvPr id="1" name=""/>
-        <p:cNvGrpSpPr/>
-        <p:nvPr/>
-      </p:nvGrpSpPr>
-      <p:grpSpPr>
-        <a:xfrm>
-          <a:off x="0" y="0"/>
-          <a:ext cx="0" cy="0"/>
-          <a:chOff x="0" y="0"/>
-          <a:chExt cx="0" cy="0"/>
-        </a:xfrm>
-      </p:grpSpPr>
-      <p:sp>
-        <p:nvSpPr>
-          <p:cNvPr id="2" name="제목 1"/>
-          <p:cNvSpPr>
-            <a:spLocks noGrp="1"/>
-          </p:cNvSpPr>
-          <p:nvPr>
-            <p:ph type="title"/>
-          </p:nvPr>
-        </p:nvSpPr>
-        <p:spPr/>
-        <p:txBody>
-          <a:bodyPr/>
-          <a:lstStyle/>
-          <a:p>
-            <a:r>
-              <a:rPr lang="en-US" altLang="ko-KR" dirty="0" smtClean="0"/>
-              <a:t>  ER</a:t>
-            </a:r>
-            <a:r>
-              <a:rPr lang="ko-KR" altLang="en-US" dirty="0" smtClean="0"/>
-              <a:t> 모델</a:t>
-            </a:r>
-            <a:endParaRPr lang="ko-KR" altLang="en-US" dirty="0"/>
-          </a:p>
-        </p:txBody>
-      </p:sp>
-      <p:sp>
-        <p:nvSpPr>
-          <p:cNvPr id="4" name="슬라이드 번호 개체 틀 3"/>
-          <p:cNvSpPr>
-            <a:spLocks noGrp="1"/>
-          </p:cNvSpPr>
-          <p:nvPr>
-            <p:ph type="sldNum" sz="quarter" idx="12"/>
-          </p:nvPr>
-        </p:nvSpPr>
-        <p:spPr/>
-        <p:txBody>
-          <a:bodyPr/>
-          <a:lstStyle/>
-          <a:p>
-            <a:fld id="{1BDE3FE7-3AEA-4B05-AC5A-802D1816ACF0}" type="slidenum">
-              <a:rPr lang="ko-KR" altLang="en-US" smtClean="0"/>
-              <a:t>12</a:t>
-            </a:fld>
-            <a:endParaRPr lang="ko-KR" altLang="en-US"/>
-          </a:p>
-        </p:txBody>
-      </p:sp>
-      <p:sp>
-        <p:nvSpPr>
-          <p:cNvPr id="5" name="TextBox 4"/>
-          <p:cNvSpPr txBox="1"/>
-          <p:nvPr/>
-        </p:nvSpPr>
-        <p:spPr>
-          <a:xfrm>
-            <a:off x="755576" y="1196752"/>
-            <a:ext cx="2808312" cy="369332"/>
-          </a:xfrm>
-          <a:prstGeom prst="rect">
-            <a:avLst/>
-          </a:prstGeom>
-          <a:noFill/>
-        </p:spPr>
-        <p:txBody>
-          <a:bodyPr wrap="square" rtlCol="0">
-            <a:spAutoFit/>
-          </a:bodyPr>
-          <a:lstStyle/>
-          <a:p>
-            <a:r>
-              <a:rPr lang="ko-KR" altLang="en-US" smtClean="0">
-                <a:solidFill>
-                  <a:srgbClr val="C00000"/>
-                </a:solidFill>
-              </a:rPr>
-              <a:t>관계 대응 수에 따른 유형</a:t>
-            </a:r>
-            <a:endParaRPr lang="ko-KR" altLang="en-US">
-              <a:solidFill>
-                <a:srgbClr val="C00000"/>
-              </a:solidFill>
-            </a:endParaRPr>
-          </a:p>
-        </p:txBody>
-      </p:sp>
-      <p:sp>
-        <p:nvSpPr>
-          <p:cNvPr id="7" name="직사각형 6"/>
-          <p:cNvSpPr/>
-          <p:nvPr/>
-        </p:nvSpPr>
-        <p:spPr>
-          <a:xfrm>
-            <a:off x="1403648" y="2348880"/>
-            <a:ext cx="1296144" cy="504056"/>
-          </a:xfrm>
-          <a:prstGeom prst="rect">
-            <a:avLst/>
-          </a:prstGeom>
-          <a:noFill/>
-          <a:ln w="12700">
-            <a:solidFill>
-              <a:schemeClr val="tx1"/>
-            </a:solidFill>
-          </a:ln>
-        </p:spPr>
-        <p:style>
-          <a:lnRef idx="2">
-            <a:schemeClr val="accent1">
-              <a:shade val="50000"/>
-            </a:schemeClr>
-          </a:lnRef>
-          <a:fillRef idx="1">
-            <a:schemeClr val="accent1"/>
-          </a:fillRef>
-          <a:effectRef idx="0">
-            <a:schemeClr val="accent1"/>
-          </a:effectRef>
-          <a:fontRef idx="minor">
-            <a:schemeClr val="lt1"/>
-          </a:fontRef>
-        </p:style>
-        <p:txBody>
-          <a:bodyPr rtlCol="0" anchor="ctr"/>
-          <a:lstStyle/>
-          <a:p>
-            <a:pPr algn="ctr"/>
-            <a:r>
-              <a:rPr lang="ko-KR" altLang="en-US" sz="1600" dirty="0" smtClean="0">
-                <a:solidFill>
-                  <a:sysClr val="windowText" lastClr="000000"/>
-                </a:solidFill>
-              </a:rPr>
-              <a:t>사</a:t>
-            </a:r>
-            <a:r>
-              <a:rPr lang="ko-KR" altLang="en-US" sz="1600" dirty="0">
-                <a:solidFill>
-                  <a:sysClr val="windowText" lastClr="000000"/>
-                </a:solidFill>
-              </a:rPr>
-              <a:t>원</a:t>
-            </a:r>
-          </a:p>
-        </p:txBody>
-      </p:sp>
-      <p:sp>
-        <p:nvSpPr>
-          <p:cNvPr id="8" name="직사각형 7"/>
-          <p:cNvSpPr/>
-          <p:nvPr/>
-        </p:nvSpPr>
-        <p:spPr>
-          <a:xfrm>
-            <a:off x="6198823" y="2348880"/>
-            <a:ext cx="1296144" cy="504056"/>
-          </a:xfrm>
-          <a:prstGeom prst="rect">
-            <a:avLst/>
-          </a:prstGeom>
-          <a:noFill/>
-          <a:ln w="12700">
-            <a:solidFill>
-              <a:schemeClr val="tx1"/>
-            </a:solidFill>
-          </a:ln>
-        </p:spPr>
-        <p:style>
-          <a:lnRef idx="2">
-            <a:schemeClr val="accent1">
-              <a:shade val="50000"/>
-            </a:schemeClr>
-          </a:lnRef>
-          <a:fillRef idx="1">
-            <a:schemeClr val="accent1"/>
-          </a:fillRef>
-          <a:effectRef idx="0">
-            <a:schemeClr val="accent1"/>
-          </a:effectRef>
-          <a:fontRef idx="minor">
-            <a:schemeClr val="lt1"/>
-          </a:fontRef>
-        </p:style>
-        <p:txBody>
-          <a:bodyPr rtlCol="0" anchor="ctr"/>
-          <a:lstStyle/>
-          <a:p>
-            <a:pPr algn="ctr"/>
-            <a:r>
-              <a:rPr lang="ko-KR" altLang="en-US" sz="1600" dirty="0" smtClean="0">
-                <a:solidFill>
-                  <a:sysClr val="windowText" lastClr="000000"/>
-                </a:solidFill>
-              </a:rPr>
-              <a:t>컴퓨</a:t>
-            </a:r>
-            <a:r>
-              <a:rPr lang="ko-KR" altLang="en-US" sz="1600" dirty="0">
-                <a:solidFill>
-                  <a:sysClr val="windowText" lastClr="000000"/>
-                </a:solidFill>
-              </a:rPr>
-              <a:t>터</a:t>
-            </a:r>
-          </a:p>
-        </p:txBody>
-      </p:sp>
-      <p:sp>
-        <p:nvSpPr>
-          <p:cNvPr id="9" name="다이아몬드 8"/>
-          <p:cNvSpPr/>
-          <p:nvPr/>
-        </p:nvSpPr>
-        <p:spPr>
-          <a:xfrm>
-            <a:off x="3707904" y="2316116"/>
-            <a:ext cx="1224136" cy="571504"/>
-          </a:xfrm>
-          <a:prstGeom prst="diamond">
-            <a:avLst/>
-          </a:prstGeom>
-          <a:noFill/>
-          <a:ln w="6350">
-            <a:solidFill>
-              <a:schemeClr val="tx1"/>
-            </a:solidFill>
-          </a:ln>
-        </p:spPr>
-        <p:style>
-          <a:lnRef idx="2">
-            <a:schemeClr val="accent1">
-              <a:shade val="50000"/>
-            </a:schemeClr>
-          </a:lnRef>
-          <a:fillRef idx="1">
-            <a:schemeClr val="accent1"/>
-          </a:fillRef>
-          <a:effectRef idx="0">
-            <a:schemeClr val="accent1"/>
-          </a:effectRef>
-          <a:fontRef idx="minor">
-            <a:schemeClr val="lt1"/>
-          </a:fontRef>
-        </p:style>
-        <p:txBody>
-          <a:bodyPr rtlCol="0" anchor="ctr"/>
-          <a:lstStyle/>
-          <a:p>
-            <a:pPr algn="ctr"/>
-            <a:r>
-              <a:rPr lang="ko-KR" altLang="en-US" sz="1600" dirty="0" smtClean="0">
-                <a:solidFill>
-                  <a:sysClr val="windowText" lastClr="000000"/>
-                </a:solidFill>
-              </a:rPr>
-              <a:t>사</a:t>
-            </a:r>
-            <a:r>
-              <a:rPr lang="ko-KR" altLang="en-US" sz="1600" dirty="0">
-                <a:solidFill>
-                  <a:sysClr val="windowText" lastClr="000000"/>
-                </a:solidFill>
-              </a:rPr>
-              <a:t>용</a:t>
-            </a:r>
-          </a:p>
-        </p:txBody>
-      </p:sp>
-      <p:cxnSp>
-        <p:nvCxnSpPr>
-          <p:cNvPr id="10" name="직선 연결선 9"/>
-          <p:cNvCxnSpPr>
-            <a:stCxn id="7" idx="3"/>
-            <a:endCxn id="9" idx="1"/>
-          </p:cNvCxnSpPr>
-          <p:nvPr/>
-        </p:nvCxnSpPr>
-        <p:spPr>
-          <a:xfrm>
-            <a:off x="2699792" y="2600908"/>
-            <a:ext cx="1008112" cy="960"/>
-          </a:xfrm>
-          <a:prstGeom prst="line">
-            <a:avLst/>
-          </a:prstGeom>
-        </p:spPr>
-        <p:style>
-          <a:lnRef idx="1">
-            <a:schemeClr val="accent1"/>
-          </a:lnRef>
-          <a:fillRef idx="0">
-            <a:schemeClr val="accent1"/>
-          </a:fillRef>
-          <a:effectRef idx="0">
-            <a:schemeClr val="accent1"/>
-          </a:effectRef>
-          <a:fontRef idx="minor">
-            <a:schemeClr val="tx1"/>
-          </a:fontRef>
-        </p:style>
-      </p:cxnSp>
-      <p:cxnSp>
-        <p:nvCxnSpPr>
-          <p:cNvPr id="11" name="직선 연결선 10"/>
-          <p:cNvCxnSpPr>
-            <a:stCxn id="9" idx="3"/>
-            <a:endCxn id="8" idx="1"/>
-          </p:cNvCxnSpPr>
-          <p:nvPr/>
-        </p:nvCxnSpPr>
-        <p:spPr>
-          <a:xfrm flipV="1">
-            <a:off x="4932040" y="2600908"/>
-            <a:ext cx="1266783" cy="960"/>
-          </a:xfrm>
-          <a:prstGeom prst="line">
-            <a:avLst/>
-          </a:prstGeom>
-        </p:spPr>
-        <p:style>
-          <a:lnRef idx="1">
-            <a:schemeClr val="accent1"/>
-          </a:lnRef>
-          <a:fillRef idx="0">
-            <a:schemeClr val="accent1"/>
-          </a:fillRef>
-          <a:effectRef idx="0">
-            <a:schemeClr val="accent1"/>
-          </a:effectRef>
-          <a:fontRef idx="minor">
-            <a:schemeClr val="tx1"/>
-          </a:fontRef>
-        </p:style>
-      </p:cxnSp>
-      <p:sp>
-        <p:nvSpPr>
-          <p:cNvPr id="12" name="TextBox 11"/>
-          <p:cNvSpPr txBox="1"/>
-          <p:nvPr/>
-        </p:nvSpPr>
-        <p:spPr>
-          <a:xfrm>
-            <a:off x="2771800" y="2276872"/>
-            <a:ext cx="360040" cy="369332"/>
-          </a:xfrm>
-          <a:prstGeom prst="rect">
-            <a:avLst/>
-          </a:prstGeom>
-          <a:noFill/>
-        </p:spPr>
-        <p:txBody>
-          <a:bodyPr wrap="square" rtlCol="0">
-            <a:spAutoFit/>
-          </a:bodyPr>
-          <a:lstStyle/>
-          <a:p>
-            <a:r>
-              <a:rPr lang="en-US" altLang="ko-KR" dirty="0" smtClean="0"/>
-              <a:t>1</a:t>
-            </a:r>
-            <a:endParaRPr lang="ko-KR" altLang="en-US" dirty="0"/>
-          </a:p>
-        </p:txBody>
-      </p:sp>
-      <p:sp>
-        <p:nvSpPr>
-          <p:cNvPr id="13" name="TextBox 12"/>
-          <p:cNvSpPr txBox="1"/>
-          <p:nvPr/>
-        </p:nvSpPr>
-        <p:spPr>
-          <a:xfrm>
-            <a:off x="5796136" y="2276872"/>
-            <a:ext cx="360040" cy="369332"/>
-          </a:xfrm>
-          <a:prstGeom prst="rect">
-            <a:avLst/>
-          </a:prstGeom>
-          <a:noFill/>
-        </p:spPr>
-        <p:txBody>
-          <a:bodyPr wrap="square" rtlCol="0">
-            <a:spAutoFit/>
-          </a:bodyPr>
-          <a:lstStyle/>
-          <a:p>
-            <a:r>
-              <a:rPr lang="en-US" altLang="ko-KR" dirty="0" smtClean="0"/>
-              <a:t>1</a:t>
-            </a:r>
-            <a:endParaRPr lang="ko-KR" altLang="en-US" dirty="0"/>
-          </a:p>
-        </p:txBody>
-      </p:sp>
-      <p:sp>
-        <p:nvSpPr>
-          <p:cNvPr id="14" name="TextBox 13"/>
-          <p:cNvSpPr txBox="1"/>
-          <p:nvPr/>
-        </p:nvSpPr>
-        <p:spPr>
-          <a:xfrm>
-            <a:off x="899592" y="1772816"/>
-            <a:ext cx="2052228" cy="338554"/>
-          </a:xfrm>
-          <a:prstGeom prst="rect">
-            <a:avLst/>
-          </a:prstGeom>
-          <a:noFill/>
-        </p:spPr>
-        <p:txBody>
-          <a:bodyPr wrap="square" rtlCol="0">
-            <a:spAutoFit/>
-          </a:bodyPr>
-          <a:lstStyle/>
-          <a:p>
-            <a:pPr marL="285750" indent="-285750">
-              <a:buFont typeface="Arial" panose="020B0604020202020204" pitchFamily="34" charset="0"/>
-              <a:buChar char="•"/>
-            </a:pPr>
-            <a:r>
-              <a:rPr lang="ko-KR" altLang="en-US" sz="1600" b="1" dirty="0" smtClean="0"/>
-              <a:t>일대일</a:t>
-            </a:r>
-            <a:r>
-              <a:rPr lang="en-US" altLang="ko-KR" sz="1600" b="1" dirty="0" smtClean="0"/>
-              <a:t>(1:1) </a:t>
-            </a:r>
-            <a:r>
-              <a:rPr lang="ko-KR" altLang="en-US" sz="1600" b="1" dirty="0" smtClean="0"/>
-              <a:t>관</a:t>
-            </a:r>
-            <a:r>
-              <a:rPr lang="ko-KR" altLang="en-US" sz="1600" b="1" dirty="0"/>
-              <a:t>계</a:t>
-            </a:r>
-          </a:p>
-        </p:txBody>
-      </p:sp>
-      <p:sp>
-        <p:nvSpPr>
-          <p:cNvPr id="15" name="TextBox 14"/>
-          <p:cNvSpPr txBox="1"/>
-          <p:nvPr/>
-        </p:nvSpPr>
-        <p:spPr>
-          <a:xfrm>
-            <a:off x="1043608" y="3008108"/>
-            <a:ext cx="7560840" cy="307777"/>
-          </a:xfrm>
-          <a:prstGeom prst="rect">
-            <a:avLst/>
-          </a:prstGeom>
-          <a:noFill/>
-        </p:spPr>
-        <p:txBody>
-          <a:bodyPr wrap="square" rtlCol="0">
-            <a:spAutoFit/>
-          </a:bodyPr>
-          <a:lstStyle/>
-          <a:p>
-            <a:r>
-              <a:rPr lang="ko-KR" altLang="en-US" sz="1400" dirty="0" smtClean="0"/>
-              <a:t>회사에서 사원이 개인별로 한 대의 컴퓨터만 사용한다면 사원과 컴퓨터는 일대일 관계이다</a:t>
-            </a:r>
-            <a:r>
-              <a:rPr lang="en-US" altLang="ko-KR" sz="1400" dirty="0" smtClean="0"/>
-              <a:t>.</a:t>
-            </a:r>
-            <a:endParaRPr lang="ko-KR" altLang="en-US" sz="1400" dirty="0"/>
-          </a:p>
-        </p:txBody>
-      </p:sp>
-      <p:sp>
-        <p:nvSpPr>
-          <p:cNvPr id="16" name="직사각형 15"/>
-          <p:cNvSpPr/>
-          <p:nvPr/>
-        </p:nvSpPr>
-        <p:spPr>
-          <a:xfrm>
-            <a:off x="1403648" y="4293096"/>
-            <a:ext cx="1296144" cy="504056"/>
-          </a:xfrm>
-          <a:prstGeom prst="rect">
-            <a:avLst/>
-          </a:prstGeom>
-          <a:noFill/>
-          <a:ln w="12700">
-            <a:solidFill>
-              <a:schemeClr val="tx1"/>
-            </a:solidFill>
-          </a:ln>
-        </p:spPr>
-        <p:style>
-          <a:lnRef idx="2">
-            <a:schemeClr val="accent1">
-              <a:shade val="50000"/>
-            </a:schemeClr>
-          </a:lnRef>
-          <a:fillRef idx="1">
-            <a:schemeClr val="accent1"/>
-          </a:fillRef>
-          <a:effectRef idx="0">
-            <a:schemeClr val="accent1"/>
-          </a:effectRef>
-          <a:fontRef idx="minor">
-            <a:schemeClr val="lt1"/>
-          </a:fontRef>
-        </p:style>
-        <p:txBody>
-          <a:bodyPr rtlCol="0" anchor="ctr"/>
-          <a:lstStyle/>
-          <a:p>
-            <a:pPr algn="ctr"/>
-            <a:r>
-              <a:rPr lang="ko-KR" altLang="en-US" sz="1600" dirty="0" smtClean="0">
-                <a:solidFill>
-                  <a:sysClr val="windowText" lastClr="000000"/>
-                </a:solidFill>
-              </a:rPr>
-              <a:t>학</a:t>
-            </a:r>
-            <a:r>
-              <a:rPr lang="ko-KR" altLang="en-US" sz="1600" dirty="0">
-                <a:solidFill>
-                  <a:sysClr val="windowText" lastClr="000000"/>
-                </a:solidFill>
-              </a:rPr>
-              <a:t>과</a:t>
-            </a:r>
-          </a:p>
-        </p:txBody>
-      </p:sp>
-      <p:sp>
-        <p:nvSpPr>
-          <p:cNvPr id="17" name="직사각형 16"/>
-          <p:cNvSpPr/>
-          <p:nvPr/>
-        </p:nvSpPr>
-        <p:spPr>
-          <a:xfrm>
-            <a:off x="6198823" y="4293096"/>
-            <a:ext cx="1296144" cy="504056"/>
-          </a:xfrm>
-          <a:prstGeom prst="rect">
-            <a:avLst/>
-          </a:prstGeom>
-          <a:noFill/>
-          <a:ln w="12700">
-            <a:solidFill>
-              <a:schemeClr val="tx1"/>
-            </a:solidFill>
-          </a:ln>
-        </p:spPr>
-        <p:style>
-          <a:lnRef idx="2">
-            <a:schemeClr val="accent1">
-              <a:shade val="50000"/>
-            </a:schemeClr>
-          </a:lnRef>
-          <a:fillRef idx="1">
-            <a:schemeClr val="accent1"/>
-          </a:fillRef>
-          <a:effectRef idx="0">
-            <a:schemeClr val="accent1"/>
-          </a:effectRef>
-          <a:fontRef idx="minor">
-            <a:schemeClr val="lt1"/>
-          </a:fontRef>
-        </p:style>
-        <p:txBody>
-          <a:bodyPr rtlCol="0" anchor="ctr"/>
-          <a:lstStyle/>
-          <a:p>
-            <a:pPr algn="ctr"/>
-            <a:r>
-              <a:rPr lang="ko-KR" altLang="en-US" sz="1600" dirty="0" smtClean="0">
-                <a:solidFill>
-                  <a:sysClr val="windowText" lastClr="000000"/>
-                </a:solidFill>
-              </a:rPr>
-              <a:t>학</a:t>
-            </a:r>
-            <a:r>
-              <a:rPr lang="ko-KR" altLang="en-US" sz="1600" dirty="0">
-                <a:solidFill>
-                  <a:sysClr val="windowText" lastClr="000000"/>
-                </a:solidFill>
-              </a:rPr>
-              <a:t>생</a:t>
-            </a:r>
-          </a:p>
-        </p:txBody>
-      </p:sp>
-      <p:sp>
-        <p:nvSpPr>
-          <p:cNvPr id="18" name="다이아몬드 17"/>
-          <p:cNvSpPr/>
-          <p:nvPr/>
-        </p:nvSpPr>
-        <p:spPr>
-          <a:xfrm>
-            <a:off x="3707904" y="4260332"/>
-            <a:ext cx="1224136" cy="571504"/>
-          </a:xfrm>
-          <a:prstGeom prst="diamond">
-            <a:avLst/>
-          </a:prstGeom>
-          <a:noFill/>
-          <a:ln w="6350">
-            <a:solidFill>
-              <a:schemeClr val="tx1"/>
-            </a:solidFill>
-          </a:ln>
-        </p:spPr>
-        <p:style>
-          <a:lnRef idx="2">
-            <a:schemeClr val="accent1">
-              <a:shade val="50000"/>
-            </a:schemeClr>
-          </a:lnRef>
-          <a:fillRef idx="1">
-            <a:schemeClr val="accent1"/>
-          </a:fillRef>
-          <a:effectRef idx="0">
-            <a:schemeClr val="accent1"/>
-          </a:effectRef>
-          <a:fontRef idx="minor">
-            <a:schemeClr val="lt1"/>
-          </a:fontRef>
-        </p:style>
-        <p:txBody>
-          <a:bodyPr rtlCol="0" anchor="ctr"/>
-          <a:lstStyle/>
-          <a:p>
-            <a:pPr algn="ctr"/>
-            <a:r>
-              <a:rPr lang="ko-KR" altLang="en-US" sz="1600" dirty="0" smtClean="0">
-                <a:solidFill>
-                  <a:sysClr val="windowText" lastClr="000000"/>
-                </a:solidFill>
-              </a:rPr>
-              <a:t>소</a:t>
-            </a:r>
-            <a:r>
-              <a:rPr lang="ko-KR" altLang="en-US" sz="1600" dirty="0">
-                <a:solidFill>
-                  <a:sysClr val="windowText" lastClr="000000"/>
-                </a:solidFill>
-              </a:rPr>
-              <a:t>속</a:t>
-            </a:r>
-          </a:p>
-        </p:txBody>
-      </p:sp>
-      <p:cxnSp>
-        <p:nvCxnSpPr>
-          <p:cNvPr id="19" name="직선 연결선 18"/>
-          <p:cNvCxnSpPr>
-            <a:stCxn id="16" idx="3"/>
-            <a:endCxn id="18" idx="1"/>
-          </p:cNvCxnSpPr>
-          <p:nvPr/>
-        </p:nvCxnSpPr>
-        <p:spPr>
-          <a:xfrm>
-            <a:off x="2699792" y="4545124"/>
-            <a:ext cx="1008112" cy="960"/>
-          </a:xfrm>
-          <a:prstGeom prst="line">
-            <a:avLst/>
-          </a:prstGeom>
-        </p:spPr>
-        <p:style>
-          <a:lnRef idx="1">
-            <a:schemeClr val="accent1"/>
-          </a:lnRef>
-          <a:fillRef idx="0">
-            <a:schemeClr val="accent1"/>
-          </a:fillRef>
-          <a:effectRef idx="0">
-            <a:schemeClr val="accent1"/>
-          </a:effectRef>
-          <a:fontRef idx="minor">
-            <a:schemeClr val="tx1"/>
-          </a:fontRef>
-        </p:style>
-      </p:cxnSp>
-      <p:cxnSp>
-        <p:nvCxnSpPr>
-          <p:cNvPr id="20" name="직선 연결선 19"/>
-          <p:cNvCxnSpPr>
-            <a:stCxn id="18" idx="3"/>
-            <a:endCxn id="17" idx="1"/>
-          </p:cNvCxnSpPr>
-          <p:nvPr/>
-        </p:nvCxnSpPr>
-        <p:spPr>
-          <a:xfrm flipV="1">
-            <a:off x="4932040" y="4545124"/>
-            <a:ext cx="1266783" cy="960"/>
-          </a:xfrm>
-          <a:prstGeom prst="line">
-            <a:avLst/>
-          </a:prstGeom>
-        </p:spPr>
-        <p:style>
-          <a:lnRef idx="1">
-            <a:schemeClr val="accent1"/>
-          </a:lnRef>
-          <a:fillRef idx="0">
-            <a:schemeClr val="accent1"/>
-          </a:fillRef>
-          <a:effectRef idx="0">
-            <a:schemeClr val="accent1"/>
-          </a:effectRef>
-          <a:fontRef idx="minor">
-            <a:schemeClr val="tx1"/>
-          </a:fontRef>
-        </p:style>
-      </p:cxnSp>
-      <p:sp>
-        <p:nvSpPr>
-          <p:cNvPr id="21" name="TextBox 20"/>
-          <p:cNvSpPr txBox="1"/>
-          <p:nvPr/>
-        </p:nvSpPr>
-        <p:spPr>
-          <a:xfrm>
-            <a:off x="2771800" y="4221088"/>
-            <a:ext cx="360040" cy="369332"/>
-          </a:xfrm>
-          <a:prstGeom prst="rect">
-            <a:avLst/>
-          </a:prstGeom>
-          <a:noFill/>
-        </p:spPr>
-        <p:txBody>
-          <a:bodyPr wrap="square" rtlCol="0">
-            <a:spAutoFit/>
-          </a:bodyPr>
-          <a:lstStyle/>
-          <a:p>
-            <a:r>
-              <a:rPr lang="en-US" altLang="ko-KR" dirty="0" smtClean="0"/>
-              <a:t>1</a:t>
-            </a:r>
-            <a:endParaRPr lang="ko-KR" altLang="en-US" dirty="0"/>
-          </a:p>
-        </p:txBody>
-      </p:sp>
-      <p:sp>
-        <p:nvSpPr>
-          <p:cNvPr id="22" name="TextBox 21"/>
-          <p:cNvSpPr txBox="1"/>
-          <p:nvPr/>
-        </p:nvSpPr>
-        <p:spPr>
-          <a:xfrm>
-            <a:off x="5796136" y="4221088"/>
-            <a:ext cx="360040" cy="369332"/>
-          </a:xfrm>
-          <a:prstGeom prst="rect">
-            <a:avLst/>
-          </a:prstGeom>
-          <a:noFill/>
-        </p:spPr>
-        <p:txBody>
-          <a:bodyPr wrap="square" rtlCol="0">
-            <a:spAutoFit/>
-          </a:bodyPr>
-          <a:lstStyle/>
-          <a:p>
-            <a:r>
-              <a:rPr lang="en-US" altLang="ko-KR" dirty="0"/>
-              <a:t>N</a:t>
-            </a:r>
-            <a:endParaRPr lang="ko-KR" altLang="en-US" dirty="0"/>
-          </a:p>
-        </p:txBody>
-      </p:sp>
-      <p:sp>
-        <p:nvSpPr>
-          <p:cNvPr id="23" name="TextBox 22"/>
-          <p:cNvSpPr txBox="1"/>
-          <p:nvPr/>
-        </p:nvSpPr>
-        <p:spPr>
-          <a:xfrm>
-            <a:off x="899592" y="3717032"/>
-            <a:ext cx="2052228" cy="338554"/>
-          </a:xfrm>
-          <a:prstGeom prst="rect">
-            <a:avLst/>
-          </a:prstGeom>
-          <a:noFill/>
-        </p:spPr>
-        <p:txBody>
-          <a:bodyPr wrap="square" rtlCol="0">
-            <a:spAutoFit/>
-          </a:bodyPr>
-          <a:lstStyle/>
-          <a:p>
-            <a:pPr marL="285750" indent="-285750">
-              <a:buFont typeface="Arial" panose="020B0604020202020204" pitchFamily="34" charset="0"/>
-              <a:buChar char="•"/>
-            </a:pPr>
-            <a:r>
-              <a:rPr lang="ko-KR" altLang="en-US" sz="1600" b="1" dirty="0" smtClean="0"/>
-              <a:t>일대다</a:t>
-            </a:r>
-            <a:r>
-              <a:rPr lang="en-US" altLang="ko-KR" sz="1600" b="1" dirty="0" smtClean="0"/>
-              <a:t>(1:N) </a:t>
-            </a:r>
-            <a:r>
-              <a:rPr lang="ko-KR" altLang="en-US" sz="1600" b="1" dirty="0" smtClean="0"/>
-              <a:t>관</a:t>
-            </a:r>
-            <a:r>
-              <a:rPr lang="ko-KR" altLang="en-US" sz="1600" b="1" dirty="0"/>
-              <a:t>계</a:t>
-            </a:r>
-          </a:p>
-        </p:txBody>
-      </p:sp>
-      <p:sp>
-        <p:nvSpPr>
-          <p:cNvPr id="24" name="TextBox 23"/>
-          <p:cNvSpPr txBox="1"/>
-          <p:nvPr/>
-        </p:nvSpPr>
-        <p:spPr>
-          <a:xfrm>
-            <a:off x="1043608" y="4952324"/>
-            <a:ext cx="7560840" cy="523220"/>
-          </a:xfrm>
-          <a:prstGeom prst="rect">
-            <a:avLst/>
-          </a:prstGeom>
-          <a:noFill/>
-        </p:spPr>
-        <p:txBody>
-          <a:bodyPr wrap="square" rtlCol="0">
-            <a:spAutoFit/>
-          </a:bodyPr>
-          <a:lstStyle/>
-          <a:p>
-            <a:r>
-              <a:rPr lang="ko-KR" altLang="en-US" sz="1400" dirty="0" smtClean="0"/>
-              <a:t>하나의 학과에는 여러 명의 학생이 소속되어 있어 일대다 관계로 표현할 수 있다</a:t>
-            </a:r>
-            <a:r>
-              <a:rPr lang="en-US" altLang="ko-KR" sz="1400" dirty="0" smtClean="0"/>
-              <a:t>.</a:t>
-            </a:r>
-          </a:p>
-          <a:p>
-            <a:r>
-              <a:rPr lang="en-US" altLang="ko-KR" sz="1400" dirty="0" smtClean="0"/>
-              <a:t>N</a:t>
-            </a:r>
-            <a:r>
-              <a:rPr lang="ko-KR" altLang="en-US" sz="1400" dirty="0" smtClean="0"/>
-              <a:t>은 </a:t>
-            </a:r>
-            <a:r>
-              <a:rPr lang="en-US" altLang="ko-KR" sz="1400" dirty="0" smtClean="0"/>
-              <a:t>0</a:t>
-            </a:r>
-            <a:r>
-              <a:rPr lang="ko-KR" altLang="en-US" sz="1400" dirty="0" smtClean="0"/>
-              <a:t>이상의 자연수를 말한다</a:t>
-            </a:r>
-            <a:r>
-              <a:rPr lang="en-US" altLang="ko-KR" sz="1400" dirty="0" smtClean="0"/>
-              <a:t>.</a:t>
-            </a:r>
-          </a:p>
-        </p:txBody>
-      </p:sp>
-    </p:spTree>
-    <p:extLst>
-      <p:ext uri="{BB962C8B-B14F-4D97-AF65-F5344CB8AC3E}">
-        <p14:creationId xmlns:p14="http://schemas.microsoft.com/office/powerpoint/2010/main" val="1521332599"/>
-      </p:ext>
-    </p:extLst>
-  </p:cSld>
-  <p:clrMapOvr>
-    <a:masterClrMapping/>
-  </p:clrMapOvr>
-  <p:timing>
-    <p:tnLst>
-      <p:par>
-        <p:cTn id="1" dur="indefinite" restart="never" nodeType="tmRoot"/>
-      </p:par>
-    </p:tnLst>
-  </p:timing>
-</p:sld>
-</file>
-
-<file path=ppt/slides/slide13.xml><?xml version="1.0" encoding="utf-8"?>
-<p:sld xmlns:a="http://schemas.openxmlformats.org/drawingml/2006/main" xmlns:r="http://schemas.openxmlformats.org/officeDocument/2006/relationships" xmlns:p="http://schemas.openxmlformats.org/presentationml/2006/main">
-  <p:cSld>
-    <p:spTree>
-      <p:nvGrpSpPr>
-        <p:cNvPr id="1" name=""/>
-        <p:cNvGrpSpPr/>
-        <p:nvPr/>
-      </p:nvGrpSpPr>
-      <p:grpSpPr>
-        <a:xfrm>
-          <a:off x="0" y="0"/>
-          <a:ext cx="0" cy="0"/>
-          <a:chOff x="0" y="0"/>
-          <a:chExt cx="0" cy="0"/>
-        </a:xfrm>
-      </p:grpSpPr>
-      <p:sp>
-        <p:nvSpPr>
-          <p:cNvPr id="2" name="제목 1"/>
-          <p:cNvSpPr>
-            <a:spLocks noGrp="1"/>
-          </p:cNvSpPr>
-          <p:nvPr>
-            <p:ph type="title"/>
-          </p:nvPr>
-        </p:nvSpPr>
-        <p:spPr/>
-        <p:txBody>
-          <a:bodyPr/>
-          <a:lstStyle/>
-          <a:p>
-            <a:r>
-              <a:rPr lang="en-US" altLang="ko-KR" dirty="0" smtClean="0"/>
-              <a:t>  ER</a:t>
-            </a:r>
-            <a:r>
-              <a:rPr lang="ko-KR" altLang="en-US" dirty="0" smtClean="0"/>
-              <a:t> 모델</a:t>
-            </a:r>
-            <a:endParaRPr lang="ko-KR" altLang="en-US" dirty="0"/>
-          </a:p>
-        </p:txBody>
-      </p:sp>
-      <p:sp>
-        <p:nvSpPr>
-          <p:cNvPr id="4" name="슬라이드 번호 개체 틀 3"/>
-          <p:cNvSpPr>
-            <a:spLocks noGrp="1"/>
-          </p:cNvSpPr>
-          <p:nvPr>
-            <p:ph type="sldNum" sz="quarter" idx="12"/>
-          </p:nvPr>
-        </p:nvSpPr>
-        <p:spPr/>
-        <p:txBody>
-          <a:bodyPr/>
-          <a:lstStyle/>
-          <a:p>
-            <a:fld id="{1BDE3FE7-3AEA-4B05-AC5A-802D1816ACF0}" type="slidenum">
-              <a:rPr lang="ko-KR" altLang="en-US" smtClean="0"/>
-              <a:t>13</a:t>
-            </a:fld>
-            <a:endParaRPr lang="ko-KR" altLang="en-US"/>
-          </a:p>
-        </p:txBody>
-      </p:sp>
-      <p:sp>
-        <p:nvSpPr>
-          <p:cNvPr id="5" name="TextBox 4"/>
-          <p:cNvSpPr txBox="1"/>
-          <p:nvPr/>
-        </p:nvSpPr>
-        <p:spPr>
-          <a:xfrm>
-            <a:off x="755576" y="1196752"/>
-            <a:ext cx="2808312" cy="369332"/>
-          </a:xfrm>
-          <a:prstGeom prst="rect">
-            <a:avLst/>
-          </a:prstGeom>
-          <a:noFill/>
-        </p:spPr>
-        <p:txBody>
-          <a:bodyPr wrap="square" rtlCol="0">
-            <a:spAutoFit/>
-          </a:bodyPr>
-          <a:lstStyle/>
-          <a:p>
-            <a:r>
-              <a:rPr lang="ko-KR" altLang="en-US" smtClean="0">
-                <a:solidFill>
-                  <a:srgbClr val="C00000"/>
-                </a:solidFill>
-              </a:rPr>
-              <a:t>관계 대응 수에 따른 유형</a:t>
-            </a:r>
-            <a:endParaRPr lang="ko-KR" altLang="en-US">
-              <a:solidFill>
-                <a:srgbClr val="C00000"/>
-              </a:solidFill>
-            </a:endParaRPr>
-          </a:p>
-        </p:txBody>
-      </p:sp>
-      <p:sp>
-        <p:nvSpPr>
-          <p:cNvPr id="25" name="직사각형 24"/>
-          <p:cNvSpPr/>
-          <p:nvPr/>
-        </p:nvSpPr>
-        <p:spPr>
-          <a:xfrm>
-            <a:off x="1403648" y="2245971"/>
-            <a:ext cx="1296144" cy="504056"/>
-          </a:xfrm>
-          <a:prstGeom prst="rect">
-            <a:avLst/>
-          </a:prstGeom>
-          <a:noFill/>
-          <a:ln w="12700">
-            <a:solidFill>
-              <a:schemeClr val="tx1"/>
-            </a:solidFill>
-          </a:ln>
-        </p:spPr>
-        <p:style>
-          <a:lnRef idx="2">
-            <a:schemeClr val="accent1">
-              <a:shade val="50000"/>
-            </a:schemeClr>
-          </a:lnRef>
-          <a:fillRef idx="1">
-            <a:schemeClr val="accent1"/>
-          </a:fillRef>
-          <a:effectRef idx="0">
-            <a:schemeClr val="accent1"/>
-          </a:effectRef>
-          <a:fontRef idx="minor">
-            <a:schemeClr val="lt1"/>
-          </a:fontRef>
-        </p:style>
-        <p:txBody>
-          <a:bodyPr rtlCol="0" anchor="ctr"/>
-          <a:lstStyle/>
-          <a:p>
-            <a:pPr algn="ctr"/>
-            <a:r>
-              <a:rPr lang="ko-KR" altLang="en-US" sz="1600" dirty="0" smtClean="0">
-                <a:solidFill>
-                  <a:sysClr val="windowText" lastClr="000000"/>
-                </a:solidFill>
-              </a:rPr>
-              <a:t>학</a:t>
-            </a:r>
-            <a:r>
-              <a:rPr lang="ko-KR" altLang="en-US" sz="1600" dirty="0">
-                <a:solidFill>
-                  <a:sysClr val="windowText" lastClr="000000"/>
-                </a:solidFill>
-              </a:rPr>
-              <a:t>생</a:t>
-            </a:r>
-          </a:p>
-        </p:txBody>
-      </p:sp>
-      <p:sp>
-        <p:nvSpPr>
-          <p:cNvPr id="26" name="직사각형 25"/>
-          <p:cNvSpPr/>
-          <p:nvPr/>
-        </p:nvSpPr>
-        <p:spPr>
-          <a:xfrm>
-            <a:off x="6198823" y="2245971"/>
-            <a:ext cx="1296144" cy="504056"/>
-          </a:xfrm>
-          <a:prstGeom prst="rect">
-            <a:avLst/>
-          </a:prstGeom>
-          <a:noFill/>
-          <a:ln w="12700">
-            <a:solidFill>
-              <a:schemeClr val="tx1"/>
-            </a:solidFill>
-          </a:ln>
-        </p:spPr>
-        <p:style>
-          <a:lnRef idx="2">
-            <a:schemeClr val="accent1">
-              <a:shade val="50000"/>
-            </a:schemeClr>
-          </a:lnRef>
-          <a:fillRef idx="1">
-            <a:schemeClr val="accent1"/>
-          </a:fillRef>
-          <a:effectRef idx="0">
-            <a:schemeClr val="accent1"/>
-          </a:effectRef>
-          <a:fontRef idx="minor">
-            <a:schemeClr val="lt1"/>
-          </a:fontRef>
-        </p:style>
-        <p:txBody>
-          <a:bodyPr rtlCol="0" anchor="ctr"/>
-          <a:lstStyle/>
-          <a:p>
-            <a:pPr algn="ctr"/>
-            <a:r>
-              <a:rPr lang="ko-KR" altLang="en-US" sz="1600" dirty="0" smtClean="0">
-                <a:solidFill>
-                  <a:sysClr val="windowText" lastClr="000000"/>
-                </a:solidFill>
-              </a:rPr>
-              <a:t>강</a:t>
-            </a:r>
-            <a:r>
-              <a:rPr lang="ko-KR" altLang="en-US" sz="1600" dirty="0">
-                <a:solidFill>
-                  <a:sysClr val="windowText" lastClr="000000"/>
-                </a:solidFill>
-              </a:rPr>
-              <a:t>좌</a:t>
-            </a:r>
-          </a:p>
-        </p:txBody>
-      </p:sp>
-      <p:sp>
-        <p:nvSpPr>
-          <p:cNvPr id="27" name="다이아몬드 26"/>
-          <p:cNvSpPr/>
-          <p:nvPr/>
-        </p:nvSpPr>
-        <p:spPr>
-          <a:xfrm>
-            <a:off x="3707904" y="2213207"/>
-            <a:ext cx="1224136" cy="571504"/>
-          </a:xfrm>
-          <a:prstGeom prst="diamond">
-            <a:avLst/>
-          </a:prstGeom>
-          <a:noFill/>
-          <a:ln w="6350">
-            <a:solidFill>
-              <a:schemeClr val="tx1"/>
-            </a:solidFill>
-          </a:ln>
-        </p:spPr>
-        <p:style>
-          <a:lnRef idx="2">
-            <a:schemeClr val="accent1">
-              <a:shade val="50000"/>
-            </a:schemeClr>
-          </a:lnRef>
-          <a:fillRef idx="1">
-            <a:schemeClr val="accent1"/>
-          </a:fillRef>
-          <a:effectRef idx="0">
-            <a:schemeClr val="accent1"/>
-          </a:effectRef>
-          <a:fontRef idx="minor">
-            <a:schemeClr val="lt1"/>
-          </a:fontRef>
-        </p:style>
-        <p:txBody>
-          <a:bodyPr rtlCol="0" anchor="ctr"/>
-          <a:lstStyle/>
-          <a:p>
-            <a:pPr algn="ctr"/>
-            <a:r>
-              <a:rPr lang="ko-KR" altLang="en-US" sz="1600" dirty="0" smtClean="0">
-                <a:solidFill>
-                  <a:sysClr val="windowText" lastClr="000000"/>
-                </a:solidFill>
-              </a:rPr>
-              <a:t>수</a:t>
-            </a:r>
-            <a:r>
-              <a:rPr lang="ko-KR" altLang="en-US" sz="1600" dirty="0">
-                <a:solidFill>
-                  <a:sysClr val="windowText" lastClr="000000"/>
-                </a:solidFill>
-              </a:rPr>
-              <a:t>강</a:t>
-            </a:r>
-          </a:p>
-        </p:txBody>
-      </p:sp>
-      <p:cxnSp>
-        <p:nvCxnSpPr>
-          <p:cNvPr id="28" name="직선 연결선 27"/>
-          <p:cNvCxnSpPr>
-            <a:stCxn id="25" idx="3"/>
-            <a:endCxn id="27" idx="1"/>
-          </p:cNvCxnSpPr>
-          <p:nvPr/>
-        </p:nvCxnSpPr>
-        <p:spPr>
-          <a:xfrm>
-            <a:off x="2699792" y="2497999"/>
-            <a:ext cx="1008112" cy="960"/>
-          </a:xfrm>
-          <a:prstGeom prst="line">
-            <a:avLst/>
-          </a:prstGeom>
-        </p:spPr>
-        <p:style>
-          <a:lnRef idx="1">
-            <a:schemeClr val="accent1"/>
-          </a:lnRef>
-          <a:fillRef idx="0">
-            <a:schemeClr val="accent1"/>
-          </a:fillRef>
-          <a:effectRef idx="0">
-            <a:schemeClr val="accent1"/>
-          </a:effectRef>
-          <a:fontRef idx="minor">
-            <a:schemeClr val="tx1"/>
-          </a:fontRef>
-        </p:style>
-      </p:cxnSp>
-      <p:cxnSp>
-        <p:nvCxnSpPr>
-          <p:cNvPr id="29" name="직선 연결선 28"/>
-          <p:cNvCxnSpPr>
-            <a:stCxn id="27" idx="3"/>
-            <a:endCxn id="26" idx="1"/>
-          </p:cNvCxnSpPr>
-          <p:nvPr/>
-        </p:nvCxnSpPr>
-        <p:spPr>
-          <a:xfrm flipV="1">
-            <a:off x="4932040" y="2497999"/>
-            <a:ext cx="1266783" cy="960"/>
-          </a:xfrm>
-          <a:prstGeom prst="line">
-            <a:avLst/>
-          </a:prstGeom>
-        </p:spPr>
-        <p:style>
-          <a:lnRef idx="1">
-            <a:schemeClr val="accent1"/>
-          </a:lnRef>
-          <a:fillRef idx="0">
-            <a:schemeClr val="accent1"/>
-          </a:fillRef>
-          <a:effectRef idx="0">
-            <a:schemeClr val="accent1"/>
-          </a:effectRef>
-          <a:fontRef idx="minor">
-            <a:schemeClr val="tx1"/>
-          </a:fontRef>
-        </p:style>
-      </p:cxnSp>
-      <p:sp>
-        <p:nvSpPr>
-          <p:cNvPr id="30" name="TextBox 29"/>
-          <p:cNvSpPr txBox="1"/>
-          <p:nvPr/>
-        </p:nvSpPr>
-        <p:spPr>
-          <a:xfrm>
-            <a:off x="2771800" y="2173963"/>
-            <a:ext cx="360040" cy="369332"/>
-          </a:xfrm>
-          <a:prstGeom prst="rect">
-            <a:avLst/>
-          </a:prstGeom>
-          <a:noFill/>
-        </p:spPr>
-        <p:txBody>
-          <a:bodyPr wrap="square" rtlCol="0">
-            <a:spAutoFit/>
-          </a:bodyPr>
-          <a:lstStyle/>
-          <a:p>
-            <a:r>
-              <a:rPr lang="en-US" altLang="ko-KR" dirty="0"/>
-              <a:t>N</a:t>
-            </a:r>
-            <a:endParaRPr lang="ko-KR" altLang="en-US" dirty="0"/>
-          </a:p>
-        </p:txBody>
-      </p:sp>
-      <p:sp>
-        <p:nvSpPr>
-          <p:cNvPr id="31" name="TextBox 30"/>
-          <p:cNvSpPr txBox="1"/>
-          <p:nvPr/>
-        </p:nvSpPr>
-        <p:spPr>
-          <a:xfrm>
-            <a:off x="5796136" y="2173963"/>
-            <a:ext cx="360040" cy="369332"/>
-          </a:xfrm>
-          <a:prstGeom prst="rect">
-            <a:avLst/>
-          </a:prstGeom>
-          <a:noFill/>
-        </p:spPr>
-        <p:txBody>
-          <a:bodyPr wrap="square" rtlCol="0">
-            <a:spAutoFit/>
-          </a:bodyPr>
-          <a:lstStyle/>
-          <a:p>
-            <a:r>
-              <a:rPr lang="en-US" altLang="ko-KR" dirty="0"/>
-              <a:t>N</a:t>
-            </a:r>
-            <a:endParaRPr lang="ko-KR" altLang="en-US" dirty="0"/>
-          </a:p>
-        </p:txBody>
-      </p:sp>
-      <p:sp>
-        <p:nvSpPr>
-          <p:cNvPr id="32" name="TextBox 31"/>
-          <p:cNvSpPr txBox="1"/>
-          <p:nvPr/>
-        </p:nvSpPr>
-        <p:spPr>
-          <a:xfrm>
-            <a:off x="899592" y="1669907"/>
-            <a:ext cx="2304256" cy="338554"/>
-          </a:xfrm>
-          <a:prstGeom prst="rect">
-            <a:avLst/>
-          </a:prstGeom>
-          <a:noFill/>
-        </p:spPr>
-        <p:txBody>
-          <a:bodyPr wrap="square" rtlCol="0">
-            <a:spAutoFit/>
-          </a:bodyPr>
-          <a:lstStyle/>
-          <a:p>
-            <a:pPr marL="285750" indent="-285750">
-              <a:buFont typeface="Arial" panose="020B0604020202020204" pitchFamily="34" charset="0"/>
-              <a:buChar char="•"/>
-            </a:pPr>
-            <a:r>
-              <a:rPr lang="ko-KR" altLang="en-US" sz="1600" b="1" dirty="0" err="1"/>
-              <a:t>다</a:t>
-            </a:r>
-            <a:r>
-              <a:rPr lang="ko-KR" altLang="en-US" sz="1600" b="1" dirty="0" err="1" smtClean="0"/>
-              <a:t>대다</a:t>
-            </a:r>
-            <a:r>
-              <a:rPr lang="en-US" altLang="ko-KR" sz="1600" b="1" dirty="0" smtClean="0"/>
-              <a:t>(N:N) </a:t>
-            </a:r>
-            <a:r>
-              <a:rPr lang="ko-KR" altLang="en-US" sz="1600" b="1" dirty="0" smtClean="0"/>
-              <a:t>관</a:t>
-            </a:r>
-            <a:r>
-              <a:rPr lang="ko-KR" altLang="en-US" sz="1600" b="1" dirty="0"/>
-              <a:t>계</a:t>
-            </a:r>
-          </a:p>
-        </p:txBody>
-      </p:sp>
-      <p:sp>
-        <p:nvSpPr>
-          <p:cNvPr id="33" name="TextBox 32"/>
-          <p:cNvSpPr txBox="1"/>
-          <p:nvPr/>
-        </p:nvSpPr>
-        <p:spPr>
-          <a:xfrm>
-            <a:off x="1043608" y="2905199"/>
-            <a:ext cx="7560840" cy="307777"/>
-          </a:xfrm>
-          <a:prstGeom prst="rect">
-            <a:avLst/>
-          </a:prstGeom>
-          <a:noFill/>
-        </p:spPr>
-        <p:txBody>
-          <a:bodyPr wrap="square" rtlCol="0">
-            <a:spAutoFit/>
-          </a:bodyPr>
-          <a:lstStyle/>
-          <a:p>
-            <a:r>
-              <a:rPr lang="ko-KR" altLang="en-US" sz="1400" dirty="0" smtClean="0"/>
-              <a:t>한 학생은 여러 강좌를 수강할 수 있고</a:t>
-            </a:r>
-            <a:r>
-              <a:rPr lang="en-US" altLang="ko-KR" sz="1400" dirty="0" smtClean="0"/>
-              <a:t>, </a:t>
-            </a:r>
-            <a:r>
-              <a:rPr lang="ko-KR" altLang="en-US" sz="1400" dirty="0" smtClean="0"/>
-              <a:t>한 강좌 역시 여러 학생이 들을 수 있</a:t>
-            </a:r>
-            <a:r>
-              <a:rPr lang="ko-KR" altLang="en-US" sz="1400" dirty="0"/>
-              <a:t>다</a:t>
-            </a:r>
-            <a:r>
-              <a:rPr lang="en-US" altLang="ko-KR" sz="1400" dirty="0" smtClean="0"/>
-              <a:t>.</a:t>
-            </a:r>
-            <a:endParaRPr lang="ko-KR" altLang="en-US" sz="1400" dirty="0"/>
-          </a:p>
-        </p:txBody>
-      </p:sp>
-    </p:spTree>
-    <p:extLst>
-      <p:ext uri="{BB962C8B-B14F-4D97-AF65-F5344CB8AC3E}">
-        <p14:creationId xmlns:p14="http://schemas.microsoft.com/office/powerpoint/2010/main" val="71455833"/>
-      </p:ext>
-    </p:extLst>
-  </p:cSld>
-  <p:clrMapOvr>
-    <a:masterClrMapping/>
-  </p:clrMapOvr>
-  <p:timing>
-    <p:tnLst>
-      <p:par>
-        <p:cTn id="1" dur="indefinite" restart="never" nodeType="tmRoot"/>
-      </p:par>
-    </p:tnLst>
-  </p:timing>
-</p:sld>
-</file>
-
-<file path=ppt/slides/slide14.xml><?xml version="1.0" encoding="utf-8"?>
-<p:sld xmlns:a="http://schemas.openxmlformats.org/drawingml/2006/main" xmlns:r="http://schemas.openxmlformats.org/officeDocument/2006/relationships" xmlns:p="http://schemas.openxmlformats.org/presentationml/2006/main">
-  <p:cSld>
-    <p:spTree>
-      <p:nvGrpSpPr>
-        <p:cNvPr id="1" name=""/>
-        <p:cNvGrpSpPr/>
-        <p:nvPr/>
-      </p:nvGrpSpPr>
-      <p:grpSpPr>
-        <a:xfrm>
-          <a:off x="0" y="0"/>
-          <a:ext cx="0" cy="0"/>
-          <a:chOff x="0" y="0"/>
-          <a:chExt cx="0" cy="0"/>
-        </a:xfrm>
-      </p:grpSpPr>
-      <p:sp>
-        <p:nvSpPr>
-          <p:cNvPr id="2" name="제목 1"/>
-          <p:cNvSpPr>
-            <a:spLocks noGrp="1"/>
-          </p:cNvSpPr>
-          <p:nvPr>
-            <p:ph type="title"/>
-          </p:nvPr>
-        </p:nvSpPr>
-        <p:spPr/>
-        <p:txBody>
-          <a:bodyPr/>
-          <a:lstStyle/>
-          <a:p>
-            <a:r>
-              <a:rPr lang="en-US" altLang="ko-KR" dirty="0" smtClean="0"/>
-              <a:t>  ER</a:t>
-            </a:r>
-            <a:r>
-              <a:rPr lang="ko-KR" altLang="en-US" dirty="0" smtClean="0"/>
-              <a:t> 모델</a:t>
-            </a:r>
-            <a:endParaRPr lang="ko-KR" altLang="en-US" dirty="0"/>
-          </a:p>
-        </p:txBody>
-      </p:sp>
-      <p:sp>
-        <p:nvSpPr>
-          <p:cNvPr id="4" name="슬라이드 번호 개체 틀 3"/>
-          <p:cNvSpPr>
-            <a:spLocks noGrp="1"/>
-          </p:cNvSpPr>
-          <p:nvPr>
-            <p:ph type="sldNum" sz="quarter" idx="12"/>
-          </p:nvPr>
-        </p:nvSpPr>
-        <p:spPr/>
-        <p:txBody>
-          <a:bodyPr/>
-          <a:lstStyle/>
-          <a:p>
-            <a:fld id="{1BDE3FE7-3AEA-4B05-AC5A-802D1816ACF0}" type="slidenum">
-              <a:rPr lang="ko-KR" altLang="en-US" smtClean="0"/>
-              <a:t>14</a:t>
             </a:fld>
             <a:endParaRPr lang="ko-KR" altLang="en-US"/>
           </a:p>
@@ -10447,7 +8185,7 @@
 </p:sld>
 </file>
 
-<file path=ppt/slides/slide15.xml><?xml version="1.0" encoding="utf-8"?>
+<file path=ppt/slides/slide11.xml><?xml version="1.0" encoding="utf-8"?>
 <p:sld xmlns:a="http://schemas.openxmlformats.org/drawingml/2006/main" xmlns:r="http://schemas.openxmlformats.org/officeDocument/2006/relationships" xmlns:p="http://schemas.openxmlformats.org/presentationml/2006/main">
   <p:cSld>
     <p:spTree>
@@ -10508,7 +8246,7 @@
           <a:p>
             <a:fld id="{1BDE3FE7-3AEA-4B05-AC5A-802D1816ACF0}" type="slidenum">
               <a:rPr lang="ko-KR" altLang="en-US" smtClean="0"/>
-              <a:t>15</a:t>
+              <a:t>11</a:t>
             </a:fld>
             <a:endParaRPr lang="ko-KR" altLang="en-US"/>
           </a:p>
@@ -10602,14 +8340,14 @@
                   <a:gridCol w="1656184">
                     <a:extLst>
                       <a:ext uri="{9D8B030D-6E8A-4147-A177-3AD203B41FA5}">
-                        <a16:colId xmlns:a16="http://schemas.microsoft.com/office/drawing/2014/main" xmlns="" val="20000"/>
+                        <a16:colId xmlns:a16="http://schemas.microsoft.com/office/drawing/2014/main" val="20000"/>
                       </a:ext>
                     </a:extLst>
                   </a:gridCol>
                   <a:gridCol w="5328592">
                     <a:extLst>
                       <a:ext uri="{9D8B030D-6E8A-4147-A177-3AD203B41FA5}">
-                        <a16:colId xmlns:a16="http://schemas.microsoft.com/office/drawing/2014/main" xmlns="" val="20001"/>
+                        <a16:colId xmlns:a16="http://schemas.microsoft.com/office/drawing/2014/main" val="20001"/>
                       </a:ext>
                     </a:extLst>
                   </a:gridCol>
@@ -10661,7 +8399,7 @@
                   </a:tc>
                   <a:extLst>
                     <a:ext uri="{0D108BD9-81ED-4DB2-BD59-A6C34878D82A}">
-                      <a16:rowId xmlns:a16="http://schemas.microsoft.com/office/drawing/2014/main" xmlns="" val="10000"/>
+                      <a16:rowId xmlns:a16="http://schemas.microsoft.com/office/drawing/2014/main" val="10000"/>
                     </a:ext>
                   </a:extLst>
                 </a:tr>
@@ -10738,7 +8476,7 @@
                   </a:tc>
                   <a:extLst>
                     <a:ext uri="{0D108BD9-81ED-4DB2-BD59-A6C34878D82A}">
-                      <a16:rowId xmlns:a16="http://schemas.microsoft.com/office/drawing/2014/main" xmlns="" val="10001"/>
+                      <a16:rowId xmlns:a16="http://schemas.microsoft.com/office/drawing/2014/main" val="10001"/>
                     </a:ext>
                   </a:extLst>
                 </a:tr>
@@ -10814,7 +8552,7 @@
                   </a:tc>
                   <a:extLst>
                     <a:ext uri="{0D108BD9-81ED-4DB2-BD59-A6C34878D82A}">
-                      <a16:rowId xmlns:a16="http://schemas.microsoft.com/office/drawing/2014/main" xmlns="" val="10002"/>
+                      <a16:rowId xmlns:a16="http://schemas.microsoft.com/office/drawing/2014/main" val="10002"/>
                     </a:ext>
                   </a:extLst>
                 </a:tr>
@@ -10881,7 +8619,7 @@
                   </a:tc>
                   <a:extLst>
                     <a:ext uri="{0D108BD9-81ED-4DB2-BD59-A6C34878D82A}">
-                      <a16:rowId xmlns:a16="http://schemas.microsoft.com/office/drawing/2014/main" xmlns="" val="10003"/>
+                      <a16:rowId xmlns:a16="http://schemas.microsoft.com/office/drawing/2014/main" val="10003"/>
                     </a:ext>
                   </a:extLst>
                 </a:tr>
@@ -10968,6 +8706,11 @@
                     </a:txBody>
                     <a:tcPr anchor="ctr"/>
                   </a:tc>
+                  <a:extLst>
+                    <a:ext uri="{0D108BD9-81ED-4DB2-BD59-A6C34878D82A}">
+                      <a16:rowId xmlns:a16="http://schemas.microsoft.com/office/drawing/2014/main" val="10004"/>
+                    </a:ext>
+                  </a:extLst>
                 </a:tr>
                 <a:tr h="653434">
                   <a:tc>
@@ -11026,6 +8769,11 @@
                     </a:txBody>
                     <a:tcPr anchor="ctr"/>
                   </a:tc>
+                  <a:extLst>
+                    <a:ext uri="{0D108BD9-81ED-4DB2-BD59-A6C34878D82A}">
+                      <a16:rowId xmlns:a16="http://schemas.microsoft.com/office/drawing/2014/main" val="10005"/>
+                    </a:ext>
+                  </a:extLst>
                 </a:tr>
               </a:tbl>
             </a:graphicData>
@@ -11405,7 +9153,7 @@
 </p:sld>
 </file>
 
-<file path=ppt/slides/slide16.xml><?xml version="1.0" encoding="utf-8"?>
+<file path=ppt/slides/slide12.xml><?xml version="1.0" encoding="utf-8"?>
 <p:sld xmlns:a="http://schemas.openxmlformats.org/drawingml/2006/main" xmlns:r="http://schemas.openxmlformats.org/officeDocument/2006/relationships" xmlns:p="http://schemas.openxmlformats.org/presentationml/2006/main">
   <p:cSld>
     <p:spTree>
@@ -11466,7 +9214,7 @@
           <a:p>
             <a:fld id="{1BDE3FE7-3AEA-4B05-AC5A-802D1816ACF0}" type="slidenum">
               <a:rPr lang="ko-KR" altLang="en-US" smtClean="0"/>
-              <a:t>16</a:t>
+              <a:t>12</a:t>
             </a:fld>
             <a:endParaRPr lang="ko-KR" altLang="en-US"/>
           </a:p>
@@ -12869,7 +10617,7 @@
 </p:sld>
 </file>
 
-<file path=ppt/slides/slide17.xml><?xml version="1.0" encoding="utf-8"?>
+<file path=ppt/slides/slide13.xml><?xml version="1.0" encoding="utf-8"?>
 <p:sld xmlns:a="http://schemas.openxmlformats.org/drawingml/2006/main" xmlns:r="http://schemas.openxmlformats.org/officeDocument/2006/relationships" xmlns:p="http://schemas.openxmlformats.org/presentationml/2006/main">
   <p:cSld>
     <p:spTree>
@@ -12930,7 +10678,7 @@
           <a:p>
             <a:fld id="{1BDE3FE7-3AEA-4B05-AC5A-802D1816ACF0}" type="slidenum">
               <a:rPr lang="ko-KR" altLang="en-US" smtClean="0"/>
-              <a:t>17</a:t>
+              <a:t>13</a:t>
             </a:fld>
             <a:endParaRPr lang="ko-KR" altLang="en-US"/>
           </a:p>
@@ -13671,7 +11419,7 @@
 </p:sld>
 </file>
 
-<file path=ppt/slides/slide18.xml><?xml version="1.0" encoding="utf-8"?>
+<file path=ppt/slides/slide14.xml><?xml version="1.0" encoding="utf-8"?>
 <p:sld xmlns:a="http://schemas.openxmlformats.org/drawingml/2006/main" xmlns:r="http://schemas.openxmlformats.org/officeDocument/2006/relationships" xmlns:p="http://schemas.openxmlformats.org/presentationml/2006/main">
   <p:cSld>
     <p:spTree>
@@ -13732,7 +11480,7 @@
           <a:p>
             <a:fld id="{1BDE3FE7-3AEA-4B05-AC5A-802D1816ACF0}" type="slidenum">
               <a:rPr lang="ko-KR" altLang="en-US" smtClean="0"/>
-              <a:t>18</a:t>
+              <a:t>14</a:t>
             </a:fld>
             <a:endParaRPr lang="ko-KR" altLang="en-US"/>
           </a:p>
@@ -14090,7 +11838,7 @@
 </p:sld>
 </file>
 
-<file path=ppt/slides/slide19.xml><?xml version="1.0" encoding="utf-8"?>
+<file path=ppt/slides/slide15.xml><?xml version="1.0" encoding="utf-8"?>
 <p:sld xmlns:a="http://schemas.openxmlformats.org/drawingml/2006/main" xmlns:r="http://schemas.openxmlformats.org/officeDocument/2006/relationships" xmlns:p="http://schemas.openxmlformats.org/presentationml/2006/main">
   <p:cSld>
     <p:spTree>
@@ -14151,7 +11899,7 @@
           <a:p>
             <a:fld id="{1BDE3FE7-3AEA-4B05-AC5A-802D1816ACF0}" type="slidenum">
               <a:rPr lang="ko-KR" altLang="en-US" smtClean="0"/>
-              <a:t>19</a:t>
+              <a:t>15</a:t>
             </a:fld>
             <a:endParaRPr lang="ko-KR" altLang="en-US"/>
           </a:p>
@@ -14233,21 +11981,21 @@
                 <a:gridCol w="1412566">
                   <a:extLst>
                     <a:ext uri="{9D8B030D-6E8A-4147-A177-3AD203B41FA5}">
-                      <a16:colId xmlns:a16="http://schemas.microsoft.com/office/drawing/2014/main" xmlns="" val="20000"/>
+                      <a16:colId xmlns:a16="http://schemas.microsoft.com/office/drawing/2014/main" val="20000"/>
                     </a:ext>
                   </a:extLst>
                 </a:gridCol>
                 <a:gridCol w="1686922">
                   <a:extLst>
                     <a:ext uri="{9D8B030D-6E8A-4147-A177-3AD203B41FA5}">
-                      <a16:colId xmlns:a16="http://schemas.microsoft.com/office/drawing/2014/main" xmlns="" val="20001"/>
+                      <a16:colId xmlns:a16="http://schemas.microsoft.com/office/drawing/2014/main" val="20001"/>
                     </a:ext>
                   </a:extLst>
                 </a:gridCol>
                 <a:gridCol w="4821392">
                   <a:extLst>
                     <a:ext uri="{9D8B030D-6E8A-4147-A177-3AD203B41FA5}">
-                      <a16:colId xmlns:a16="http://schemas.microsoft.com/office/drawing/2014/main" xmlns="" val="20002"/>
+                      <a16:colId xmlns:a16="http://schemas.microsoft.com/office/drawing/2014/main" val="20002"/>
                     </a:ext>
                   </a:extLst>
                 </a:gridCol>
@@ -14329,7 +12077,7 @@
                 </a:tc>
                 <a:extLst>
                   <a:ext uri="{0D108BD9-81ED-4DB2-BD59-A6C34878D82A}">
-                    <a16:rowId xmlns:a16="http://schemas.microsoft.com/office/drawing/2014/main" xmlns="" val="10000"/>
+                    <a16:rowId xmlns:a16="http://schemas.microsoft.com/office/drawing/2014/main" val="10000"/>
                   </a:ext>
                 </a:extLst>
               </a:tr>
@@ -14393,7 +12141,7 @@
                 </a:tc>
                 <a:extLst>
                   <a:ext uri="{0D108BD9-81ED-4DB2-BD59-A6C34878D82A}">
-                    <a16:rowId xmlns:a16="http://schemas.microsoft.com/office/drawing/2014/main" xmlns="" val="10001"/>
+                    <a16:rowId xmlns:a16="http://schemas.microsoft.com/office/drawing/2014/main" val="10001"/>
                   </a:ext>
                 </a:extLst>
               </a:tr>
@@ -14469,7 +12217,7 @@
                 </a:tc>
                 <a:extLst>
                   <a:ext uri="{0D108BD9-81ED-4DB2-BD59-A6C34878D82A}">
-                    <a16:rowId xmlns:a16="http://schemas.microsoft.com/office/drawing/2014/main" xmlns="" val="10002"/>
+                    <a16:rowId xmlns:a16="http://schemas.microsoft.com/office/drawing/2014/main" val="10002"/>
                   </a:ext>
                 </a:extLst>
               </a:tr>
@@ -14541,7 +12289,7 @@
                 </a:tc>
                 <a:extLst>
                   <a:ext uri="{0D108BD9-81ED-4DB2-BD59-A6C34878D82A}">
-                    <a16:rowId xmlns:a16="http://schemas.microsoft.com/office/drawing/2014/main" xmlns="" val="10003"/>
+                    <a16:rowId xmlns:a16="http://schemas.microsoft.com/office/drawing/2014/main" val="10003"/>
                   </a:ext>
                 </a:extLst>
               </a:tr>
@@ -14623,6 +12371,11 @@
                   </a:txBody>
                   <a:tcPr anchor="ctr"/>
                 </a:tc>
+                <a:extLst>
+                  <a:ext uri="{0D108BD9-81ED-4DB2-BD59-A6C34878D82A}">
+                    <a16:rowId xmlns:a16="http://schemas.microsoft.com/office/drawing/2014/main" val="10004"/>
+                  </a:ext>
+                </a:extLst>
               </a:tr>
             </a:tbl>
           </a:graphicData>
@@ -14678,1136 +12431,7 @@
 </p:sld>
 </file>
 
-<file path=ppt/slides/slide2.xml><?xml version="1.0" encoding="utf-8"?>
-<p:sld xmlns:a="http://schemas.openxmlformats.org/drawingml/2006/main" xmlns:r="http://schemas.openxmlformats.org/officeDocument/2006/relationships" xmlns:p="http://schemas.openxmlformats.org/presentationml/2006/main">
-  <p:cSld>
-    <p:spTree>
-      <p:nvGrpSpPr>
-        <p:cNvPr id="1" name=""/>
-        <p:cNvGrpSpPr/>
-        <p:nvPr/>
-      </p:nvGrpSpPr>
-      <p:grpSpPr>
-        <a:xfrm>
-          <a:off x="0" y="0"/>
-          <a:ext cx="0" cy="0"/>
-          <a:chOff x="0" y="0"/>
-          <a:chExt cx="0" cy="0"/>
-        </a:xfrm>
-      </p:grpSpPr>
-      <p:sp>
-        <p:nvSpPr>
-          <p:cNvPr id="2" name="제목 1"/>
-          <p:cNvSpPr>
-            <a:spLocks noGrp="1"/>
-          </p:cNvSpPr>
-          <p:nvPr>
-            <p:ph type="title"/>
-          </p:nvPr>
-        </p:nvSpPr>
-        <p:spPr>
-          <a:xfrm>
-            <a:off x="68912" y="-9940"/>
-            <a:ext cx="3993307" cy="854968"/>
-          </a:xfrm>
-        </p:spPr>
-        <p:txBody>
-          <a:bodyPr/>
-          <a:lstStyle/>
-          <a:p>
-            <a:r>
-              <a:rPr lang="en-US" altLang="ko-KR" dirty="0" smtClean="0"/>
-              <a:t> </a:t>
-            </a:r>
-            <a:r>
-              <a:rPr lang="ko-KR" altLang="en-US" dirty="0" smtClean="0"/>
-              <a:t>관계</a:t>
-            </a:r>
-            <a:r>
-              <a:rPr lang="en-US" altLang="ko-KR" dirty="0" smtClean="0"/>
-              <a:t>(</a:t>
-            </a:r>
-            <a:r>
-              <a:rPr lang="en-US" altLang="ko-KR" dirty="0" err="1" smtClean="0"/>
-              <a:t>Releation</a:t>
-            </a:r>
-            <a:r>
-              <a:rPr lang="en-US" altLang="ko-KR" dirty="0" smtClean="0"/>
-              <a:t>)</a:t>
-            </a:r>
-            <a:endParaRPr lang="ko-KR" altLang="en-US" dirty="0"/>
-          </a:p>
-        </p:txBody>
-      </p:sp>
-      <p:sp>
-        <p:nvSpPr>
-          <p:cNvPr id="4" name="슬라이드 번호 개체 틀 3"/>
-          <p:cNvSpPr>
-            <a:spLocks noGrp="1"/>
-          </p:cNvSpPr>
-          <p:nvPr>
-            <p:ph type="sldNum" sz="quarter" idx="12"/>
-          </p:nvPr>
-        </p:nvSpPr>
-        <p:spPr/>
-        <p:txBody>
-          <a:bodyPr/>
-          <a:lstStyle/>
-          <a:p>
-            <a:fld id="{1BDE3FE7-3AEA-4B05-AC5A-802D1816ACF0}" type="slidenum">
-              <a:rPr lang="ko-KR" altLang="en-US" smtClean="0"/>
-              <a:t>2</a:t>
-            </a:fld>
-            <a:endParaRPr lang="ko-KR" altLang="en-US"/>
-          </a:p>
-        </p:txBody>
-      </p:sp>
-      <p:sp>
-        <p:nvSpPr>
-          <p:cNvPr id="6" name="TextBox 5"/>
-          <p:cNvSpPr txBox="1"/>
-          <p:nvPr/>
-        </p:nvSpPr>
-        <p:spPr>
-          <a:xfrm>
-            <a:off x="611560" y="1124744"/>
-            <a:ext cx="8064896" cy="923330"/>
-          </a:xfrm>
-          <a:prstGeom prst="rect">
-            <a:avLst/>
-          </a:prstGeom>
-          <a:noFill/>
-        </p:spPr>
-        <p:txBody>
-          <a:bodyPr wrap="square" rtlCol="0">
-            <a:spAutoFit/>
-          </a:bodyPr>
-          <a:lstStyle/>
-          <a:p>
-            <a:pPr>
-              <a:lnSpc>
-                <a:spcPct val="150000"/>
-              </a:lnSpc>
-            </a:pPr>
-            <a:r>
-              <a:rPr lang="ko-KR" altLang="en-US" dirty="0" smtClean="0">
-                <a:solidFill>
-                  <a:srgbClr val="C00000"/>
-                </a:solidFill>
-              </a:rPr>
-              <a:t>   </a:t>
-            </a:r>
-            <a:r>
-              <a:rPr lang="ko-KR" altLang="en-US" b="1" dirty="0" err="1" smtClean="0">
-                <a:solidFill>
-                  <a:srgbClr val="C00000"/>
-                </a:solidFill>
-              </a:rPr>
-              <a:t>외래키</a:t>
-            </a:r>
-            <a:r>
-              <a:rPr lang="en-US" altLang="ko-KR" b="1" dirty="0" smtClean="0">
-                <a:solidFill>
-                  <a:srgbClr val="C00000"/>
-                </a:solidFill>
-              </a:rPr>
-              <a:t>(FK : Foreign Key)</a:t>
-            </a:r>
-          </a:p>
-          <a:p>
-            <a:pPr>
-              <a:lnSpc>
-                <a:spcPct val="150000"/>
-              </a:lnSpc>
-            </a:pPr>
-            <a:r>
-              <a:rPr lang="en-US" altLang="ko-KR" dirty="0">
-                <a:solidFill>
-                  <a:srgbClr val="C00000"/>
-                </a:solidFill>
-              </a:rPr>
-              <a:t> </a:t>
-            </a:r>
-            <a:r>
-              <a:rPr lang="en-US" altLang="ko-KR" dirty="0" smtClean="0">
-                <a:solidFill>
-                  <a:srgbClr val="C00000"/>
-                </a:solidFill>
-              </a:rPr>
-              <a:t>   </a:t>
-            </a:r>
-            <a:r>
-              <a:rPr lang="en-US" altLang="ko-KR" dirty="0" smtClean="0"/>
-              <a:t>- </a:t>
-            </a:r>
-            <a:r>
-              <a:rPr lang="ko-KR" altLang="en-US" dirty="0" smtClean="0"/>
-              <a:t>특정 테이블에 포함되어 있으면서 다른 테이블의 </a:t>
-            </a:r>
-            <a:r>
-              <a:rPr lang="ko-KR" altLang="en-US" dirty="0" err="1" smtClean="0"/>
-              <a:t>기본키로</a:t>
-            </a:r>
-            <a:r>
-              <a:rPr lang="ko-KR" altLang="en-US" dirty="0" smtClean="0"/>
-              <a:t> 지정된 키</a:t>
-            </a:r>
-            <a:endParaRPr lang="en-US" altLang="ko-KR" dirty="0" smtClean="0"/>
-          </a:p>
-        </p:txBody>
-      </p:sp>
-      <p:graphicFrame>
-        <p:nvGraphicFramePr>
-          <p:cNvPr id="5" name="내용 개체 틀 4"/>
-          <p:cNvGraphicFramePr>
-            <a:graphicFrameLocks/>
-          </p:cNvGraphicFramePr>
-          <p:nvPr>
-            <p:extLst>
-              <p:ext uri="{D42A27DB-BD31-4B8C-83A1-F6EECF244321}">
-                <p14:modId xmlns:p14="http://schemas.microsoft.com/office/powerpoint/2010/main" val="3210092777"/>
-              </p:ext>
-            </p:extLst>
-          </p:nvPr>
-        </p:nvGraphicFramePr>
-        <p:xfrm>
-          <a:off x="2062798" y="4192488"/>
-          <a:ext cx="4640520" cy="1818640"/>
-        </p:xfrm>
-        <a:graphic>
-          <a:graphicData uri="http://schemas.openxmlformats.org/drawingml/2006/table">
-            <a:tbl>
-              <a:tblPr firstRow="1">
-                <a:tableStyleId>{5C22544A-7EE6-4342-B048-85BDC9FD1C3A}</a:tableStyleId>
-              </a:tblPr>
-              <a:tblGrid>
-                <a:gridCol w="1080122">
-                  <a:extLst>
-                    <a:ext uri="{9D8B030D-6E8A-4147-A177-3AD203B41FA5}">
-                      <a16:colId xmlns="" xmlns:a16="http://schemas.microsoft.com/office/drawing/2014/main" val="20000"/>
-                    </a:ext>
-                  </a:extLst>
-                </a:gridCol>
-                <a:gridCol w="1152128">
-                  <a:extLst>
-                    <a:ext uri="{9D8B030D-6E8A-4147-A177-3AD203B41FA5}">
-                      <a16:colId xmlns="" xmlns:a16="http://schemas.microsoft.com/office/drawing/2014/main" val="20001"/>
-                    </a:ext>
-                  </a:extLst>
-                </a:gridCol>
-                <a:gridCol w="1204135">
-                  <a:extLst>
-                    <a:ext uri="{9D8B030D-6E8A-4147-A177-3AD203B41FA5}">
-                      <a16:colId xmlns="" xmlns:a16="http://schemas.microsoft.com/office/drawing/2014/main" val="20003"/>
-                    </a:ext>
-                  </a:extLst>
-                </a:gridCol>
-                <a:gridCol w="1204135">
-                  <a:extLst>
-                    <a:ext uri="{9D8B030D-6E8A-4147-A177-3AD203B41FA5}">
-                      <a16:colId xmlns="" xmlns:a16="http://schemas.microsoft.com/office/drawing/2014/main" val="20004"/>
-                    </a:ext>
-                  </a:extLst>
-                </a:gridCol>
-              </a:tblGrid>
-              <a:tr h="0">
-                <a:tc>
-                  <a:txBody>
-                    <a:bodyPr/>
-                    <a:lstStyle/>
-                    <a:p>
-                      <a:pPr algn="ctr" latinLnBrk="1"/>
-                      <a:r>
-                        <a:rPr lang="ko-KR" altLang="en-US" sz="1600" dirty="0" smtClean="0"/>
-                        <a:t>사원 번호</a:t>
-                      </a:r>
-                      <a:endParaRPr lang="ko-KR" altLang="en-US" sz="1600" dirty="0"/>
-                    </a:p>
-                  </a:txBody>
-                  <a:tcPr anchor="ctr"/>
-                </a:tc>
-                <a:tc>
-                  <a:txBody>
-                    <a:bodyPr/>
-                    <a:lstStyle/>
-                    <a:p>
-                      <a:pPr algn="ctr" latinLnBrk="1"/>
-                      <a:r>
-                        <a:rPr lang="ko-KR" altLang="en-US" sz="1600" dirty="0" smtClean="0"/>
-                        <a:t>사원 이름</a:t>
-                      </a:r>
-                      <a:endParaRPr lang="ko-KR" altLang="en-US" sz="1600" dirty="0"/>
-                    </a:p>
-                  </a:txBody>
-                  <a:tcPr anchor="ctr"/>
-                </a:tc>
-                <a:tc>
-                  <a:txBody>
-                    <a:bodyPr/>
-                    <a:lstStyle/>
-                    <a:p>
-                      <a:pPr algn="ctr" latinLnBrk="1"/>
-                      <a:r>
-                        <a:rPr lang="ko-KR" altLang="en-US" sz="1600" dirty="0" smtClean="0"/>
-                        <a:t>나이</a:t>
-                      </a:r>
-                      <a:endParaRPr lang="ko-KR" altLang="en-US" sz="1600" dirty="0"/>
-                    </a:p>
-                  </a:txBody>
-                  <a:tcPr anchor="ctr"/>
-                </a:tc>
-                <a:tc>
-                  <a:txBody>
-                    <a:bodyPr/>
-                    <a:lstStyle/>
-                    <a:p>
-                      <a:pPr algn="ctr" latinLnBrk="1"/>
-                      <a:r>
-                        <a:rPr lang="ko-KR" altLang="en-US" sz="1600" dirty="0" smtClean="0"/>
-                        <a:t>부서코드</a:t>
-                      </a:r>
-                      <a:endParaRPr lang="ko-KR" altLang="en-US" sz="1600" dirty="0"/>
-                    </a:p>
-                  </a:txBody>
-                  <a:tcPr anchor="ctr"/>
-                </a:tc>
-                <a:extLst>
-                  <a:ext uri="{0D108BD9-81ED-4DB2-BD59-A6C34878D82A}">
-                    <a16:rowId xmlns="" xmlns:a16="http://schemas.microsoft.com/office/drawing/2014/main" val="10000"/>
-                  </a:ext>
-                </a:extLst>
-              </a:tr>
-              <a:tr h="370840">
-                <a:tc>
-                  <a:txBody>
-                    <a:bodyPr/>
-                    <a:lstStyle/>
-                    <a:p>
-                      <a:pPr algn="ctr" latinLnBrk="1"/>
-                      <a:r>
-                        <a:rPr lang="en-US" altLang="ko-KR" sz="1600" dirty="0" smtClean="0"/>
-                        <a:t>501</a:t>
-                      </a:r>
-                      <a:endParaRPr lang="ko-KR" altLang="en-US" sz="1600" dirty="0"/>
-                    </a:p>
-                  </a:txBody>
-                  <a:tcPr anchor="ctr"/>
-                </a:tc>
-                <a:tc>
-                  <a:txBody>
-                    <a:bodyPr/>
-                    <a:lstStyle/>
-                    <a:p>
-                      <a:pPr algn="ctr" latinLnBrk="1"/>
-                      <a:r>
-                        <a:rPr lang="ko-KR" altLang="en-US" sz="1600" dirty="0" err="1" smtClean="0"/>
-                        <a:t>이강</a:t>
-                      </a:r>
-                      <a:endParaRPr lang="ko-KR" altLang="en-US" sz="1600" dirty="0"/>
-                    </a:p>
-                  </a:txBody>
-                  <a:tcPr anchor="ctr"/>
-                </a:tc>
-                <a:tc>
-                  <a:txBody>
-                    <a:bodyPr/>
-                    <a:lstStyle/>
-                    <a:p>
-                      <a:pPr algn="ctr" latinLnBrk="1"/>
-                      <a:r>
-                        <a:rPr lang="en-US" altLang="ko-KR" sz="1600" dirty="0" smtClean="0"/>
-                        <a:t>23</a:t>
-                      </a:r>
-                      <a:endParaRPr lang="ko-KR" altLang="en-US" sz="1600" dirty="0"/>
-                    </a:p>
-                  </a:txBody>
-                  <a:tcPr anchor="ctr"/>
-                </a:tc>
-                <a:tc>
-                  <a:txBody>
-                    <a:bodyPr/>
-                    <a:lstStyle/>
-                    <a:p>
-                      <a:pPr algn="ctr" latinLnBrk="1"/>
-                      <a:r>
-                        <a:rPr lang="en-US" altLang="ko-KR" sz="1600" dirty="0" smtClean="0"/>
-                        <a:t>10</a:t>
-                      </a:r>
-                      <a:endParaRPr lang="ko-KR" altLang="en-US" sz="1600" dirty="0"/>
-                    </a:p>
-                  </a:txBody>
-                  <a:tcPr anchor="ctr"/>
-                </a:tc>
-                <a:extLst>
-                  <a:ext uri="{0D108BD9-81ED-4DB2-BD59-A6C34878D82A}">
-                    <a16:rowId xmlns="" xmlns:a16="http://schemas.microsoft.com/office/drawing/2014/main" val="10001"/>
-                  </a:ext>
-                </a:extLst>
-              </a:tr>
-              <a:tr h="370840">
-                <a:tc>
-                  <a:txBody>
-                    <a:bodyPr/>
-                    <a:lstStyle/>
-                    <a:p>
-                      <a:pPr algn="ctr" latinLnBrk="1"/>
-                      <a:r>
-                        <a:rPr lang="en-US" altLang="ko-KR" sz="1600" dirty="0" smtClean="0"/>
-                        <a:t>502</a:t>
-                      </a:r>
-                      <a:endParaRPr lang="ko-KR" altLang="en-US" sz="1600" dirty="0"/>
-                    </a:p>
-                  </a:txBody>
-                  <a:tcPr anchor="ctr"/>
-                </a:tc>
-                <a:tc>
-                  <a:txBody>
-                    <a:bodyPr/>
-                    <a:lstStyle/>
-                    <a:p>
-                      <a:pPr algn="ctr" latinLnBrk="1"/>
-                      <a:r>
-                        <a:rPr lang="ko-KR" altLang="en-US" sz="1600" dirty="0" err="1" smtClean="0"/>
-                        <a:t>김산</a:t>
-                      </a:r>
-                      <a:endParaRPr lang="ko-KR" altLang="en-US" sz="1600" dirty="0"/>
-                    </a:p>
-                  </a:txBody>
-                  <a:tcPr anchor="ctr"/>
-                </a:tc>
-                <a:tc>
-                  <a:txBody>
-                    <a:bodyPr/>
-                    <a:lstStyle/>
-                    <a:p>
-                      <a:pPr algn="ctr" latinLnBrk="1"/>
-                      <a:r>
-                        <a:rPr lang="en-US" altLang="ko-KR" sz="1600" dirty="0" smtClean="0"/>
-                        <a:t>24</a:t>
-                      </a:r>
-                      <a:endParaRPr lang="ko-KR" altLang="en-US" sz="1600" dirty="0"/>
-                    </a:p>
-                  </a:txBody>
-                  <a:tcPr anchor="ctr"/>
-                </a:tc>
-                <a:tc>
-                  <a:txBody>
-                    <a:bodyPr/>
-                    <a:lstStyle/>
-                    <a:p>
-                      <a:pPr algn="ctr" latinLnBrk="1"/>
-                      <a:r>
-                        <a:rPr lang="en-US" altLang="ko-KR" sz="1600" dirty="0" smtClean="0"/>
-                        <a:t>20</a:t>
-                      </a:r>
-                      <a:endParaRPr lang="ko-KR" altLang="en-US" sz="1600" dirty="0"/>
-                    </a:p>
-                  </a:txBody>
-                  <a:tcPr anchor="ctr"/>
-                </a:tc>
-                <a:extLst>
-                  <a:ext uri="{0D108BD9-81ED-4DB2-BD59-A6C34878D82A}">
-                    <a16:rowId xmlns="" xmlns:a16="http://schemas.microsoft.com/office/drawing/2014/main" val="10002"/>
-                  </a:ext>
-                </a:extLst>
-              </a:tr>
-              <a:tr h="370840">
-                <a:tc>
-                  <a:txBody>
-                    <a:bodyPr/>
-                    <a:lstStyle/>
-                    <a:p>
-                      <a:pPr algn="ctr" latinLnBrk="1"/>
-                      <a:r>
-                        <a:rPr lang="en-US" altLang="ko-KR" sz="1600" dirty="0" smtClean="0"/>
-                        <a:t>503</a:t>
-                      </a:r>
-                      <a:endParaRPr lang="ko-KR" altLang="en-US" sz="1600" dirty="0"/>
-                    </a:p>
-                  </a:txBody>
-                  <a:tcPr anchor="ctr"/>
-                </a:tc>
-                <a:tc>
-                  <a:txBody>
-                    <a:bodyPr/>
-                    <a:lstStyle/>
-                    <a:p>
-                      <a:pPr algn="ctr" latinLnBrk="1"/>
-                      <a:r>
-                        <a:rPr lang="ko-KR" altLang="en-US" sz="1600" dirty="0" smtClean="0"/>
-                        <a:t>남한강</a:t>
-                      </a:r>
-                      <a:endParaRPr lang="ko-KR" altLang="en-US" sz="1600" dirty="0"/>
-                    </a:p>
-                  </a:txBody>
-                  <a:tcPr anchor="ctr"/>
-                </a:tc>
-                <a:tc>
-                  <a:txBody>
-                    <a:bodyPr/>
-                    <a:lstStyle/>
-                    <a:p>
-                      <a:pPr algn="ctr" latinLnBrk="1"/>
-                      <a:r>
-                        <a:rPr lang="en-US" altLang="ko-KR" sz="1600" dirty="0" smtClean="0"/>
-                        <a:t>31</a:t>
-                      </a:r>
-                      <a:endParaRPr lang="ko-KR" altLang="en-US" sz="1600" dirty="0"/>
-                    </a:p>
-                  </a:txBody>
-                  <a:tcPr anchor="ctr"/>
-                </a:tc>
-                <a:tc>
-                  <a:txBody>
-                    <a:bodyPr/>
-                    <a:lstStyle/>
-                    <a:p>
-                      <a:pPr algn="ctr" latinLnBrk="1"/>
-                      <a:r>
-                        <a:rPr lang="en-US" altLang="ko-KR" sz="1600" dirty="0" smtClean="0"/>
-                        <a:t>10</a:t>
-                      </a:r>
-                      <a:endParaRPr lang="ko-KR" altLang="en-US" sz="1600" dirty="0"/>
-                    </a:p>
-                  </a:txBody>
-                  <a:tcPr anchor="ctr"/>
-                </a:tc>
-                <a:extLst>
-                  <a:ext uri="{0D108BD9-81ED-4DB2-BD59-A6C34878D82A}">
-                    <a16:rowId xmlns="" xmlns:a16="http://schemas.microsoft.com/office/drawing/2014/main" val="10003"/>
-                  </a:ext>
-                </a:extLst>
-              </a:tr>
-              <a:tr h="370840">
-                <a:tc>
-                  <a:txBody>
-                    <a:bodyPr/>
-                    <a:lstStyle/>
-                    <a:p>
-                      <a:pPr algn="ctr" latinLnBrk="1"/>
-                      <a:r>
-                        <a:rPr lang="en-US" altLang="ko-KR" sz="1600" dirty="0" smtClean="0"/>
-                        <a:t>504</a:t>
-                      </a:r>
-                      <a:endParaRPr lang="ko-KR" altLang="en-US" sz="1600" dirty="0"/>
-                    </a:p>
-                  </a:txBody>
-                  <a:tcPr anchor="ctr"/>
-                </a:tc>
-                <a:tc>
-                  <a:txBody>
-                    <a:bodyPr/>
-                    <a:lstStyle/>
-                    <a:p>
-                      <a:pPr algn="ctr" latinLnBrk="1"/>
-                      <a:r>
-                        <a:rPr lang="ko-KR" altLang="en-US" sz="1600" dirty="0" smtClean="0"/>
-                        <a:t>북한강</a:t>
-                      </a:r>
-                      <a:endParaRPr lang="ko-KR" altLang="en-US" sz="1600" dirty="0"/>
-                    </a:p>
-                  </a:txBody>
-                  <a:tcPr anchor="ctr"/>
-                </a:tc>
-                <a:tc>
-                  <a:txBody>
-                    <a:bodyPr/>
-                    <a:lstStyle/>
-                    <a:p>
-                      <a:pPr algn="ctr" latinLnBrk="1"/>
-                      <a:r>
-                        <a:rPr lang="en-US" altLang="ko-KR" sz="1600" dirty="0" smtClean="0"/>
-                        <a:t>35</a:t>
-                      </a:r>
-                      <a:endParaRPr lang="ko-KR" altLang="en-US" sz="1600" dirty="0"/>
-                    </a:p>
-                  </a:txBody>
-                  <a:tcPr anchor="ctr"/>
-                </a:tc>
-                <a:tc>
-                  <a:txBody>
-                    <a:bodyPr/>
-                    <a:lstStyle/>
-                    <a:p>
-                      <a:pPr algn="ctr" latinLnBrk="1"/>
-                      <a:r>
-                        <a:rPr lang="en-US" altLang="ko-KR" sz="1600" dirty="0" smtClean="0"/>
-                        <a:t>20</a:t>
-                      </a:r>
-                      <a:endParaRPr lang="ko-KR" altLang="en-US" sz="1600" dirty="0"/>
-                    </a:p>
-                  </a:txBody>
-                  <a:tcPr anchor="ctr"/>
-                </a:tc>
-                <a:extLst>
-                  <a:ext uri="{0D108BD9-81ED-4DB2-BD59-A6C34878D82A}">
-                    <a16:rowId xmlns="" xmlns:a16="http://schemas.microsoft.com/office/drawing/2014/main" val="10004"/>
-                  </a:ext>
-                </a:extLst>
-              </a:tr>
-            </a:tbl>
-          </a:graphicData>
-        </a:graphic>
-      </p:graphicFrame>
-      <p:sp>
-        <p:nvSpPr>
-          <p:cNvPr id="7" name="모서리가 둥근 직사각형 6"/>
-          <p:cNvSpPr/>
-          <p:nvPr/>
-        </p:nvSpPr>
-        <p:spPr>
-          <a:xfrm>
-            <a:off x="5535802" y="4077072"/>
-            <a:ext cx="1080120" cy="2088232"/>
-          </a:xfrm>
-          <a:prstGeom prst="roundRect">
-            <a:avLst/>
-          </a:prstGeom>
-          <a:noFill/>
-          <a:ln w="19050">
-            <a:solidFill>
-              <a:srgbClr val="C00000"/>
-            </a:solidFill>
-          </a:ln>
-        </p:spPr>
-        <p:style>
-          <a:lnRef idx="2">
-            <a:schemeClr val="accent1">
-              <a:shade val="50000"/>
-            </a:schemeClr>
-          </a:lnRef>
-          <a:fillRef idx="1">
-            <a:schemeClr val="accent1"/>
-          </a:fillRef>
-          <a:effectRef idx="0">
-            <a:schemeClr val="accent1"/>
-          </a:effectRef>
-          <a:fontRef idx="minor">
-            <a:schemeClr val="lt1"/>
-          </a:fontRef>
-        </p:style>
-        <p:txBody>
-          <a:bodyPr rtlCol="0" anchor="ctr"/>
-          <a:lstStyle/>
-          <a:p>
-            <a:pPr algn="ctr"/>
-            <a:endParaRPr lang="ko-KR" altLang="en-US"/>
-          </a:p>
-        </p:txBody>
-      </p:sp>
-      <p:sp>
-        <p:nvSpPr>
-          <p:cNvPr id="11" name="모서리가 둥근 직사각형 10"/>
-          <p:cNvSpPr/>
-          <p:nvPr/>
-        </p:nvSpPr>
-        <p:spPr>
-          <a:xfrm>
-            <a:off x="2062797" y="4150464"/>
-            <a:ext cx="1080120" cy="1872208"/>
-          </a:xfrm>
-          <a:prstGeom prst="roundRect">
-            <a:avLst/>
-          </a:prstGeom>
-          <a:noFill/>
-          <a:ln w="19050">
-            <a:solidFill>
-              <a:srgbClr val="C00000"/>
-            </a:solidFill>
-          </a:ln>
-        </p:spPr>
-        <p:style>
-          <a:lnRef idx="2">
-            <a:schemeClr val="accent1">
-              <a:shade val="50000"/>
-            </a:schemeClr>
-          </a:lnRef>
-          <a:fillRef idx="1">
-            <a:schemeClr val="accent1"/>
-          </a:fillRef>
-          <a:effectRef idx="0">
-            <a:schemeClr val="accent1"/>
-          </a:effectRef>
-          <a:fontRef idx="minor">
-            <a:schemeClr val="lt1"/>
-          </a:fontRef>
-        </p:style>
-        <p:txBody>
-          <a:bodyPr rtlCol="0" anchor="ctr"/>
-          <a:lstStyle/>
-          <a:p>
-            <a:pPr algn="ctr"/>
-            <a:endParaRPr lang="ko-KR" altLang="en-US"/>
-          </a:p>
-        </p:txBody>
-      </p:sp>
-      <p:graphicFrame>
-        <p:nvGraphicFramePr>
-          <p:cNvPr id="16" name="내용 개체 틀 4"/>
-          <p:cNvGraphicFramePr>
-            <a:graphicFrameLocks/>
-          </p:cNvGraphicFramePr>
-          <p:nvPr>
-            <p:extLst>
-              <p:ext uri="{D42A27DB-BD31-4B8C-83A1-F6EECF244321}">
-                <p14:modId xmlns:p14="http://schemas.microsoft.com/office/powerpoint/2010/main" val="2569022550"/>
-              </p:ext>
-            </p:extLst>
-          </p:nvPr>
-        </p:nvGraphicFramePr>
-        <p:xfrm>
-          <a:off x="2234507" y="2276873"/>
-          <a:ext cx="3511776" cy="1224137"/>
-        </p:xfrm>
-        <a:graphic>
-          <a:graphicData uri="http://schemas.openxmlformats.org/drawingml/2006/table">
-            <a:tbl>
-              <a:tblPr firstRow="1">
-                <a:tableStyleId>{5C22544A-7EE6-4342-B048-85BDC9FD1C3A}</a:tableStyleId>
-              </a:tblPr>
-              <a:tblGrid>
-                <a:gridCol w="1225038">
-                  <a:extLst>
-                    <a:ext uri="{9D8B030D-6E8A-4147-A177-3AD203B41FA5}">
-                      <a16:colId xmlns="" xmlns:a16="http://schemas.microsoft.com/office/drawing/2014/main" val="20000"/>
-                    </a:ext>
-                  </a:extLst>
-                </a:gridCol>
-                <a:gridCol w="1143369">
-                  <a:extLst>
-                    <a:ext uri="{9D8B030D-6E8A-4147-A177-3AD203B41FA5}">
-                      <a16:colId xmlns="" xmlns:a16="http://schemas.microsoft.com/office/drawing/2014/main" val="20001"/>
-                    </a:ext>
-                  </a:extLst>
-                </a:gridCol>
-                <a:gridCol w="1143369">
-                  <a:extLst>
-                    <a:ext uri="{9D8B030D-6E8A-4147-A177-3AD203B41FA5}">
-                      <a16:colId xmlns="" xmlns:a16="http://schemas.microsoft.com/office/drawing/2014/main" val="20002"/>
-                    </a:ext>
-                  </a:extLst>
-                </a:gridCol>
-              </a:tblGrid>
-              <a:tr h="381099">
-                <a:tc>
-                  <a:txBody>
-                    <a:bodyPr/>
-                    <a:lstStyle/>
-                    <a:p>
-                      <a:pPr algn="ctr" latinLnBrk="1"/>
-                      <a:r>
-                        <a:rPr lang="ko-KR" altLang="en-US" sz="1600" dirty="0" smtClean="0"/>
-                        <a:t>부서 코드</a:t>
-                      </a:r>
-                      <a:endParaRPr lang="ko-KR" altLang="en-US" sz="1600" dirty="0"/>
-                    </a:p>
-                  </a:txBody>
-                  <a:tcPr anchor="ctr"/>
-                </a:tc>
-                <a:tc>
-                  <a:txBody>
-                    <a:bodyPr/>
-                    <a:lstStyle/>
-                    <a:p>
-                      <a:pPr algn="ctr" latinLnBrk="1"/>
-                      <a:r>
-                        <a:rPr lang="ko-KR" altLang="en-US" sz="1600" dirty="0" smtClean="0"/>
-                        <a:t>부서 이름</a:t>
-                      </a:r>
-                      <a:endParaRPr lang="ko-KR" altLang="en-US" sz="1600" dirty="0"/>
-                    </a:p>
-                  </a:txBody>
-                  <a:tcPr anchor="ctr"/>
-                </a:tc>
-                <a:tc>
-                  <a:txBody>
-                    <a:bodyPr/>
-                    <a:lstStyle/>
-                    <a:p>
-                      <a:pPr algn="ctr" latinLnBrk="1"/>
-                      <a:r>
-                        <a:rPr lang="ko-KR" altLang="en-US" sz="1600" dirty="0" smtClean="0"/>
-                        <a:t>위치</a:t>
-                      </a:r>
-                      <a:endParaRPr lang="ko-KR" altLang="en-US" sz="1600" dirty="0"/>
-                    </a:p>
-                  </a:txBody>
-                  <a:tcPr anchor="ctr"/>
-                </a:tc>
-                <a:extLst>
-                  <a:ext uri="{0D108BD9-81ED-4DB2-BD59-A6C34878D82A}">
-                    <a16:rowId xmlns="" xmlns:a16="http://schemas.microsoft.com/office/drawing/2014/main" val="10000"/>
-                  </a:ext>
-                </a:extLst>
-              </a:tr>
-              <a:tr h="421519">
-                <a:tc>
-                  <a:txBody>
-                    <a:bodyPr/>
-                    <a:lstStyle/>
-                    <a:p>
-                      <a:pPr algn="ctr" latinLnBrk="1"/>
-                      <a:r>
-                        <a:rPr lang="en-US" altLang="ko-KR" sz="1600" dirty="0" smtClean="0"/>
-                        <a:t>10</a:t>
-                      </a:r>
-                      <a:endParaRPr lang="ko-KR" altLang="en-US" sz="1600" dirty="0"/>
-                    </a:p>
-                  </a:txBody>
-                  <a:tcPr anchor="ctr"/>
-                </a:tc>
-                <a:tc>
-                  <a:txBody>
-                    <a:bodyPr/>
-                    <a:lstStyle/>
-                    <a:p>
-                      <a:pPr algn="ctr" latinLnBrk="1"/>
-                      <a:r>
-                        <a:rPr lang="ko-KR" altLang="en-US" sz="1600" dirty="0" err="1" smtClean="0"/>
-                        <a:t>전산팀</a:t>
-                      </a:r>
-                      <a:endParaRPr lang="ko-KR" altLang="en-US" sz="1600" dirty="0"/>
-                    </a:p>
-                  </a:txBody>
-                  <a:tcPr anchor="ctr"/>
-                </a:tc>
-                <a:tc>
-                  <a:txBody>
-                    <a:bodyPr/>
-                    <a:lstStyle/>
-                    <a:p>
-                      <a:pPr algn="ctr" latinLnBrk="1"/>
-                      <a:r>
-                        <a:rPr lang="ko-KR" altLang="en-US" sz="1600" dirty="0" smtClean="0"/>
-                        <a:t>서울</a:t>
-                      </a:r>
-                      <a:endParaRPr lang="ko-KR" altLang="en-US" sz="1600" dirty="0"/>
-                    </a:p>
-                  </a:txBody>
-                  <a:tcPr anchor="ctr"/>
-                </a:tc>
-                <a:extLst>
-                  <a:ext uri="{0D108BD9-81ED-4DB2-BD59-A6C34878D82A}">
-                    <a16:rowId xmlns="" xmlns:a16="http://schemas.microsoft.com/office/drawing/2014/main" val="10001"/>
-                  </a:ext>
-                </a:extLst>
-              </a:tr>
-              <a:tr h="421519">
-                <a:tc>
-                  <a:txBody>
-                    <a:bodyPr/>
-                    <a:lstStyle/>
-                    <a:p>
-                      <a:pPr algn="ctr" latinLnBrk="1"/>
-                      <a:r>
-                        <a:rPr lang="en-US" altLang="ko-KR" sz="1600" dirty="0" smtClean="0"/>
-                        <a:t>20</a:t>
-                      </a:r>
-                      <a:endParaRPr lang="ko-KR" altLang="en-US" sz="1600" dirty="0"/>
-                    </a:p>
-                  </a:txBody>
-                  <a:tcPr anchor="ctr"/>
-                </a:tc>
-                <a:tc>
-                  <a:txBody>
-                    <a:bodyPr/>
-                    <a:lstStyle/>
-                    <a:p>
-                      <a:pPr algn="ctr" latinLnBrk="1"/>
-                      <a:r>
-                        <a:rPr lang="ko-KR" altLang="en-US" sz="1600" dirty="0" err="1" smtClean="0"/>
-                        <a:t>총무팀</a:t>
-                      </a:r>
-                      <a:endParaRPr lang="ko-KR" altLang="en-US" sz="1600" dirty="0"/>
-                    </a:p>
-                  </a:txBody>
-                  <a:tcPr anchor="ctr"/>
-                </a:tc>
-                <a:tc>
-                  <a:txBody>
-                    <a:bodyPr/>
-                    <a:lstStyle/>
-                    <a:p>
-                      <a:pPr algn="ctr" latinLnBrk="1"/>
-                      <a:r>
-                        <a:rPr lang="ko-KR" altLang="en-US" sz="1600" dirty="0" smtClean="0"/>
-                        <a:t>인천</a:t>
-                      </a:r>
-                      <a:endParaRPr lang="ko-KR" altLang="en-US" sz="1600" dirty="0"/>
-                    </a:p>
-                  </a:txBody>
-                  <a:tcPr anchor="ctr"/>
-                </a:tc>
-                <a:extLst>
-                  <a:ext uri="{0D108BD9-81ED-4DB2-BD59-A6C34878D82A}">
-                    <a16:rowId xmlns="" xmlns:a16="http://schemas.microsoft.com/office/drawing/2014/main" val="10002"/>
-                  </a:ext>
-                </a:extLst>
-              </a:tr>
-            </a:tbl>
-          </a:graphicData>
-        </a:graphic>
-      </p:graphicFrame>
-      <p:sp>
-        <p:nvSpPr>
-          <p:cNvPr id="17" name="모서리가 둥근 직사각형 16"/>
-          <p:cNvSpPr/>
-          <p:nvPr/>
-        </p:nvSpPr>
-        <p:spPr>
-          <a:xfrm>
-            <a:off x="2198636" y="2204864"/>
-            <a:ext cx="1152128" cy="1512168"/>
-          </a:xfrm>
-          <a:prstGeom prst="roundRect">
-            <a:avLst/>
-          </a:prstGeom>
-          <a:noFill/>
-          <a:ln w="19050">
-            <a:solidFill>
-              <a:srgbClr val="C00000"/>
-            </a:solidFill>
-          </a:ln>
-        </p:spPr>
-        <p:style>
-          <a:lnRef idx="2">
-            <a:schemeClr val="accent1">
-              <a:shade val="50000"/>
-            </a:schemeClr>
-          </a:lnRef>
-          <a:fillRef idx="1">
-            <a:schemeClr val="accent1"/>
-          </a:fillRef>
-          <a:effectRef idx="0">
-            <a:schemeClr val="accent1"/>
-          </a:effectRef>
-          <a:fontRef idx="minor">
-            <a:schemeClr val="lt1"/>
-          </a:fontRef>
-        </p:style>
-        <p:txBody>
-          <a:bodyPr rtlCol="0" anchor="ctr"/>
-          <a:lstStyle/>
-          <a:p>
-            <a:pPr algn="ctr"/>
-            <a:endParaRPr lang="ko-KR" altLang="en-US"/>
-          </a:p>
-        </p:txBody>
-      </p:sp>
-      <p:sp>
-        <p:nvSpPr>
-          <p:cNvPr id="18" name="모서리가 둥근 직사각형 17"/>
-          <p:cNvSpPr/>
-          <p:nvPr/>
-        </p:nvSpPr>
-        <p:spPr>
-          <a:xfrm>
-            <a:off x="6466367" y="4689140"/>
-            <a:ext cx="1008109" cy="432048"/>
-          </a:xfrm>
-          <a:prstGeom prst="roundRect">
-            <a:avLst/>
-          </a:prstGeom>
-          <a:ln w="19050"/>
-        </p:spPr>
-        <p:style>
-          <a:lnRef idx="2">
-            <a:schemeClr val="dk1"/>
-          </a:lnRef>
-          <a:fillRef idx="1">
-            <a:schemeClr val="lt1"/>
-          </a:fillRef>
-          <a:effectRef idx="0">
-            <a:schemeClr val="dk1"/>
-          </a:effectRef>
-          <a:fontRef idx="minor">
-            <a:schemeClr val="dk1"/>
-          </a:fontRef>
-        </p:style>
-        <p:txBody>
-          <a:bodyPr rtlCol="0" anchor="ctr"/>
-          <a:lstStyle/>
-          <a:p>
-            <a:pPr algn="ctr"/>
-            <a:r>
-              <a:rPr lang="ko-KR" altLang="en-US" sz="1600" dirty="0" err="1" smtClean="0">
-                <a:solidFill>
-                  <a:schemeClr val="tx1"/>
-                </a:solidFill>
-              </a:rPr>
-              <a:t>외래키</a:t>
-            </a:r>
-            <a:endParaRPr lang="ko-KR" altLang="en-US" sz="1600" dirty="0">
-              <a:solidFill>
-                <a:schemeClr val="tx1"/>
-              </a:solidFill>
-            </a:endParaRPr>
-          </a:p>
-        </p:txBody>
-      </p:sp>
-      <p:sp>
-        <p:nvSpPr>
-          <p:cNvPr id="13" name="모서리가 둥근 직사각형 12"/>
-          <p:cNvSpPr/>
-          <p:nvPr/>
-        </p:nvSpPr>
-        <p:spPr>
-          <a:xfrm>
-            <a:off x="1406417" y="2758616"/>
-            <a:ext cx="1008109" cy="432048"/>
-          </a:xfrm>
-          <a:prstGeom prst="roundRect">
-            <a:avLst/>
-          </a:prstGeom>
-          <a:ln w="19050"/>
-        </p:spPr>
-        <p:style>
-          <a:lnRef idx="2">
-            <a:schemeClr val="dk1"/>
-          </a:lnRef>
-          <a:fillRef idx="1">
-            <a:schemeClr val="lt1"/>
-          </a:fillRef>
-          <a:effectRef idx="0">
-            <a:schemeClr val="dk1"/>
-          </a:effectRef>
-          <a:fontRef idx="minor">
-            <a:schemeClr val="dk1"/>
-          </a:fontRef>
-        </p:style>
-        <p:txBody>
-          <a:bodyPr rtlCol="0" anchor="ctr"/>
-          <a:lstStyle/>
-          <a:p>
-            <a:pPr algn="ctr"/>
-            <a:r>
-              <a:rPr lang="ko-KR" altLang="en-US" sz="1600" smtClean="0">
-                <a:solidFill>
-                  <a:schemeClr val="tx1"/>
-                </a:solidFill>
-              </a:rPr>
-              <a:t>기본키</a:t>
-            </a:r>
-            <a:endParaRPr lang="ko-KR" altLang="en-US" sz="1600" dirty="0">
-              <a:solidFill>
-                <a:schemeClr val="tx1"/>
-              </a:solidFill>
-            </a:endParaRPr>
-          </a:p>
-        </p:txBody>
-      </p:sp>
-      <p:sp>
-        <p:nvSpPr>
-          <p:cNvPr id="19" name="모서리가 둥근 직사각형 18"/>
-          <p:cNvSpPr/>
-          <p:nvPr/>
-        </p:nvSpPr>
-        <p:spPr>
-          <a:xfrm>
-            <a:off x="1281791" y="4857120"/>
-            <a:ext cx="1008109" cy="432048"/>
-          </a:xfrm>
-          <a:prstGeom prst="roundRect">
-            <a:avLst/>
-          </a:prstGeom>
-          <a:ln w="19050"/>
-        </p:spPr>
-        <p:style>
-          <a:lnRef idx="2">
-            <a:schemeClr val="dk1"/>
-          </a:lnRef>
-          <a:fillRef idx="1">
-            <a:schemeClr val="lt1"/>
-          </a:fillRef>
-          <a:effectRef idx="0">
-            <a:schemeClr val="dk1"/>
-          </a:effectRef>
-          <a:fontRef idx="minor">
-            <a:schemeClr val="dk1"/>
-          </a:fontRef>
-        </p:style>
-        <p:txBody>
-          <a:bodyPr rtlCol="0" anchor="ctr"/>
-          <a:lstStyle/>
-          <a:p>
-            <a:pPr algn="ctr"/>
-            <a:r>
-              <a:rPr lang="ko-KR" altLang="en-US" sz="1600" smtClean="0">
-                <a:solidFill>
-                  <a:schemeClr val="tx1"/>
-                </a:solidFill>
-              </a:rPr>
-              <a:t>기본키</a:t>
-            </a:r>
-            <a:endParaRPr lang="ko-KR" altLang="en-US" sz="1600" dirty="0">
-              <a:solidFill>
-                <a:schemeClr val="tx1"/>
-              </a:solidFill>
-            </a:endParaRPr>
-          </a:p>
-        </p:txBody>
-      </p:sp>
-      <p:cxnSp>
-        <p:nvCxnSpPr>
-          <p:cNvPr id="20" name="꺾인 연결선 19"/>
-          <p:cNvCxnSpPr>
-            <a:stCxn id="17" idx="2"/>
-            <a:endCxn id="7" idx="0"/>
-          </p:cNvCxnSpPr>
-          <p:nvPr/>
-        </p:nvCxnSpPr>
-        <p:spPr>
-          <a:xfrm rot="16200000" flipH="1">
-            <a:off x="4245261" y="2246472"/>
-            <a:ext cx="360040" cy="3301161"/>
-          </a:xfrm>
-          <a:prstGeom prst="bentConnector3">
-            <a:avLst/>
-          </a:prstGeom>
-          <a:ln w="19050">
-            <a:solidFill>
-              <a:srgbClr val="C00000"/>
-            </a:solidFill>
-            <a:headEnd type="oval" w="med" len="med"/>
-            <a:tailEnd type="oval" w="med" len="med"/>
-          </a:ln>
-        </p:spPr>
-        <p:style>
-          <a:lnRef idx="1">
-            <a:schemeClr val="accent1"/>
-          </a:lnRef>
-          <a:fillRef idx="0">
-            <a:schemeClr val="accent1"/>
-          </a:fillRef>
-          <a:effectRef idx="0">
-            <a:schemeClr val="accent1"/>
-          </a:effectRef>
-          <a:fontRef idx="minor">
-            <a:schemeClr val="tx1"/>
-          </a:fontRef>
-        </p:style>
-      </p:cxnSp>
-    </p:spTree>
-    <p:extLst>
-      <p:ext uri="{BB962C8B-B14F-4D97-AF65-F5344CB8AC3E}">
-        <p14:creationId xmlns:p14="http://schemas.microsoft.com/office/powerpoint/2010/main" val="1632572260"/>
-      </p:ext>
-    </p:extLst>
-  </p:cSld>
-  <p:clrMapOvr>
-    <a:masterClrMapping/>
-  </p:clrMapOvr>
-  <p:timing>
-    <p:tnLst>
-      <p:par>
-        <p:cTn id="1" dur="indefinite" restart="never" nodeType="tmRoot"/>
-      </p:par>
-    </p:tnLst>
-  </p:timing>
-</p:sld>
-</file>
-
-<file path=ppt/slides/slide20.xml><?xml version="1.0" encoding="utf-8"?>
+<file path=ppt/slides/slide16.xml><?xml version="1.0" encoding="utf-8"?>
 <p:sld xmlns:a="http://schemas.openxmlformats.org/drawingml/2006/main" xmlns:r="http://schemas.openxmlformats.org/officeDocument/2006/relationships" xmlns:p="http://schemas.openxmlformats.org/presentationml/2006/main">
   <p:cSld>
     <p:spTree>
@@ -15876,7 +12500,7 @@
           <a:p>
             <a:fld id="{1BDE3FE7-3AEA-4B05-AC5A-802D1816ACF0}" type="slidenum">
               <a:rPr lang="ko-KR" altLang="en-US" smtClean="0"/>
-              <a:t>20</a:t>
+              <a:t>16</a:t>
             </a:fld>
             <a:endParaRPr lang="ko-KR" altLang="en-US"/>
           </a:p>
@@ -15907,10 +12531,34 @@
                 <a:tableStyleId>{5940675A-B579-460E-94D1-54222C63F5DA}</a:tableStyleId>
               </a:tblPr>
               <a:tblGrid>
-                <a:gridCol w="1296144"/>
-                <a:gridCol w="2736304"/>
-                <a:gridCol w="1702007"/>
-                <a:gridCol w="1178314"/>
+                <a:gridCol w="1296144">
+                  <a:extLst>
+                    <a:ext uri="{9D8B030D-6E8A-4147-A177-3AD203B41FA5}">
+                      <a16:colId xmlns:a16="http://schemas.microsoft.com/office/drawing/2014/main" val="20000"/>
+                    </a:ext>
+                  </a:extLst>
+                </a:gridCol>
+                <a:gridCol w="2736304">
+                  <a:extLst>
+                    <a:ext uri="{9D8B030D-6E8A-4147-A177-3AD203B41FA5}">
+                      <a16:colId xmlns:a16="http://schemas.microsoft.com/office/drawing/2014/main" val="20001"/>
+                    </a:ext>
+                  </a:extLst>
+                </a:gridCol>
+                <a:gridCol w="1702007">
+                  <a:extLst>
+                    <a:ext uri="{9D8B030D-6E8A-4147-A177-3AD203B41FA5}">
+                      <a16:colId xmlns:a16="http://schemas.microsoft.com/office/drawing/2014/main" val="20002"/>
+                    </a:ext>
+                  </a:extLst>
+                </a:gridCol>
+                <a:gridCol w="1178314">
+                  <a:extLst>
+                    <a:ext uri="{9D8B030D-6E8A-4147-A177-3AD203B41FA5}">
+                      <a16:colId xmlns:a16="http://schemas.microsoft.com/office/drawing/2014/main" val="20003"/>
+                    </a:ext>
+                  </a:extLst>
+                </a:gridCol>
               </a:tblGrid>
               <a:tr h="410799">
                 <a:tc>
@@ -16007,6 +12655,11 @@
                     </a:solidFill>
                   </a:tcPr>
                 </a:tc>
+                <a:extLst>
+                  <a:ext uri="{0D108BD9-81ED-4DB2-BD59-A6C34878D82A}">
+                    <a16:rowId xmlns:a16="http://schemas.microsoft.com/office/drawing/2014/main" val="10000"/>
+                  </a:ext>
+                </a:extLst>
               </a:tr>
               <a:tr h="376567">
                 <a:tc>
@@ -16113,6 +12766,11 @@
                     </a:lnR>
                   </a:tcPr>
                 </a:tc>
+                <a:extLst>
+                  <a:ext uri="{0D108BD9-81ED-4DB2-BD59-A6C34878D82A}">
+                    <a16:rowId xmlns:a16="http://schemas.microsoft.com/office/drawing/2014/main" val="10001"/>
+                  </a:ext>
+                </a:extLst>
               </a:tr>
               <a:tr h="376567">
                 <a:tc>
@@ -16223,6 +12881,11 @@
                     </a:lnR>
                   </a:tcPr>
                 </a:tc>
+                <a:extLst>
+                  <a:ext uri="{0D108BD9-81ED-4DB2-BD59-A6C34878D82A}">
+                    <a16:rowId xmlns:a16="http://schemas.microsoft.com/office/drawing/2014/main" val="10002"/>
+                  </a:ext>
+                </a:extLst>
               </a:tr>
               <a:tr h="376567">
                 <a:tc>
@@ -16329,6 +12992,11 @@
                     </a:lnR>
                   </a:tcPr>
                 </a:tc>
+                <a:extLst>
+                  <a:ext uri="{0D108BD9-81ED-4DB2-BD59-A6C34878D82A}">
+                    <a16:rowId xmlns:a16="http://schemas.microsoft.com/office/drawing/2014/main" val="10003"/>
+                  </a:ext>
+                </a:extLst>
               </a:tr>
               <a:tr h="376567">
                 <a:tc>
@@ -16435,6 +13103,11 @@
                     </a:lnR>
                   </a:tcPr>
                 </a:tc>
+                <a:extLst>
+                  <a:ext uri="{0D108BD9-81ED-4DB2-BD59-A6C34878D82A}">
+                    <a16:rowId xmlns:a16="http://schemas.microsoft.com/office/drawing/2014/main" val="10004"/>
+                  </a:ext>
+                </a:extLst>
               </a:tr>
               <a:tr h="376567">
                 <a:tc>
@@ -16541,6 +13214,11 @@
                     </a:lnR>
                   </a:tcPr>
                 </a:tc>
+                <a:extLst>
+                  <a:ext uri="{0D108BD9-81ED-4DB2-BD59-A6C34878D82A}">
+                    <a16:rowId xmlns:a16="http://schemas.microsoft.com/office/drawing/2014/main" val="10005"/>
+                  </a:ext>
+                </a:extLst>
               </a:tr>
               <a:tr h="376567">
                 <a:tc>
@@ -16647,6 +13325,11 @@
                     </a:lnR>
                   </a:tcPr>
                 </a:tc>
+                <a:extLst>
+                  <a:ext uri="{0D108BD9-81ED-4DB2-BD59-A6C34878D82A}">
+                    <a16:rowId xmlns:a16="http://schemas.microsoft.com/office/drawing/2014/main" val="10006"/>
+                  </a:ext>
+                </a:extLst>
               </a:tr>
               <a:tr h="376567">
                 <a:tc>
@@ -16753,6 +13436,11 @@
                     </a:lnR>
                   </a:tcPr>
                 </a:tc>
+                <a:extLst>
+                  <a:ext uri="{0D108BD9-81ED-4DB2-BD59-A6C34878D82A}">
+                    <a16:rowId xmlns:a16="http://schemas.microsoft.com/office/drawing/2014/main" val="10007"/>
+                  </a:ext>
+                </a:extLst>
               </a:tr>
               <a:tr h="376567">
                 <a:tc>
@@ -16859,6 +13547,11 @@
                     </a:lnR>
                   </a:tcPr>
                 </a:tc>
+                <a:extLst>
+                  <a:ext uri="{0D108BD9-81ED-4DB2-BD59-A6C34878D82A}">
+                    <a16:rowId xmlns:a16="http://schemas.microsoft.com/office/drawing/2014/main" val="10008"/>
+                  </a:ext>
+                </a:extLst>
               </a:tr>
               <a:tr h="376567">
                 <a:tc>
@@ -16965,6 +13658,11 @@
                     </a:lnR>
                   </a:tcPr>
                 </a:tc>
+                <a:extLst>
+                  <a:ext uri="{0D108BD9-81ED-4DB2-BD59-A6C34878D82A}">
+                    <a16:rowId xmlns:a16="http://schemas.microsoft.com/office/drawing/2014/main" val="10009"/>
+                  </a:ext>
+                </a:extLst>
               </a:tr>
               <a:tr h="376567">
                 <a:tc>
@@ -17071,6 +13769,11 @@
                     </a:lnR>
                   </a:tcPr>
                 </a:tc>
+                <a:extLst>
+                  <a:ext uri="{0D108BD9-81ED-4DB2-BD59-A6C34878D82A}">
+                    <a16:rowId xmlns:a16="http://schemas.microsoft.com/office/drawing/2014/main" val="10010"/>
+                  </a:ext>
+                </a:extLst>
               </a:tr>
             </a:tbl>
           </a:graphicData>
@@ -17096,7 +13799,7 @@
 </p:sld>
 </file>
 
-<file path=ppt/slides/slide21.xml><?xml version="1.0" encoding="utf-8"?>
+<file path=ppt/slides/slide17.xml><?xml version="1.0" encoding="utf-8"?>
 <p:sld xmlns:a="http://schemas.openxmlformats.org/drawingml/2006/main" xmlns:r="http://schemas.openxmlformats.org/officeDocument/2006/relationships" xmlns:p="http://schemas.openxmlformats.org/presentationml/2006/main">
   <p:cSld>
     <p:spTree>
@@ -17130,7 +13833,7 @@
           <a:p>
             <a:fld id="{1BDE3FE7-3AEA-4B05-AC5A-802D1816ACF0}" type="slidenum">
               <a:rPr lang="ko-KR" altLang="en-US" smtClean="0"/>
-              <a:t>21</a:t>
+              <a:t>17</a:t>
             </a:fld>
             <a:endParaRPr lang="ko-KR" altLang="en-US"/>
           </a:p>
@@ -17161,10 +13864,34 @@
                 <a:tableStyleId>{5940675A-B579-460E-94D1-54222C63F5DA}</a:tableStyleId>
               </a:tblPr>
               <a:tblGrid>
-                <a:gridCol w="1152128"/>
-                <a:gridCol w="1512168"/>
-                <a:gridCol w="2160240"/>
-                <a:gridCol w="2088233"/>
+                <a:gridCol w="1152128">
+                  <a:extLst>
+                    <a:ext uri="{9D8B030D-6E8A-4147-A177-3AD203B41FA5}">
+                      <a16:colId xmlns:a16="http://schemas.microsoft.com/office/drawing/2014/main" val="20000"/>
+                    </a:ext>
+                  </a:extLst>
+                </a:gridCol>
+                <a:gridCol w="1512168">
+                  <a:extLst>
+                    <a:ext uri="{9D8B030D-6E8A-4147-A177-3AD203B41FA5}">
+                      <a16:colId xmlns:a16="http://schemas.microsoft.com/office/drawing/2014/main" val="20001"/>
+                    </a:ext>
+                  </a:extLst>
+                </a:gridCol>
+                <a:gridCol w="2160240">
+                  <a:extLst>
+                    <a:ext uri="{9D8B030D-6E8A-4147-A177-3AD203B41FA5}">
+                      <a16:colId xmlns:a16="http://schemas.microsoft.com/office/drawing/2014/main" val="20002"/>
+                    </a:ext>
+                  </a:extLst>
+                </a:gridCol>
+                <a:gridCol w="2088233">
+                  <a:extLst>
+                    <a:ext uri="{9D8B030D-6E8A-4147-A177-3AD203B41FA5}">
+                      <a16:colId xmlns:a16="http://schemas.microsoft.com/office/drawing/2014/main" val="20003"/>
+                    </a:ext>
+                  </a:extLst>
+                </a:gridCol>
               </a:tblGrid>
               <a:tr h="408045">
                 <a:tc>
@@ -17261,6 +13988,11 @@
                     </a:solidFill>
                   </a:tcPr>
                 </a:tc>
+                <a:extLst>
+                  <a:ext uri="{0D108BD9-81ED-4DB2-BD59-A6C34878D82A}">
+                    <a16:rowId xmlns:a16="http://schemas.microsoft.com/office/drawing/2014/main" val="10000"/>
+                  </a:ext>
+                </a:extLst>
               </a:tr>
               <a:tr h="408045">
                 <a:tc>
@@ -17371,6 +14103,11 @@
                     </a:lnR>
                   </a:tcPr>
                 </a:tc>
+                <a:extLst>
+                  <a:ext uri="{0D108BD9-81ED-4DB2-BD59-A6C34878D82A}">
+                    <a16:rowId xmlns:a16="http://schemas.microsoft.com/office/drawing/2014/main" val="10001"/>
+                  </a:ext>
+                </a:extLst>
               </a:tr>
               <a:tr h="408045">
                 <a:tc>
@@ -17477,6 +14214,11 @@
                     </a:lnR>
                   </a:tcPr>
                 </a:tc>
+                <a:extLst>
+                  <a:ext uri="{0D108BD9-81ED-4DB2-BD59-A6C34878D82A}">
+                    <a16:rowId xmlns:a16="http://schemas.microsoft.com/office/drawing/2014/main" val="10002"/>
+                  </a:ext>
+                </a:extLst>
               </a:tr>
               <a:tr h="408045">
                 <a:tc>
@@ -17583,6 +14325,11 @@
                     </a:lnR>
                   </a:tcPr>
                 </a:tc>
+                <a:extLst>
+                  <a:ext uri="{0D108BD9-81ED-4DB2-BD59-A6C34878D82A}">
+                    <a16:rowId xmlns:a16="http://schemas.microsoft.com/office/drawing/2014/main" val="10003"/>
+                  </a:ext>
+                </a:extLst>
               </a:tr>
               <a:tr h="408045">
                 <a:tc>
@@ -17689,6 +14436,11 @@
                     </a:lnR>
                   </a:tcPr>
                 </a:tc>
+                <a:extLst>
+                  <a:ext uri="{0D108BD9-81ED-4DB2-BD59-A6C34878D82A}">
+                    <a16:rowId xmlns:a16="http://schemas.microsoft.com/office/drawing/2014/main" val="10004"/>
+                  </a:ext>
+                </a:extLst>
               </a:tr>
               <a:tr h="408045">
                 <a:tc>
@@ -17799,6 +14551,11 @@
                     </a:lnR>
                   </a:tcPr>
                 </a:tc>
+                <a:extLst>
+                  <a:ext uri="{0D108BD9-81ED-4DB2-BD59-A6C34878D82A}">
+                    <a16:rowId xmlns:a16="http://schemas.microsoft.com/office/drawing/2014/main" val="10005"/>
+                  </a:ext>
+                </a:extLst>
               </a:tr>
             </a:tbl>
           </a:graphicData>
@@ -17872,7 +14629,7 @@
 </p:sld>
 </file>
 
-<file path=ppt/slides/slide22.xml><?xml version="1.0" encoding="utf-8"?>
+<file path=ppt/slides/slide18.xml><?xml version="1.0" encoding="utf-8"?>
 <p:sld xmlns:a="http://schemas.openxmlformats.org/drawingml/2006/main" xmlns:r="http://schemas.openxmlformats.org/officeDocument/2006/relationships" xmlns:p="http://schemas.openxmlformats.org/presentationml/2006/main">
   <p:cSld>
     <p:spTree>
@@ -17929,7 +14686,7 @@
           <a:p>
             <a:fld id="{1BDE3FE7-3AEA-4B05-AC5A-802D1816ACF0}" type="slidenum">
               <a:rPr lang="ko-KR" altLang="en-US" smtClean="0"/>
-              <a:t>22</a:t>
+              <a:t>18</a:t>
             </a:fld>
             <a:endParaRPr lang="ko-KR" altLang="en-US"/>
           </a:p>
@@ -17960,11 +14717,41 @@
                 <a:tableStyleId>{5940675A-B579-460E-94D1-54222C63F5DA}</a:tableStyleId>
               </a:tblPr>
               <a:tblGrid>
-                <a:gridCol w="1008112"/>
-                <a:gridCol w="1152128"/>
-                <a:gridCol w="1152128"/>
-                <a:gridCol w="1440160"/>
-                <a:gridCol w="2160241"/>
+                <a:gridCol w="1008112">
+                  <a:extLst>
+                    <a:ext uri="{9D8B030D-6E8A-4147-A177-3AD203B41FA5}">
+                      <a16:colId xmlns:a16="http://schemas.microsoft.com/office/drawing/2014/main" val="20000"/>
+                    </a:ext>
+                  </a:extLst>
+                </a:gridCol>
+                <a:gridCol w="1152128">
+                  <a:extLst>
+                    <a:ext uri="{9D8B030D-6E8A-4147-A177-3AD203B41FA5}">
+                      <a16:colId xmlns:a16="http://schemas.microsoft.com/office/drawing/2014/main" val="20001"/>
+                    </a:ext>
+                  </a:extLst>
+                </a:gridCol>
+                <a:gridCol w="1152128">
+                  <a:extLst>
+                    <a:ext uri="{9D8B030D-6E8A-4147-A177-3AD203B41FA5}">
+                      <a16:colId xmlns:a16="http://schemas.microsoft.com/office/drawing/2014/main" val="20002"/>
+                    </a:ext>
+                  </a:extLst>
+                </a:gridCol>
+                <a:gridCol w="1440160">
+                  <a:extLst>
+                    <a:ext uri="{9D8B030D-6E8A-4147-A177-3AD203B41FA5}">
+                      <a16:colId xmlns:a16="http://schemas.microsoft.com/office/drawing/2014/main" val="20003"/>
+                    </a:ext>
+                  </a:extLst>
+                </a:gridCol>
+                <a:gridCol w="2160241">
+                  <a:extLst>
+                    <a:ext uri="{9D8B030D-6E8A-4147-A177-3AD203B41FA5}">
+                      <a16:colId xmlns:a16="http://schemas.microsoft.com/office/drawing/2014/main" val="20004"/>
+                    </a:ext>
+                  </a:extLst>
+                </a:gridCol>
               </a:tblGrid>
               <a:tr h="373132">
                 <a:tc>
@@ -18082,6 +14869,11 @@
                     </a:solidFill>
                   </a:tcPr>
                 </a:tc>
+                <a:extLst>
+                  <a:ext uri="{0D108BD9-81ED-4DB2-BD59-A6C34878D82A}">
+                    <a16:rowId xmlns:a16="http://schemas.microsoft.com/office/drawing/2014/main" val="10000"/>
+                  </a:ext>
+                </a:extLst>
               </a:tr>
               <a:tr h="373132">
                 <a:tc>
@@ -18219,6 +15011,11 @@
                     </a:lnR>
                   </a:tcPr>
                 </a:tc>
+                <a:extLst>
+                  <a:ext uri="{0D108BD9-81ED-4DB2-BD59-A6C34878D82A}">
+                    <a16:rowId xmlns:a16="http://schemas.microsoft.com/office/drawing/2014/main" val="10001"/>
+                  </a:ext>
+                </a:extLst>
               </a:tr>
               <a:tr h="373132">
                 <a:tc>
@@ -18356,6 +15153,11 @@
                     </a:lnR>
                   </a:tcPr>
                 </a:tc>
+                <a:extLst>
+                  <a:ext uri="{0D108BD9-81ED-4DB2-BD59-A6C34878D82A}">
+                    <a16:rowId xmlns:a16="http://schemas.microsoft.com/office/drawing/2014/main" val="10002"/>
+                  </a:ext>
+                </a:extLst>
               </a:tr>
               <a:tr h="373132">
                 <a:tc>
@@ -18493,6 +15295,11 @@
                     </a:lnR>
                   </a:tcPr>
                 </a:tc>
+                <a:extLst>
+                  <a:ext uri="{0D108BD9-81ED-4DB2-BD59-A6C34878D82A}">
+                    <a16:rowId xmlns:a16="http://schemas.microsoft.com/office/drawing/2014/main" val="10003"/>
+                  </a:ext>
+                </a:extLst>
               </a:tr>
               <a:tr h="373132">
                 <a:tc>
@@ -18630,6 +15437,11 @@
                     </a:lnR>
                   </a:tcPr>
                 </a:tc>
+                <a:extLst>
+                  <a:ext uri="{0D108BD9-81ED-4DB2-BD59-A6C34878D82A}">
+                    <a16:rowId xmlns:a16="http://schemas.microsoft.com/office/drawing/2014/main" val="10004"/>
+                  </a:ext>
+                </a:extLst>
               </a:tr>
               <a:tr h="373132">
                 <a:tc>
@@ -18767,6 +15579,11 @@
                     </a:lnR>
                   </a:tcPr>
                 </a:tc>
+                <a:extLst>
+                  <a:ext uri="{0D108BD9-81ED-4DB2-BD59-A6C34878D82A}">
+                    <a16:rowId xmlns:a16="http://schemas.microsoft.com/office/drawing/2014/main" val="10005"/>
+                  </a:ext>
+                </a:extLst>
               </a:tr>
               <a:tr h="373132">
                 <a:tc>
@@ -18904,6 +15721,11 @@
                     </a:lnR>
                   </a:tcPr>
                 </a:tc>
+                <a:extLst>
+                  <a:ext uri="{0D108BD9-81ED-4DB2-BD59-A6C34878D82A}">
+                    <a16:rowId xmlns:a16="http://schemas.microsoft.com/office/drawing/2014/main" val="10006"/>
+                  </a:ext>
+                </a:extLst>
               </a:tr>
               <a:tr h="373132">
                 <a:tc>
@@ -19041,6 +15863,11 @@
                     </a:lnR>
                   </a:tcPr>
                 </a:tc>
+                <a:extLst>
+                  <a:ext uri="{0D108BD9-81ED-4DB2-BD59-A6C34878D82A}">
+                    <a16:rowId xmlns:a16="http://schemas.microsoft.com/office/drawing/2014/main" val="10007"/>
+                  </a:ext>
+                </a:extLst>
               </a:tr>
               <a:tr h="373132">
                 <a:tc>
@@ -19178,6 +16005,11 @@
                     </a:lnR>
                   </a:tcPr>
                 </a:tc>
+                <a:extLst>
+                  <a:ext uri="{0D108BD9-81ED-4DB2-BD59-A6C34878D82A}">
+                    <a16:rowId xmlns:a16="http://schemas.microsoft.com/office/drawing/2014/main" val="10008"/>
+                  </a:ext>
+                </a:extLst>
               </a:tr>
               <a:tr h="373132">
                 <a:tc>
@@ -19315,6 +16147,11 @@
                     </a:lnR>
                   </a:tcPr>
                 </a:tc>
+                <a:extLst>
+                  <a:ext uri="{0D108BD9-81ED-4DB2-BD59-A6C34878D82A}">
+                    <a16:rowId xmlns:a16="http://schemas.microsoft.com/office/drawing/2014/main" val="10009"/>
+                  </a:ext>
+                </a:extLst>
               </a:tr>
               <a:tr h="373132">
                 <a:tc>
@@ -19452,6 +16289,11 @@
                     </a:lnR>
                   </a:tcPr>
                 </a:tc>
+                <a:extLst>
+                  <a:ext uri="{0D108BD9-81ED-4DB2-BD59-A6C34878D82A}">
+                    <a16:rowId xmlns:a16="http://schemas.microsoft.com/office/drawing/2014/main" val="10010"/>
+                  </a:ext>
+                </a:extLst>
               </a:tr>
             </a:tbl>
           </a:graphicData>
@@ -19543,7 +16385,7 @@
 </p:sld>
 </file>
 
-<file path=ppt/slides/slide23.xml><?xml version="1.0" encoding="utf-8"?>
+<file path=ppt/slides/slide19.xml><?xml version="1.0" encoding="utf-8"?>
 <p:sld xmlns:a="http://schemas.openxmlformats.org/drawingml/2006/main" xmlns:r="http://schemas.openxmlformats.org/officeDocument/2006/relationships" xmlns:p="http://schemas.openxmlformats.org/presentationml/2006/main">
   <p:cSld>
     <p:spTree>
@@ -19604,7 +16446,7 @@
           <a:p>
             <a:fld id="{1BDE3FE7-3AEA-4B05-AC5A-802D1816ACF0}" type="slidenum">
               <a:rPr lang="ko-KR" altLang="en-US" smtClean="0"/>
-              <a:t>23</a:t>
+              <a:t>19</a:t>
             </a:fld>
             <a:endParaRPr lang="ko-KR" altLang="en-US"/>
           </a:p>
@@ -19704,7 +16546,7 @@
 </p:sld>
 </file>
 
-<file path=ppt/slides/slide24.xml><?xml version="1.0" encoding="utf-8"?>
+<file path=ppt/slides/slide2.xml><?xml version="1.0" encoding="utf-8"?>
 <p:sld xmlns:a="http://schemas.openxmlformats.org/drawingml/2006/main" xmlns:r="http://schemas.openxmlformats.org/officeDocument/2006/relationships" xmlns:p="http://schemas.openxmlformats.org/presentationml/2006/main">
   <p:cSld>
     <p:spTree>
@@ -19738,15 +16580,11 @@
           <a:p>
             <a:r>
               <a:rPr lang="en-US" altLang="ko-KR" dirty="0" smtClean="0"/>
-              <a:t> </a:t>
-            </a:r>
-            <a:r>
-              <a:rPr lang="ko-KR" altLang="en-US" dirty="0"/>
-              <a:t> </a:t>
+              <a:t>  </a:t>
             </a:r>
             <a:r>
               <a:rPr lang="ko-KR" altLang="en-US" dirty="0" smtClean="0"/>
-              <a:t>고객  및 주문 테이블 만들기</a:t>
+              <a:t>데이터 모델링</a:t>
             </a:r>
             <a:endParaRPr lang="ko-KR" altLang="en-US" dirty="0"/>
           </a:p>
@@ -19769,7 +16607,184 @@
           <a:p>
             <a:fld id="{1BDE3FE7-3AEA-4B05-AC5A-802D1816ACF0}" type="slidenum">
               <a:rPr lang="ko-KR" altLang="en-US" smtClean="0"/>
-              <a:t>24</a:t>
+              <a:t>2</a:t>
+            </a:fld>
+            <a:endParaRPr lang="ko-KR" altLang="en-US"/>
+          </a:p>
+        </p:txBody>
+      </p:sp>
+      <p:sp>
+        <p:nvSpPr>
+          <p:cNvPr id="6" name="TextBox 5"/>
+          <p:cNvSpPr txBox="1"/>
+          <p:nvPr/>
+        </p:nvSpPr>
+        <p:spPr>
+          <a:xfrm>
+            <a:off x="755576" y="1196752"/>
+            <a:ext cx="3168352" cy="400110"/>
+          </a:xfrm>
+          <a:prstGeom prst="rect">
+            <a:avLst/>
+          </a:prstGeom>
+          <a:noFill/>
+        </p:spPr>
+        <p:txBody>
+          <a:bodyPr wrap="square" rtlCol="0">
+            <a:spAutoFit/>
+          </a:bodyPr>
+          <a:lstStyle/>
+          <a:p>
+            <a:r>
+              <a:rPr lang="ko-KR" altLang="en-US" sz="2000" b="1" dirty="0" smtClean="0"/>
+              <a:t>데이터 베이스 생명주기</a:t>
+            </a:r>
+            <a:endParaRPr lang="ko-KR" altLang="en-US" sz="2000" b="1" dirty="0"/>
+          </a:p>
+        </p:txBody>
+      </p:sp>
+      <p:sp>
+        <p:nvSpPr>
+          <p:cNvPr id="7" name="TextBox 6"/>
+          <p:cNvSpPr txBox="1"/>
+          <p:nvPr/>
+        </p:nvSpPr>
+        <p:spPr>
+          <a:xfrm>
+            <a:off x="755576" y="1731436"/>
+            <a:ext cx="7560840" cy="646331"/>
+          </a:xfrm>
+          <a:prstGeom prst="rect">
+            <a:avLst/>
+          </a:prstGeom>
+          <a:noFill/>
+        </p:spPr>
+        <p:txBody>
+          <a:bodyPr wrap="square" rtlCol="0">
+            <a:spAutoFit/>
+          </a:bodyPr>
+          <a:lstStyle/>
+          <a:p>
+            <a:r>
+              <a:rPr lang="ko-KR" altLang="en-US" dirty="0" smtClean="0"/>
+              <a:t>데이터 베이스는 최초 사용자의 요구에 의해 구축되어 사용되다가 필요에 따라 개선 또는 다시 구축되어 사용된다</a:t>
+            </a:r>
+            <a:r>
+              <a:rPr lang="en-US" altLang="ko-KR" dirty="0" smtClean="0"/>
+              <a:t>.</a:t>
+            </a:r>
+            <a:endParaRPr lang="ko-KR" altLang="en-US" dirty="0"/>
+          </a:p>
+        </p:txBody>
+      </p:sp>
+      <p:graphicFrame>
+        <p:nvGraphicFramePr>
+          <p:cNvPr id="5" name="다이어그램 4"/>
+          <p:cNvGraphicFramePr/>
+          <p:nvPr>
+            <p:extLst>
+              <p:ext uri="{D42A27DB-BD31-4B8C-83A1-F6EECF244321}">
+                <p14:modId xmlns:p14="http://schemas.microsoft.com/office/powerpoint/2010/main" val="882917644"/>
+              </p:ext>
+            </p:extLst>
+          </p:nvPr>
+        </p:nvGraphicFramePr>
+        <p:xfrm>
+          <a:off x="899592" y="2636912"/>
+          <a:ext cx="5256584" cy="3277396"/>
+        </p:xfrm>
+        <a:graphic>
+          <a:graphicData uri="http://schemas.openxmlformats.org/drawingml/2006/diagram">
+            <dgm:relIds xmlns:dgm="http://schemas.openxmlformats.org/drawingml/2006/diagram" xmlns:r="http://schemas.openxmlformats.org/officeDocument/2006/relationships" r:dm="rId2" r:lo="rId3" r:qs="rId4" r:cs="rId5"/>
+          </a:graphicData>
+        </a:graphic>
+      </p:graphicFrame>
+    </p:spTree>
+    <p:extLst>
+      <p:ext uri="{BB962C8B-B14F-4D97-AF65-F5344CB8AC3E}">
+        <p14:creationId xmlns:p14="http://schemas.microsoft.com/office/powerpoint/2010/main" val="173807731"/>
+      </p:ext>
+    </p:extLst>
+  </p:cSld>
+  <p:clrMapOvr>
+    <a:masterClrMapping/>
+  </p:clrMapOvr>
+  <p:timing>
+    <p:tnLst>
+      <p:par>
+        <p:cTn id="1" dur="indefinite" restart="never" nodeType="tmRoot"/>
+      </p:par>
+    </p:tnLst>
+  </p:timing>
+</p:sld>
+</file>
+
+<file path=ppt/slides/slide20.xml><?xml version="1.0" encoding="utf-8"?>
+<p:sld xmlns:a="http://schemas.openxmlformats.org/drawingml/2006/main" xmlns:r="http://schemas.openxmlformats.org/officeDocument/2006/relationships" xmlns:p="http://schemas.openxmlformats.org/presentationml/2006/main">
+  <p:cSld>
+    <p:spTree>
+      <p:nvGrpSpPr>
+        <p:cNvPr id="1" name=""/>
+        <p:cNvGrpSpPr/>
+        <p:nvPr/>
+      </p:nvGrpSpPr>
+      <p:grpSpPr>
+        <a:xfrm>
+          <a:off x="0" y="0"/>
+          <a:ext cx="0" cy="0"/>
+          <a:chOff x="0" y="0"/>
+          <a:chExt cx="0" cy="0"/>
+        </a:xfrm>
+      </p:grpSpPr>
+      <p:sp>
+        <p:nvSpPr>
+          <p:cNvPr id="2" name="제목 1"/>
+          <p:cNvSpPr>
+            <a:spLocks noGrp="1"/>
+          </p:cNvSpPr>
+          <p:nvPr>
+            <p:ph type="title"/>
+          </p:nvPr>
+        </p:nvSpPr>
+        <p:spPr/>
+        <p:txBody>
+          <a:bodyPr/>
+          <a:lstStyle/>
+          <a:p>
+            <a:r>
+              <a:rPr lang="en-US" altLang="ko-KR" dirty="0" smtClean="0"/>
+              <a:t> </a:t>
+            </a:r>
+            <a:r>
+              <a:rPr lang="ko-KR" altLang="en-US" dirty="0"/>
+              <a:t> </a:t>
+            </a:r>
+            <a:r>
+              <a:rPr lang="ko-KR" altLang="en-US" dirty="0" smtClean="0"/>
+              <a:t>고객  및 주문 테이블 만들기</a:t>
+            </a:r>
+            <a:endParaRPr lang="ko-KR" altLang="en-US" dirty="0"/>
+          </a:p>
+        </p:txBody>
+      </p:sp>
+      <p:sp>
+        <p:nvSpPr>
+          <p:cNvPr id="4" name="슬라이드 번호 개체 틀 3"/>
+          <p:cNvSpPr>
+            <a:spLocks noGrp="1"/>
+          </p:cNvSpPr>
+          <p:nvPr>
+            <p:ph type="sldNum" sz="quarter" idx="12"/>
+          </p:nvPr>
+        </p:nvSpPr>
+        <p:spPr/>
+        <p:txBody>
+          <a:bodyPr/>
+          <a:lstStyle/>
+          <a:p>
+            <a:fld id="{1BDE3FE7-3AEA-4B05-AC5A-802D1816ACF0}" type="slidenum">
+              <a:rPr lang="ko-KR" altLang="en-US" smtClean="0"/>
+              <a:t>20</a:t>
             </a:fld>
             <a:endParaRPr lang="ko-KR" altLang="en-US"/>
           </a:p>
@@ -19832,7 +16847,7 @@
 </p:sld>
 </file>
 
-<file path=ppt/slides/slide25.xml><?xml version="1.0" encoding="utf-8"?>
+<file path=ppt/slides/slide21.xml><?xml version="1.0" encoding="utf-8"?>
 <p:sld xmlns:a="http://schemas.openxmlformats.org/drawingml/2006/main" xmlns:r="http://schemas.openxmlformats.org/officeDocument/2006/relationships" xmlns:p="http://schemas.openxmlformats.org/presentationml/2006/main">
   <p:cSld>
     <p:spTree>
@@ -19897,7 +16912,7 @@
           <a:p>
             <a:fld id="{1BDE3FE7-3AEA-4B05-AC5A-802D1816ACF0}" type="slidenum">
               <a:rPr lang="ko-KR" altLang="en-US" smtClean="0"/>
-              <a:t>25</a:t>
+              <a:t>21</a:t>
             </a:fld>
             <a:endParaRPr lang="ko-KR" altLang="en-US"/>
           </a:p>
@@ -19960,7 +16975,7 @@
 </p:sld>
 </file>
 
-<file path=ppt/slides/slide26.xml><?xml version="1.0" encoding="utf-8"?>
+<file path=ppt/slides/slide22.xml><?xml version="1.0" encoding="utf-8"?>
 <p:sld xmlns:a="http://schemas.openxmlformats.org/drawingml/2006/main" xmlns:r="http://schemas.openxmlformats.org/officeDocument/2006/relationships" xmlns:p="http://schemas.openxmlformats.org/presentationml/2006/main">
   <p:cSld>
     <p:spTree>
@@ -20021,7 +17036,7 @@
           <a:p>
             <a:fld id="{1BDE3FE7-3AEA-4B05-AC5A-802D1816ACF0}" type="slidenum">
               <a:rPr lang="ko-KR" altLang="en-US" smtClean="0"/>
-              <a:t>26</a:t>
+              <a:t>22</a:t>
             </a:fld>
             <a:endParaRPr lang="ko-KR" altLang="en-US"/>
           </a:p>
@@ -20216,7 +17231,7 @@
 </p:sld>
 </file>
 
-<file path=ppt/slides/slide27.xml><?xml version="1.0" encoding="utf-8"?>
+<file path=ppt/slides/slide23.xml><?xml version="1.0" encoding="utf-8"?>
 <p:sld xmlns:a="http://schemas.openxmlformats.org/drawingml/2006/main" xmlns:r="http://schemas.openxmlformats.org/officeDocument/2006/relationships" xmlns:p="http://schemas.openxmlformats.org/presentationml/2006/main">
   <p:cSld>
     <p:spTree>
@@ -20277,7 +17292,7 @@
           <a:p>
             <a:fld id="{1BDE3FE7-3AEA-4B05-AC5A-802D1816ACF0}" type="slidenum">
               <a:rPr lang="ko-KR" altLang="en-US" smtClean="0"/>
-              <a:t>27</a:t>
+              <a:t>23</a:t>
             </a:fld>
             <a:endParaRPr lang="ko-KR" altLang="en-US"/>
           </a:p>
@@ -20415,7 +17430,7 @@
 </p:sld>
 </file>
 
-<file path=ppt/slides/slide28.xml><?xml version="1.0" encoding="utf-8"?>
+<file path=ppt/slides/slide24.xml><?xml version="1.0" encoding="utf-8"?>
 <p:sld xmlns:a="http://schemas.openxmlformats.org/drawingml/2006/main" xmlns:r="http://schemas.openxmlformats.org/officeDocument/2006/relationships" xmlns:p="http://schemas.openxmlformats.org/presentationml/2006/main">
   <p:cSld>
     <p:spTree>
@@ -20476,7 +17491,7 @@
           <a:p>
             <a:fld id="{1BDE3FE7-3AEA-4B05-AC5A-802D1816ACF0}" type="slidenum">
               <a:rPr lang="ko-KR" altLang="en-US" smtClean="0"/>
-              <a:t>28</a:t>
+              <a:t>24</a:t>
             </a:fld>
             <a:endParaRPr lang="ko-KR" altLang="en-US"/>
           </a:p>
@@ -20611,7 +17626,7 @@
 </p:sld>
 </file>
 
-<file path=ppt/slides/slide29.xml><?xml version="1.0" encoding="utf-8"?>
+<file path=ppt/slides/slide25.xml><?xml version="1.0" encoding="utf-8"?>
 <p:sld xmlns:a="http://schemas.openxmlformats.org/drawingml/2006/main" xmlns:r="http://schemas.openxmlformats.org/officeDocument/2006/relationships" xmlns:p="http://schemas.openxmlformats.org/presentationml/2006/main">
   <p:cSld>
     <p:spTree>
@@ -20672,7 +17687,7 @@
           <a:p>
             <a:fld id="{1BDE3FE7-3AEA-4B05-AC5A-802D1816ACF0}" type="slidenum">
               <a:rPr lang="ko-KR" altLang="en-US" smtClean="0"/>
-              <a:t>29</a:t>
+              <a:t>25</a:t>
             </a:fld>
             <a:endParaRPr lang="ko-KR" altLang="en-US"/>
           </a:p>
@@ -20840,7 +17855,7 @@
 </p:sld>
 </file>
 
-<file path=ppt/slides/slide3.xml><?xml version="1.0" encoding="utf-8"?>
+<file path=ppt/slides/slide26.xml><?xml version="1.0" encoding="utf-8"?>
 <p:sld xmlns:a="http://schemas.openxmlformats.org/drawingml/2006/main" xmlns:r="http://schemas.openxmlformats.org/officeDocument/2006/relationships" xmlns:p="http://schemas.openxmlformats.org/presentationml/2006/main">
   <p:cSld>
     <p:spTree>
@@ -20874,27 +17889,11 @@
           <a:p>
             <a:r>
               <a:rPr lang="en-US" altLang="ko-KR" dirty="0" smtClean="0"/>
-              <a:t> </a:t>
-            </a:r>
-            <a:r>
-              <a:rPr lang="ko-KR" altLang="en-US" dirty="0"/>
-              <a:t>관계</a:t>
-            </a:r>
-            <a:r>
-              <a:rPr lang="en-US" altLang="ko-KR" dirty="0"/>
-              <a:t>(</a:t>
-            </a:r>
-            <a:r>
-              <a:rPr lang="en-US" altLang="ko-KR" dirty="0" err="1"/>
-              <a:t>Releation</a:t>
-            </a:r>
-            <a:r>
-              <a:rPr lang="en-US" altLang="ko-KR" dirty="0" smtClean="0"/>
-              <a:t>) - </a:t>
-            </a:r>
-            <a:r>
-              <a:rPr lang="ko-KR" altLang="en-US" dirty="0" err="1" smtClean="0"/>
-              <a:t>외래키</a:t>
+              <a:t>  </a:t>
+            </a:r>
+            <a:r>
+              <a:rPr lang="ko-KR" altLang="en-US" dirty="0" smtClean="0"/>
+              <a:t>데이터베이스 모델링</a:t>
             </a:r>
             <a:endParaRPr lang="ko-KR" altLang="en-US" dirty="0"/>
           </a:p>
@@ -20917,378 +17916,7 @@
           <a:p>
             <a:fld id="{1BDE3FE7-3AEA-4B05-AC5A-802D1816ACF0}" type="slidenum">
               <a:rPr lang="ko-KR" altLang="en-US" smtClean="0"/>
-              <a:t>3</a:t>
-            </a:fld>
-            <a:endParaRPr lang="ko-KR" altLang="en-US"/>
-          </a:p>
-        </p:txBody>
-      </p:sp>
-      <p:sp>
-        <p:nvSpPr>
-          <p:cNvPr id="6" name="TextBox 5"/>
-          <p:cNvSpPr txBox="1"/>
-          <p:nvPr/>
-        </p:nvSpPr>
-        <p:spPr>
-          <a:xfrm>
-            <a:off x="1043608" y="1124744"/>
-            <a:ext cx="5854805" cy="1015663"/>
-          </a:xfrm>
-          <a:prstGeom prst="rect">
-            <a:avLst/>
-          </a:prstGeom>
-          <a:noFill/>
-        </p:spPr>
-        <p:txBody>
-          <a:bodyPr wrap="square" rtlCol="0">
-            <a:spAutoFit/>
-          </a:bodyPr>
-          <a:lstStyle/>
-          <a:p>
-            <a:r>
-              <a:rPr lang="ko-KR" altLang="en-US" sz="2000" b="1" dirty="0" smtClean="0"/>
-              <a:t>부</a:t>
-            </a:r>
-            <a:r>
-              <a:rPr lang="ko-KR" altLang="en-US" sz="2000" b="1" dirty="0"/>
-              <a:t>서</a:t>
-            </a:r>
-            <a:r>
-              <a:rPr lang="ko-KR" altLang="en-US" sz="2000" b="1" dirty="0" smtClean="0"/>
-              <a:t>와 직원 테이블 생성</a:t>
-            </a:r>
-            <a:endParaRPr lang="en-US" altLang="ko-KR" sz="2000" b="1" dirty="0"/>
-          </a:p>
-          <a:p>
-            <a:endParaRPr lang="en-US" altLang="ko-KR" sz="2000" b="1" dirty="0" smtClean="0"/>
-          </a:p>
-          <a:p>
-            <a:r>
-              <a:rPr lang="ko-KR" altLang="en-US" sz="2000" b="1" dirty="0" smtClean="0"/>
-              <a:t> </a:t>
-            </a:r>
-            <a:r>
-              <a:rPr lang="en-US" altLang="ko-KR" b="1" dirty="0" smtClean="0"/>
-              <a:t>- </a:t>
-            </a:r>
-            <a:r>
-              <a:rPr lang="ko-KR" altLang="en-US" b="1" dirty="0" smtClean="0"/>
-              <a:t>사원</a:t>
-            </a:r>
-            <a:r>
-              <a:rPr lang="en-US" altLang="ko-KR" b="1" dirty="0" smtClean="0"/>
-              <a:t>(employee)</a:t>
-            </a:r>
-            <a:r>
-              <a:rPr lang="ko-KR" altLang="en-US" b="1" dirty="0" smtClean="0"/>
-              <a:t> 테이블에 </a:t>
-            </a:r>
-            <a:r>
-              <a:rPr lang="en-US" altLang="ko-KR" b="1" dirty="0" smtClean="0"/>
-              <a:t>Foreign Key </a:t>
-            </a:r>
-            <a:r>
-              <a:rPr lang="ko-KR" altLang="en-US" b="1" dirty="0" smtClean="0"/>
-              <a:t>설정</a:t>
-            </a:r>
-            <a:endParaRPr lang="ko-KR" altLang="en-US" b="1" dirty="0"/>
-          </a:p>
-        </p:txBody>
-      </p:sp>
-      <p:pic>
-        <p:nvPicPr>
-          <p:cNvPr id="7" name="그림 6"/>
-          <p:cNvPicPr>
-            <a:picLocks noChangeAspect="1"/>
-          </p:cNvPicPr>
-          <p:nvPr/>
-        </p:nvPicPr>
-        <p:blipFill>
-          <a:blip r:embed="rId2">
-            <a:extLst>
-              <a:ext uri="{28A0092B-C50C-407E-A947-70E740481C1C}">
-                <a14:useLocalDpi xmlns:a14="http://schemas.microsoft.com/office/drawing/2010/main" val="0"/>
-              </a:ext>
-            </a:extLst>
-          </a:blip>
-          <a:stretch>
-            <a:fillRect/>
-          </a:stretch>
-        </p:blipFill>
-        <p:spPr>
-          <a:xfrm>
-            <a:off x="1312252" y="2335493"/>
-            <a:ext cx="6965284" cy="3734124"/>
-          </a:xfrm>
-          <a:prstGeom prst="rect">
-            <a:avLst/>
-          </a:prstGeom>
-          <a:ln>
-            <a:solidFill>
-              <a:schemeClr val="bg1">
-                <a:lumMod val="85000"/>
-              </a:schemeClr>
-            </a:solidFill>
-          </a:ln>
-        </p:spPr>
-      </p:pic>
-      <p:sp>
-        <p:nvSpPr>
-          <p:cNvPr id="10" name="모서리가 둥근 직사각형 9"/>
-          <p:cNvSpPr/>
-          <p:nvPr/>
-        </p:nvSpPr>
-        <p:spPr>
-          <a:xfrm>
-            <a:off x="1619672" y="5517231"/>
-            <a:ext cx="6860147" cy="394025"/>
-          </a:xfrm>
-          <a:prstGeom prst="roundRect">
-            <a:avLst/>
-          </a:prstGeom>
-          <a:noFill/>
-          <a:ln w="28575">
-            <a:solidFill>
-              <a:srgbClr val="C00000"/>
-            </a:solidFill>
-            <a:prstDash val="sysDash"/>
-          </a:ln>
-        </p:spPr>
-        <p:style>
-          <a:lnRef idx="2">
-            <a:schemeClr val="accent1">
-              <a:shade val="50000"/>
-            </a:schemeClr>
-          </a:lnRef>
-          <a:fillRef idx="1">
-            <a:schemeClr val="accent1"/>
-          </a:fillRef>
-          <a:effectRef idx="0">
-            <a:schemeClr val="accent1"/>
-          </a:effectRef>
-          <a:fontRef idx="minor">
-            <a:schemeClr val="lt1"/>
-          </a:fontRef>
-        </p:style>
-        <p:txBody>
-          <a:bodyPr rtlCol="0" anchor="ctr"/>
-          <a:lstStyle/>
-          <a:p>
-            <a:pPr algn="ctr"/>
-            <a:endParaRPr lang="ko-KR" altLang="en-US" sz="1400"/>
-          </a:p>
-        </p:txBody>
-      </p:sp>
-    </p:spTree>
-    <p:extLst>
-      <p:ext uri="{BB962C8B-B14F-4D97-AF65-F5344CB8AC3E}">
-        <p14:creationId xmlns:p14="http://schemas.microsoft.com/office/powerpoint/2010/main" val="2108633866"/>
-      </p:ext>
-    </p:extLst>
-  </p:cSld>
-  <p:clrMapOvr>
-    <a:masterClrMapping/>
-  </p:clrMapOvr>
-  <p:timing>
-    <p:tnLst>
-      <p:par>
-        <p:cTn id="1" dur="indefinite" restart="never" nodeType="tmRoot">
-          <p:childTnLst>
-            <p:seq concurrent="1" nextAc="seek">
-              <p:cTn id="2" dur="indefinite" nodeType="mainSeq">
-                <p:childTnLst>
-                  <p:par>
-                    <p:cTn id="3" fill="hold">
-                      <p:stCondLst>
-                        <p:cond delay="indefinite"/>
-                      </p:stCondLst>
-                      <p:childTnLst>
-                        <p:par>
-                          <p:cTn id="4" fill="hold">
-                            <p:stCondLst>
-                              <p:cond delay="0"/>
-                            </p:stCondLst>
-                            <p:childTnLst>
-                              <p:par>
-                                <p:cTn id="5" presetID="32" presetClass="emph" presetSubtype="0" fill="hold" grpId="0" nodeType="clickEffect">
-                                  <p:stCondLst>
-                                    <p:cond delay="0"/>
-                                  </p:stCondLst>
-                                  <p:childTnLst>
-                                    <p:animRot by="120000">
-                                      <p:cBhvr>
-                                        <p:cTn id="6" dur="100" fill="hold">
-                                          <p:stCondLst>
-                                            <p:cond delay="0"/>
-                                          </p:stCondLst>
-                                        </p:cTn>
-                                        <p:tgtEl>
-                                          <p:spTgt spid="10"/>
-                                        </p:tgtEl>
-                                        <p:attrNameLst>
-                                          <p:attrName>r</p:attrName>
-                                        </p:attrNameLst>
-                                      </p:cBhvr>
-                                    </p:animRot>
-                                    <p:animRot by="-240000">
-                                      <p:cBhvr>
-                                        <p:cTn id="7" dur="200" fill="hold">
-                                          <p:stCondLst>
-                                            <p:cond delay="200"/>
-                                          </p:stCondLst>
-                                        </p:cTn>
-                                        <p:tgtEl>
-                                          <p:spTgt spid="10"/>
-                                        </p:tgtEl>
-                                        <p:attrNameLst>
-                                          <p:attrName>r</p:attrName>
-                                        </p:attrNameLst>
-                                      </p:cBhvr>
-                                    </p:animRot>
-                                    <p:animRot by="240000">
-                                      <p:cBhvr>
-                                        <p:cTn id="8" dur="200" fill="hold">
-                                          <p:stCondLst>
-                                            <p:cond delay="400"/>
-                                          </p:stCondLst>
-                                        </p:cTn>
-                                        <p:tgtEl>
-                                          <p:spTgt spid="10"/>
-                                        </p:tgtEl>
-                                        <p:attrNameLst>
-                                          <p:attrName>r</p:attrName>
-                                        </p:attrNameLst>
-                                      </p:cBhvr>
-                                    </p:animRot>
-                                    <p:animRot by="-240000">
-                                      <p:cBhvr>
-                                        <p:cTn id="9" dur="200" fill="hold">
-                                          <p:stCondLst>
-                                            <p:cond delay="600"/>
-                                          </p:stCondLst>
-                                        </p:cTn>
-                                        <p:tgtEl>
-                                          <p:spTgt spid="10"/>
-                                        </p:tgtEl>
-                                        <p:attrNameLst>
-                                          <p:attrName>r</p:attrName>
-                                        </p:attrNameLst>
-                                      </p:cBhvr>
-                                    </p:animRot>
-                                    <p:animRot by="120000">
-                                      <p:cBhvr>
-                                        <p:cTn id="10" dur="200" fill="hold">
-                                          <p:stCondLst>
-                                            <p:cond delay="800"/>
-                                          </p:stCondLst>
-                                        </p:cTn>
-                                        <p:tgtEl>
-                                          <p:spTgt spid="10"/>
-                                        </p:tgtEl>
-                                        <p:attrNameLst>
-                                          <p:attrName>r</p:attrName>
-                                        </p:attrNameLst>
-                                      </p:cBhvr>
-                                    </p:animRot>
-                                  </p:childTnLst>
-                                </p:cTn>
-                              </p:par>
-                            </p:childTnLst>
-                          </p:cTn>
-                        </p:par>
-                      </p:childTnLst>
-                    </p:cTn>
-                  </p:par>
-                </p:childTnLst>
-              </p:cTn>
-              <p:prevCondLst>
-                <p:cond evt="onPrev" delay="0">
-                  <p:tgtEl>
-                    <p:sldTgt/>
-                  </p:tgtEl>
-                </p:cond>
-              </p:prevCondLst>
-              <p:nextCondLst>
-                <p:cond evt="onNext" delay="0">
-                  <p:tgtEl>
-                    <p:sldTgt/>
-                  </p:tgtEl>
-                </p:cond>
-              </p:nextCondLst>
-            </p:seq>
-          </p:childTnLst>
-        </p:cTn>
-      </p:par>
-    </p:tnLst>
-    <p:bldLst>
-      <p:bldP spid="10" grpId="0" animBg="1"/>
-    </p:bldLst>
-  </p:timing>
-</p:sld>
-</file>
-
-<file path=ppt/slides/slide30.xml><?xml version="1.0" encoding="utf-8"?>
-<p:sld xmlns:a="http://schemas.openxmlformats.org/drawingml/2006/main" xmlns:r="http://schemas.openxmlformats.org/officeDocument/2006/relationships" xmlns:p="http://schemas.openxmlformats.org/presentationml/2006/main">
-  <p:cSld>
-    <p:spTree>
-      <p:nvGrpSpPr>
-        <p:cNvPr id="1" name=""/>
-        <p:cNvGrpSpPr/>
-        <p:nvPr/>
-      </p:nvGrpSpPr>
-      <p:grpSpPr>
-        <a:xfrm>
-          <a:off x="0" y="0"/>
-          <a:ext cx="0" cy="0"/>
-          <a:chOff x="0" y="0"/>
-          <a:chExt cx="0" cy="0"/>
-        </a:xfrm>
-      </p:grpSpPr>
-      <p:sp>
-        <p:nvSpPr>
-          <p:cNvPr id="2" name="제목 1"/>
-          <p:cNvSpPr>
-            <a:spLocks noGrp="1"/>
-          </p:cNvSpPr>
-          <p:nvPr>
-            <p:ph type="title"/>
-          </p:nvPr>
-        </p:nvSpPr>
-        <p:spPr/>
-        <p:txBody>
-          <a:bodyPr/>
-          <a:lstStyle/>
-          <a:p>
-            <a:r>
-              <a:rPr lang="en-US" altLang="ko-KR" dirty="0" smtClean="0"/>
-              <a:t>  </a:t>
-            </a:r>
-            <a:r>
-              <a:rPr lang="ko-KR" altLang="en-US" dirty="0" smtClean="0"/>
-              <a:t>데이터베이스 모델링</a:t>
-            </a:r>
-            <a:endParaRPr lang="ko-KR" altLang="en-US" dirty="0"/>
-          </a:p>
-        </p:txBody>
-      </p:sp>
-      <p:sp>
-        <p:nvSpPr>
-          <p:cNvPr id="4" name="슬라이드 번호 개체 틀 3"/>
-          <p:cNvSpPr>
-            <a:spLocks noGrp="1"/>
-          </p:cNvSpPr>
-          <p:nvPr>
-            <p:ph type="sldNum" sz="quarter" idx="12"/>
-          </p:nvPr>
-        </p:nvSpPr>
-        <p:spPr/>
-        <p:txBody>
-          <a:bodyPr/>
-          <a:lstStyle/>
-          <a:p>
-            <a:fld id="{1BDE3FE7-3AEA-4B05-AC5A-802D1816ACF0}" type="slidenum">
-              <a:rPr lang="ko-KR" altLang="en-US" smtClean="0"/>
-              <a:t>30</a:t>
+              <a:t>26</a:t>
             </a:fld>
             <a:endParaRPr lang="ko-KR" altLang="en-US"/>
           </a:p>
@@ -21393,7 +18021,7 @@
 </p:sld>
 </file>
 
-<file path=ppt/slides/slide31.xml><?xml version="1.0" encoding="utf-8"?>
+<file path=ppt/slides/slide27.xml><?xml version="1.0" encoding="utf-8"?>
 <p:sld xmlns:a="http://schemas.openxmlformats.org/drawingml/2006/main" xmlns:r="http://schemas.openxmlformats.org/officeDocument/2006/relationships" xmlns:p="http://schemas.openxmlformats.org/presentationml/2006/main">
   <p:cSld>
     <p:spTree>
@@ -21454,7 +18082,7 @@
           <a:p>
             <a:fld id="{1BDE3FE7-3AEA-4B05-AC5A-802D1816ACF0}" type="slidenum">
               <a:rPr lang="ko-KR" altLang="en-US" smtClean="0"/>
-              <a:t>31</a:t>
+              <a:t>27</a:t>
             </a:fld>
             <a:endParaRPr lang="ko-KR" altLang="en-US"/>
           </a:p>
@@ -21488,32 +18116,38 @@
                 <a:gridCol w="1368152">
                   <a:extLst>
                     <a:ext uri="{9D8B030D-6E8A-4147-A177-3AD203B41FA5}">
-                      <a16:colId xmlns:a16="http://schemas.microsoft.com/office/drawing/2014/main" xmlns="" val="20000"/>
+                      <a16:colId xmlns:a16="http://schemas.microsoft.com/office/drawing/2014/main" val="20000"/>
                     </a:ext>
                   </a:extLst>
                 </a:gridCol>
                 <a:gridCol w="1224136">
                   <a:extLst>
                     <a:ext uri="{9D8B030D-6E8A-4147-A177-3AD203B41FA5}">
-                      <a16:colId xmlns:a16="http://schemas.microsoft.com/office/drawing/2014/main" xmlns="" val="20001"/>
+                      <a16:colId xmlns:a16="http://schemas.microsoft.com/office/drawing/2014/main" val="20001"/>
                     </a:ext>
                   </a:extLst>
                 </a:gridCol>
                 <a:gridCol w="1008112">
                   <a:extLst>
                     <a:ext uri="{9D8B030D-6E8A-4147-A177-3AD203B41FA5}">
-                      <a16:colId xmlns:a16="http://schemas.microsoft.com/office/drawing/2014/main" xmlns="" val="20002"/>
+                      <a16:colId xmlns:a16="http://schemas.microsoft.com/office/drawing/2014/main" val="20002"/>
                     </a:ext>
                   </a:extLst>
                 </a:gridCol>
                 <a:gridCol w="1008112">
                   <a:extLst>
                     <a:ext uri="{9D8B030D-6E8A-4147-A177-3AD203B41FA5}">
-                      <a16:colId xmlns:a16="http://schemas.microsoft.com/office/drawing/2014/main" xmlns="" val="20003"/>
+                      <a16:colId xmlns:a16="http://schemas.microsoft.com/office/drawing/2014/main" val="20003"/>
                     </a:ext>
                   </a:extLst>
                 </a:gridCol>
-                <a:gridCol w="1800201"/>
+                <a:gridCol w="1800201">
+                  <a:extLst>
+                    <a:ext uri="{9D8B030D-6E8A-4147-A177-3AD203B41FA5}">
+                      <a16:colId xmlns:a16="http://schemas.microsoft.com/office/drawing/2014/main" val="20004"/>
+                    </a:ext>
+                  </a:extLst>
+                </a:gridCol>
               </a:tblGrid>
               <a:tr h="0">
                 <a:tc>
@@ -21628,7 +18262,7 @@
                 </a:tc>
                 <a:extLst>
                   <a:ext uri="{0D108BD9-81ED-4DB2-BD59-A6C34878D82A}">
-                    <a16:rowId xmlns:a16="http://schemas.microsoft.com/office/drawing/2014/main" xmlns="" val="10000"/>
+                    <a16:rowId xmlns:a16="http://schemas.microsoft.com/office/drawing/2014/main" val="10000"/>
                   </a:ext>
                 </a:extLst>
               </a:tr>
@@ -21710,7 +18344,7 @@
                 </a:tc>
                 <a:extLst>
                   <a:ext uri="{0D108BD9-81ED-4DB2-BD59-A6C34878D82A}">
-                    <a16:rowId xmlns:a16="http://schemas.microsoft.com/office/drawing/2014/main" xmlns="" val="10001"/>
+                    <a16:rowId xmlns:a16="http://schemas.microsoft.com/office/drawing/2014/main" val="10001"/>
                   </a:ext>
                 </a:extLst>
               </a:tr>
@@ -21792,7 +18426,7 @@
                 </a:tc>
                 <a:extLst>
                   <a:ext uri="{0D108BD9-81ED-4DB2-BD59-A6C34878D82A}">
-                    <a16:rowId xmlns:a16="http://schemas.microsoft.com/office/drawing/2014/main" xmlns="" val="10002"/>
+                    <a16:rowId xmlns:a16="http://schemas.microsoft.com/office/drawing/2014/main" val="10002"/>
                   </a:ext>
                 </a:extLst>
               </a:tr>
@@ -21874,7 +18508,7 @@
                 </a:tc>
                 <a:extLst>
                   <a:ext uri="{0D108BD9-81ED-4DB2-BD59-A6C34878D82A}">
-                    <a16:rowId xmlns:a16="http://schemas.microsoft.com/office/drawing/2014/main" xmlns="" val="10003"/>
+                    <a16:rowId xmlns:a16="http://schemas.microsoft.com/office/drawing/2014/main" val="10003"/>
                   </a:ext>
                 </a:extLst>
               </a:tr>
@@ -21956,7 +18590,7 @@
                 </a:tc>
                 <a:extLst>
                   <a:ext uri="{0D108BD9-81ED-4DB2-BD59-A6C34878D82A}">
-                    <a16:rowId xmlns:a16="http://schemas.microsoft.com/office/drawing/2014/main" xmlns="" val="10004"/>
+                    <a16:rowId xmlns:a16="http://schemas.microsoft.com/office/drawing/2014/main" val="10004"/>
                   </a:ext>
                 </a:extLst>
               </a:tr>
@@ -21992,21 +18626,21 @@
                 <a:gridCol w="1808572">
                   <a:extLst>
                     <a:ext uri="{9D8B030D-6E8A-4147-A177-3AD203B41FA5}">
-                      <a16:colId xmlns:a16="http://schemas.microsoft.com/office/drawing/2014/main" xmlns="" val="20000"/>
+                      <a16:colId xmlns:a16="http://schemas.microsoft.com/office/drawing/2014/main" val="20000"/>
                     </a:ext>
                   </a:extLst>
                 </a:gridCol>
                 <a:gridCol w="1987065">
                   <a:extLst>
                     <a:ext uri="{9D8B030D-6E8A-4147-A177-3AD203B41FA5}">
-                      <a16:colId xmlns:a16="http://schemas.microsoft.com/office/drawing/2014/main" xmlns="" val="20001"/>
+                      <a16:colId xmlns:a16="http://schemas.microsoft.com/office/drawing/2014/main" val="20001"/>
                     </a:ext>
                   </a:extLst>
                 </a:gridCol>
                 <a:gridCol w="1388939">
                   <a:extLst>
                     <a:ext uri="{9D8B030D-6E8A-4147-A177-3AD203B41FA5}">
-                      <a16:colId xmlns:a16="http://schemas.microsoft.com/office/drawing/2014/main" xmlns="" val="20002"/>
+                      <a16:colId xmlns:a16="http://schemas.microsoft.com/office/drawing/2014/main" val="20002"/>
                     </a:ext>
                   </a:extLst>
                 </a:gridCol>
@@ -22080,7 +18714,7 @@
                 </a:tc>
                 <a:extLst>
                   <a:ext uri="{0D108BD9-81ED-4DB2-BD59-A6C34878D82A}">
-                    <a16:rowId xmlns:a16="http://schemas.microsoft.com/office/drawing/2014/main" xmlns="" val="10000"/>
+                    <a16:rowId xmlns:a16="http://schemas.microsoft.com/office/drawing/2014/main" val="10000"/>
                   </a:ext>
                 </a:extLst>
               </a:tr>
@@ -22144,7 +18778,7 @@
                 </a:tc>
                 <a:extLst>
                   <a:ext uri="{0D108BD9-81ED-4DB2-BD59-A6C34878D82A}">
-                    <a16:rowId xmlns:a16="http://schemas.microsoft.com/office/drawing/2014/main" xmlns="" val="10001"/>
+                    <a16:rowId xmlns:a16="http://schemas.microsoft.com/office/drawing/2014/main" val="10001"/>
                   </a:ext>
                 </a:extLst>
               </a:tr>
@@ -22208,7 +18842,7 @@
                 </a:tc>
                 <a:extLst>
                   <a:ext uri="{0D108BD9-81ED-4DB2-BD59-A6C34878D82A}">
-                    <a16:rowId xmlns:a16="http://schemas.microsoft.com/office/drawing/2014/main" xmlns="" val="10002"/>
+                    <a16:rowId xmlns:a16="http://schemas.microsoft.com/office/drawing/2014/main" val="10002"/>
                   </a:ext>
                 </a:extLst>
               </a:tr>
@@ -22272,7 +18906,7 @@
                 </a:tc>
                 <a:extLst>
                   <a:ext uri="{0D108BD9-81ED-4DB2-BD59-A6C34878D82A}">
-                    <a16:rowId xmlns:a16="http://schemas.microsoft.com/office/drawing/2014/main" xmlns="" val="10003"/>
+                    <a16:rowId xmlns:a16="http://schemas.microsoft.com/office/drawing/2014/main" val="10003"/>
                   </a:ext>
                 </a:extLst>
               </a:tr>
@@ -22360,7 +18994,7 @@
 </p:sld>
 </file>
 
-<file path=ppt/slides/slide32.xml><?xml version="1.0" encoding="utf-8"?>
+<file path=ppt/slides/slide28.xml><?xml version="1.0" encoding="utf-8"?>
 <p:sld xmlns:a="http://schemas.openxmlformats.org/drawingml/2006/main" xmlns:r="http://schemas.openxmlformats.org/officeDocument/2006/relationships" xmlns:p="http://schemas.openxmlformats.org/presentationml/2006/main">
   <p:cSld>
     <p:spTree>
@@ -22421,7 +19055,7 @@
           <a:p>
             <a:fld id="{1BDE3FE7-3AEA-4B05-AC5A-802D1816ACF0}" type="slidenum">
               <a:rPr lang="ko-KR" altLang="en-US" smtClean="0"/>
-              <a:t>32</a:t>
+              <a:t>28</a:t>
             </a:fld>
             <a:endParaRPr lang="ko-KR" altLang="en-US"/>
           </a:p>
@@ -22455,32 +19089,38 @@
                 <a:gridCol w="1398897">
                   <a:extLst>
                     <a:ext uri="{9D8B030D-6E8A-4147-A177-3AD203B41FA5}">
-                      <a16:colId xmlns:a16="http://schemas.microsoft.com/office/drawing/2014/main" xmlns="" val="20000"/>
+                      <a16:colId xmlns:a16="http://schemas.microsoft.com/office/drawing/2014/main" val="20000"/>
                     </a:ext>
                   </a:extLst>
                 </a:gridCol>
                 <a:gridCol w="1251644">
                   <a:extLst>
                     <a:ext uri="{9D8B030D-6E8A-4147-A177-3AD203B41FA5}">
-                      <a16:colId xmlns:a16="http://schemas.microsoft.com/office/drawing/2014/main" xmlns="" val="20001"/>
+                      <a16:colId xmlns:a16="http://schemas.microsoft.com/office/drawing/2014/main" val="20001"/>
                     </a:ext>
                   </a:extLst>
                 </a:gridCol>
                 <a:gridCol w="1030766">
                   <a:extLst>
                     <a:ext uri="{9D8B030D-6E8A-4147-A177-3AD203B41FA5}">
-                      <a16:colId xmlns:a16="http://schemas.microsoft.com/office/drawing/2014/main" xmlns="" val="20002"/>
+                      <a16:colId xmlns:a16="http://schemas.microsoft.com/office/drawing/2014/main" val="20002"/>
                     </a:ext>
                   </a:extLst>
                 </a:gridCol>
                 <a:gridCol w="1030766">
                   <a:extLst>
                     <a:ext uri="{9D8B030D-6E8A-4147-A177-3AD203B41FA5}">
-                      <a16:colId xmlns:a16="http://schemas.microsoft.com/office/drawing/2014/main" xmlns="" val="20003"/>
+                      <a16:colId xmlns:a16="http://schemas.microsoft.com/office/drawing/2014/main" val="20003"/>
                     </a:ext>
                   </a:extLst>
                 </a:gridCol>
-                <a:gridCol w="1840655"/>
+                <a:gridCol w="1840655">
+                  <a:extLst>
+                    <a:ext uri="{9D8B030D-6E8A-4147-A177-3AD203B41FA5}">
+                      <a16:colId xmlns:a16="http://schemas.microsoft.com/office/drawing/2014/main" val="20004"/>
+                    </a:ext>
+                  </a:extLst>
+                </a:gridCol>
               </a:tblGrid>
               <a:tr h="331400">
                 <a:tc>
@@ -22595,7 +19235,7 @@
                 </a:tc>
                 <a:extLst>
                   <a:ext uri="{0D108BD9-81ED-4DB2-BD59-A6C34878D82A}">
-                    <a16:rowId xmlns:a16="http://schemas.microsoft.com/office/drawing/2014/main" xmlns="" val="10000"/>
+                    <a16:rowId xmlns:a16="http://schemas.microsoft.com/office/drawing/2014/main" val="10000"/>
                   </a:ext>
                 </a:extLst>
               </a:tr>
@@ -22677,7 +19317,7 @@
                 </a:tc>
                 <a:extLst>
                   <a:ext uri="{0D108BD9-81ED-4DB2-BD59-A6C34878D82A}">
-                    <a16:rowId xmlns:a16="http://schemas.microsoft.com/office/drawing/2014/main" xmlns="" val="10001"/>
+                    <a16:rowId xmlns:a16="http://schemas.microsoft.com/office/drawing/2014/main" val="10001"/>
                   </a:ext>
                 </a:extLst>
               </a:tr>
@@ -22759,7 +19399,7 @@
                 </a:tc>
                 <a:extLst>
                   <a:ext uri="{0D108BD9-81ED-4DB2-BD59-A6C34878D82A}">
-                    <a16:rowId xmlns:a16="http://schemas.microsoft.com/office/drawing/2014/main" xmlns="" val="10002"/>
+                    <a16:rowId xmlns:a16="http://schemas.microsoft.com/office/drawing/2014/main" val="10002"/>
                   </a:ext>
                 </a:extLst>
               </a:tr>
@@ -22841,7 +19481,7 @@
                 </a:tc>
                 <a:extLst>
                   <a:ext uri="{0D108BD9-81ED-4DB2-BD59-A6C34878D82A}">
-                    <a16:rowId xmlns:a16="http://schemas.microsoft.com/office/drawing/2014/main" xmlns="" val="10003"/>
+                    <a16:rowId xmlns:a16="http://schemas.microsoft.com/office/drawing/2014/main" val="10003"/>
                   </a:ext>
                 </a:extLst>
               </a:tr>
@@ -22923,7 +19563,7 @@
                 </a:tc>
                 <a:extLst>
                   <a:ext uri="{0D108BD9-81ED-4DB2-BD59-A6C34878D82A}">
-                    <a16:rowId xmlns:a16="http://schemas.microsoft.com/office/drawing/2014/main" xmlns="" val="10004"/>
+                    <a16:rowId xmlns:a16="http://schemas.microsoft.com/office/drawing/2014/main" val="10004"/>
                   </a:ext>
                 </a:extLst>
               </a:tr>
@@ -22981,7 +19621,7 @@
 </p:sld>
 </file>
 
-<file path=ppt/slides/slide33.xml><?xml version="1.0" encoding="utf-8"?>
+<file path=ppt/slides/slide29.xml><?xml version="1.0" encoding="utf-8"?>
 <p:sld xmlns:a="http://schemas.openxmlformats.org/drawingml/2006/main" xmlns:r="http://schemas.openxmlformats.org/officeDocument/2006/relationships" xmlns:p="http://schemas.openxmlformats.org/presentationml/2006/main">
   <p:cSld>
     <p:spTree>
@@ -23041,7 +19681,7 @@
           <a:p>
             <a:fld id="{1BDE3FE7-3AEA-4B05-AC5A-802D1816ACF0}" type="slidenum">
               <a:rPr lang="ko-KR" altLang="en-US" smtClean="0"/>
-              <a:t>33</a:t>
+              <a:t>29</a:t>
             </a:fld>
             <a:endParaRPr lang="ko-KR" altLang="en-US"/>
           </a:p>
@@ -23146,7 +19786,7 @@
 </p:sld>
 </file>
 
-<file path=ppt/slides/slide34.xml><?xml version="1.0" encoding="utf-8"?>
+<file path=ppt/slides/slide3.xml><?xml version="1.0" encoding="utf-8"?>
 <p:sld xmlns:a="http://schemas.openxmlformats.org/drawingml/2006/main" xmlns:r="http://schemas.openxmlformats.org/officeDocument/2006/relationships" xmlns:p="http://schemas.openxmlformats.org/presentationml/2006/main">
   <p:cSld>
     <p:spTree>
@@ -23184,7 +19824,7 @@
             </a:r>
             <a:r>
               <a:rPr lang="ko-KR" altLang="en-US" dirty="0" smtClean="0"/>
-              <a:t>데이터베이스 구축하기</a:t>
+              <a:t>데이터 모델링</a:t>
             </a:r>
             <a:endParaRPr lang="ko-KR" altLang="en-US" dirty="0"/>
           </a:p>
@@ -23207,7 +19847,402 @@
           <a:p>
             <a:fld id="{1BDE3FE7-3AEA-4B05-AC5A-802D1816ACF0}" type="slidenum">
               <a:rPr lang="ko-KR" altLang="en-US" smtClean="0"/>
-              <a:t>34</a:t>
+              <a:t>3</a:t>
+            </a:fld>
+            <a:endParaRPr lang="ko-KR" altLang="en-US"/>
+          </a:p>
+        </p:txBody>
+      </p:sp>
+      <p:sp>
+        <p:nvSpPr>
+          <p:cNvPr id="3" name="TextBox 2"/>
+          <p:cNvSpPr txBox="1"/>
+          <p:nvPr/>
+        </p:nvSpPr>
+        <p:spPr>
+          <a:xfrm>
+            <a:off x="323528" y="1124744"/>
+            <a:ext cx="8568952" cy="4832092"/>
+          </a:xfrm>
+          <a:prstGeom prst="rect">
+            <a:avLst/>
+          </a:prstGeom>
+          <a:noFill/>
+        </p:spPr>
+        <p:txBody>
+          <a:bodyPr wrap="square" rtlCol="0">
+            <a:spAutoFit/>
+          </a:bodyPr>
+          <a:lstStyle/>
+          <a:p>
+            <a:pPr marL="342900" indent="-342900">
+              <a:buFont typeface="+mj-ea"/>
+              <a:buAutoNum type="circleNumDbPlain"/>
+            </a:pPr>
+            <a:r>
+              <a:rPr lang="ko-KR" altLang="en-US" dirty="0" smtClean="0"/>
+              <a:t>요구사항 수집 및 분석</a:t>
+            </a:r>
+            <a:endParaRPr lang="en-US" altLang="ko-KR" dirty="0" smtClean="0"/>
+          </a:p>
+          <a:p>
+            <a:pPr marL="800100" lvl="1" indent="-342900">
+              <a:buFont typeface="Arial" panose="020B0604020202020204" pitchFamily="34" charset="0"/>
+              <a:buChar char="•"/>
+            </a:pPr>
+            <a:r>
+              <a:rPr lang="ko-KR" altLang="en-US" sz="1600" dirty="0" smtClean="0"/>
+              <a:t>사용자들의 요구사항을 듣고 분석하여 데이터베이스 구축의 범위를 정하는 단계</a:t>
+            </a:r>
+            <a:endParaRPr lang="en-US" altLang="ko-KR" sz="1600" dirty="0" smtClean="0"/>
+          </a:p>
+          <a:p>
+            <a:pPr marL="800100" lvl="1" indent="-342900">
+              <a:buFont typeface="Arial" panose="020B0604020202020204" pitchFamily="34" charset="0"/>
+              <a:buChar char="•"/>
+            </a:pPr>
+            <a:r>
+              <a:rPr lang="ko-KR" altLang="en-US" sz="1600" dirty="0" smtClean="0"/>
+              <a:t>마당서점의 경우 고객</a:t>
+            </a:r>
+            <a:r>
+              <a:rPr lang="en-US" altLang="ko-KR" sz="1600" dirty="0" smtClean="0"/>
+              <a:t>, </a:t>
+            </a:r>
+            <a:r>
+              <a:rPr lang="ko-KR" altLang="en-US" sz="1600" dirty="0" smtClean="0"/>
+              <a:t>운영자</a:t>
+            </a:r>
+            <a:r>
+              <a:rPr lang="en-US" altLang="ko-KR" sz="1600" dirty="0" smtClean="0"/>
+              <a:t>, </a:t>
+            </a:r>
+            <a:r>
+              <a:rPr lang="ko-KR" altLang="en-US" sz="1600" dirty="0" smtClean="0"/>
+              <a:t>경영자 등 사용자의 범위와 서비스 수준을 정하는 것</a:t>
+            </a:r>
+            <a:endParaRPr lang="en-US" altLang="ko-KR" sz="1600" dirty="0"/>
+          </a:p>
+          <a:p>
+            <a:pPr marL="342900" indent="-342900">
+              <a:buFont typeface="+mj-ea"/>
+              <a:buAutoNum type="circleNumDbPlain"/>
+            </a:pPr>
+            <a:endParaRPr lang="en-US" altLang="ko-KR" dirty="0" smtClean="0"/>
+          </a:p>
+          <a:p>
+            <a:pPr marL="342900" indent="-342900">
+              <a:buFont typeface="+mj-ea"/>
+              <a:buAutoNum type="circleNumDbPlain"/>
+            </a:pPr>
+            <a:r>
+              <a:rPr lang="ko-KR" altLang="en-US" dirty="0" smtClean="0"/>
+              <a:t>설계</a:t>
+            </a:r>
+            <a:endParaRPr lang="en-US" altLang="ko-KR" dirty="0" smtClean="0"/>
+          </a:p>
+          <a:p>
+            <a:pPr marL="800100" lvl="1" indent="-342900">
+              <a:buFont typeface="Arial" panose="020B0604020202020204" pitchFamily="34" charset="0"/>
+              <a:buChar char="•"/>
+            </a:pPr>
+            <a:r>
+              <a:rPr lang="ko-KR" altLang="en-US" sz="1600" dirty="0" smtClean="0"/>
+              <a:t>분석된 요구사항을 기초로 주요 개념과 업무 프로세스 등을 식별하고</a:t>
+            </a:r>
+            <a:r>
+              <a:rPr lang="en-US" altLang="ko-KR" sz="1600" dirty="0" smtClean="0"/>
+              <a:t>(</a:t>
+            </a:r>
+            <a:r>
+              <a:rPr lang="ko-KR" altLang="en-US" sz="1600" dirty="0" smtClean="0"/>
+              <a:t>개념적 설계</a:t>
+            </a:r>
+            <a:r>
+              <a:rPr lang="en-US" altLang="ko-KR" sz="1600" dirty="0" smtClean="0"/>
+              <a:t>), </a:t>
+            </a:r>
+            <a:r>
+              <a:rPr lang="ko-KR" altLang="en-US" sz="1600" dirty="0" smtClean="0"/>
+              <a:t>사용하는 </a:t>
+            </a:r>
+            <a:r>
+              <a:rPr lang="en-US" altLang="ko-KR" sz="1600" dirty="0" smtClean="0"/>
+              <a:t>DBMS</a:t>
+            </a:r>
+            <a:r>
+              <a:rPr lang="ko-KR" altLang="en-US" sz="1600" dirty="0" smtClean="0"/>
+              <a:t>의 종류에 따라 맞게 변환</a:t>
+            </a:r>
+            <a:r>
+              <a:rPr lang="en-US" altLang="ko-KR" sz="1600" dirty="0" smtClean="0"/>
+              <a:t>(</a:t>
+            </a:r>
+            <a:r>
+              <a:rPr lang="ko-KR" altLang="en-US" sz="1600" dirty="0" smtClean="0"/>
+              <a:t>논리적 설계</a:t>
+            </a:r>
+            <a:r>
+              <a:rPr lang="en-US" altLang="ko-KR" sz="1600" dirty="0" smtClean="0"/>
+              <a:t>)</a:t>
+            </a:r>
+            <a:r>
+              <a:rPr lang="ko-KR" altLang="en-US" sz="1600" dirty="0" smtClean="0"/>
+              <a:t>한 후</a:t>
+            </a:r>
+            <a:r>
+              <a:rPr lang="en-US" altLang="ko-KR" sz="1600" dirty="0" smtClean="0"/>
+              <a:t>, </a:t>
+            </a:r>
+            <a:r>
+              <a:rPr lang="ko-KR" altLang="en-US" sz="1600" dirty="0" smtClean="0"/>
+              <a:t>데이터 베이스 스키마</a:t>
+            </a:r>
+            <a:r>
+              <a:rPr lang="en-US" altLang="ko-KR" sz="1600" dirty="0" smtClean="0"/>
+              <a:t>(</a:t>
+            </a:r>
+            <a:r>
+              <a:rPr lang="ko-KR" altLang="en-US" sz="1600" dirty="0" smtClean="0"/>
+              <a:t>물리적 설계</a:t>
+            </a:r>
+            <a:r>
+              <a:rPr lang="en-US" altLang="ko-KR" sz="1600" dirty="0" smtClean="0"/>
+              <a:t>)</a:t>
+            </a:r>
+            <a:r>
+              <a:rPr lang="ko-KR" altLang="en-US" sz="1600" dirty="0" smtClean="0"/>
+              <a:t>한다</a:t>
+            </a:r>
+            <a:r>
+              <a:rPr lang="en-US" altLang="ko-KR" sz="1600" dirty="0" smtClean="0"/>
+              <a:t>.</a:t>
+            </a:r>
+            <a:endParaRPr lang="en-US" altLang="ko-KR" sz="1600" dirty="0"/>
+          </a:p>
+          <a:p>
+            <a:pPr marL="342900" indent="-342900">
+              <a:buFont typeface="+mj-ea"/>
+              <a:buAutoNum type="circleNumDbPlain"/>
+            </a:pPr>
+            <a:endParaRPr lang="en-US" altLang="ko-KR" dirty="0" smtClean="0"/>
+          </a:p>
+          <a:p>
+            <a:pPr marL="342900" indent="-342900">
+              <a:buFont typeface="+mj-ea"/>
+              <a:buAutoNum type="circleNumDbPlain"/>
+            </a:pPr>
+            <a:r>
+              <a:rPr lang="ko-KR" altLang="en-US" dirty="0" smtClean="0"/>
+              <a:t>구현</a:t>
+            </a:r>
+            <a:endParaRPr lang="en-US" altLang="ko-KR" dirty="0" smtClean="0"/>
+          </a:p>
+          <a:p>
+            <a:pPr marL="800100" lvl="1" indent="-342900">
+              <a:buFont typeface="Arial" panose="020B0604020202020204" pitchFamily="34" charset="0"/>
+              <a:buChar char="•"/>
+            </a:pPr>
+            <a:r>
+              <a:rPr lang="ko-KR" altLang="en-US" sz="1600" dirty="0" smtClean="0"/>
+              <a:t>설계 단계에서 생성한 스키마를 실제 </a:t>
+            </a:r>
+            <a:r>
+              <a:rPr lang="en-US" altLang="ko-KR" sz="1600" dirty="0" smtClean="0"/>
+              <a:t>DBMS</a:t>
+            </a:r>
+            <a:r>
+              <a:rPr lang="ko-KR" altLang="en-US" sz="1600" dirty="0" smtClean="0"/>
+              <a:t>에 적용하여 </a:t>
+            </a:r>
+            <a:r>
+              <a:rPr lang="ko-KR" altLang="en-US" sz="1600" dirty="0" err="1" smtClean="0"/>
+              <a:t>데이블</a:t>
+            </a:r>
+            <a:r>
+              <a:rPr lang="ko-KR" altLang="en-US" sz="1600" dirty="0" smtClean="0"/>
+              <a:t> 및 관련 객체</a:t>
+            </a:r>
+            <a:r>
+              <a:rPr lang="en-US" altLang="ko-KR" sz="1600" dirty="0" smtClean="0"/>
+              <a:t>(</a:t>
+            </a:r>
+            <a:r>
+              <a:rPr lang="ko-KR" altLang="en-US" sz="1600" dirty="0" err="1" smtClean="0"/>
+              <a:t>뷰</a:t>
+            </a:r>
+            <a:r>
+              <a:rPr lang="en-US" altLang="ko-KR" sz="1600" dirty="0" smtClean="0"/>
+              <a:t>, </a:t>
+            </a:r>
+            <a:r>
+              <a:rPr lang="ko-KR" altLang="en-US" sz="1600" dirty="0" err="1" smtClean="0"/>
+              <a:t>인덱스등</a:t>
+            </a:r>
+            <a:r>
+              <a:rPr lang="en-US" altLang="ko-KR" sz="1600" dirty="0" smtClean="0"/>
+              <a:t>)</a:t>
+            </a:r>
+            <a:r>
+              <a:rPr lang="ko-KR" altLang="en-US" sz="1600" dirty="0" smtClean="0"/>
+              <a:t>를 만든다</a:t>
+            </a:r>
+            <a:r>
+              <a:rPr lang="en-US" altLang="ko-KR" sz="1600" dirty="0" smtClean="0"/>
+              <a:t>. </a:t>
+            </a:r>
+            <a:endParaRPr lang="en-US" altLang="ko-KR" sz="1600" dirty="0"/>
+          </a:p>
+          <a:p>
+            <a:pPr marL="342900" indent="-342900">
+              <a:buFont typeface="+mj-ea"/>
+              <a:buAutoNum type="circleNumDbPlain"/>
+            </a:pPr>
+            <a:endParaRPr lang="en-US" altLang="ko-KR" dirty="0" smtClean="0"/>
+          </a:p>
+          <a:p>
+            <a:pPr marL="342900" indent="-342900">
+              <a:buFont typeface="+mj-ea"/>
+              <a:buAutoNum type="circleNumDbPlain"/>
+            </a:pPr>
+            <a:r>
+              <a:rPr lang="ko-KR" altLang="en-US" dirty="0" smtClean="0"/>
+              <a:t>운영</a:t>
+            </a:r>
+            <a:endParaRPr lang="en-US" altLang="ko-KR" dirty="0" smtClean="0"/>
+          </a:p>
+          <a:p>
+            <a:pPr marL="800100" lvl="1" indent="-342900">
+              <a:buFont typeface="Arial" panose="020B0604020202020204" pitchFamily="34" charset="0"/>
+              <a:buChar char="•"/>
+            </a:pPr>
+            <a:r>
+              <a:rPr lang="ko-KR" altLang="en-US" sz="1600" dirty="0" smtClean="0"/>
+              <a:t>구현된 데이터베이스를 기반으로 소프트웨어를 구축하여 서비스를 제공한다</a:t>
+            </a:r>
+            <a:r>
+              <a:rPr lang="en-US" altLang="ko-KR" sz="1600" dirty="0" smtClean="0"/>
+              <a:t>.</a:t>
+            </a:r>
+            <a:endParaRPr lang="en-US" altLang="ko-KR" sz="1600" dirty="0"/>
+          </a:p>
+          <a:p>
+            <a:pPr marL="342900" indent="-342900">
+              <a:buFont typeface="+mj-ea"/>
+              <a:buAutoNum type="circleNumDbPlain"/>
+            </a:pPr>
+            <a:endParaRPr lang="en-US" altLang="ko-KR" dirty="0" smtClean="0"/>
+          </a:p>
+          <a:p>
+            <a:pPr marL="342900" indent="-342900">
+              <a:buFont typeface="+mj-ea"/>
+              <a:buAutoNum type="circleNumDbPlain"/>
+            </a:pPr>
+            <a:r>
+              <a:rPr lang="ko-KR" altLang="en-US" dirty="0" smtClean="0"/>
+              <a:t>감시 및 개선</a:t>
+            </a:r>
+            <a:endParaRPr lang="en-US" altLang="ko-KR" dirty="0" smtClean="0"/>
+          </a:p>
+          <a:p>
+            <a:pPr marL="800100" lvl="1" indent="-342900">
+              <a:buFont typeface="Arial" panose="020B0604020202020204" pitchFamily="34" charset="0"/>
+              <a:buChar char="•"/>
+            </a:pPr>
+            <a:r>
+              <a:rPr lang="ko-KR" altLang="en-US" sz="1600" dirty="0" smtClean="0"/>
+              <a:t>데이터 베이스가 지속적으로 운영될 수 있도록 변경 및 유지 보수를 한다</a:t>
+            </a:r>
+            <a:r>
+              <a:rPr lang="en-US" altLang="ko-KR" sz="1600" dirty="0" smtClean="0"/>
+              <a:t>.</a:t>
+            </a:r>
+            <a:endParaRPr lang="ko-KR" altLang="en-US" sz="1600" dirty="0"/>
+          </a:p>
+        </p:txBody>
+      </p:sp>
+    </p:spTree>
+    <p:extLst>
+      <p:ext uri="{BB962C8B-B14F-4D97-AF65-F5344CB8AC3E}">
+        <p14:creationId xmlns:p14="http://schemas.microsoft.com/office/powerpoint/2010/main" val="2876215133"/>
+      </p:ext>
+    </p:extLst>
+  </p:cSld>
+  <p:clrMapOvr>
+    <a:masterClrMapping/>
+  </p:clrMapOvr>
+  <p:timing>
+    <p:tnLst>
+      <p:par>
+        <p:cTn id="1" dur="indefinite" restart="never" nodeType="tmRoot"/>
+      </p:par>
+    </p:tnLst>
+  </p:timing>
+</p:sld>
+</file>
+
+<file path=ppt/slides/slide30.xml><?xml version="1.0" encoding="utf-8"?>
+<p:sld xmlns:a="http://schemas.openxmlformats.org/drawingml/2006/main" xmlns:r="http://schemas.openxmlformats.org/officeDocument/2006/relationships" xmlns:p="http://schemas.openxmlformats.org/presentationml/2006/main">
+  <p:cSld>
+    <p:spTree>
+      <p:nvGrpSpPr>
+        <p:cNvPr id="1" name=""/>
+        <p:cNvGrpSpPr/>
+        <p:nvPr/>
+      </p:nvGrpSpPr>
+      <p:grpSpPr>
+        <a:xfrm>
+          <a:off x="0" y="0"/>
+          <a:ext cx="0" cy="0"/>
+          <a:chOff x="0" y="0"/>
+          <a:chExt cx="0" cy="0"/>
+        </a:xfrm>
+      </p:grpSpPr>
+      <p:sp>
+        <p:nvSpPr>
+          <p:cNvPr id="2" name="제목 1"/>
+          <p:cNvSpPr>
+            <a:spLocks noGrp="1"/>
+          </p:cNvSpPr>
+          <p:nvPr>
+            <p:ph type="title"/>
+          </p:nvPr>
+        </p:nvSpPr>
+        <p:spPr/>
+        <p:txBody>
+          <a:bodyPr/>
+          <a:lstStyle/>
+          <a:p>
+            <a:r>
+              <a:rPr lang="en-US" altLang="ko-KR" dirty="0" smtClean="0"/>
+              <a:t>  </a:t>
+            </a:r>
+            <a:r>
+              <a:rPr lang="ko-KR" altLang="en-US" dirty="0" smtClean="0"/>
+              <a:t>데이터베이스 구축하기</a:t>
+            </a:r>
+            <a:endParaRPr lang="ko-KR" altLang="en-US" dirty="0"/>
+          </a:p>
+        </p:txBody>
+      </p:sp>
+      <p:sp>
+        <p:nvSpPr>
+          <p:cNvPr id="4" name="슬라이드 번호 개체 틀 3"/>
+          <p:cNvSpPr>
+            <a:spLocks noGrp="1"/>
+          </p:cNvSpPr>
+          <p:nvPr>
+            <p:ph type="sldNum" sz="quarter" idx="12"/>
+          </p:nvPr>
+        </p:nvSpPr>
+        <p:spPr/>
+        <p:txBody>
+          <a:bodyPr/>
+          <a:lstStyle/>
+          <a:p>
+            <a:fld id="{1BDE3FE7-3AEA-4B05-AC5A-802D1816ACF0}" type="slidenum">
+              <a:rPr lang="ko-KR" altLang="en-US" smtClean="0"/>
+              <a:t>30</a:t>
             </a:fld>
             <a:endParaRPr lang="ko-KR" altLang="en-US"/>
           </a:p>
@@ -23335,7 +20370,7 @@
 </p:sld>
 </file>
 
-<file path=ppt/slides/slide35.xml><?xml version="1.0" encoding="utf-8"?>
+<file path=ppt/slides/slide31.xml><?xml version="1.0" encoding="utf-8"?>
 <p:sld xmlns:a="http://schemas.openxmlformats.org/drawingml/2006/main" xmlns:r="http://schemas.openxmlformats.org/officeDocument/2006/relationships" xmlns:p="http://schemas.openxmlformats.org/presentationml/2006/main">
   <p:cSld>
     <p:spTree>
@@ -23395,7 +20430,7 @@
           <a:p>
             <a:fld id="{1BDE3FE7-3AEA-4B05-AC5A-802D1816ACF0}" type="slidenum">
               <a:rPr lang="ko-KR" altLang="en-US" smtClean="0"/>
-              <a:t>35</a:t>
+              <a:t>31</a:t>
             </a:fld>
             <a:endParaRPr lang="ko-KR" altLang="en-US"/>
           </a:p>
@@ -23457,7 +20492,7 @@
 </p:sld>
 </file>
 
-<file path=ppt/slides/slide36.xml><?xml version="1.0" encoding="utf-8"?>
+<file path=ppt/slides/slide32.xml><?xml version="1.0" encoding="utf-8"?>
 <p:sld xmlns:a="http://schemas.openxmlformats.org/drawingml/2006/main" xmlns:r="http://schemas.openxmlformats.org/officeDocument/2006/relationships" xmlns:p="http://schemas.openxmlformats.org/presentationml/2006/main">
   <p:cSld>
     <p:spTree>
@@ -23517,7 +20552,7 @@
           <a:p>
             <a:fld id="{1BDE3FE7-3AEA-4B05-AC5A-802D1816ACF0}" type="slidenum">
               <a:rPr lang="ko-KR" altLang="en-US" smtClean="0"/>
-              <a:t>36</a:t>
+              <a:t>32</a:t>
             </a:fld>
             <a:endParaRPr lang="ko-KR" altLang="en-US"/>
           </a:p>
@@ -23650,27 +20685,11 @@
           <a:p>
             <a:r>
               <a:rPr lang="en-US" altLang="ko-KR" dirty="0" smtClean="0"/>
-              <a:t> </a:t>
-            </a:r>
-            <a:r>
-              <a:rPr lang="ko-KR" altLang="en-US" dirty="0"/>
-              <a:t>관계</a:t>
-            </a:r>
-            <a:r>
-              <a:rPr lang="en-US" altLang="ko-KR" dirty="0"/>
-              <a:t>(</a:t>
-            </a:r>
-            <a:r>
-              <a:rPr lang="en-US" altLang="ko-KR" dirty="0" err="1"/>
-              <a:t>Releation</a:t>
-            </a:r>
-            <a:r>
-              <a:rPr lang="en-US" altLang="ko-KR" dirty="0"/>
-              <a:t>) - </a:t>
-            </a:r>
-            <a:r>
-              <a:rPr lang="ko-KR" altLang="en-US" dirty="0" err="1"/>
-              <a:t>외래키</a:t>
+              <a:t>  </a:t>
+            </a:r>
+            <a:r>
+              <a:rPr lang="ko-KR" altLang="en-US" dirty="0" smtClean="0"/>
+              <a:t>데이터 모델링</a:t>
             </a:r>
             <a:endParaRPr lang="ko-KR" altLang="en-US" dirty="0"/>
           </a:p>
@@ -23694,1118 +20713,6 @@
             <a:fld id="{1BDE3FE7-3AEA-4B05-AC5A-802D1816ACF0}" type="slidenum">
               <a:rPr lang="ko-KR" altLang="en-US" smtClean="0"/>
               <a:t>4</a:t>
-            </a:fld>
-            <a:endParaRPr lang="ko-KR" altLang="en-US"/>
-          </a:p>
-        </p:txBody>
-      </p:sp>
-      <p:sp>
-        <p:nvSpPr>
-          <p:cNvPr id="6" name="TextBox 5"/>
-          <p:cNvSpPr txBox="1"/>
-          <p:nvPr/>
-        </p:nvSpPr>
-        <p:spPr>
-          <a:xfrm>
-            <a:off x="971600" y="1196752"/>
-            <a:ext cx="5472608" cy="400110"/>
-          </a:xfrm>
-          <a:prstGeom prst="rect">
-            <a:avLst/>
-          </a:prstGeom>
-          <a:noFill/>
-        </p:spPr>
-        <p:txBody>
-          <a:bodyPr wrap="square" rtlCol="0">
-            <a:spAutoFit/>
-          </a:bodyPr>
-          <a:lstStyle/>
-          <a:p>
-            <a:r>
-              <a:rPr lang="ko-KR" altLang="en-US" sz="2000" b="1" dirty="0" smtClean="0"/>
-              <a:t>부</a:t>
-            </a:r>
-            <a:r>
-              <a:rPr lang="ko-KR" altLang="en-US" sz="2000" b="1" dirty="0"/>
-              <a:t>서</a:t>
-            </a:r>
-            <a:r>
-              <a:rPr lang="ko-KR" altLang="en-US" sz="2000" b="1" dirty="0" smtClean="0"/>
-              <a:t>와 직원 자료 추가</a:t>
-            </a:r>
-            <a:endParaRPr lang="ko-KR" altLang="en-US" sz="2000" b="1" dirty="0"/>
-          </a:p>
-        </p:txBody>
-      </p:sp>
-      <p:pic>
-        <p:nvPicPr>
-          <p:cNvPr id="3" name="그림 2"/>
-          <p:cNvPicPr>
-            <a:picLocks noChangeAspect="1"/>
-          </p:cNvPicPr>
-          <p:nvPr/>
-        </p:nvPicPr>
-        <p:blipFill>
-          <a:blip r:embed="rId2">
-            <a:extLst>
-              <a:ext uri="{28A0092B-C50C-407E-A947-70E740481C1C}">
-                <a14:useLocalDpi xmlns:a14="http://schemas.microsoft.com/office/drawing/2010/main" val="0"/>
-              </a:ext>
-            </a:extLst>
-          </a:blip>
-          <a:stretch>
-            <a:fillRect/>
-          </a:stretch>
-        </p:blipFill>
-        <p:spPr>
-          <a:xfrm>
-            <a:off x="1187624" y="1844824"/>
-            <a:ext cx="6386114" cy="2187130"/>
-          </a:xfrm>
-          <a:prstGeom prst="rect">
-            <a:avLst/>
-          </a:prstGeom>
-          <a:ln>
-            <a:solidFill>
-              <a:schemeClr val="bg1">
-                <a:lumMod val="85000"/>
-              </a:schemeClr>
-            </a:solidFill>
-          </a:ln>
-        </p:spPr>
-      </p:pic>
-      <p:pic>
-        <p:nvPicPr>
-          <p:cNvPr id="12" name="그림 11"/>
-          <p:cNvPicPr>
-            <a:picLocks noChangeAspect="1"/>
-          </p:cNvPicPr>
-          <p:nvPr/>
-        </p:nvPicPr>
-        <p:blipFill>
-          <a:blip r:embed="rId3">
-            <a:extLst>
-              <a:ext uri="{28A0092B-C50C-407E-A947-70E740481C1C}">
-                <a14:useLocalDpi xmlns:a14="http://schemas.microsoft.com/office/drawing/2010/main" val="0"/>
-              </a:ext>
-            </a:extLst>
-          </a:blip>
-          <a:stretch>
-            <a:fillRect/>
-          </a:stretch>
-        </p:blipFill>
-        <p:spPr>
-          <a:xfrm>
-            <a:off x="1187625" y="4293096"/>
-            <a:ext cx="6386114" cy="1032648"/>
-          </a:xfrm>
-          <a:prstGeom prst="rect">
-            <a:avLst/>
-          </a:prstGeom>
-          <a:ln>
-            <a:solidFill>
-              <a:schemeClr val="bg1">
-                <a:lumMod val="85000"/>
-              </a:schemeClr>
-            </a:solidFill>
-          </a:ln>
-        </p:spPr>
-      </p:pic>
-    </p:spTree>
-    <p:extLst>
-      <p:ext uri="{BB962C8B-B14F-4D97-AF65-F5344CB8AC3E}">
-        <p14:creationId xmlns:p14="http://schemas.microsoft.com/office/powerpoint/2010/main" val="3536491920"/>
-      </p:ext>
-    </p:extLst>
-  </p:cSld>
-  <p:clrMapOvr>
-    <a:masterClrMapping/>
-  </p:clrMapOvr>
-  <p:timing>
-    <p:tnLst>
-      <p:par>
-        <p:cTn id="1" dur="indefinite" restart="never" nodeType="tmRoot"/>
-      </p:par>
-    </p:tnLst>
-  </p:timing>
-</p:sld>
-</file>
-
-<file path=ppt/slides/slide5.xml><?xml version="1.0" encoding="utf-8"?>
-<p:sld xmlns:a="http://schemas.openxmlformats.org/drawingml/2006/main" xmlns:r="http://schemas.openxmlformats.org/officeDocument/2006/relationships" xmlns:p="http://schemas.openxmlformats.org/presentationml/2006/main">
-  <p:cSld>
-    <p:spTree>
-      <p:nvGrpSpPr>
-        <p:cNvPr id="1" name=""/>
-        <p:cNvGrpSpPr/>
-        <p:nvPr/>
-      </p:nvGrpSpPr>
-      <p:grpSpPr>
-        <a:xfrm>
-          <a:off x="0" y="0"/>
-          <a:ext cx="0" cy="0"/>
-          <a:chOff x="0" y="0"/>
-          <a:chExt cx="0" cy="0"/>
-        </a:xfrm>
-      </p:grpSpPr>
-      <p:sp>
-        <p:nvSpPr>
-          <p:cNvPr id="2" name="제목 1"/>
-          <p:cNvSpPr>
-            <a:spLocks noGrp="1"/>
-          </p:cNvSpPr>
-          <p:nvPr>
-            <p:ph type="title"/>
-          </p:nvPr>
-        </p:nvSpPr>
-        <p:spPr/>
-        <p:txBody>
-          <a:bodyPr/>
-          <a:lstStyle/>
-          <a:p>
-            <a:r>
-              <a:rPr lang="en-US" altLang="ko-KR" dirty="0" smtClean="0"/>
-              <a:t> </a:t>
-            </a:r>
-            <a:r>
-              <a:rPr lang="ko-KR" altLang="en-US" dirty="0"/>
-              <a:t>관계</a:t>
-            </a:r>
-            <a:r>
-              <a:rPr lang="en-US" altLang="ko-KR" dirty="0"/>
-              <a:t>(</a:t>
-            </a:r>
-            <a:r>
-              <a:rPr lang="en-US" altLang="ko-KR" dirty="0" err="1"/>
-              <a:t>Releation</a:t>
-            </a:r>
-            <a:r>
-              <a:rPr lang="en-US" altLang="ko-KR" dirty="0"/>
-              <a:t>) - </a:t>
-            </a:r>
-            <a:r>
-              <a:rPr lang="ko-KR" altLang="en-US" dirty="0" err="1"/>
-              <a:t>외래키</a:t>
-            </a:r>
-            <a:endParaRPr lang="ko-KR" altLang="en-US" dirty="0"/>
-          </a:p>
-        </p:txBody>
-      </p:sp>
-      <p:sp>
-        <p:nvSpPr>
-          <p:cNvPr id="4" name="슬라이드 번호 개체 틀 3"/>
-          <p:cNvSpPr>
-            <a:spLocks noGrp="1"/>
-          </p:cNvSpPr>
-          <p:nvPr>
-            <p:ph type="sldNum" sz="quarter" idx="12"/>
-          </p:nvPr>
-        </p:nvSpPr>
-        <p:spPr/>
-        <p:txBody>
-          <a:bodyPr/>
-          <a:lstStyle/>
-          <a:p>
-            <a:fld id="{1BDE3FE7-3AEA-4B05-AC5A-802D1816ACF0}" type="slidenum">
-              <a:rPr lang="ko-KR" altLang="en-US" smtClean="0"/>
-              <a:t>5</a:t>
-            </a:fld>
-            <a:endParaRPr lang="ko-KR" altLang="en-US"/>
-          </a:p>
-        </p:txBody>
-      </p:sp>
-      <p:sp>
-        <p:nvSpPr>
-          <p:cNvPr id="6" name="TextBox 5"/>
-          <p:cNvSpPr txBox="1"/>
-          <p:nvPr/>
-        </p:nvSpPr>
-        <p:spPr>
-          <a:xfrm>
-            <a:off x="971600" y="1124744"/>
-            <a:ext cx="5472608" cy="400110"/>
-          </a:xfrm>
-          <a:prstGeom prst="rect">
-            <a:avLst/>
-          </a:prstGeom>
-          <a:noFill/>
-        </p:spPr>
-        <p:txBody>
-          <a:bodyPr wrap="square" rtlCol="0">
-            <a:spAutoFit/>
-          </a:bodyPr>
-          <a:lstStyle/>
-          <a:p>
-            <a:r>
-              <a:rPr lang="ko-KR" altLang="en-US" sz="2000" b="1" dirty="0" smtClean="0"/>
-              <a:t>부서 자료 삭제</a:t>
-            </a:r>
-            <a:endParaRPr lang="ko-KR" altLang="en-US" sz="2000" b="1" dirty="0"/>
-          </a:p>
-        </p:txBody>
-      </p:sp>
-      <p:pic>
-        <p:nvPicPr>
-          <p:cNvPr id="3" name="그림 2"/>
-          <p:cNvPicPr>
-            <a:picLocks noChangeAspect="1"/>
-          </p:cNvPicPr>
-          <p:nvPr/>
-        </p:nvPicPr>
-        <p:blipFill>
-          <a:blip r:embed="rId2">
-            <a:extLst>
-              <a:ext uri="{28A0092B-C50C-407E-A947-70E740481C1C}">
-                <a14:useLocalDpi xmlns:a14="http://schemas.microsoft.com/office/drawing/2010/main" val="0"/>
-              </a:ext>
-            </a:extLst>
-          </a:blip>
-          <a:stretch>
-            <a:fillRect/>
-          </a:stretch>
-        </p:blipFill>
-        <p:spPr>
-          <a:xfrm>
-            <a:off x="1043608" y="1628800"/>
-            <a:ext cx="7130758" cy="672046"/>
-          </a:xfrm>
-          <a:prstGeom prst="rect">
-            <a:avLst/>
-          </a:prstGeom>
-          <a:ln>
-            <a:solidFill>
-              <a:schemeClr val="bg1">
-                <a:lumMod val="85000"/>
-              </a:schemeClr>
-            </a:solidFill>
-          </a:ln>
-        </p:spPr>
-      </p:pic>
-      <p:pic>
-        <p:nvPicPr>
-          <p:cNvPr id="5" name="그림 4"/>
-          <p:cNvPicPr>
-            <a:picLocks noChangeAspect="1"/>
-          </p:cNvPicPr>
-          <p:nvPr/>
-        </p:nvPicPr>
-        <p:blipFill>
-          <a:blip r:embed="rId3">
-            <a:extLst>
-              <a:ext uri="{28A0092B-C50C-407E-A947-70E740481C1C}">
-                <a14:useLocalDpi xmlns:a14="http://schemas.microsoft.com/office/drawing/2010/main" val="0"/>
-              </a:ext>
-            </a:extLst>
-          </a:blip>
-          <a:stretch>
-            <a:fillRect/>
-          </a:stretch>
-        </p:blipFill>
-        <p:spPr>
-          <a:xfrm>
-            <a:off x="1057401" y="2563078"/>
-            <a:ext cx="7130758" cy="1078376"/>
-          </a:xfrm>
-          <a:prstGeom prst="rect">
-            <a:avLst/>
-          </a:prstGeom>
-          <a:ln>
-            <a:solidFill>
-              <a:schemeClr val="bg1">
-                <a:lumMod val="85000"/>
-              </a:schemeClr>
-            </a:solidFill>
-          </a:ln>
-        </p:spPr>
-      </p:pic>
-      <p:sp>
-        <p:nvSpPr>
-          <p:cNvPr id="12" name="TextBox 11"/>
-          <p:cNvSpPr txBox="1"/>
-          <p:nvPr/>
-        </p:nvSpPr>
-        <p:spPr>
-          <a:xfrm>
-            <a:off x="971600" y="3933055"/>
-            <a:ext cx="3096344" cy="369332"/>
-          </a:xfrm>
-          <a:prstGeom prst="rect">
-            <a:avLst/>
-          </a:prstGeom>
-          <a:noFill/>
-        </p:spPr>
-        <p:txBody>
-          <a:bodyPr wrap="square" rtlCol="0">
-            <a:spAutoFit/>
-          </a:bodyPr>
-          <a:lstStyle/>
-          <a:p>
-            <a:r>
-              <a:rPr lang="ko-KR" altLang="en-US" b="1" dirty="0" err="1" smtClean="0"/>
-              <a:t>외래키</a:t>
-            </a:r>
-            <a:r>
-              <a:rPr lang="ko-KR" altLang="en-US" b="1" dirty="0" smtClean="0"/>
-              <a:t> 제약 조건 삭제</a:t>
-            </a:r>
-            <a:endParaRPr lang="ko-KR" altLang="en-US" b="1" dirty="0"/>
-          </a:p>
-        </p:txBody>
-      </p:sp>
-      <p:pic>
-        <p:nvPicPr>
-          <p:cNvPr id="8" name="그림 7"/>
-          <p:cNvPicPr>
-            <a:picLocks noChangeAspect="1"/>
-          </p:cNvPicPr>
-          <p:nvPr/>
-        </p:nvPicPr>
-        <p:blipFill>
-          <a:blip r:embed="rId4">
-            <a:extLst>
-              <a:ext uri="{28A0092B-C50C-407E-A947-70E740481C1C}">
-                <a14:useLocalDpi xmlns:a14="http://schemas.microsoft.com/office/drawing/2010/main" val="0"/>
-              </a:ext>
-            </a:extLst>
-          </a:blip>
-          <a:stretch>
-            <a:fillRect/>
-          </a:stretch>
-        </p:blipFill>
-        <p:spPr>
-          <a:xfrm>
-            <a:off x="1057401" y="4365103"/>
-            <a:ext cx="4480949" cy="472481"/>
-          </a:xfrm>
-          <a:prstGeom prst="rect">
-            <a:avLst/>
-          </a:prstGeom>
-          <a:ln>
-            <a:solidFill>
-              <a:schemeClr val="bg1">
-                <a:lumMod val="85000"/>
-              </a:schemeClr>
-            </a:solidFill>
-          </a:ln>
-        </p:spPr>
-      </p:pic>
-      <p:sp>
-        <p:nvSpPr>
-          <p:cNvPr id="13" name="TextBox 12"/>
-          <p:cNvSpPr txBox="1"/>
-          <p:nvPr/>
-        </p:nvSpPr>
-        <p:spPr>
-          <a:xfrm>
-            <a:off x="971600" y="5013176"/>
-            <a:ext cx="3096344" cy="369332"/>
-          </a:xfrm>
-          <a:prstGeom prst="rect">
-            <a:avLst/>
-          </a:prstGeom>
-          <a:noFill/>
-        </p:spPr>
-        <p:txBody>
-          <a:bodyPr wrap="square" rtlCol="0">
-            <a:spAutoFit/>
-          </a:bodyPr>
-          <a:lstStyle/>
-          <a:p>
-            <a:r>
-              <a:rPr lang="ko-KR" altLang="en-US" b="1" dirty="0" smtClean="0"/>
-              <a:t>테이블 삭제</a:t>
-            </a:r>
-            <a:endParaRPr lang="ko-KR" altLang="en-US" b="1" dirty="0"/>
-          </a:p>
-        </p:txBody>
-      </p:sp>
-      <p:pic>
-        <p:nvPicPr>
-          <p:cNvPr id="9" name="그림 8"/>
-          <p:cNvPicPr>
-            <a:picLocks noChangeAspect="1"/>
-          </p:cNvPicPr>
-          <p:nvPr/>
-        </p:nvPicPr>
-        <p:blipFill>
-          <a:blip r:embed="rId5">
-            <a:extLst>
-              <a:ext uri="{28A0092B-C50C-407E-A947-70E740481C1C}">
-                <a14:useLocalDpi xmlns:a14="http://schemas.microsoft.com/office/drawing/2010/main" val="0"/>
-              </a:ext>
-            </a:extLst>
-          </a:blip>
-          <a:stretch>
-            <a:fillRect/>
-          </a:stretch>
-        </p:blipFill>
-        <p:spPr>
-          <a:xfrm>
-            <a:off x="1030221" y="5445224"/>
-            <a:ext cx="4508129" cy="650658"/>
-          </a:xfrm>
-          <a:prstGeom prst="rect">
-            <a:avLst/>
-          </a:prstGeom>
-          <a:ln>
-            <a:solidFill>
-              <a:schemeClr val="bg1">
-                <a:lumMod val="85000"/>
-              </a:schemeClr>
-            </a:solidFill>
-          </a:ln>
-        </p:spPr>
-      </p:pic>
-    </p:spTree>
-    <p:extLst>
-      <p:ext uri="{BB962C8B-B14F-4D97-AF65-F5344CB8AC3E}">
-        <p14:creationId xmlns:p14="http://schemas.microsoft.com/office/powerpoint/2010/main" val="1154833101"/>
-      </p:ext>
-    </p:extLst>
-  </p:cSld>
-  <p:clrMapOvr>
-    <a:masterClrMapping/>
-  </p:clrMapOvr>
-  <p:timing>
-    <p:tnLst>
-      <p:par>
-        <p:cTn id="1" dur="indefinite" restart="never" nodeType="tmRoot"/>
-      </p:par>
-    </p:tnLst>
-  </p:timing>
-</p:sld>
-</file>
-
-<file path=ppt/slides/slide6.xml><?xml version="1.0" encoding="utf-8"?>
-<p:sld xmlns:a="http://schemas.openxmlformats.org/drawingml/2006/main" xmlns:r="http://schemas.openxmlformats.org/officeDocument/2006/relationships" xmlns:p="http://schemas.openxmlformats.org/presentationml/2006/main">
-  <p:cSld>
-    <p:spTree>
-      <p:nvGrpSpPr>
-        <p:cNvPr id="1" name=""/>
-        <p:cNvGrpSpPr/>
-        <p:nvPr/>
-      </p:nvGrpSpPr>
-      <p:grpSpPr>
-        <a:xfrm>
-          <a:off x="0" y="0"/>
-          <a:ext cx="0" cy="0"/>
-          <a:chOff x="0" y="0"/>
-          <a:chExt cx="0" cy="0"/>
-        </a:xfrm>
-      </p:grpSpPr>
-      <p:sp>
-        <p:nvSpPr>
-          <p:cNvPr id="2" name="제목 1"/>
-          <p:cNvSpPr>
-            <a:spLocks noGrp="1"/>
-          </p:cNvSpPr>
-          <p:nvPr>
-            <p:ph type="title"/>
-          </p:nvPr>
-        </p:nvSpPr>
-        <p:spPr/>
-        <p:txBody>
-          <a:bodyPr/>
-          <a:lstStyle/>
-          <a:p>
-            <a:r>
-              <a:rPr lang="en-US" altLang="ko-KR" dirty="0" smtClean="0"/>
-              <a:t>  </a:t>
-            </a:r>
-            <a:r>
-              <a:rPr lang="ko-KR" altLang="en-US" dirty="0" smtClean="0"/>
-              <a:t>데이터 모델링</a:t>
-            </a:r>
-            <a:endParaRPr lang="ko-KR" altLang="en-US" dirty="0"/>
-          </a:p>
-        </p:txBody>
-      </p:sp>
-      <p:sp>
-        <p:nvSpPr>
-          <p:cNvPr id="4" name="슬라이드 번호 개체 틀 3"/>
-          <p:cNvSpPr>
-            <a:spLocks noGrp="1"/>
-          </p:cNvSpPr>
-          <p:nvPr>
-            <p:ph type="sldNum" sz="quarter" idx="12"/>
-          </p:nvPr>
-        </p:nvSpPr>
-        <p:spPr/>
-        <p:txBody>
-          <a:bodyPr/>
-          <a:lstStyle/>
-          <a:p>
-            <a:fld id="{1BDE3FE7-3AEA-4B05-AC5A-802D1816ACF0}" type="slidenum">
-              <a:rPr lang="ko-KR" altLang="en-US" smtClean="0"/>
-              <a:t>6</a:t>
-            </a:fld>
-            <a:endParaRPr lang="ko-KR" altLang="en-US"/>
-          </a:p>
-        </p:txBody>
-      </p:sp>
-      <p:sp>
-        <p:nvSpPr>
-          <p:cNvPr id="6" name="TextBox 5"/>
-          <p:cNvSpPr txBox="1"/>
-          <p:nvPr/>
-        </p:nvSpPr>
-        <p:spPr>
-          <a:xfrm>
-            <a:off x="755576" y="1196752"/>
-            <a:ext cx="3168352" cy="400110"/>
-          </a:xfrm>
-          <a:prstGeom prst="rect">
-            <a:avLst/>
-          </a:prstGeom>
-          <a:noFill/>
-        </p:spPr>
-        <p:txBody>
-          <a:bodyPr wrap="square" rtlCol="0">
-            <a:spAutoFit/>
-          </a:bodyPr>
-          <a:lstStyle/>
-          <a:p>
-            <a:r>
-              <a:rPr lang="ko-KR" altLang="en-US" sz="2000" b="1" dirty="0" smtClean="0"/>
-              <a:t>데이터 베이스 생명주기</a:t>
-            </a:r>
-            <a:endParaRPr lang="ko-KR" altLang="en-US" sz="2000" b="1" dirty="0"/>
-          </a:p>
-        </p:txBody>
-      </p:sp>
-      <p:sp>
-        <p:nvSpPr>
-          <p:cNvPr id="7" name="TextBox 6"/>
-          <p:cNvSpPr txBox="1"/>
-          <p:nvPr/>
-        </p:nvSpPr>
-        <p:spPr>
-          <a:xfrm>
-            <a:off x="755576" y="1731436"/>
-            <a:ext cx="7560840" cy="646331"/>
-          </a:xfrm>
-          <a:prstGeom prst="rect">
-            <a:avLst/>
-          </a:prstGeom>
-          <a:noFill/>
-        </p:spPr>
-        <p:txBody>
-          <a:bodyPr wrap="square" rtlCol="0">
-            <a:spAutoFit/>
-          </a:bodyPr>
-          <a:lstStyle/>
-          <a:p>
-            <a:r>
-              <a:rPr lang="ko-KR" altLang="en-US" dirty="0" smtClean="0"/>
-              <a:t>데이터 베이스는 최초 사용자의 요구에 의해 구축되어 사용되다가 필요에 따라 개선 또는 다시 구축되어 사용된다</a:t>
-            </a:r>
-            <a:r>
-              <a:rPr lang="en-US" altLang="ko-KR" dirty="0" smtClean="0"/>
-              <a:t>.</a:t>
-            </a:r>
-            <a:endParaRPr lang="ko-KR" altLang="en-US" dirty="0"/>
-          </a:p>
-        </p:txBody>
-      </p:sp>
-      <p:graphicFrame>
-        <p:nvGraphicFramePr>
-          <p:cNvPr id="5" name="다이어그램 4"/>
-          <p:cNvGraphicFramePr/>
-          <p:nvPr>
-            <p:extLst>
-              <p:ext uri="{D42A27DB-BD31-4B8C-83A1-F6EECF244321}">
-                <p14:modId xmlns:p14="http://schemas.microsoft.com/office/powerpoint/2010/main" val="882917644"/>
-              </p:ext>
-            </p:extLst>
-          </p:nvPr>
-        </p:nvGraphicFramePr>
-        <p:xfrm>
-          <a:off x="899592" y="2636912"/>
-          <a:ext cx="5256584" cy="3277396"/>
-        </p:xfrm>
-        <a:graphic>
-          <a:graphicData uri="http://schemas.openxmlformats.org/drawingml/2006/diagram">
-            <dgm:relIds xmlns:dgm="http://schemas.openxmlformats.org/drawingml/2006/diagram" xmlns:r="http://schemas.openxmlformats.org/officeDocument/2006/relationships" r:dm="rId2" r:lo="rId3" r:qs="rId4" r:cs="rId5"/>
-          </a:graphicData>
-        </a:graphic>
-      </p:graphicFrame>
-    </p:spTree>
-    <p:extLst>
-      <p:ext uri="{BB962C8B-B14F-4D97-AF65-F5344CB8AC3E}">
-        <p14:creationId xmlns:p14="http://schemas.microsoft.com/office/powerpoint/2010/main" val="173807731"/>
-      </p:ext>
-    </p:extLst>
-  </p:cSld>
-  <p:clrMapOvr>
-    <a:masterClrMapping/>
-  </p:clrMapOvr>
-  <p:timing>
-    <p:tnLst>
-      <p:par>
-        <p:cTn id="1" dur="indefinite" restart="never" nodeType="tmRoot"/>
-      </p:par>
-    </p:tnLst>
-  </p:timing>
-</p:sld>
-</file>
-
-<file path=ppt/slides/slide7.xml><?xml version="1.0" encoding="utf-8"?>
-<p:sld xmlns:a="http://schemas.openxmlformats.org/drawingml/2006/main" xmlns:r="http://schemas.openxmlformats.org/officeDocument/2006/relationships" xmlns:p="http://schemas.openxmlformats.org/presentationml/2006/main">
-  <p:cSld>
-    <p:spTree>
-      <p:nvGrpSpPr>
-        <p:cNvPr id="1" name=""/>
-        <p:cNvGrpSpPr/>
-        <p:nvPr/>
-      </p:nvGrpSpPr>
-      <p:grpSpPr>
-        <a:xfrm>
-          <a:off x="0" y="0"/>
-          <a:ext cx="0" cy="0"/>
-          <a:chOff x="0" y="0"/>
-          <a:chExt cx="0" cy="0"/>
-        </a:xfrm>
-      </p:grpSpPr>
-      <p:sp>
-        <p:nvSpPr>
-          <p:cNvPr id="2" name="제목 1"/>
-          <p:cNvSpPr>
-            <a:spLocks noGrp="1"/>
-          </p:cNvSpPr>
-          <p:nvPr>
-            <p:ph type="title"/>
-          </p:nvPr>
-        </p:nvSpPr>
-        <p:spPr/>
-        <p:txBody>
-          <a:bodyPr/>
-          <a:lstStyle/>
-          <a:p>
-            <a:r>
-              <a:rPr lang="en-US" altLang="ko-KR" dirty="0" smtClean="0"/>
-              <a:t>  </a:t>
-            </a:r>
-            <a:r>
-              <a:rPr lang="ko-KR" altLang="en-US" dirty="0" smtClean="0"/>
-              <a:t>데이터 모델링</a:t>
-            </a:r>
-            <a:endParaRPr lang="ko-KR" altLang="en-US" dirty="0"/>
-          </a:p>
-        </p:txBody>
-      </p:sp>
-      <p:sp>
-        <p:nvSpPr>
-          <p:cNvPr id="4" name="슬라이드 번호 개체 틀 3"/>
-          <p:cNvSpPr>
-            <a:spLocks noGrp="1"/>
-          </p:cNvSpPr>
-          <p:nvPr>
-            <p:ph type="sldNum" sz="quarter" idx="12"/>
-          </p:nvPr>
-        </p:nvSpPr>
-        <p:spPr/>
-        <p:txBody>
-          <a:bodyPr/>
-          <a:lstStyle/>
-          <a:p>
-            <a:fld id="{1BDE3FE7-3AEA-4B05-AC5A-802D1816ACF0}" type="slidenum">
-              <a:rPr lang="ko-KR" altLang="en-US" smtClean="0"/>
-              <a:t>7</a:t>
-            </a:fld>
-            <a:endParaRPr lang="ko-KR" altLang="en-US"/>
-          </a:p>
-        </p:txBody>
-      </p:sp>
-      <p:sp>
-        <p:nvSpPr>
-          <p:cNvPr id="3" name="TextBox 2"/>
-          <p:cNvSpPr txBox="1"/>
-          <p:nvPr/>
-        </p:nvSpPr>
-        <p:spPr>
-          <a:xfrm>
-            <a:off x="323528" y="1124744"/>
-            <a:ext cx="8568952" cy="4832092"/>
-          </a:xfrm>
-          <a:prstGeom prst="rect">
-            <a:avLst/>
-          </a:prstGeom>
-          <a:noFill/>
-        </p:spPr>
-        <p:txBody>
-          <a:bodyPr wrap="square" rtlCol="0">
-            <a:spAutoFit/>
-          </a:bodyPr>
-          <a:lstStyle/>
-          <a:p>
-            <a:pPr marL="342900" indent="-342900">
-              <a:buFont typeface="+mj-ea"/>
-              <a:buAutoNum type="circleNumDbPlain"/>
-            </a:pPr>
-            <a:r>
-              <a:rPr lang="ko-KR" altLang="en-US" dirty="0" smtClean="0"/>
-              <a:t>요구사항 수집 및 분석</a:t>
-            </a:r>
-            <a:endParaRPr lang="en-US" altLang="ko-KR" dirty="0" smtClean="0"/>
-          </a:p>
-          <a:p>
-            <a:pPr marL="800100" lvl="1" indent="-342900">
-              <a:buFont typeface="Arial" panose="020B0604020202020204" pitchFamily="34" charset="0"/>
-              <a:buChar char="•"/>
-            </a:pPr>
-            <a:r>
-              <a:rPr lang="ko-KR" altLang="en-US" sz="1600" dirty="0" smtClean="0"/>
-              <a:t>사용자들의 요구사항을 듣고 분석하여 데이터베이스 구축의 범위를 정하는 단계</a:t>
-            </a:r>
-            <a:endParaRPr lang="en-US" altLang="ko-KR" sz="1600" dirty="0" smtClean="0"/>
-          </a:p>
-          <a:p>
-            <a:pPr marL="800100" lvl="1" indent="-342900">
-              <a:buFont typeface="Arial" panose="020B0604020202020204" pitchFamily="34" charset="0"/>
-              <a:buChar char="•"/>
-            </a:pPr>
-            <a:r>
-              <a:rPr lang="ko-KR" altLang="en-US" sz="1600" dirty="0" smtClean="0"/>
-              <a:t>마당서점의 경우 고객</a:t>
-            </a:r>
-            <a:r>
-              <a:rPr lang="en-US" altLang="ko-KR" sz="1600" dirty="0" smtClean="0"/>
-              <a:t>, </a:t>
-            </a:r>
-            <a:r>
-              <a:rPr lang="ko-KR" altLang="en-US" sz="1600" dirty="0" smtClean="0"/>
-              <a:t>운영자</a:t>
-            </a:r>
-            <a:r>
-              <a:rPr lang="en-US" altLang="ko-KR" sz="1600" dirty="0" smtClean="0"/>
-              <a:t>, </a:t>
-            </a:r>
-            <a:r>
-              <a:rPr lang="ko-KR" altLang="en-US" sz="1600" dirty="0" smtClean="0"/>
-              <a:t>경영자 등 사용자의 범위와 서비스 수준을 정하는 것</a:t>
-            </a:r>
-            <a:endParaRPr lang="en-US" altLang="ko-KR" sz="1600" dirty="0"/>
-          </a:p>
-          <a:p>
-            <a:pPr marL="342900" indent="-342900">
-              <a:buFont typeface="+mj-ea"/>
-              <a:buAutoNum type="circleNumDbPlain"/>
-            </a:pPr>
-            <a:endParaRPr lang="en-US" altLang="ko-KR" dirty="0" smtClean="0"/>
-          </a:p>
-          <a:p>
-            <a:pPr marL="342900" indent="-342900">
-              <a:buFont typeface="+mj-ea"/>
-              <a:buAutoNum type="circleNumDbPlain"/>
-            </a:pPr>
-            <a:r>
-              <a:rPr lang="ko-KR" altLang="en-US" dirty="0" smtClean="0"/>
-              <a:t>설계</a:t>
-            </a:r>
-            <a:endParaRPr lang="en-US" altLang="ko-KR" dirty="0" smtClean="0"/>
-          </a:p>
-          <a:p>
-            <a:pPr marL="800100" lvl="1" indent="-342900">
-              <a:buFont typeface="Arial" panose="020B0604020202020204" pitchFamily="34" charset="0"/>
-              <a:buChar char="•"/>
-            </a:pPr>
-            <a:r>
-              <a:rPr lang="ko-KR" altLang="en-US" sz="1600" dirty="0" smtClean="0"/>
-              <a:t>분석된 요구사항을 기초로 주요 개념과 업무 프로세스 등을 식별하고</a:t>
-            </a:r>
-            <a:r>
-              <a:rPr lang="en-US" altLang="ko-KR" sz="1600" dirty="0" smtClean="0"/>
-              <a:t>(</a:t>
-            </a:r>
-            <a:r>
-              <a:rPr lang="ko-KR" altLang="en-US" sz="1600" dirty="0" smtClean="0"/>
-              <a:t>개념적 설계</a:t>
-            </a:r>
-            <a:r>
-              <a:rPr lang="en-US" altLang="ko-KR" sz="1600" dirty="0" smtClean="0"/>
-              <a:t>), </a:t>
-            </a:r>
-            <a:r>
-              <a:rPr lang="ko-KR" altLang="en-US" sz="1600" dirty="0" smtClean="0"/>
-              <a:t>사용하는 </a:t>
-            </a:r>
-            <a:r>
-              <a:rPr lang="en-US" altLang="ko-KR" sz="1600" dirty="0" smtClean="0"/>
-              <a:t>DBMS</a:t>
-            </a:r>
-            <a:r>
-              <a:rPr lang="ko-KR" altLang="en-US" sz="1600" dirty="0" smtClean="0"/>
-              <a:t>의 종류에 따라 맞게 변환</a:t>
-            </a:r>
-            <a:r>
-              <a:rPr lang="en-US" altLang="ko-KR" sz="1600" dirty="0" smtClean="0"/>
-              <a:t>(</a:t>
-            </a:r>
-            <a:r>
-              <a:rPr lang="ko-KR" altLang="en-US" sz="1600" dirty="0" smtClean="0"/>
-              <a:t>논리적 설계</a:t>
-            </a:r>
-            <a:r>
-              <a:rPr lang="en-US" altLang="ko-KR" sz="1600" dirty="0" smtClean="0"/>
-              <a:t>)</a:t>
-            </a:r>
-            <a:r>
-              <a:rPr lang="ko-KR" altLang="en-US" sz="1600" dirty="0" smtClean="0"/>
-              <a:t>한 후</a:t>
-            </a:r>
-            <a:r>
-              <a:rPr lang="en-US" altLang="ko-KR" sz="1600" dirty="0" smtClean="0"/>
-              <a:t>, </a:t>
-            </a:r>
-            <a:r>
-              <a:rPr lang="ko-KR" altLang="en-US" sz="1600" dirty="0" smtClean="0"/>
-              <a:t>데이터 베이스 스키마</a:t>
-            </a:r>
-            <a:r>
-              <a:rPr lang="en-US" altLang="ko-KR" sz="1600" dirty="0" smtClean="0"/>
-              <a:t>(</a:t>
-            </a:r>
-            <a:r>
-              <a:rPr lang="ko-KR" altLang="en-US" sz="1600" dirty="0" smtClean="0"/>
-              <a:t>물리적 설계</a:t>
-            </a:r>
-            <a:r>
-              <a:rPr lang="en-US" altLang="ko-KR" sz="1600" dirty="0" smtClean="0"/>
-              <a:t>)</a:t>
-            </a:r>
-            <a:r>
-              <a:rPr lang="ko-KR" altLang="en-US" sz="1600" dirty="0" smtClean="0"/>
-              <a:t>한다</a:t>
-            </a:r>
-            <a:r>
-              <a:rPr lang="en-US" altLang="ko-KR" sz="1600" dirty="0" smtClean="0"/>
-              <a:t>.</a:t>
-            </a:r>
-            <a:endParaRPr lang="en-US" altLang="ko-KR" sz="1600" dirty="0"/>
-          </a:p>
-          <a:p>
-            <a:pPr marL="342900" indent="-342900">
-              <a:buFont typeface="+mj-ea"/>
-              <a:buAutoNum type="circleNumDbPlain"/>
-            </a:pPr>
-            <a:endParaRPr lang="en-US" altLang="ko-KR" dirty="0" smtClean="0"/>
-          </a:p>
-          <a:p>
-            <a:pPr marL="342900" indent="-342900">
-              <a:buFont typeface="+mj-ea"/>
-              <a:buAutoNum type="circleNumDbPlain"/>
-            </a:pPr>
-            <a:r>
-              <a:rPr lang="ko-KR" altLang="en-US" dirty="0" smtClean="0"/>
-              <a:t>구현</a:t>
-            </a:r>
-            <a:endParaRPr lang="en-US" altLang="ko-KR" dirty="0" smtClean="0"/>
-          </a:p>
-          <a:p>
-            <a:pPr marL="800100" lvl="1" indent="-342900">
-              <a:buFont typeface="Arial" panose="020B0604020202020204" pitchFamily="34" charset="0"/>
-              <a:buChar char="•"/>
-            </a:pPr>
-            <a:r>
-              <a:rPr lang="ko-KR" altLang="en-US" sz="1600" dirty="0" smtClean="0"/>
-              <a:t>설계 단계에서 생성한 스키마를 실제 </a:t>
-            </a:r>
-            <a:r>
-              <a:rPr lang="en-US" altLang="ko-KR" sz="1600" dirty="0" smtClean="0"/>
-              <a:t>DBMS</a:t>
-            </a:r>
-            <a:r>
-              <a:rPr lang="ko-KR" altLang="en-US" sz="1600" dirty="0" smtClean="0"/>
-              <a:t>에 적용하여 </a:t>
-            </a:r>
-            <a:r>
-              <a:rPr lang="ko-KR" altLang="en-US" sz="1600" dirty="0" err="1" smtClean="0"/>
-              <a:t>데이블</a:t>
-            </a:r>
-            <a:r>
-              <a:rPr lang="ko-KR" altLang="en-US" sz="1600" dirty="0" smtClean="0"/>
-              <a:t> 및 관련 객체</a:t>
-            </a:r>
-            <a:r>
-              <a:rPr lang="en-US" altLang="ko-KR" sz="1600" dirty="0" smtClean="0"/>
-              <a:t>(</a:t>
-            </a:r>
-            <a:r>
-              <a:rPr lang="ko-KR" altLang="en-US" sz="1600" dirty="0" err="1" smtClean="0"/>
-              <a:t>뷰</a:t>
-            </a:r>
-            <a:r>
-              <a:rPr lang="en-US" altLang="ko-KR" sz="1600" dirty="0" smtClean="0"/>
-              <a:t>, </a:t>
-            </a:r>
-            <a:r>
-              <a:rPr lang="ko-KR" altLang="en-US" sz="1600" dirty="0" err="1" smtClean="0"/>
-              <a:t>인덱스등</a:t>
-            </a:r>
-            <a:r>
-              <a:rPr lang="en-US" altLang="ko-KR" sz="1600" dirty="0" smtClean="0"/>
-              <a:t>)</a:t>
-            </a:r>
-            <a:r>
-              <a:rPr lang="ko-KR" altLang="en-US" sz="1600" dirty="0" smtClean="0"/>
-              <a:t>를 만든다</a:t>
-            </a:r>
-            <a:r>
-              <a:rPr lang="en-US" altLang="ko-KR" sz="1600" dirty="0" smtClean="0"/>
-              <a:t>. </a:t>
-            </a:r>
-            <a:endParaRPr lang="en-US" altLang="ko-KR" sz="1600" dirty="0"/>
-          </a:p>
-          <a:p>
-            <a:pPr marL="342900" indent="-342900">
-              <a:buFont typeface="+mj-ea"/>
-              <a:buAutoNum type="circleNumDbPlain"/>
-            </a:pPr>
-            <a:endParaRPr lang="en-US" altLang="ko-KR" dirty="0" smtClean="0"/>
-          </a:p>
-          <a:p>
-            <a:pPr marL="342900" indent="-342900">
-              <a:buFont typeface="+mj-ea"/>
-              <a:buAutoNum type="circleNumDbPlain"/>
-            </a:pPr>
-            <a:r>
-              <a:rPr lang="ko-KR" altLang="en-US" dirty="0" smtClean="0"/>
-              <a:t>운영</a:t>
-            </a:r>
-            <a:endParaRPr lang="en-US" altLang="ko-KR" dirty="0" smtClean="0"/>
-          </a:p>
-          <a:p>
-            <a:pPr marL="800100" lvl="1" indent="-342900">
-              <a:buFont typeface="Arial" panose="020B0604020202020204" pitchFamily="34" charset="0"/>
-              <a:buChar char="•"/>
-            </a:pPr>
-            <a:r>
-              <a:rPr lang="ko-KR" altLang="en-US" sz="1600" dirty="0" smtClean="0"/>
-              <a:t>구현된 데이터베이스를 기반으로 소프트웨어를 구축하여 서비스를 제공한다</a:t>
-            </a:r>
-            <a:r>
-              <a:rPr lang="en-US" altLang="ko-KR" sz="1600" dirty="0" smtClean="0"/>
-              <a:t>.</a:t>
-            </a:r>
-            <a:endParaRPr lang="en-US" altLang="ko-KR" sz="1600" dirty="0"/>
-          </a:p>
-          <a:p>
-            <a:pPr marL="342900" indent="-342900">
-              <a:buFont typeface="+mj-ea"/>
-              <a:buAutoNum type="circleNumDbPlain"/>
-            </a:pPr>
-            <a:endParaRPr lang="en-US" altLang="ko-KR" dirty="0" smtClean="0"/>
-          </a:p>
-          <a:p>
-            <a:pPr marL="342900" indent="-342900">
-              <a:buFont typeface="+mj-ea"/>
-              <a:buAutoNum type="circleNumDbPlain"/>
-            </a:pPr>
-            <a:r>
-              <a:rPr lang="ko-KR" altLang="en-US" dirty="0" smtClean="0"/>
-              <a:t>감시 및 개선</a:t>
-            </a:r>
-            <a:endParaRPr lang="en-US" altLang="ko-KR" dirty="0" smtClean="0"/>
-          </a:p>
-          <a:p>
-            <a:pPr marL="800100" lvl="1" indent="-342900">
-              <a:buFont typeface="Arial" panose="020B0604020202020204" pitchFamily="34" charset="0"/>
-              <a:buChar char="•"/>
-            </a:pPr>
-            <a:r>
-              <a:rPr lang="ko-KR" altLang="en-US" sz="1600" dirty="0" smtClean="0"/>
-              <a:t>데이터 베이스가 지속적으로 운영될 수 있도록 변경 및 유지 보수를 한다</a:t>
-            </a:r>
-            <a:r>
-              <a:rPr lang="en-US" altLang="ko-KR" sz="1600" dirty="0" smtClean="0"/>
-              <a:t>.</a:t>
-            </a:r>
-            <a:endParaRPr lang="ko-KR" altLang="en-US" sz="1600" dirty="0"/>
-          </a:p>
-        </p:txBody>
-      </p:sp>
-    </p:spTree>
-    <p:extLst>
-      <p:ext uri="{BB962C8B-B14F-4D97-AF65-F5344CB8AC3E}">
-        <p14:creationId xmlns:p14="http://schemas.microsoft.com/office/powerpoint/2010/main" val="2876215133"/>
-      </p:ext>
-    </p:extLst>
-  </p:cSld>
-  <p:clrMapOvr>
-    <a:masterClrMapping/>
-  </p:clrMapOvr>
-  <p:timing>
-    <p:tnLst>
-      <p:par>
-        <p:cTn id="1" dur="indefinite" restart="never" nodeType="tmRoot"/>
-      </p:par>
-    </p:tnLst>
-  </p:timing>
-</p:sld>
-</file>
-
-<file path=ppt/slides/slide8.xml><?xml version="1.0" encoding="utf-8"?>
-<p:sld xmlns:a="http://schemas.openxmlformats.org/drawingml/2006/main" xmlns:r="http://schemas.openxmlformats.org/officeDocument/2006/relationships" xmlns:p="http://schemas.openxmlformats.org/presentationml/2006/main">
-  <p:cSld>
-    <p:spTree>
-      <p:nvGrpSpPr>
-        <p:cNvPr id="1" name=""/>
-        <p:cNvGrpSpPr/>
-        <p:nvPr/>
-      </p:nvGrpSpPr>
-      <p:grpSpPr>
-        <a:xfrm>
-          <a:off x="0" y="0"/>
-          <a:ext cx="0" cy="0"/>
-          <a:chOff x="0" y="0"/>
-          <a:chExt cx="0" cy="0"/>
-        </a:xfrm>
-      </p:grpSpPr>
-      <p:sp>
-        <p:nvSpPr>
-          <p:cNvPr id="2" name="제목 1"/>
-          <p:cNvSpPr>
-            <a:spLocks noGrp="1"/>
-          </p:cNvSpPr>
-          <p:nvPr>
-            <p:ph type="title"/>
-          </p:nvPr>
-        </p:nvSpPr>
-        <p:spPr/>
-        <p:txBody>
-          <a:bodyPr/>
-          <a:lstStyle/>
-          <a:p>
-            <a:r>
-              <a:rPr lang="en-US" altLang="ko-KR" dirty="0" smtClean="0"/>
-              <a:t>  </a:t>
-            </a:r>
-            <a:r>
-              <a:rPr lang="ko-KR" altLang="en-US" dirty="0" smtClean="0"/>
-              <a:t>데이터 모델링</a:t>
-            </a:r>
-            <a:endParaRPr lang="ko-KR" altLang="en-US" dirty="0"/>
-          </a:p>
-        </p:txBody>
-      </p:sp>
-      <p:sp>
-        <p:nvSpPr>
-          <p:cNvPr id="4" name="슬라이드 번호 개체 틀 3"/>
-          <p:cNvSpPr>
-            <a:spLocks noGrp="1"/>
-          </p:cNvSpPr>
-          <p:nvPr>
-            <p:ph type="sldNum" sz="quarter" idx="12"/>
-          </p:nvPr>
-        </p:nvSpPr>
-        <p:spPr/>
-        <p:txBody>
-          <a:bodyPr/>
-          <a:lstStyle/>
-          <a:p>
-            <a:fld id="{1BDE3FE7-3AEA-4B05-AC5A-802D1816ACF0}" type="slidenum">
-              <a:rPr lang="ko-KR" altLang="en-US" smtClean="0"/>
-              <a:t>8</a:t>
             </a:fld>
             <a:endParaRPr lang="ko-KR" altLang="en-US"/>
           </a:p>
@@ -25742,7 +21649,7 @@
 </p:sld>
 </file>
 
-<file path=ppt/slides/slide9.xml><?xml version="1.0" encoding="utf-8"?>
+<file path=ppt/slides/slide5.xml><?xml version="1.0" encoding="utf-8"?>
 <p:sld xmlns:a="http://schemas.openxmlformats.org/drawingml/2006/main" xmlns:r="http://schemas.openxmlformats.org/officeDocument/2006/relationships" xmlns:p="http://schemas.openxmlformats.org/presentationml/2006/main">
   <p:cSld>
     <p:spTree>
@@ -25803,7 +21710,7 @@
           <a:p>
             <a:fld id="{1BDE3FE7-3AEA-4B05-AC5A-802D1816ACF0}" type="slidenum">
               <a:rPr lang="ko-KR" altLang="en-US" smtClean="0"/>
-              <a:t>9</a:t>
+              <a:t>5</a:t>
             </a:fld>
             <a:endParaRPr lang="ko-KR" altLang="en-US"/>
           </a:p>
@@ -26313,6 +22220,2264 @@
     <p:extLst>
       <p:ext uri="{BB962C8B-B14F-4D97-AF65-F5344CB8AC3E}">
         <p14:creationId xmlns:p14="http://schemas.microsoft.com/office/powerpoint/2010/main" val="1307386794"/>
+      </p:ext>
+    </p:extLst>
+  </p:cSld>
+  <p:clrMapOvr>
+    <a:masterClrMapping/>
+  </p:clrMapOvr>
+  <p:timing>
+    <p:tnLst>
+      <p:par>
+        <p:cTn id="1" dur="indefinite" restart="never" nodeType="tmRoot"/>
+      </p:par>
+    </p:tnLst>
+  </p:timing>
+</p:sld>
+</file>
+
+<file path=ppt/slides/slide6.xml><?xml version="1.0" encoding="utf-8"?>
+<p:sld xmlns:a="http://schemas.openxmlformats.org/drawingml/2006/main" xmlns:r="http://schemas.openxmlformats.org/officeDocument/2006/relationships" xmlns:p="http://schemas.openxmlformats.org/presentationml/2006/main">
+  <p:cSld>
+    <p:spTree>
+      <p:nvGrpSpPr>
+        <p:cNvPr id="1" name=""/>
+        <p:cNvGrpSpPr/>
+        <p:nvPr/>
+      </p:nvGrpSpPr>
+      <p:grpSpPr>
+        <a:xfrm>
+          <a:off x="0" y="0"/>
+          <a:ext cx="0" cy="0"/>
+          <a:chOff x="0" y="0"/>
+          <a:chExt cx="0" cy="0"/>
+        </a:xfrm>
+      </p:grpSpPr>
+      <p:sp>
+        <p:nvSpPr>
+          <p:cNvPr id="2" name="제목 1"/>
+          <p:cNvSpPr>
+            <a:spLocks noGrp="1"/>
+          </p:cNvSpPr>
+          <p:nvPr>
+            <p:ph type="title"/>
+          </p:nvPr>
+        </p:nvSpPr>
+        <p:spPr/>
+        <p:txBody>
+          <a:bodyPr/>
+          <a:lstStyle/>
+          <a:p>
+            <a:r>
+              <a:rPr lang="en-US" altLang="ko-KR" dirty="0" smtClean="0"/>
+              <a:t>  </a:t>
+            </a:r>
+            <a:r>
+              <a:rPr lang="ko-KR" altLang="en-US" dirty="0" smtClean="0"/>
+              <a:t>데이터 모델링</a:t>
+            </a:r>
+            <a:endParaRPr lang="ko-KR" altLang="en-US" dirty="0"/>
+          </a:p>
+        </p:txBody>
+      </p:sp>
+      <p:sp>
+        <p:nvSpPr>
+          <p:cNvPr id="4" name="슬라이드 번호 개체 틀 3"/>
+          <p:cNvSpPr>
+            <a:spLocks noGrp="1"/>
+          </p:cNvSpPr>
+          <p:nvPr>
+            <p:ph type="sldNum" sz="quarter" idx="12"/>
+          </p:nvPr>
+        </p:nvSpPr>
+        <p:spPr/>
+        <p:txBody>
+          <a:bodyPr/>
+          <a:lstStyle/>
+          <a:p>
+            <a:fld id="{1BDE3FE7-3AEA-4B05-AC5A-802D1816ACF0}" type="slidenum">
+              <a:rPr lang="ko-KR" altLang="en-US" smtClean="0"/>
+              <a:t>6</a:t>
+            </a:fld>
+            <a:endParaRPr lang="ko-KR" altLang="en-US"/>
+          </a:p>
+        </p:txBody>
+      </p:sp>
+      <p:sp>
+        <p:nvSpPr>
+          <p:cNvPr id="27" name="TextBox 26"/>
+          <p:cNvSpPr txBox="1"/>
+          <p:nvPr/>
+        </p:nvSpPr>
+        <p:spPr>
+          <a:xfrm>
+            <a:off x="870788" y="1000722"/>
+            <a:ext cx="1901569" cy="369332"/>
+          </a:xfrm>
+          <a:prstGeom prst="rect">
+            <a:avLst/>
+          </a:prstGeom>
+          <a:noFill/>
+        </p:spPr>
+        <p:txBody>
+          <a:bodyPr wrap="square" rtlCol="0">
+            <a:spAutoFit/>
+          </a:bodyPr>
+          <a:lstStyle/>
+          <a:p>
+            <a:pPr algn="ctr"/>
+            <a:r>
+              <a:rPr lang="ko-KR" altLang="en-US" b="1" dirty="0"/>
+              <a:t>물</a:t>
+            </a:r>
+            <a:r>
+              <a:rPr lang="ko-KR" altLang="en-US" b="1" dirty="0" smtClean="0"/>
+              <a:t>리적 모델링</a:t>
+            </a:r>
+            <a:endParaRPr lang="ko-KR" altLang="en-US" b="1" dirty="0"/>
+          </a:p>
+        </p:txBody>
+      </p:sp>
+      <p:sp>
+        <p:nvSpPr>
+          <p:cNvPr id="5" name="원통 4"/>
+          <p:cNvSpPr/>
+          <p:nvPr/>
+        </p:nvSpPr>
+        <p:spPr>
+          <a:xfrm>
+            <a:off x="395536" y="1370054"/>
+            <a:ext cx="8280920" cy="4723242"/>
+          </a:xfrm>
+          <a:prstGeom prst="can">
+            <a:avLst/>
+          </a:prstGeom>
+          <a:solidFill>
+            <a:schemeClr val="accent4">
+              <a:lumMod val="20000"/>
+              <a:lumOff val="80000"/>
+            </a:schemeClr>
+          </a:solidFill>
+          <a:ln w="12700">
+            <a:solidFill>
+              <a:schemeClr val="bg2">
+                <a:lumMod val="50000"/>
+              </a:schemeClr>
+            </a:solidFill>
+          </a:ln>
+        </p:spPr>
+        <p:style>
+          <a:lnRef idx="2">
+            <a:schemeClr val="accent1">
+              <a:shade val="50000"/>
+            </a:schemeClr>
+          </a:lnRef>
+          <a:fillRef idx="1">
+            <a:schemeClr val="accent1"/>
+          </a:fillRef>
+          <a:effectRef idx="0">
+            <a:schemeClr val="accent1"/>
+          </a:effectRef>
+          <a:fontRef idx="minor">
+            <a:schemeClr val="lt1"/>
+          </a:fontRef>
+        </p:style>
+        <p:txBody>
+          <a:bodyPr rtlCol="0" anchor="ctr"/>
+          <a:lstStyle/>
+          <a:p>
+            <a:pPr algn="ctr"/>
+            <a:endParaRPr lang="ko-KR" altLang="en-US"/>
+          </a:p>
+        </p:txBody>
+      </p:sp>
+      <p:sp>
+        <p:nvSpPr>
+          <p:cNvPr id="6" name="직사각형 5"/>
+          <p:cNvSpPr/>
+          <p:nvPr/>
+        </p:nvSpPr>
+        <p:spPr>
+          <a:xfrm>
+            <a:off x="827584" y="1916832"/>
+            <a:ext cx="3158237" cy="333617"/>
+          </a:xfrm>
+          <a:prstGeom prst="rect">
+            <a:avLst/>
+          </a:prstGeom>
+        </p:spPr>
+        <p:txBody>
+          <a:bodyPr wrap="none">
+            <a:spAutoFit/>
+          </a:bodyPr>
+          <a:lstStyle/>
+          <a:p>
+            <a:pPr>
+              <a:lnSpc>
+                <a:spcPct val="150000"/>
+              </a:lnSpc>
+            </a:pPr>
+            <a:r>
+              <a:rPr lang="ko-KR" altLang="en-US" sz="1200" dirty="0"/>
+              <a:t>도서</a:t>
+            </a:r>
+            <a:r>
+              <a:rPr lang="en-US" altLang="ko-KR" sz="1200" dirty="0"/>
+              <a:t>(</a:t>
+            </a:r>
+            <a:r>
+              <a:rPr lang="ko-KR" altLang="en-US" sz="1200" u="sng" dirty="0"/>
+              <a:t>도서번호</a:t>
+            </a:r>
+            <a:r>
+              <a:rPr lang="en-US" altLang="ko-KR" sz="1200" dirty="0"/>
+              <a:t>, </a:t>
+            </a:r>
+            <a:r>
+              <a:rPr lang="ko-KR" altLang="en-US" sz="1200" dirty="0"/>
+              <a:t>도서이름</a:t>
+            </a:r>
+            <a:r>
+              <a:rPr lang="en-US" altLang="ko-KR" sz="1200" dirty="0"/>
+              <a:t>, </a:t>
+            </a:r>
+            <a:r>
+              <a:rPr lang="ko-KR" altLang="en-US" sz="1200" dirty="0"/>
+              <a:t>출판사</a:t>
+            </a:r>
+            <a:r>
+              <a:rPr lang="en-US" altLang="ko-KR" sz="1200" dirty="0"/>
+              <a:t>, </a:t>
+            </a:r>
+            <a:r>
+              <a:rPr lang="ko-KR" altLang="en-US" sz="1200" dirty="0"/>
+              <a:t>도서단가</a:t>
+            </a:r>
+            <a:r>
+              <a:rPr lang="en-US" altLang="ko-KR" sz="1200" dirty="0"/>
+              <a:t>)</a:t>
+            </a:r>
+          </a:p>
+        </p:txBody>
+      </p:sp>
+      <p:pic>
+        <p:nvPicPr>
+          <p:cNvPr id="7" name="그림 6"/>
+          <p:cNvPicPr>
+            <a:picLocks noChangeAspect="1"/>
+          </p:cNvPicPr>
+          <p:nvPr/>
+        </p:nvPicPr>
+        <p:blipFill>
+          <a:blip r:embed="rId2">
+            <a:extLst>
+              <a:ext uri="{28A0092B-C50C-407E-A947-70E740481C1C}">
+                <a14:useLocalDpi xmlns:a14="http://schemas.microsoft.com/office/drawing/2010/main" val="0"/>
+              </a:ext>
+            </a:extLst>
+          </a:blip>
+          <a:stretch>
+            <a:fillRect/>
+          </a:stretch>
+        </p:blipFill>
+        <p:spPr>
+          <a:xfrm>
+            <a:off x="924476" y="2338029"/>
+            <a:ext cx="3061345" cy="1321638"/>
+          </a:xfrm>
+          <a:prstGeom prst="rect">
+            <a:avLst/>
+          </a:prstGeom>
+        </p:spPr>
+      </p:pic>
+      <p:pic>
+        <p:nvPicPr>
+          <p:cNvPr id="9" name="그림 8"/>
+          <p:cNvPicPr>
+            <a:picLocks noChangeAspect="1"/>
+          </p:cNvPicPr>
+          <p:nvPr/>
+        </p:nvPicPr>
+        <p:blipFill>
+          <a:blip r:embed="rId3">
+            <a:extLst>
+              <a:ext uri="{28A0092B-C50C-407E-A947-70E740481C1C}">
+                <a14:useLocalDpi xmlns:a14="http://schemas.microsoft.com/office/drawing/2010/main" val="0"/>
+              </a:ext>
+            </a:extLst>
+          </a:blip>
+          <a:stretch>
+            <a:fillRect/>
+          </a:stretch>
+        </p:blipFill>
+        <p:spPr>
+          <a:xfrm>
+            <a:off x="4938398" y="2365451"/>
+            <a:ext cx="2981540" cy="1364652"/>
+          </a:xfrm>
+          <a:prstGeom prst="rect">
+            <a:avLst/>
+          </a:prstGeom>
+        </p:spPr>
+      </p:pic>
+      <p:sp>
+        <p:nvSpPr>
+          <p:cNvPr id="10" name="직사각형 9"/>
+          <p:cNvSpPr/>
+          <p:nvPr/>
+        </p:nvSpPr>
+        <p:spPr>
+          <a:xfrm>
+            <a:off x="4926994" y="1988840"/>
+            <a:ext cx="3004349" cy="333617"/>
+          </a:xfrm>
+          <a:prstGeom prst="rect">
+            <a:avLst/>
+          </a:prstGeom>
+        </p:spPr>
+        <p:txBody>
+          <a:bodyPr wrap="none">
+            <a:spAutoFit/>
+          </a:bodyPr>
+          <a:lstStyle/>
+          <a:p>
+            <a:pPr>
+              <a:lnSpc>
+                <a:spcPct val="150000"/>
+              </a:lnSpc>
+            </a:pPr>
+            <a:r>
+              <a:rPr lang="ko-KR" altLang="en-US" sz="1200" dirty="0"/>
+              <a:t>고객</a:t>
+            </a:r>
+            <a:r>
+              <a:rPr lang="en-US" altLang="ko-KR" sz="1200" dirty="0"/>
+              <a:t>(</a:t>
+            </a:r>
+            <a:r>
+              <a:rPr lang="ko-KR" altLang="en-US" sz="1200" u="sng" dirty="0"/>
+              <a:t>고객번호</a:t>
+            </a:r>
+            <a:r>
+              <a:rPr lang="en-US" altLang="ko-KR" sz="1200" dirty="0"/>
+              <a:t>, </a:t>
+            </a:r>
+            <a:r>
+              <a:rPr lang="ko-KR" altLang="en-US" sz="1200" dirty="0"/>
+              <a:t>고객이름</a:t>
+            </a:r>
+            <a:r>
+              <a:rPr lang="en-US" altLang="ko-KR" sz="1200" dirty="0"/>
+              <a:t>, </a:t>
+            </a:r>
+            <a:r>
+              <a:rPr lang="ko-KR" altLang="en-US" sz="1200" dirty="0"/>
+              <a:t>주소</a:t>
+            </a:r>
+            <a:r>
+              <a:rPr lang="en-US" altLang="ko-KR" sz="1200" dirty="0"/>
+              <a:t>, </a:t>
+            </a:r>
+            <a:r>
+              <a:rPr lang="ko-KR" altLang="en-US" sz="1200" dirty="0"/>
+              <a:t>전화번호</a:t>
+            </a:r>
+            <a:r>
+              <a:rPr lang="en-US" altLang="ko-KR" sz="1200" dirty="0"/>
+              <a:t>)</a:t>
+            </a:r>
+          </a:p>
+        </p:txBody>
+      </p:sp>
+      <p:sp>
+        <p:nvSpPr>
+          <p:cNvPr id="11" name="직사각형 10"/>
+          <p:cNvSpPr/>
+          <p:nvPr/>
+        </p:nvSpPr>
+        <p:spPr>
+          <a:xfrm>
+            <a:off x="924476" y="3851756"/>
+            <a:ext cx="4727644" cy="369332"/>
+          </a:xfrm>
+          <a:prstGeom prst="rect">
+            <a:avLst/>
+          </a:prstGeom>
+        </p:spPr>
+        <p:txBody>
+          <a:bodyPr wrap="square">
+            <a:spAutoFit/>
+          </a:bodyPr>
+          <a:lstStyle/>
+          <a:p>
+            <a:pPr>
+              <a:lnSpc>
+                <a:spcPct val="150000"/>
+              </a:lnSpc>
+            </a:pPr>
+            <a:r>
+              <a:rPr lang="ko-KR" altLang="en-US" sz="1200" dirty="0"/>
+              <a:t>주문</a:t>
+            </a:r>
+            <a:r>
+              <a:rPr lang="en-US" altLang="ko-KR" sz="1200" dirty="0"/>
+              <a:t>(</a:t>
+            </a:r>
+            <a:r>
+              <a:rPr lang="ko-KR" altLang="en-US" sz="1200" u="sng" dirty="0"/>
+              <a:t>주문번호</a:t>
+            </a:r>
+            <a:r>
+              <a:rPr lang="en-US" altLang="ko-KR" sz="1200" dirty="0"/>
+              <a:t>, </a:t>
+            </a:r>
+            <a:r>
+              <a:rPr lang="ko-KR" altLang="en-US" sz="1200" dirty="0"/>
+              <a:t>고객번호</a:t>
+            </a:r>
+            <a:r>
+              <a:rPr lang="en-US" altLang="ko-KR" sz="1200" dirty="0"/>
+              <a:t>(FK), </a:t>
+            </a:r>
+            <a:r>
+              <a:rPr lang="ko-KR" altLang="en-US" sz="1200" dirty="0"/>
+              <a:t>도서번호</a:t>
+            </a:r>
+            <a:r>
+              <a:rPr lang="en-US" altLang="ko-KR" sz="1200" dirty="0"/>
+              <a:t>(FK),  </a:t>
+            </a:r>
+            <a:r>
+              <a:rPr lang="ko-KR" altLang="en-US" sz="1200" dirty="0"/>
+              <a:t>주문금액</a:t>
+            </a:r>
+            <a:r>
+              <a:rPr lang="en-US" altLang="ko-KR" sz="1200" dirty="0"/>
+              <a:t>, </a:t>
+            </a:r>
+            <a:r>
+              <a:rPr lang="ko-KR" altLang="en-US" sz="1200" dirty="0"/>
+              <a:t>주문일자</a:t>
+            </a:r>
+            <a:r>
+              <a:rPr lang="en-US" altLang="ko-KR" sz="1200" dirty="0"/>
+              <a:t>)</a:t>
+            </a:r>
+            <a:endParaRPr lang="ko-KR" altLang="en-US" sz="1200" dirty="0"/>
+          </a:p>
+        </p:txBody>
+      </p:sp>
+      <p:pic>
+        <p:nvPicPr>
+          <p:cNvPr id="12" name="그림 11"/>
+          <p:cNvPicPr>
+            <a:picLocks noChangeAspect="1"/>
+          </p:cNvPicPr>
+          <p:nvPr/>
+        </p:nvPicPr>
+        <p:blipFill>
+          <a:blip r:embed="rId4">
+            <a:extLst>
+              <a:ext uri="{28A0092B-C50C-407E-A947-70E740481C1C}">
+                <a14:useLocalDpi xmlns:a14="http://schemas.microsoft.com/office/drawing/2010/main" val="0"/>
+              </a:ext>
+            </a:extLst>
+          </a:blip>
+          <a:stretch>
+            <a:fillRect/>
+          </a:stretch>
+        </p:blipFill>
+        <p:spPr>
+          <a:xfrm>
+            <a:off x="1416915" y="4306347"/>
+            <a:ext cx="3742765" cy="1755306"/>
+          </a:xfrm>
+          <a:prstGeom prst="rect">
+            <a:avLst/>
+          </a:prstGeom>
+        </p:spPr>
+      </p:pic>
+      <p:sp>
+        <p:nvSpPr>
+          <p:cNvPr id="13" name="TextBox 12"/>
+          <p:cNvSpPr txBox="1"/>
+          <p:nvPr/>
+        </p:nvSpPr>
+        <p:spPr>
+          <a:xfrm>
+            <a:off x="3985821" y="1484784"/>
+            <a:ext cx="936104" cy="400110"/>
+          </a:xfrm>
+          <a:prstGeom prst="rect">
+            <a:avLst/>
+          </a:prstGeom>
+          <a:noFill/>
+        </p:spPr>
+        <p:txBody>
+          <a:bodyPr wrap="square" rtlCol="0">
+            <a:spAutoFit/>
+          </a:bodyPr>
+          <a:lstStyle/>
+          <a:p>
+            <a:r>
+              <a:rPr lang="en-US" altLang="ko-KR" sz="2000" b="1" dirty="0" smtClean="0"/>
+              <a:t>DBMS</a:t>
+            </a:r>
+            <a:endParaRPr lang="ko-KR" altLang="en-US" sz="2000" b="1" dirty="0"/>
+          </a:p>
+        </p:txBody>
+      </p:sp>
+    </p:spTree>
+    <p:extLst>
+      <p:ext uri="{BB962C8B-B14F-4D97-AF65-F5344CB8AC3E}">
+        <p14:creationId xmlns:p14="http://schemas.microsoft.com/office/powerpoint/2010/main" val="3483134005"/>
+      </p:ext>
+    </p:extLst>
+  </p:cSld>
+  <p:clrMapOvr>
+    <a:masterClrMapping/>
+  </p:clrMapOvr>
+  <p:timing>
+    <p:tnLst>
+      <p:par>
+        <p:cTn id="1" dur="indefinite" restart="never" nodeType="tmRoot"/>
+      </p:par>
+    </p:tnLst>
+  </p:timing>
+</p:sld>
+</file>
+
+<file path=ppt/slides/slide7.xml><?xml version="1.0" encoding="utf-8"?>
+<p:sld xmlns:a="http://schemas.openxmlformats.org/drawingml/2006/main" xmlns:r="http://schemas.openxmlformats.org/officeDocument/2006/relationships" xmlns:p="http://schemas.openxmlformats.org/presentationml/2006/main">
+  <p:cSld>
+    <p:spTree>
+      <p:nvGrpSpPr>
+        <p:cNvPr id="1" name=""/>
+        <p:cNvGrpSpPr/>
+        <p:nvPr/>
+      </p:nvGrpSpPr>
+      <p:grpSpPr>
+        <a:xfrm>
+          <a:off x="0" y="0"/>
+          <a:ext cx="0" cy="0"/>
+          <a:chOff x="0" y="0"/>
+          <a:chExt cx="0" cy="0"/>
+        </a:xfrm>
+      </p:grpSpPr>
+      <p:sp>
+        <p:nvSpPr>
+          <p:cNvPr id="2" name="제목 1"/>
+          <p:cNvSpPr>
+            <a:spLocks noGrp="1"/>
+          </p:cNvSpPr>
+          <p:nvPr>
+            <p:ph type="title"/>
+          </p:nvPr>
+        </p:nvSpPr>
+        <p:spPr/>
+        <p:txBody>
+          <a:bodyPr/>
+          <a:lstStyle/>
+          <a:p>
+            <a:r>
+              <a:rPr lang="en-US" altLang="ko-KR" dirty="0" smtClean="0"/>
+              <a:t>  ER</a:t>
+            </a:r>
+            <a:r>
+              <a:rPr lang="ko-KR" altLang="en-US" dirty="0" smtClean="0"/>
+              <a:t> 모델</a:t>
+            </a:r>
+            <a:endParaRPr lang="ko-KR" altLang="en-US" dirty="0"/>
+          </a:p>
+        </p:txBody>
+      </p:sp>
+      <p:sp>
+        <p:nvSpPr>
+          <p:cNvPr id="4" name="슬라이드 번호 개체 틀 3"/>
+          <p:cNvSpPr>
+            <a:spLocks noGrp="1"/>
+          </p:cNvSpPr>
+          <p:nvPr>
+            <p:ph type="sldNum" sz="quarter" idx="12"/>
+          </p:nvPr>
+        </p:nvSpPr>
+        <p:spPr/>
+        <p:txBody>
+          <a:bodyPr/>
+          <a:lstStyle/>
+          <a:p>
+            <a:fld id="{1BDE3FE7-3AEA-4B05-AC5A-802D1816ACF0}" type="slidenum">
+              <a:rPr lang="ko-KR" altLang="en-US" smtClean="0"/>
+              <a:t>7</a:t>
+            </a:fld>
+            <a:endParaRPr lang="ko-KR" altLang="en-US"/>
+          </a:p>
+        </p:txBody>
+      </p:sp>
+      <p:sp>
+        <p:nvSpPr>
+          <p:cNvPr id="6" name="TextBox 5"/>
+          <p:cNvSpPr txBox="1"/>
+          <p:nvPr/>
+        </p:nvSpPr>
+        <p:spPr>
+          <a:xfrm>
+            <a:off x="611560" y="1196751"/>
+            <a:ext cx="7992888" cy="2723823"/>
+          </a:xfrm>
+          <a:prstGeom prst="rect">
+            <a:avLst/>
+          </a:prstGeom>
+          <a:noFill/>
+        </p:spPr>
+        <p:txBody>
+          <a:bodyPr wrap="square" rtlCol="0">
+            <a:spAutoFit/>
+          </a:bodyPr>
+          <a:lstStyle/>
+          <a:p>
+            <a:pPr>
+              <a:lnSpc>
+                <a:spcPct val="150000"/>
+              </a:lnSpc>
+            </a:pPr>
+            <a:r>
+              <a:rPr lang="en-US" altLang="ko-KR" b="1" dirty="0" smtClean="0"/>
+              <a:t>ER(Entity Relationship) </a:t>
+            </a:r>
+            <a:r>
+              <a:rPr lang="ko-KR" altLang="en-US" b="1" dirty="0" smtClean="0"/>
+              <a:t>모델은</a:t>
+            </a:r>
+            <a:r>
+              <a:rPr lang="ko-KR" altLang="en-US" dirty="0" smtClean="0"/>
+              <a:t> </a:t>
+            </a:r>
+            <a:r>
+              <a:rPr lang="ko-KR" altLang="en-US" sz="1600" dirty="0" smtClean="0"/>
+              <a:t>데이터 모델링 과정 중 개념적 모델링에서 사용하는 모델로 </a:t>
+            </a:r>
+            <a:r>
+              <a:rPr lang="en-US" altLang="ko-KR" sz="1600" dirty="0" smtClean="0"/>
+              <a:t>1976</a:t>
+            </a:r>
+            <a:r>
+              <a:rPr lang="ko-KR" altLang="en-US" sz="1600" dirty="0" smtClean="0"/>
+              <a:t>년 </a:t>
+            </a:r>
+            <a:r>
+              <a:rPr lang="ko-KR" altLang="en-US" sz="1600" dirty="0" err="1" smtClean="0"/>
+              <a:t>피터</a:t>
+            </a:r>
+            <a:r>
+              <a:rPr lang="ko-KR" altLang="en-US" sz="1600" dirty="0" smtClean="0"/>
+              <a:t> </a:t>
+            </a:r>
+            <a:r>
+              <a:rPr lang="ko-KR" altLang="en-US" sz="1600" dirty="0" err="1" smtClean="0"/>
+              <a:t>첸이</a:t>
+            </a:r>
+            <a:r>
+              <a:rPr lang="ko-KR" altLang="en-US" sz="1600" dirty="0" smtClean="0"/>
+              <a:t> 제안하였다</a:t>
+            </a:r>
+            <a:r>
+              <a:rPr lang="en-US" altLang="ko-KR" sz="1600" dirty="0" smtClean="0"/>
+              <a:t>.</a:t>
+            </a:r>
+          </a:p>
+          <a:p>
+            <a:pPr>
+              <a:lnSpc>
+                <a:spcPct val="150000"/>
+              </a:lnSpc>
+            </a:pPr>
+            <a:r>
+              <a:rPr lang="en-US" altLang="ko-KR" sz="1600" dirty="0" smtClean="0"/>
+              <a:t>ER </a:t>
+            </a:r>
+            <a:r>
+              <a:rPr lang="ko-KR" altLang="en-US" sz="1600" dirty="0" smtClean="0"/>
+              <a:t>모델은 세상의 사물을 개체와 개체 간의 관계로 표현한다</a:t>
+            </a:r>
+            <a:r>
+              <a:rPr lang="en-US" altLang="ko-KR" sz="1600" dirty="0" smtClean="0"/>
+              <a:t>.</a:t>
+            </a:r>
+          </a:p>
+          <a:p>
+            <a:pPr>
+              <a:lnSpc>
+                <a:spcPct val="150000"/>
+              </a:lnSpc>
+            </a:pPr>
+            <a:r>
+              <a:rPr lang="ko-KR" altLang="en-US" sz="1600" dirty="0" smtClean="0"/>
+              <a:t>개체는 독립적인 의미를 지니고 있는 </a:t>
+            </a:r>
+            <a:r>
+              <a:rPr lang="ko-KR" altLang="en-US" sz="1600" dirty="0" err="1" smtClean="0"/>
+              <a:t>유무형의</a:t>
+            </a:r>
+            <a:r>
+              <a:rPr lang="ko-KR" altLang="en-US" sz="1600" dirty="0" smtClean="0"/>
+              <a:t> 사람 또는 사물을 말하며</a:t>
+            </a:r>
+            <a:r>
+              <a:rPr lang="en-US" altLang="ko-KR" sz="1600" dirty="0" smtClean="0"/>
+              <a:t>, </a:t>
+            </a:r>
+            <a:r>
+              <a:rPr lang="ko-KR" altLang="en-US" sz="1600" dirty="0" smtClean="0"/>
+              <a:t>개체의 특성을 나타내는 속성</a:t>
+            </a:r>
+            <a:r>
+              <a:rPr lang="en-US" altLang="ko-KR" sz="1600" dirty="0" smtClean="0"/>
+              <a:t>(attribute)</a:t>
+            </a:r>
+            <a:r>
+              <a:rPr lang="ko-KR" altLang="en-US" sz="1600" dirty="0" smtClean="0"/>
+              <a:t>으로 식별한다</a:t>
+            </a:r>
+            <a:r>
+              <a:rPr lang="en-US" altLang="ko-KR" sz="1600" dirty="0" smtClean="0"/>
+              <a:t>.</a:t>
+            </a:r>
+            <a:r>
+              <a:rPr lang="ko-KR" altLang="en-US" sz="1600" dirty="0"/>
+              <a:t> </a:t>
+            </a:r>
+            <a:r>
+              <a:rPr lang="ko-KR" altLang="en-US" sz="1600" dirty="0" smtClean="0"/>
+              <a:t>또한 개체끼리는 서로 관계를 가진다</a:t>
+            </a:r>
+            <a:r>
+              <a:rPr lang="en-US" altLang="ko-KR" sz="1600" dirty="0" smtClean="0"/>
+              <a:t>.</a:t>
+            </a:r>
+          </a:p>
+          <a:p>
+            <a:pPr>
+              <a:lnSpc>
+                <a:spcPct val="150000"/>
+              </a:lnSpc>
+            </a:pPr>
+            <a:endParaRPr lang="en-US" altLang="ko-KR" sz="1600" dirty="0"/>
+          </a:p>
+          <a:p>
+            <a:pPr>
+              <a:lnSpc>
+                <a:spcPct val="150000"/>
+              </a:lnSpc>
+            </a:pPr>
+            <a:r>
+              <a:rPr lang="en-US" altLang="ko-KR" sz="1600" dirty="0" smtClean="0"/>
+              <a:t>ER </a:t>
+            </a:r>
+            <a:r>
+              <a:rPr lang="ko-KR" altLang="en-US" sz="1600" dirty="0" smtClean="0"/>
+              <a:t>모델은 개체와 개체간의 관계를 </a:t>
+            </a:r>
+            <a:r>
+              <a:rPr lang="en-US" altLang="ko-KR" sz="1600" dirty="0" smtClean="0"/>
+              <a:t>ER </a:t>
+            </a:r>
+            <a:r>
+              <a:rPr lang="ko-KR" altLang="en-US" sz="1600" dirty="0" smtClean="0"/>
+              <a:t>다이어그램이라는 표준화된 그림으로 표현한다</a:t>
+            </a:r>
+            <a:r>
+              <a:rPr lang="en-US" altLang="ko-KR" sz="1600" dirty="0" smtClean="0"/>
+              <a:t>.</a:t>
+            </a:r>
+          </a:p>
+        </p:txBody>
+      </p:sp>
+      <p:pic>
+        <p:nvPicPr>
+          <p:cNvPr id="3" name="그림 2"/>
+          <p:cNvPicPr>
+            <a:picLocks noChangeAspect="1"/>
+          </p:cNvPicPr>
+          <p:nvPr/>
+        </p:nvPicPr>
+        <p:blipFill>
+          <a:blip r:embed="rId2">
+            <a:extLst>
+              <a:ext uri="{28A0092B-C50C-407E-A947-70E740481C1C}">
+                <a14:useLocalDpi xmlns:a14="http://schemas.microsoft.com/office/drawing/2010/main" val="0"/>
+              </a:ext>
+            </a:extLst>
+          </a:blip>
+          <a:stretch>
+            <a:fillRect/>
+          </a:stretch>
+        </p:blipFill>
+        <p:spPr>
+          <a:xfrm>
+            <a:off x="1380654" y="4077072"/>
+            <a:ext cx="6143674" cy="1813363"/>
+          </a:xfrm>
+          <a:prstGeom prst="rect">
+            <a:avLst/>
+          </a:prstGeom>
+        </p:spPr>
+      </p:pic>
+    </p:spTree>
+    <p:extLst>
+      <p:ext uri="{BB962C8B-B14F-4D97-AF65-F5344CB8AC3E}">
+        <p14:creationId xmlns:p14="http://schemas.microsoft.com/office/powerpoint/2010/main" val="661845020"/>
+      </p:ext>
+    </p:extLst>
+  </p:cSld>
+  <p:clrMapOvr>
+    <a:masterClrMapping/>
+  </p:clrMapOvr>
+  <p:timing>
+    <p:tnLst>
+      <p:par>
+        <p:cTn id="1" dur="indefinite" restart="never" nodeType="tmRoot"/>
+      </p:par>
+    </p:tnLst>
+  </p:timing>
+</p:sld>
+</file>
+
+<file path=ppt/slides/slide8.xml><?xml version="1.0" encoding="utf-8"?>
+<p:sld xmlns:a="http://schemas.openxmlformats.org/drawingml/2006/main" xmlns:r="http://schemas.openxmlformats.org/officeDocument/2006/relationships" xmlns:p="http://schemas.openxmlformats.org/presentationml/2006/main">
+  <p:cSld>
+    <p:spTree>
+      <p:nvGrpSpPr>
+        <p:cNvPr id="1" name=""/>
+        <p:cNvGrpSpPr/>
+        <p:nvPr/>
+      </p:nvGrpSpPr>
+      <p:grpSpPr>
+        <a:xfrm>
+          <a:off x="0" y="0"/>
+          <a:ext cx="0" cy="0"/>
+          <a:chOff x="0" y="0"/>
+          <a:chExt cx="0" cy="0"/>
+        </a:xfrm>
+      </p:grpSpPr>
+      <p:sp>
+        <p:nvSpPr>
+          <p:cNvPr id="2" name="제목 1"/>
+          <p:cNvSpPr>
+            <a:spLocks noGrp="1"/>
+          </p:cNvSpPr>
+          <p:nvPr>
+            <p:ph type="title"/>
+          </p:nvPr>
+        </p:nvSpPr>
+        <p:spPr/>
+        <p:txBody>
+          <a:bodyPr/>
+          <a:lstStyle/>
+          <a:p>
+            <a:r>
+              <a:rPr lang="en-US" altLang="ko-KR" dirty="0" smtClean="0"/>
+              <a:t>  ER</a:t>
+            </a:r>
+            <a:r>
+              <a:rPr lang="ko-KR" altLang="en-US" dirty="0" smtClean="0"/>
+              <a:t> 모델</a:t>
+            </a:r>
+            <a:endParaRPr lang="ko-KR" altLang="en-US" dirty="0"/>
+          </a:p>
+        </p:txBody>
+      </p:sp>
+      <p:sp>
+        <p:nvSpPr>
+          <p:cNvPr id="4" name="슬라이드 번호 개체 틀 3"/>
+          <p:cNvSpPr>
+            <a:spLocks noGrp="1"/>
+          </p:cNvSpPr>
+          <p:nvPr>
+            <p:ph type="sldNum" sz="quarter" idx="12"/>
+          </p:nvPr>
+        </p:nvSpPr>
+        <p:spPr/>
+        <p:txBody>
+          <a:bodyPr/>
+          <a:lstStyle/>
+          <a:p>
+            <a:fld id="{1BDE3FE7-3AEA-4B05-AC5A-802D1816ACF0}" type="slidenum">
+              <a:rPr lang="ko-KR" altLang="en-US" smtClean="0"/>
+              <a:t>8</a:t>
+            </a:fld>
+            <a:endParaRPr lang="ko-KR" altLang="en-US"/>
+          </a:p>
+        </p:txBody>
+      </p:sp>
+      <p:sp>
+        <p:nvSpPr>
+          <p:cNvPr id="5" name="TextBox 4"/>
+          <p:cNvSpPr txBox="1"/>
+          <p:nvPr/>
+        </p:nvSpPr>
+        <p:spPr>
+          <a:xfrm>
+            <a:off x="755576" y="1196752"/>
+            <a:ext cx="2808312" cy="369332"/>
+          </a:xfrm>
+          <a:prstGeom prst="rect">
+            <a:avLst/>
+          </a:prstGeom>
+          <a:noFill/>
+        </p:spPr>
+        <p:txBody>
+          <a:bodyPr wrap="square" rtlCol="0">
+            <a:spAutoFit/>
+          </a:bodyPr>
+          <a:lstStyle/>
+          <a:p>
+            <a:r>
+              <a:rPr lang="ko-KR" altLang="en-US" smtClean="0">
+                <a:solidFill>
+                  <a:srgbClr val="C00000"/>
+                </a:solidFill>
+              </a:rPr>
+              <a:t>관계 대응 수에 따른 유형</a:t>
+            </a:r>
+            <a:endParaRPr lang="ko-KR" altLang="en-US">
+              <a:solidFill>
+                <a:srgbClr val="C00000"/>
+              </a:solidFill>
+            </a:endParaRPr>
+          </a:p>
+        </p:txBody>
+      </p:sp>
+      <p:sp>
+        <p:nvSpPr>
+          <p:cNvPr id="7" name="직사각형 6"/>
+          <p:cNvSpPr/>
+          <p:nvPr/>
+        </p:nvSpPr>
+        <p:spPr>
+          <a:xfrm>
+            <a:off x="1403648" y="2348880"/>
+            <a:ext cx="1296144" cy="504056"/>
+          </a:xfrm>
+          <a:prstGeom prst="rect">
+            <a:avLst/>
+          </a:prstGeom>
+          <a:noFill/>
+          <a:ln w="12700">
+            <a:solidFill>
+              <a:schemeClr val="tx1"/>
+            </a:solidFill>
+          </a:ln>
+        </p:spPr>
+        <p:style>
+          <a:lnRef idx="2">
+            <a:schemeClr val="accent1">
+              <a:shade val="50000"/>
+            </a:schemeClr>
+          </a:lnRef>
+          <a:fillRef idx="1">
+            <a:schemeClr val="accent1"/>
+          </a:fillRef>
+          <a:effectRef idx="0">
+            <a:schemeClr val="accent1"/>
+          </a:effectRef>
+          <a:fontRef idx="minor">
+            <a:schemeClr val="lt1"/>
+          </a:fontRef>
+        </p:style>
+        <p:txBody>
+          <a:bodyPr rtlCol="0" anchor="ctr"/>
+          <a:lstStyle/>
+          <a:p>
+            <a:pPr algn="ctr"/>
+            <a:r>
+              <a:rPr lang="ko-KR" altLang="en-US" sz="1600" dirty="0" smtClean="0">
+                <a:solidFill>
+                  <a:sysClr val="windowText" lastClr="000000"/>
+                </a:solidFill>
+              </a:rPr>
+              <a:t>사</a:t>
+            </a:r>
+            <a:r>
+              <a:rPr lang="ko-KR" altLang="en-US" sz="1600" dirty="0">
+                <a:solidFill>
+                  <a:sysClr val="windowText" lastClr="000000"/>
+                </a:solidFill>
+              </a:rPr>
+              <a:t>원</a:t>
+            </a:r>
+          </a:p>
+        </p:txBody>
+      </p:sp>
+      <p:sp>
+        <p:nvSpPr>
+          <p:cNvPr id="8" name="직사각형 7"/>
+          <p:cNvSpPr/>
+          <p:nvPr/>
+        </p:nvSpPr>
+        <p:spPr>
+          <a:xfrm>
+            <a:off x="6198823" y="2348880"/>
+            <a:ext cx="1296144" cy="504056"/>
+          </a:xfrm>
+          <a:prstGeom prst="rect">
+            <a:avLst/>
+          </a:prstGeom>
+          <a:noFill/>
+          <a:ln w="12700">
+            <a:solidFill>
+              <a:schemeClr val="tx1"/>
+            </a:solidFill>
+          </a:ln>
+        </p:spPr>
+        <p:style>
+          <a:lnRef idx="2">
+            <a:schemeClr val="accent1">
+              <a:shade val="50000"/>
+            </a:schemeClr>
+          </a:lnRef>
+          <a:fillRef idx="1">
+            <a:schemeClr val="accent1"/>
+          </a:fillRef>
+          <a:effectRef idx="0">
+            <a:schemeClr val="accent1"/>
+          </a:effectRef>
+          <a:fontRef idx="minor">
+            <a:schemeClr val="lt1"/>
+          </a:fontRef>
+        </p:style>
+        <p:txBody>
+          <a:bodyPr rtlCol="0" anchor="ctr"/>
+          <a:lstStyle/>
+          <a:p>
+            <a:pPr algn="ctr"/>
+            <a:r>
+              <a:rPr lang="ko-KR" altLang="en-US" sz="1600" dirty="0" smtClean="0">
+                <a:solidFill>
+                  <a:sysClr val="windowText" lastClr="000000"/>
+                </a:solidFill>
+              </a:rPr>
+              <a:t>컴퓨</a:t>
+            </a:r>
+            <a:r>
+              <a:rPr lang="ko-KR" altLang="en-US" sz="1600" dirty="0">
+                <a:solidFill>
+                  <a:sysClr val="windowText" lastClr="000000"/>
+                </a:solidFill>
+              </a:rPr>
+              <a:t>터</a:t>
+            </a:r>
+          </a:p>
+        </p:txBody>
+      </p:sp>
+      <p:sp>
+        <p:nvSpPr>
+          <p:cNvPr id="9" name="다이아몬드 8"/>
+          <p:cNvSpPr/>
+          <p:nvPr/>
+        </p:nvSpPr>
+        <p:spPr>
+          <a:xfrm>
+            <a:off x="3707904" y="2316116"/>
+            <a:ext cx="1224136" cy="571504"/>
+          </a:xfrm>
+          <a:prstGeom prst="diamond">
+            <a:avLst/>
+          </a:prstGeom>
+          <a:noFill/>
+          <a:ln w="6350">
+            <a:solidFill>
+              <a:schemeClr val="tx1"/>
+            </a:solidFill>
+          </a:ln>
+        </p:spPr>
+        <p:style>
+          <a:lnRef idx="2">
+            <a:schemeClr val="accent1">
+              <a:shade val="50000"/>
+            </a:schemeClr>
+          </a:lnRef>
+          <a:fillRef idx="1">
+            <a:schemeClr val="accent1"/>
+          </a:fillRef>
+          <a:effectRef idx="0">
+            <a:schemeClr val="accent1"/>
+          </a:effectRef>
+          <a:fontRef idx="minor">
+            <a:schemeClr val="lt1"/>
+          </a:fontRef>
+        </p:style>
+        <p:txBody>
+          <a:bodyPr rtlCol="0" anchor="ctr"/>
+          <a:lstStyle/>
+          <a:p>
+            <a:pPr algn="ctr"/>
+            <a:r>
+              <a:rPr lang="ko-KR" altLang="en-US" sz="1600" dirty="0" smtClean="0">
+                <a:solidFill>
+                  <a:sysClr val="windowText" lastClr="000000"/>
+                </a:solidFill>
+              </a:rPr>
+              <a:t>사</a:t>
+            </a:r>
+            <a:r>
+              <a:rPr lang="ko-KR" altLang="en-US" sz="1600" dirty="0">
+                <a:solidFill>
+                  <a:sysClr val="windowText" lastClr="000000"/>
+                </a:solidFill>
+              </a:rPr>
+              <a:t>용</a:t>
+            </a:r>
+          </a:p>
+        </p:txBody>
+      </p:sp>
+      <p:cxnSp>
+        <p:nvCxnSpPr>
+          <p:cNvPr id="10" name="직선 연결선 9"/>
+          <p:cNvCxnSpPr>
+            <a:stCxn id="7" idx="3"/>
+            <a:endCxn id="9" idx="1"/>
+          </p:cNvCxnSpPr>
+          <p:nvPr/>
+        </p:nvCxnSpPr>
+        <p:spPr>
+          <a:xfrm>
+            <a:off x="2699792" y="2600908"/>
+            <a:ext cx="1008112" cy="960"/>
+          </a:xfrm>
+          <a:prstGeom prst="line">
+            <a:avLst/>
+          </a:prstGeom>
+        </p:spPr>
+        <p:style>
+          <a:lnRef idx="1">
+            <a:schemeClr val="accent1"/>
+          </a:lnRef>
+          <a:fillRef idx="0">
+            <a:schemeClr val="accent1"/>
+          </a:fillRef>
+          <a:effectRef idx="0">
+            <a:schemeClr val="accent1"/>
+          </a:effectRef>
+          <a:fontRef idx="minor">
+            <a:schemeClr val="tx1"/>
+          </a:fontRef>
+        </p:style>
+      </p:cxnSp>
+      <p:cxnSp>
+        <p:nvCxnSpPr>
+          <p:cNvPr id="11" name="직선 연결선 10"/>
+          <p:cNvCxnSpPr>
+            <a:stCxn id="9" idx="3"/>
+            <a:endCxn id="8" idx="1"/>
+          </p:cNvCxnSpPr>
+          <p:nvPr/>
+        </p:nvCxnSpPr>
+        <p:spPr>
+          <a:xfrm flipV="1">
+            <a:off x="4932040" y="2600908"/>
+            <a:ext cx="1266783" cy="960"/>
+          </a:xfrm>
+          <a:prstGeom prst="line">
+            <a:avLst/>
+          </a:prstGeom>
+        </p:spPr>
+        <p:style>
+          <a:lnRef idx="1">
+            <a:schemeClr val="accent1"/>
+          </a:lnRef>
+          <a:fillRef idx="0">
+            <a:schemeClr val="accent1"/>
+          </a:fillRef>
+          <a:effectRef idx="0">
+            <a:schemeClr val="accent1"/>
+          </a:effectRef>
+          <a:fontRef idx="minor">
+            <a:schemeClr val="tx1"/>
+          </a:fontRef>
+        </p:style>
+      </p:cxnSp>
+      <p:sp>
+        <p:nvSpPr>
+          <p:cNvPr id="12" name="TextBox 11"/>
+          <p:cNvSpPr txBox="1"/>
+          <p:nvPr/>
+        </p:nvSpPr>
+        <p:spPr>
+          <a:xfrm>
+            <a:off x="2771800" y="2276872"/>
+            <a:ext cx="360040" cy="369332"/>
+          </a:xfrm>
+          <a:prstGeom prst="rect">
+            <a:avLst/>
+          </a:prstGeom>
+          <a:noFill/>
+        </p:spPr>
+        <p:txBody>
+          <a:bodyPr wrap="square" rtlCol="0">
+            <a:spAutoFit/>
+          </a:bodyPr>
+          <a:lstStyle/>
+          <a:p>
+            <a:r>
+              <a:rPr lang="en-US" altLang="ko-KR" dirty="0" smtClean="0"/>
+              <a:t>1</a:t>
+            </a:r>
+            <a:endParaRPr lang="ko-KR" altLang="en-US" dirty="0"/>
+          </a:p>
+        </p:txBody>
+      </p:sp>
+      <p:sp>
+        <p:nvSpPr>
+          <p:cNvPr id="13" name="TextBox 12"/>
+          <p:cNvSpPr txBox="1"/>
+          <p:nvPr/>
+        </p:nvSpPr>
+        <p:spPr>
+          <a:xfrm>
+            <a:off x="5796136" y="2276872"/>
+            <a:ext cx="360040" cy="369332"/>
+          </a:xfrm>
+          <a:prstGeom prst="rect">
+            <a:avLst/>
+          </a:prstGeom>
+          <a:noFill/>
+        </p:spPr>
+        <p:txBody>
+          <a:bodyPr wrap="square" rtlCol="0">
+            <a:spAutoFit/>
+          </a:bodyPr>
+          <a:lstStyle/>
+          <a:p>
+            <a:r>
+              <a:rPr lang="en-US" altLang="ko-KR" dirty="0" smtClean="0"/>
+              <a:t>1</a:t>
+            </a:r>
+            <a:endParaRPr lang="ko-KR" altLang="en-US" dirty="0"/>
+          </a:p>
+        </p:txBody>
+      </p:sp>
+      <p:sp>
+        <p:nvSpPr>
+          <p:cNvPr id="14" name="TextBox 13"/>
+          <p:cNvSpPr txBox="1"/>
+          <p:nvPr/>
+        </p:nvSpPr>
+        <p:spPr>
+          <a:xfrm>
+            <a:off x="899592" y="1772816"/>
+            <a:ext cx="2052228" cy="338554"/>
+          </a:xfrm>
+          <a:prstGeom prst="rect">
+            <a:avLst/>
+          </a:prstGeom>
+          <a:noFill/>
+        </p:spPr>
+        <p:txBody>
+          <a:bodyPr wrap="square" rtlCol="0">
+            <a:spAutoFit/>
+          </a:bodyPr>
+          <a:lstStyle/>
+          <a:p>
+            <a:pPr marL="285750" indent="-285750">
+              <a:buFont typeface="Arial" panose="020B0604020202020204" pitchFamily="34" charset="0"/>
+              <a:buChar char="•"/>
+            </a:pPr>
+            <a:r>
+              <a:rPr lang="ko-KR" altLang="en-US" sz="1600" b="1" dirty="0" smtClean="0"/>
+              <a:t>일대일</a:t>
+            </a:r>
+            <a:r>
+              <a:rPr lang="en-US" altLang="ko-KR" sz="1600" b="1" dirty="0" smtClean="0"/>
+              <a:t>(1:1) </a:t>
+            </a:r>
+            <a:r>
+              <a:rPr lang="ko-KR" altLang="en-US" sz="1600" b="1" dirty="0" smtClean="0"/>
+              <a:t>관</a:t>
+            </a:r>
+            <a:r>
+              <a:rPr lang="ko-KR" altLang="en-US" sz="1600" b="1" dirty="0"/>
+              <a:t>계</a:t>
+            </a:r>
+          </a:p>
+        </p:txBody>
+      </p:sp>
+      <p:sp>
+        <p:nvSpPr>
+          <p:cNvPr id="15" name="TextBox 14"/>
+          <p:cNvSpPr txBox="1"/>
+          <p:nvPr/>
+        </p:nvSpPr>
+        <p:spPr>
+          <a:xfrm>
+            <a:off x="1043608" y="3008108"/>
+            <a:ext cx="7560840" cy="307777"/>
+          </a:xfrm>
+          <a:prstGeom prst="rect">
+            <a:avLst/>
+          </a:prstGeom>
+          <a:noFill/>
+        </p:spPr>
+        <p:txBody>
+          <a:bodyPr wrap="square" rtlCol="0">
+            <a:spAutoFit/>
+          </a:bodyPr>
+          <a:lstStyle/>
+          <a:p>
+            <a:r>
+              <a:rPr lang="ko-KR" altLang="en-US" sz="1400" dirty="0" smtClean="0"/>
+              <a:t>회사에서 사원이 개인별로 한 대의 컴퓨터만 사용한다면 사원과 컴퓨터는 일대일 관계이다</a:t>
+            </a:r>
+            <a:r>
+              <a:rPr lang="en-US" altLang="ko-KR" sz="1400" dirty="0" smtClean="0"/>
+              <a:t>.</a:t>
+            </a:r>
+            <a:endParaRPr lang="ko-KR" altLang="en-US" sz="1400" dirty="0"/>
+          </a:p>
+        </p:txBody>
+      </p:sp>
+      <p:sp>
+        <p:nvSpPr>
+          <p:cNvPr id="16" name="직사각형 15"/>
+          <p:cNvSpPr/>
+          <p:nvPr/>
+        </p:nvSpPr>
+        <p:spPr>
+          <a:xfrm>
+            <a:off x="1403648" y="4293096"/>
+            <a:ext cx="1296144" cy="504056"/>
+          </a:xfrm>
+          <a:prstGeom prst="rect">
+            <a:avLst/>
+          </a:prstGeom>
+          <a:noFill/>
+          <a:ln w="12700">
+            <a:solidFill>
+              <a:schemeClr val="tx1"/>
+            </a:solidFill>
+          </a:ln>
+        </p:spPr>
+        <p:style>
+          <a:lnRef idx="2">
+            <a:schemeClr val="accent1">
+              <a:shade val="50000"/>
+            </a:schemeClr>
+          </a:lnRef>
+          <a:fillRef idx="1">
+            <a:schemeClr val="accent1"/>
+          </a:fillRef>
+          <a:effectRef idx="0">
+            <a:schemeClr val="accent1"/>
+          </a:effectRef>
+          <a:fontRef idx="minor">
+            <a:schemeClr val="lt1"/>
+          </a:fontRef>
+        </p:style>
+        <p:txBody>
+          <a:bodyPr rtlCol="0" anchor="ctr"/>
+          <a:lstStyle/>
+          <a:p>
+            <a:pPr algn="ctr"/>
+            <a:r>
+              <a:rPr lang="ko-KR" altLang="en-US" sz="1600" dirty="0" smtClean="0">
+                <a:solidFill>
+                  <a:sysClr val="windowText" lastClr="000000"/>
+                </a:solidFill>
+              </a:rPr>
+              <a:t>학</a:t>
+            </a:r>
+            <a:r>
+              <a:rPr lang="ko-KR" altLang="en-US" sz="1600" dirty="0">
+                <a:solidFill>
+                  <a:sysClr val="windowText" lastClr="000000"/>
+                </a:solidFill>
+              </a:rPr>
+              <a:t>과</a:t>
+            </a:r>
+          </a:p>
+        </p:txBody>
+      </p:sp>
+      <p:sp>
+        <p:nvSpPr>
+          <p:cNvPr id="17" name="직사각형 16"/>
+          <p:cNvSpPr/>
+          <p:nvPr/>
+        </p:nvSpPr>
+        <p:spPr>
+          <a:xfrm>
+            <a:off x="6198823" y="4293096"/>
+            <a:ext cx="1296144" cy="504056"/>
+          </a:xfrm>
+          <a:prstGeom prst="rect">
+            <a:avLst/>
+          </a:prstGeom>
+          <a:noFill/>
+          <a:ln w="12700">
+            <a:solidFill>
+              <a:schemeClr val="tx1"/>
+            </a:solidFill>
+          </a:ln>
+        </p:spPr>
+        <p:style>
+          <a:lnRef idx="2">
+            <a:schemeClr val="accent1">
+              <a:shade val="50000"/>
+            </a:schemeClr>
+          </a:lnRef>
+          <a:fillRef idx="1">
+            <a:schemeClr val="accent1"/>
+          </a:fillRef>
+          <a:effectRef idx="0">
+            <a:schemeClr val="accent1"/>
+          </a:effectRef>
+          <a:fontRef idx="minor">
+            <a:schemeClr val="lt1"/>
+          </a:fontRef>
+        </p:style>
+        <p:txBody>
+          <a:bodyPr rtlCol="0" anchor="ctr"/>
+          <a:lstStyle/>
+          <a:p>
+            <a:pPr algn="ctr"/>
+            <a:r>
+              <a:rPr lang="ko-KR" altLang="en-US" sz="1600" dirty="0" smtClean="0">
+                <a:solidFill>
+                  <a:sysClr val="windowText" lastClr="000000"/>
+                </a:solidFill>
+              </a:rPr>
+              <a:t>학</a:t>
+            </a:r>
+            <a:r>
+              <a:rPr lang="ko-KR" altLang="en-US" sz="1600" dirty="0">
+                <a:solidFill>
+                  <a:sysClr val="windowText" lastClr="000000"/>
+                </a:solidFill>
+              </a:rPr>
+              <a:t>생</a:t>
+            </a:r>
+          </a:p>
+        </p:txBody>
+      </p:sp>
+      <p:sp>
+        <p:nvSpPr>
+          <p:cNvPr id="18" name="다이아몬드 17"/>
+          <p:cNvSpPr/>
+          <p:nvPr/>
+        </p:nvSpPr>
+        <p:spPr>
+          <a:xfrm>
+            <a:off x="3707904" y="4260332"/>
+            <a:ext cx="1224136" cy="571504"/>
+          </a:xfrm>
+          <a:prstGeom prst="diamond">
+            <a:avLst/>
+          </a:prstGeom>
+          <a:noFill/>
+          <a:ln w="6350">
+            <a:solidFill>
+              <a:schemeClr val="tx1"/>
+            </a:solidFill>
+          </a:ln>
+        </p:spPr>
+        <p:style>
+          <a:lnRef idx="2">
+            <a:schemeClr val="accent1">
+              <a:shade val="50000"/>
+            </a:schemeClr>
+          </a:lnRef>
+          <a:fillRef idx="1">
+            <a:schemeClr val="accent1"/>
+          </a:fillRef>
+          <a:effectRef idx="0">
+            <a:schemeClr val="accent1"/>
+          </a:effectRef>
+          <a:fontRef idx="minor">
+            <a:schemeClr val="lt1"/>
+          </a:fontRef>
+        </p:style>
+        <p:txBody>
+          <a:bodyPr rtlCol="0" anchor="ctr"/>
+          <a:lstStyle/>
+          <a:p>
+            <a:pPr algn="ctr"/>
+            <a:r>
+              <a:rPr lang="ko-KR" altLang="en-US" sz="1600" dirty="0" smtClean="0">
+                <a:solidFill>
+                  <a:sysClr val="windowText" lastClr="000000"/>
+                </a:solidFill>
+              </a:rPr>
+              <a:t>소</a:t>
+            </a:r>
+            <a:r>
+              <a:rPr lang="ko-KR" altLang="en-US" sz="1600" dirty="0">
+                <a:solidFill>
+                  <a:sysClr val="windowText" lastClr="000000"/>
+                </a:solidFill>
+              </a:rPr>
+              <a:t>속</a:t>
+            </a:r>
+          </a:p>
+        </p:txBody>
+      </p:sp>
+      <p:cxnSp>
+        <p:nvCxnSpPr>
+          <p:cNvPr id="19" name="직선 연결선 18"/>
+          <p:cNvCxnSpPr>
+            <a:stCxn id="16" idx="3"/>
+            <a:endCxn id="18" idx="1"/>
+          </p:cNvCxnSpPr>
+          <p:nvPr/>
+        </p:nvCxnSpPr>
+        <p:spPr>
+          <a:xfrm>
+            <a:off x="2699792" y="4545124"/>
+            <a:ext cx="1008112" cy="960"/>
+          </a:xfrm>
+          <a:prstGeom prst="line">
+            <a:avLst/>
+          </a:prstGeom>
+        </p:spPr>
+        <p:style>
+          <a:lnRef idx="1">
+            <a:schemeClr val="accent1"/>
+          </a:lnRef>
+          <a:fillRef idx="0">
+            <a:schemeClr val="accent1"/>
+          </a:fillRef>
+          <a:effectRef idx="0">
+            <a:schemeClr val="accent1"/>
+          </a:effectRef>
+          <a:fontRef idx="minor">
+            <a:schemeClr val="tx1"/>
+          </a:fontRef>
+        </p:style>
+      </p:cxnSp>
+      <p:cxnSp>
+        <p:nvCxnSpPr>
+          <p:cNvPr id="20" name="직선 연결선 19"/>
+          <p:cNvCxnSpPr>
+            <a:stCxn id="18" idx="3"/>
+            <a:endCxn id="17" idx="1"/>
+          </p:cNvCxnSpPr>
+          <p:nvPr/>
+        </p:nvCxnSpPr>
+        <p:spPr>
+          <a:xfrm flipV="1">
+            <a:off x="4932040" y="4545124"/>
+            <a:ext cx="1266783" cy="960"/>
+          </a:xfrm>
+          <a:prstGeom prst="line">
+            <a:avLst/>
+          </a:prstGeom>
+        </p:spPr>
+        <p:style>
+          <a:lnRef idx="1">
+            <a:schemeClr val="accent1"/>
+          </a:lnRef>
+          <a:fillRef idx="0">
+            <a:schemeClr val="accent1"/>
+          </a:fillRef>
+          <a:effectRef idx="0">
+            <a:schemeClr val="accent1"/>
+          </a:effectRef>
+          <a:fontRef idx="minor">
+            <a:schemeClr val="tx1"/>
+          </a:fontRef>
+        </p:style>
+      </p:cxnSp>
+      <p:sp>
+        <p:nvSpPr>
+          <p:cNvPr id="21" name="TextBox 20"/>
+          <p:cNvSpPr txBox="1"/>
+          <p:nvPr/>
+        </p:nvSpPr>
+        <p:spPr>
+          <a:xfrm>
+            <a:off x="2771800" y="4221088"/>
+            <a:ext cx="360040" cy="369332"/>
+          </a:xfrm>
+          <a:prstGeom prst="rect">
+            <a:avLst/>
+          </a:prstGeom>
+          <a:noFill/>
+        </p:spPr>
+        <p:txBody>
+          <a:bodyPr wrap="square" rtlCol="0">
+            <a:spAutoFit/>
+          </a:bodyPr>
+          <a:lstStyle/>
+          <a:p>
+            <a:r>
+              <a:rPr lang="en-US" altLang="ko-KR" dirty="0" smtClean="0"/>
+              <a:t>1</a:t>
+            </a:r>
+            <a:endParaRPr lang="ko-KR" altLang="en-US" dirty="0"/>
+          </a:p>
+        </p:txBody>
+      </p:sp>
+      <p:sp>
+        <p:nvSpPr>
+          <p:cNvPr id="22" name="TextBox 21"/>
+          <p:cNvSpPr txBox="1"/>
+          <p:nvPr/>
+        </p:nvSpPr>
+        <p:spPr>
+          <a:xfrm>
+            <a:off x="5796136" y="4221088"/>
+            <a:ext cx="360040" cy="369332"/>
+          </a:xfrm>
+          <a:prstGeom prst="rect">
+            <a:avLst/>
+          </a:prstGeom>
+          <a:noFill/>
+        </p:spPr>
+        <p:txBody>
+          <a:bodyPr wrap="square" rtlCol="0">
+            <a:spAutoFit/>
+          </a:bodyPr>
+          <a:lstStyle/>
+          <a:p>
+            <a:r>
+              <a:rPr lang="en-US" altLang="ko-KR" dirty="0"/>
+              <a:t>N</a:t>
+            </a:r>
+            <a:endParaRPr lang="ko-KR" altLang="en-US" dirty="0"/>
+          </a:p>
+        </p:txBody>
+      </p:sp>
+      <p:sp>
+        <p:nvSpPr>
+          <p:cNvPr id="23" name="TextBox 22"/>
+          <p:cNvSpPr txBox="1"/>
+          <p:nvPr/>
+        </p:nvSpPr>
+        <p:spPr>
+          <a:xfrm>
+            <a:off x="899592" y="3717032"/>
+            <a:ext cx="2052228" cy="338554"/>
+          </a:xfrm>
+          <a:prstGeom prst="rect">
+            <a:avLst/>
+          </a:prstGeom>
+          <a:noFill/>
+        </p:spPr>
+        <p:txBody>
+          <a:bodyPr wrap="square" rtlCol="0">
+            <a:spAutoFit/>
+          </a:bodyPr>
+          <a:lstStyle/>
+          <a:p>
+            <a:pPr marL="285750" indent="-285750">
+              <a:buFont typeface="Arial" panose="020B0604020202020204" pitchFamily="34" charset="0"/>
+              <a:buChar char="•"/>
+            </a:pPr>
+            <a:r>
+              <a:rPr lang="ko-KR" altLang="en-US" sz="1600" b="1" dirty="0" smtClean="0"/>
+              <a:t>일대다</a:t>
+            </a:r>
+            <a:r>
+              <a:rPr lang="en-US" altLang="ko-KR" sz="1600" b="1" dirty="0" smtClean="0"/>
+              <a:t>(1:N) </a:t>
+            </a:r>
+            <a:r>
+              <a:rPr lang="ko-KR" altLang="en-US" sz="1600" b="1" dirty="0" smtClean="0"/>
+              <a:t>관</a:t>
+            </a:r>
+            <a:r>
+              <a:rPr lang="ko-KR" altLang="en-US" sz="1600" b="1" dirty="0"/>
+              <a:t>계</a:t>
+            </a:r>
+          </a:p>
+        </p:txBody>
+      </p:sp>
+      <p:sp>
+        <p:nvSpPr>
+          <p:cNvPr id="24" name="TextBox 23"/>
+          <p:cNvSpPr txBox="1"/>
+          <p:nvPr/>
+        </p:nvSpPr>
+        <p:spPr>
+          <a:xfrm>
+            <a:off x="1043608" y="4952324"/>
+            <a:ext cx="7560840" cy="523220"/>
+          </a:xfrm>
+          <a:prstGeom prst="rect">
+            <a:avLst/>
+          </a:prstGeom>
+          <a:noFill/>
+        </p:spPr>
+        <p:txBody>
+          <a:bodyPr wrap="square" rtlCol="0">
+            <a:spAutoFit/>
+          </a:bodyPr>
+          <a:lstStyle/>
+          <a:p>
+            <a:r>
+              <a:rPr lang="ko-KR" altLang="en-US" sz="1400" dirty="0" smtClean="0"/>
+              <a:t>하나의 학과에는 여러 명의 학생이 소속되어 있어 일대다 관계로 표현할 수 있다</a:t>
+            </a:r>
+            <a:r>
+              <a:rPr lang="en-US" altLang="ko-KR" sz="1400" dirty="0" smtClean="0"/>
+              <a:t>.</a:t>
+            </a:r>
+          </a:p>
+          <a:p>
+            <a:r>
+              <a:rPr lang="en-US" altLang="ko-KR" sz="1400" dirty="0" smtClean="0"/>
+              <a:t>N</a:t>
+            </a:r>
+            <a:r>
+              <a:rPr lang="ko-KR" altLang="en-US" sz="1400" dirty="0" smtClean="0"/>
+              <a:t>은 </a:t>
+            </a:r>
+            <a:r>
+              <a:rPr lang="en-US" altLang="ko-KR" sz="1400" dirty="0" smtClean="0"/>
+              <a:t>0</a:t>
+            </a:r>
+            <a:r>
+              <a:rPr lang="ko-KR" altLang="en-US" sz="1400" dirty="0" smtClean="0"/>
+              <a:t>이상의 자연수를 말한다</a:t>
+            </a:r>
+            <a:r>
+              <a:rPr lang="en-US" altLang="ko-KR" sz="1400" dirty="0" smtClean="0"/>
+              <a:t>.</a:t>
+            </a:r>
+          </a:p>
+        </p:txBody>
+      </p:sp>
+    </p:spTree>
+    <p:extLst>
+      <p:ext uri="{BB962C8B-B14F-4D97-AF65-F5344CB8AC3E}">
+        <p14:creationId xmlns:p14="http://schemas.microsoft.com/office/powerpoint/2010/main" val="1521332599"/>
+      </p:ext>
+    </p:extLst>
+  </p:cSld>
+  <p:clrMapOvr>
+    <a:masterClrMapping/>
+  </p:clrMapOvr>
+  <p:timing>
+    <p:tnLst>
+      <p:par>
+        <p:cTn id="1" dur="indefinite" restart="never" nodeType="tmRoot"/>
+      </p:par>
+    </p:tnLst>
+  </p:timing>
+</p:sld>
+</file>
+
+<file path=ppt/slides/slide9.xml><?xml version="1.0" encoding="utf-8"?>
+<p:sld xmlns:a="http://schemas.openxmlformats.org/drawingml/2006/main" xmlns:r="http://schemas.openxmlformats.org/officeDocument/2006/relationships" xmlns:p="http://schemas.openxmlformats.org/presentationml/2006/main">
+  <p:cSld>
+    <p:spTree>
+      <p:nvGrpSpPr>
+        <p:cNvPr id="1" name=""/>
+        <p:cNvGrpSpPr/>
+        <p:nvPr/>
+      </p:nvGrpSpPr>
+      <p:grpSpPr>
+        <a:xfrm>
+          <a:off x="0" y="0"/>
+          <a:ext cx="0" cy="0"/>
+          <a:chOff x="0" y="0"/>
+          <a:chExt cx="0" cy="0"/>
+        </a:xfrm>
+      </p:grpSpPr>
+      <p:sp>
+        <p:nvSpPr>
+          <p:cNvPr id="2" name="제목 1"/>
+          <p:cNvSpPr>
+            <a:spLocks noGrp="1"/>
+          </p:cNvSpPr>
+          <p:nvPr>
+            <p:ph type="title"/>
+          </p:nvPr>
+        </p:nvSpPr>
+        <p:spPr/>
+        <p:txBody>
+          <a:bodyPr/>
+          <a:lstStyle/>
+          <a:p>
+            <a:r>
+              <a:rPr lang="en-US" altLang="ko-KR" dirty="0" smtClean="0"/>
+              <a:t>  ER</a:t>
+            </a:r>
+            <a:r>
+              <a:rPr lang="ko-KR" altLang="en-US" dirty="0" smtClean="0"/>
+              <a:t> 모델</a:t>
+            </a:r>
+            <a:endParaRPr lang="ko-KR" altLang="en-US" dirty="0"/>
+          </a:p>
+        </p:txBody>
+      </p:sp>
+      <p:sp>
+        <p:nvSpPr>
+          <p:cNvPr id="4" name="슬라이드 번호 개체 틀 3"/>
+          <p:cNvSpPr>
+            <a:spLocks noGrp="1"/>
+          </p:cNvSpPr>
+          <p:nvPr>
+            <p:ph type="sldNum" sz="quarter" idx="12"/>
+          </p:nvPr>
+        </p:nvSpPr>
+        <p:spPr/>
+        <p:txBody>
+          <a:bodyPr/>
+          <a:lstStyle/>
+          <a:p>
+            <a:fld id="{1BDE3FE7-3AEA-4B05-AC5A-802D1816ACF0}" type="slidenum">
+              <a:rPr lang="ko-KR" altLang="en-US" smtClean="0"/>
+              <a:t>9</a:t>
+            </a:fld>
+            <a:endParaRPr lang="ko-KR" altLang="en-US"/>
+          </a:p>
+        </p:txBody>
+      </p:sp>
+      <p:sp>
+        <p:nvSpPr>
+          <p:cNvPr id="5" name="TextBox 4"/>
+          <p:cNvSpPr txBox="1"/>
+          <p:nvPr/>
+        </p:nvSpPr>
+        <p:spPr>
+          <a:xfrm>
+            <a:off x="755576" y="1196752"/>
+            <a:ext cx="2808312" cy="369332"/>
+          </a:xfrm>
+          <a:prstGeom prst="rect">
+            <a:avLst/>
+          </a:prstGeom>
+          <a:noFill/>
+        </p:spPr>
+        <p:txBody>
+          <a:bodyPr wrap="square" rtlCol="0">
+            <a:spAutoFit/>
+          </a:bodyPr>
+          <a:lstStyle/>
+          <a:p>
+            <a:r>
+              <a:rPr lang="ko-KR" altLang="en-US" smtClean="0">
+                <a:solidFill>
+                  <a:srgbClr val="C00000"/>
+                </a:solidFill>
+              </a:rPr>
+              <a:t>관계 대응 수에 따른 유형</a:t>
+            </a:r>
+            <a:endParaRPr lang="ko-KR" altLang="en-US">
+              <a:solidFill>
+                <a:srgbClr val="C00000"/>
+              </a:solidFill>
+            </a:endParaRPr>
+          </a:p>
+        </p:txBody>
+      </p:sp>
+      <p:sp>
+        <p:nvSpPr>
+          <p:cNvPr id="25" name="직사각형 24"/>
+          <p:cNvSpPr/>
+          <p:nvPr/>
+        </p:nvSpPr>
+        <p:spPr>
+          <a:xfrm>
+            <a:off x="1403648" y="2245971"/>
+            <a:ext cx="1296144" cy="504056"/>
+          </a:xfrm>
+          <a:prstGeom prst="rect">
+            <a:avLst/>
+          </a:prstGeom>
+          <a:noFill/>
+          <a:ln w="12700">
+            <a:solidFill>
+              <a:schemeClr val="tx1"/>
+            </a:solidFill>
+          </a:ln>
+        </p:spPr>
+        <p:style>
+          <a:lnRef idx="2">
+            <a:schemeClr val="accent1">
+              <a:shade val="50000"/>
+            </a:schemeClr>
+          </a:lnRef>
+          <a:fillRef idx="1">
+            <a:schemeClr val="accent1"/>
+          </a:fillRef>
+          <a:effectRef idx="0">
+            <a:schemeClr val="accent1"/>
+          </a:effectRef>
+          <a:fontRef idx="minor">
+            <a:schemeClr val="lt1"/>
+          </a:fontRef>
+        </p:style>
+        <p:txBody>
+          <a:bodyPr rtlCol="0" anchor="ctr"/>
+          <a:lstStyle/>
+          <a:p>
+            <a:pPr algn="ctr"/>
+            <a:r>
+              <a:rPr lang="ko-KR" altLang="en-US" sz="1600" dirty="0" smtClean="0">
+                <a:solidFill>
+                  <a:sysClr val="windowText" lastClr="000000"/>
+                </a:solidFill>
+              </a:rPr>
+              <a:t>학</a:t>
+            </a:r>
+            <a:r>
+              <a:rPr lang="ko-KR" altLang="en-US" sz="1600" dirty="0">
+                <a:solidFill>
+                  <a:sysClr val="windowText" lastClr="000000"/>
+                </a:solidFill>
+              </a:rPr>
+              <a:t>생</a:t>
+            </a:r>
+          </a:p>
+        </p:txBody>
+      </p:sp>
+      <p:sp>
+        <p:nvSpPr>
+          <p:cNvPr id="26" name="직사각형 25"/>
+          <p:cNvSpPr/>
+          <p:nvPr/>
+        </p:nvSpPr>
+        <p:spPr>
+          <a:xfrm>
+            <a:off x="6198823" y="2245971"/>
+            <a:ext cx="1296144" cy="504056"/>
+          </a:xfrm>
+          <a:prstGeom prst="rect">
+            <a:avLst/>
+          </a:prstGeom>
+          <a:noFill/>
+          <a:ln w="12700">
+            <a:solidFill>
+              <a:schemeClr val="tx1"/>
+            </a:solidFill>
+          </a:ln>
+        </p:spPr>
+        <p:style>
+          <a:lnRef idx="2">
+            <a:schemeClr val="accent1">
+              <a:shade val="50000"/>
+            </a:schemeClr>
+          </a:lnRef>
+          <a:fillRef idx="1">
+            <a:schemeClr val="accent1"/>
+          </a:fillRef>
+          <a:effectRef idx="0">
+            <a:schemeClr val="accent1"/>
+          </a:effectRef>
+          <a:fontRef idx="minor">
+            <a:schemeClr val="lt1"/>
+          </a:fontRef>
+        </p:style>
+        <p:txBody>
+          <a:bodyPr rtlCol="0" anchor="ctr"/>
+          <a:lstStyle/>
+          <a:p>
+            <a:pPr algn="ctr"/>
+            <a:r>
+              <a:rPr lang="ko-KR" altLang="en-US" sz="1600" dirty="0" smtClean="0">
+                <a:solidFill>
+                  <a:sysClr val="windowText" lastClr="000000"/>
+                </a:solidFill>
+              </a:rPr>
+              <a:t>강</a:t>
+            </a:r>
+            <a:r>
+              <a:rPr lang="ko-KR" altLang="en-US" sz="1600" dirty="0">
+                <a:solidFill>
+                  <a:sysClr val="windowText" lastClr="000000"/>
+                </a:solidFill>
+              </a:rPr>
+              <a:t>좌</a:t>
+            </a:r>
+          </a:p>
+        </p:txBody>
+      </p:sp>
+      <p:sp>
+        <p:nvSpPr>
+          <p:cNvPr id="27" name="다이아몬드 26"/>
+          <p:cNvSpPr/>
+          <p:nvPr/>
+        </p:nvSpPr>
+        <p:spPr>
+          <a:xfrm>
+            <a:off x="3707904" y="2213207"/>
+            <a:ext cx="1224136" cy="571504"/>
+          </a:xfrm>
+          <a:prstGeom prst="diamond">
+            <a:avLst/>
+          </a:prstGeom>
+          <a:noFill/>
+          <a:ln w="6350">
+            <a:solidFill>
+              <a:schemeClr val="tx1"/>
+            </a:solidFill>
+          </a:ln>
+        </p:spPr>
+        <p:style>
+          <a:lnRef idx="2">
+            <a:schemeClr val="accent1">
+              <a:shade val="50000"/>
+            </a:schemeClr>
+          </a:lnRef>
+          <a:fillRef idx="1">
+            <a:schemeClr val="accent1"/>
+          </a:fillRef>
+          <a:effectRef idx="0">
+            <a:schemeClr val="accent1"/>
+          </a:effectRef>
+          <a:fontRef idx="minor">
+            <a:schemeClr val="lt1"/>
+          </a:fontRef>
+        </p:style>
+        <p:txBody>
+          <a:bodyPr rtlCol="0" anchor="ctr"/>
+          <a:lstStyle/>
+          <a:p>
+            <a:pPr algn="ctr"/>
+            <a:r>
+              <a:rPr lang="ko-KR" altLang="en-US" sz="1600" dirty="0" smtClean="0">
+                <a:solidFill>
+                  <a:sysClr val="windowText" lastClr="000000"/>
+                </a:solidFill>
+              </a:rPr>
+              <a:t>수</a:t>
+            </a:r>
+            <a:r>
+              <a:rPr lang="ko-KR" altLang="en-US" sz="1600" dirty="0">
+                <a:solidFill>
+                  <a:sysClr val="windowText" lastClr="000000"/>
+                </a:solidFill>
+              </a:rPr>
+              <a:t>강</a:t>
+            </a:r>
+          </a:p>
+        </p:txBody>
+      </p:sp>
+      <p:cxnSp>
+        <p:nvCxnSpPr>
+          <p:cNvPr id="28" name="직선 연결선 27"/>
+          <p:cNvCxnSpPr>
+            <a:stCxn id="25" idx="3"/>
+            <a:endCxn id="27" idx="1"/>
+          </p:cNvCxnSpPr>
+          <p:nvPr/>
+        </p:nvCxnSpPr>
+        <p:spPr>
+          <a:xfrm>
+            <a:off x="2699792" y="2497999"/>
+            <a:ext cx="1008112" cy="960"/>
+          </a:xfrm>
+          <a:prstGeom prst="line">
+            <a:avLst/>
+          </a:prstGeom>
+        </p:spPr>
+        <p:style>
+          <a:lnRef idx="1">
+            <a:schemeClr val="accent1"/>
+          </a:lnRef>
+          <a:fillRef idx="0">
+            <a:schemeClr val="accent1"/>
+          </a:fillRef>
+          <a:effectRef idx="0">
+            <a:schemeClr val="accent1"/>
+          </a:effectRef>
+          <a:fontRef idx="minor">
+            <a:schemeClr val="tx1"/>
+          </a:fontRef>
+        </p:style>
+      </p:cxnSp>
+      <p:cxnSp>
+        <p:nvCxnSpPr>
+          <p:cNvPr id="29" name="직선 연결선 28"/>
+          <p:cNvCxnSpPr>
+            <a:stCxn id="27" idx="3"/>
+            <a:endCxn id="26" idx="1"/>
+          </p:cNvCxnSpPr>
+          <p:nvPr/>
+        </p:nvCxnSpPr>
+        <p:spPr>
+          <a:xfrm flipV="1">
+            <a:off x="4932040" y="2497999"/>
+            <a:ext cx="1266783" cy="960"/>
+          </a:xfrm>
+          <a:prstGeom prst="line">
+            <a:avLst/>
+          </a:prstGeom>
+        </p:spPr>
+        <p:style>
+          <a:lnRef idx="1">
+            <a:schemeClr val="accent1"/>
+          </a:lnRef>
+          <a:fillRef idx="0">
+            <a:schemeClr val="accent1"/>
+          </a:fillRef>
+          <a:effectRef idx="0">
+            <a:schemeClr val="accent1"/>
+          </a:effectRef>
+          <a:fontRef idx="minor">
+            <a:schemeClr val="tx1"/>
+          </a:fontRef>
+        </p:style>
+      </p:cxnSp>
+      <p:sp>
+        <p:nvSpPr>
+          <p:cNvPr id="30" name="TextBox 29"/>
+          <p:cNvSpPr txBox="1"/>
+          <p:nvPr/>
+        </p:nvSpPr>
+        <p:spPr>
+          <a:xfrm>
+            <a:off x="2771800" y="2173963"/>
+            <a:ext cx="360040" cy="369332"/>
+          </a:xfrm>
+          <a:prstGeom prst="rect">
+            <a:avLst/>
+          </a:prstGeom>
+          <a:noFill/>
+        </p:spPr>
+        <p:txBody>
+          <a:bodyPr wrap="square" rtlCol="0">
+            <a:spAutoFit/>
+          </a:bodyPr>
+          <a:lstStyle/>
+          <a:p>
+            <a:r>
+              <a:rPr lang="en-US" altLang="ko-KR" dirty="0"/>
+              <a:t>N</a:t>
+            </a:r>
+            <a:endParaRPr lang="ko-KR" altLang="en-US" dirty="0"/>
+          </a:p>
+        </p:txBody>
+      </p:sp>
+      <p:sp>
+        <p:nvSpPr>
+          <p:cNvPr id="31" name="TextBox 30"/>
+          <p:cNvSpPr txBox="1"/>
+          <p:nvPr/>
+        </p:nvSpPr>
+        <p:spPr>
+          <a:xfrm>
+            <a:off x="5796136" y="2173963"/>
+            <a:ext cx="360040" cy="369332"/>
+          </a:xfrm>
+          <a:prstGeom prst="rect">
+            <a:avLst/>
+          </a:prstGeom>
+          <a:noFill/>
+        </p:spPr>
+        <p:txBody>
+          <a:bodyPr wrap="square" rtlCol="0">
+            <a:spAutoFit/>
+          </a:bodyPr>
+          <a:lstStyle/>
+          <a:p>
+            <a:r>
+              <a:rPr lang="en-US" altLang="ko-KR" dirty="0"/>
+              <a:t>N</a:t>
+            </a:r>
+            <a:endParaRPr lang="ko-KR" altLang="en-US" dirty="0"/>
+          </a:p>
+        </p:txBody>
+      </p:sp>
+      <p:sp>
+        <p:nvSpPr>
+          <p:cNvPr id="32" name="TextBox 31"/>
+          <p:cNvSpPr txBox="1"/>
+          <p:nvPr/>
+        </p:nvSpPr>
+        <p:spPr>
+          <a:xfrm>
+            <a:off x="899592" y="1669907"/>
+            <a:ext cx="2304256" cy="338554"/>
+          </a:xfrm>
+          <a:prstGeom prst="rect">
+            <a:avLst/>
+          </a:prstGeom>
+          <a:noFill/>
+        </p:spPr>
+        <p:txBody>
+          <a:bodyPr wrap="square" rtlCol="0">
+            <a:spAutoFit/>
+          </a:bodyPr>
+          <a:lstStyle/>
+          <a:p>
+            <a:pPr marL="285750" indent="-285750">
+              <a:buFont typeface="Arial" panose="020B0604020202020204" pitchFamily="34" charset="0"/>
+              <a:buChar char="•"/>
+            </a:pPr>
+            <a:r>
+              <a:rPr lang="ko-KR" altLang="en-US" sz="1600" b="1" dirty="0" err="1"/>
+              <a:t>다</a:t>
+            </a:r>
+            <a:r>
+              <a:rPr lang="ko-KR" altLang="en-US" sz="1600" b="1" dirty="0" err="1" smtClean="0"/>
+              <a:t>대다</a:t>
+            </a:r>
+            <a:r>
+              <a:rPr lang="en-US" altLang="ko-KR" sz="1600" b="1" dirty="0" smtClean="0"/>
+              <a:t>(N:N) </a:t>
+            </a:r>
+            <a:r>
+              <a:rPr lang="ko-KR" altLang="en-US" sz="1600" b="1" dirty="0" smtClean="0"/>
+              <a:t>관</a:t>
+            </a:r>
+            <a:r>
+              <a:rPr lang="ko-KR" altLang="en-US" sz="1600" b="1" dirty="0"/>
+              <a:t>계</a:t>
+            </a:r>
+          </a:p>
+        </p:txBody>
+      </p:sp>
+      <p:sp>
+        <p:nvSpPr>
+          <p:cNvPr id="33" name="TextBox 32"/>
+          <p:cNvSpPr txBox="1"/>
+          <p:nvPr/>
+        </p:nvSpPr>
+        <p:spPr>
+          <a:xfrm>
+            <a:off x="1043608" y="2905199"/>
+            <a:ext cx="7560840" cy="307777"/>
+          </a:xfrm>
+          <a:prstGeom prst="rect">
+            <a:avLst/>
+          </a:prstGeom>
+          <a:noFill/>
+        </p:spPr>
+        <p:txBody>
+          <a:bodyPr wrap="square" rtlCol="0">
+            <a:spAutoFit/>
+          </a:bodyPr>
+          <a:lstStyle/>
+          <a:p>
+            <a:r>
+              <a:rPr lang="ko-KR" altLang="en-US" sz="1400" dirty="0" smtClean="0"/>
+              <a:t>한 학생은 여러 강좌를 수강할 수 있고</a:t>
+            </a:r>
+            <a:r>
+              <a:rPr lang="en-US" altLang="ko-KR" sz="1400" dirty="0" smtClean="0"/>
+              <a:t>, </a:t>
+            </a:r>
+            <a:r>
+              <a:rPr lang="ko-KR" altLang="en-US" sz="1400" dirty="0" smtClean="0"/>
+              <a:t>한 강좌 역시 여러 학생이 들을 수 있</a:t>
+            </a:r>
+            <a:r>
+              <a:rPr lang="ko-KR" altLang="en-US" sz="1400" dirty="0"/>
+              <a:t>다</a:t>
+            </a:r>
+            <a:r>
+              <a:rPr lang="en-US" altLang="ko-KR" sz="1400" dirty="0" smtClean="0"/>
+              <a:t>.</a:t>
+            </a:r>
+            <a:endParaRPr lang="ko-KR" altLang="en-US" sz="1400" dirty="0"/>
+          </a:p>
+        </p:txBody>
+      </p:sp>
+    </p:spTree>
+    <p:extLst>
+      <p:ext uri="{BB962C8B-B14F-4D97-AF65-F5344CB8AC3E}">
+        <p14:creationId xmlns:p14="http://schemas.microsoft.com/office/powerpoint/2010/main" val="71455833"/>
       </p:ext>
     </p:extLst>
   </p:cSld>

--- a/DB_PPT/2장. 데이터 모델링.pptx
+++ b/DB_PPT/2장. 데이터 모델링.pptx
@@ -5,7 +5,7 @@
     <p:sldMasterId id="2147483648" r:id="rId1"/>
   </p:sldMasterIdLst>
   <p:notesMasterIdLst>
-    <p:notesMasterId r:id="rId34"/>
+    <p:notesMasterId r:id="rId38"/>
   </p:notesMasterIdLst>
   <p:sldIdLst>
     <p:sldId id="256" r:id="rId2"/>
@@ -40,6 +40,10 @@
     <p:sldId id="288" r:id="rId31"/>
     <p:sldId id="291" r:id="rId32"/>
     <p:sldId id="292" r:id="rId33"/>
+    <p:sldId id="324" r:id="rId34"/>
+    <p:sldId id="325" r:id="rId35"/>
+    <p:sldId id="326" r:id="rId36"/>
+    <p:sldId id="327" r:id="rId37"/>
   </p:sldIdLst>
   <p:sldSz cx="9144000" cy="6858000" type="screen4x3"/>
   <p:notesSz cx="6858000" cy="9144000"/>
@@ -3484,7 +3488,7 @@
           <a:p>
             <a:fld id="{7665CDAC-D627-4E87-877A-1B781DD4CADC}" type="datetimeFigureOut">
               <a:rPr lang="ko-KR" altLang="en-US" smtClean="0"/>
-              <a:t>2023-03-26</a:t>
+              <a:t>2023-04-02</a:t>
             </a:fld>
             <a:endParaRPr lang="ko-KR" altLang="en-US"/>
           </a:p>
@@ -4340,7 +4344,7 @@
           <a:p>
             <a:fld id="{E240FE80-3752-4C44-80B8-E31C3450070D}" type="datetime1">
               <a:rPr lang="ko-KR" altLang="en-US" smtClean="0"/>
-              <a:t>2023-03-26</a:t>
+              <a:t>2023-04-02</a:t>
             </a:fld>
             <a:endParaRPr lang="ko-KR" altLang="en-US"/>
           </a:p>
@@ -4520,7 +4524,7 @@
           <a:p>
             <a:fld id="{5FA88D13-428F-4553-BC93-2E91B1DA3F5C}" type="datetime1">
               <a:rPr lang="ko-KR" altLang="en-US" smtClean="0"/>
-              <a:t>2023-03-26</a:t>
+              <a:t>2023-04-02</a:t>
             </a:fld>
             <a:endParaRPr lang="ko-KR" altLang="en-US"/>
           </a:p>
@@ -4694,7 +4698,7 @@
           <a:p>
             <a:fld id="{4E9D4779-FB94-4D0A-9770-16BB460ADD4B}" type="datetime1">
               <a:rPr lang="ko-KR" altLang="en-US" smtClean="0"/>
-              <a:t>2023-03-26</a:t>
+              <a:t>2023-04-02</a:t>
             </a:fld>
             <a:endParaRPr lang="ko-KR" altLang="en-US"/>
           </a:p>
@@ -4940,7 +4944,7 @@
           <a:p>
             <a:fld id="{DD687F0D-089E-4098-8EE9-5721C76E52EC}" type="datetime1">
               <a:rPr lang="ko-KR" altLang="en-US" smtClean="0"/>
-              <a:t>2023-03-26</a:t>
+              <a:t>2023-04-02</a:t>
             </a:fld>
             <a:endParaRPr lang="ko-KR" altLang="en-US"/>
           </a:p>
@@ -5228,7 +5232,7 @@
           <a:p>
             <a:fld id="{09C650FE-E6B2-4D57-AAF6-1B2A37421AAD}" type="datetime1">
               <a:rPr lang="ko-KR" altLang="en-US" smtClean="0"/>
-              <a:t>2023-03-26</a:t>
+              <a:t>2023-04-02</a:t>
             </a:fld>
             <a:endParaRPr lang="ko-KR" altLang="en-US"/>
           </a:p>
@@ -5650,7 +5654,7 @@
           <a:p>
             <a:fld id="{E87F20C2-C949-4E4F-9580-FEE4F2DAC554}" type="datetime1">
               <a:rPr lang="ko-KR" altLang="en-US" smtClean="0"/>
-              <a:t>2023-03-26</a:t>
+              <a:t>2023-04-02</a:t>
             </a:fld>
             <a:endParaRPr lang="ko-KR" altLang="en-US"/>
           </a:p>
@@ -5768,7 +5772,7 @@
           <a:p>
             <a:fld id="{476DBFE0-70CA-4AA9-9C17-F02054822E7E}" type="datetime1">
               <a:rPr lang="ko-KR" altLang="en-US" smtClean="0"/>
-              <a:t>2023-03-26</a:t>
+              <a:t>2023-04-02</a:t>
             </a:fld>
             <a:endParaRPr lang="ko-KR" altLang="en-US"/>
           </a:p>
@@ -5863,7 +5867,7 @@
           <a:p>
             <a:fld id="{6DA84A72-C6AC-45C3-AE5A-9CF6D245353A}" type="datetime1">
               <a:rPr lang="ko-KR" altLang="en-US" smtClean="0"/>
-              <a:t>2023-03-26</a:t>
+              <a:t>2023-04-02</a:t>
             </a:fld>
             <a:endParaRPr lang="ko-KR" altLang="en-US"/>
           </a:p>
@@ -6140,7 +6144,7 @@
           <a:p>
             <a:fld id="{092D9E8D-7616-4FA8-9B12-88059974D499}" type="datetime1">
               <a:rPr lang="ko-KR" altLang="en-US" smtClean="0"/>
-              <a:t>2023-03-26</a:t>
+              <a:t>2023-04-02</a:t>
             </a:fld>
             <a:endParaRPr lang="ko-KR" altLang="en-US"/>
           </a:p>
@@ -6393,7 +6397,7 @@
           <a:p>
             <a:fld id="{79F4C3F6-B4DC-4E51-8609-BCC628ECDBF3}" type="datetime1">
               <a:rPr lang="ko-KR" altLang="en-US" smtClean="0"/>
-              <a:t>2023-03-26</a:t>
+              <a:t>2023-04-02</a:t>
             </a:fld>
             <a:endParaRPr lang="ko-KR" altLang="en-US"/>
           </a:p>
@@ -6573,7 +6577,7 @@
           <a:p>
             <a:fld id="{B2C4C586-F21B-48DD-B591-4B12E73E0749}" type="datetime1">
               <a:rPr lang="ko-KR" altLang="en-US" smtClean="0"/>
-              <a:t>2023-03-26</a:t>
+              <a:t>2023-04-02</a:t>
             </a:fld>
             <a:endParaRPr lang="ko-KR" altLang="en-US"/>
           </a:p>
@@ -20651,6 +20655,2094 @@
 </p:sld>
 </file>
 
+<file path=ppt/slides/slide33.xml><?xml version="1.0" encoding="utf-8"?>
+<p:sld xmlns:a="http://schemas.openxmlformats.org/drawingml/2006/main" xmlns:r="http://schemas.openxmlformats.org/officeDocument/2006/relationships" xmlns:p="http://schemas.openxmlformats.org/presentationml/2006/main">
+  <p:cSld>
+    <p:spTree>
+      <p:nvGrpSpPr>
+        <p:cNvPr id="1" name=""/>
+        <p:cNvGrpSpPr/>
+        <p:nvPr/>
+      </p:nvGrpSpPr>
+      <p:grpSpPr>
+        <a:xfrm>
+          <a:off x="0" y="0"/>
+          <a:ext cx="0" cy="0"/>
+          <a:chOff x="0" y="0"/>
+          <a:chExt cx="0" cy="0"/>
+        </a:xfrm>
+      </p:grpSpPr>
+      <p:sp>
+        <p:nvSpPr>
+          <p:cNvPr id="2" name="제목 1"/>
+          <p:cNvSpPr>
+            <a:spLocks noGrp="1"/>
+          </p:cNvSpPr>
+          <p:nvPr>
+            <p:ph type="title"/>
+          </p:nvPr>
+        </p:nvSpPr>
+        <p:spPr>
+          <a:xfrm>
+            <a:off x="68912" y="-9940"/>
+            <a:ext cx="3993307" cy="854968"/>
+          </a:xfrm>
+        </p:spPr>
+        <p:txBody>
+          <a:bodyPr/>
+          <a:lstStyle/>
+          <a:p>
+            <a:r>
+              <a:rPr lang="en-US" altLang="ko-KR" dirty="0" smtClean="0"/>
+              <a:t> </a:t>
+            </a:r>
+            <a:r>
+              <a:rPr lang="ko-KR" altLang="en-US" dirty="0" smtClean="0"/>
+              <a:t>관계</a:t>
+            </a:r>
+            <a:r>
+              <a:rPr lang="en-US" altLang="ko-KR" dirty="0" smtClean="0"/>
+              <a:t>(</a:t>
+            </a:r>
+            <a:r>
+              <a:rPr lang="en-US" altLang="ko-KR" dirty="0" err="1" smtClean="0"/>
+              <a:t>Releation</a:t>
+            </a:r>
+            <a:r>
+              <a:rPr lang="en-US" altLang="ko-KR" dirty="0" smtClean="0"/>
+              <a:t>)</a:t>
+            </a:r>
+            <a:endParaRPr lang="ko-KR" altLang="en-US" dirty="0"/>
+          </a:p>
+        </p:txBody>
+      </p:sp>
+      <p:sp>
+        <p:nvSpPr>
+          <p:cNvPr id="4" name="슬라이드 번호 개체 틀 3"/>
+          <p:cNvSpPr>
+            <a:spLocks noGrp="1"/>
+          </p:cNvSpPr>
+          <p:nvPr>
+            <p:ph type="sldNum" sz="quarter" idx="12"/>
+          </p:nvPr>
+        </p:nvSpPr>
+        <p:spPr/>
+        <p:txBody>
+          <a:bodyPr/>
+          <a:lstStyle/>
+          <a:p>
+            <a:fld id="{1BDE3FE7-3AEA-4B05-AC5A-802D1816ACF0}" type="slidenum">
+              <a:rPr lang="ko-KR" altLang="en-US" smtClean="0"/>
+              <a:t>33</a:t>
+            </a:fld>
+            <a:endParaRPr lang="ko-KR" altLang="en-US"/>
+          </a:p>
+        </p:txBody>
+      </p:sp>
+      <p:sp>
+        <p:nvSpPr>
+          <p:cNvPr id="6" name="TextBox 5"/>
+          <p:cNvSpPr txBox="1"/>
+          <p:nvPr/>
+        </p:nvSpPr>
+        <p:spPr>
+          <a:xfrm>
+            <a:off x="611560" y="1124744"/>
+            <a:ext cx="8064896" cy="923330"/>
+          </a:xfrm>
+          <a:prstGeom prst="rect">
+            <a:avLst/>
+          </a:prstGeom>
+          <a:noFill/>
+        </p:spPr>
+        <p:txBody>
+          <a:bodyPr wrap="square" rtlCol="0">
+            <a:spAutoFit/>
+          </a:bodyPr>
+          <a:lstStyle/>
+          <a:p>
+            <a:pPr>
+              <a:lnSpc>
+                <a:spcPct val="150000"/>
+              </a:lnSpc>
+            </a:pPr>
+            <a:r>
+              <a:rPr lang="ko-KR" altLang="en-US" dirty="0" smtClean="0">
+                <a:solidFill>
+                  <a:srgbClr val="C00000"/>
+                </a:solidFill>
+              </a:rPr>
+              <a:t>   </a:t>
+            </a:r>
+            <a:r>
+              <a:rPr lang="ko-KR" altLang="en-US" b="1" dirty="0" err="1" smtClean="0">
+                <a:solidFill>
+                  <a:srgbClr val="C00000"/>
+                </a:solidFill>
+              </a:rPr>
+              <a:t>외래키</a:t>
+            </a:r>
+            <a:r>
+              <a:rPr lang="en-US" altLang="ko-KR" b="1" dirty="0" smtClean="0">
+                <a:solidFill>
+                  <a:srgbClr val="C00000"/>
+                </a:solidFill>
+              </a:rPr>
+              <a:t>(FK : Foreign Key)</a:t>
+            </a:r>
+          </a:p>
+          <a:p>
+            <a:pPr>
+              <a:lnSpc>
+                <a:spcPct val="150000"/>
+              </a:lnSpc>
+            </a:pPr>
+            <a:r>
+              <a:rPr lang="en-US" altLang="ko-KR" dirty="0">
+                <a:solidFill>
+                  <a:srgbClr val="C00000"/>
+                </a:solidFill>
+              </a:rPr>
+              <a:t> </a:t>
+            </a:r>
+            <a:r>
+              <a:rPr lang="en-US" altLang="ko-KR" dirty="0" smtClean="0">
+                <a:solidFill>
+                  <a:srgbClr val="C00000"/>
+                </a:solidFill>
+              </a:rPr>
+              <a:t>   </a:t>
+            </a:r>
+            <a:r>
+              <a:rPr lang="en-US" altLang="ko-KR" dirty="0" smtClean="0"/>
+              <a:t>- </a:t>
+            </a:r>
+            <a:r>
+              <a:rPr lang="ko-KR" altLang="en-US" dirty="0" smtClean="0"/>
+              <a:t>특정 테이블에 포함되어 있으면서 다른 테이블의 </a:t>
+            </a:r>
+            <a:r>
+              <a:rPr lang="ko-KR" altLang="en-US" dirty="0" err="1" smtClean="0"/>
+              <a:t>기본키로</a:t>
+            </a:r>
+            <a:r>
+              <a:rPr lang="ko-KR" altLang="en-US" dirty="0" smtClean="0"/>
+              <a:t> 지정된 키</a:t>
+            </a:r>
+            <a:endParaRPr lang="en-US" altLang="ko-KR" dirty="0" smtClean="0"/>
+          </a:p>
+        </p:txBody>
+      </p:sp>
+      <p:graphicFrame>
+        <p:nvGraphicFramePr>
+          <p:cNvPr id="5" name="내용 개체 틀 4"/>
+          <p:cNvGraphicFramePr>
+            <a:graphicFrameLocks/>
+          </p:cNvGraphicFramePr>
+          <p:nvPr>
+            <p:extLst/>
+          </p:nvPr>
+        </p:nvGraphicFramePr>
+        <p:xfrm>
+          <a:off x="2062798" y="4192488"/>
+          <a:ext cx="4640520" cy="1818640"/>
+        </p:xfrm>
+        <a:graphic>
+          <a:graphicData uri="http://schemas.openxmlformats.org/drawingml/2006/table">
+            <a:tbl>
+              <a:tblPr firstRow="1">
+                <a:tableStyleId>{5C22544A-7EE6-4342-B048-85BDC9FD1C3A}</a:tableStyleId>
+              </a:tblPr>
+              <a:tblGrid>
+                <a:gridCol w="1080122">
+                  <a:extLst>
+                    <a:ext uri="{9D8B030D-6E8A-4147-A177-3AD203B41FA5}">
+                      <a16:colId xmlns:a16="http://schemas.microsoft.com/office/drawing/2014/main" val="20000"/>
+                    </a:ext>
+                  </a:extLst>
+                </a:gridCol>
+                <a:gridCol w="1152128">
+                  <a:extLst>
+                    <a:ext uri="{9D8B030D-6E8A-4147-A177-3AD203B41FA5}">
+                      <a16:colId xmlns:a16="http://schemas.microsoft.com/office/drawing/2014/main" val="20001"/>
+                    </a:ext>
+                  </a:extLst>
+                </a:gridCol>
+                <a:gridCol w="1204135">
+                  <a:extLst>
+                    <a:ext uri="{9D8B030D-6E8A-4147-A177-3AD203B41FA5}">
+                      <a16:colId xmlns:a16="http://schemas.microsoft.com/office/drawing/2014/main" val="20003"/>
+                    </a:ext>
+                  </a:extLst>
+                </a:gridCol>
+                <a:gridCol w="1204135">
+                  <a:extLst>
+                    <a:ext uri="{9D8B030D-6E8A-4147-A177-3AD203B41FA5}">
+                      <a16:colId xmlns:a16="http://schemas.microsoft.com/office/drawing/2014/main" val="20004"/>
+                    </a:ext>
+                  </a:extLst>
+                </a:gridCol>
+              </a:tblGrid>
+              <a:tr h="0">
+                <a:tc>
+                  <a:txBody>
+                    <a:bodyPr/>
+                    <a:lstStyle/>
+                    <a:p>
+                      <a:pPr algn="ctr" latinLnBrk="1"/>
+                      <a:r>
+                        <a:rPr lang="ko-KR" altLang="en-US" sz="1600" dirty="0" smtClean="0"/>
+                        <a:t>사원 번호</a:t>
+                      </a:r>
+                      <a:endParaRPr lang="ko-KR" altLang="en-US" sz="1600" dirty="0"/>
+                    </a:p>
+                  </a:txBody>
+                  <a:tcPr anchor="ctr"/>
+                </a:tc>
+                <a:tc>
+                  <a:txBody>
+                    <a:bodyPr/>
+                    <a:lstStyle/>
+                    <a:p>
+                      <a:pPr algn="ctr" latinLnBrk="1"/>
+                      <a:r>
+                        <a:rPr lang="ko-KR" altLang="en-US" sz="1600" dirty="0" smtClean="0"/>
+                        <a:t>사원 이름</a:t>
+                      </a:r>
+                      <a:endParaRPr lang="ko-KR" altLang="en-US" sz="1600" dirty="0"/>
+                    </a:p>
+                  </a:txBody>
+                  <a:tcPr anchor="ctr"/>
+                </a:tc>
+                <a:tc>
+                  <a:txBody>
+                    <a:bodyPr/>
+                    <a:lstStyle/>
+                    <a:p>
+                      <a:pPr algn="ctr" latinLnBrk="1"/>
+                      <a:r>
+                        <a:rPr lang="ko-KR" altLang="en-US" sz="1600" dirty="0" smtClean="0"/>
+                        <a:t>나이</a:t>
+                      </a:r>
+                      <a:endParaRPr lang="ko-KR" altLang="en-US" sz="1600" dirty="0"/>
+                    </a:p>
+                  </a:txBody>
+                  <a:tcPr anchor="ctr"/>
+                </a:tc>
+                <a:tc>
+                  <a:txBody>
+                    <a:bodyPr/>
+                    <a:lstStyle/>
+                    <a:p>
+                      <a:pPr algn="ctr" latinLnBrk="1"/>
+                      <a:r>
+                        <a:rPr lang="ko-KR" altLang="en-US" sz="1600" dirty="0" smtClean="0"/>
+                        <a:t>부서코드</a:t>
+                      </a:r>
+                      <a:endParaRPr lang="ko-KR" altLang="en-US" sz="1600" dirty="0"/>
+                    </a:p>
+                  </a:txBody>
+                  <a:tcPr anchor="ctr"/>
+                </a:tc>
+                <a:extLst>
+                  <a:ext uri="{0D108BD9-81ED-4DB2-BD59-A6C34878D82A}">
+                    <a16:rowId xmlns:a16="http://schemas.microsoft.com/office/drawing/2014/main" val="10000"/>
+                  </a:ext>
+                </a:extLst>
+              </a:tr>
+              <a:tr h="370840">
+                <a:tc>
+                  <a:txBody>
+                    <a:bodyPr/>
+                    <a:lstStyle/>
+                    <a:p>
+                      <a:pPr algn="ctr" latinLnBrk="1"/>
+                      <a:r>
+                        <a:rPr lang="en-US" altLang="ko-KR" sz="1600" dirty="0" smtClean="0"/>
+                        <a:t>501</a:t>
+                      </a:r>
+                      <a:endParaRPr lang="ko-KR" altLang="en-US" sz="1600" dirty="0"/>
+                    </a:p>
+                  </a:txBody>
+                  <a:tcPr anchor="ctr"/>
+                </a:tc>
+                <a:tc>
+                  <a:txBody>
+                    <a:bodyPr/>
+                    <a:lstStyle/>
+                    <a:p>
+                      <a:pPr algn="ctr" latinLnBrk="1"/>
+                      <a:r>
+                        <a:rPr lang="ko-KR" altLang="en-US" sz="1600" dirty="0" err="1" smtClean="0"/>
+                        <a:t>이강</a:t>
+                      </a:r>
+                      <a:endParaRPr lang="ko-KR" altLang="en-US" sz="1600" dirty="0"/>
+                    </a:p>
+                  </a:txBody>
+                  <a:tcPr anchor="ctr"/>
+                </a:tc>
+                <a:tc>
+                  <a:txBody>
+                    <a:bodyPr/>
+                    <a:lstStyle/>
+                    <a:p>
+                      <a:pPr algn="ctr" latinLnBrk="1"/>
+                      <a:r>
+                        <a:rPr lang="en-US" altLang="ko-KR" sz="1600" dirty="0" smtClean="0"/>
+                        <a:t>23</a:t>
+                      </a:r>
+                      <a:endParaRPr lang="ko-KR" altLang="en-US" sz="1600" dirty="0"/>
+                    </a:p>
+                  </a:txBody>
+                  <a:tcPr anchor="ctr"/>
+                </a:tc>
+                <a:tc>
+                  <a:txBody>
+                    <a:bodyPr/>
+                    <a:lstStyle/>
+                    <a:p>
+                      <a:pPr algn="ctr" latinLnBrk="1"/>
+                      <a:r>
+                        <a:rPr lang="en-US" altLang="ko-KR" sz="1600" dirty="0" smtClean="0"/>
+                        <a:t>10</a:t>
+                      </a:r>
+                      <a:endParaRPr lang="ko-KR" altLang="en-US" sz="1600" dirty="0"/>
+                    </a:p>
+                  </a:txBody>
+                  <a:tcPr anchor="ctr"/>
+                </a:tc>
+                <a:extLst>
+                  <a:ext uri="{0D108BD9-81ED-4DB2-BD59-A6C34878D82A}">
+                    <a16:rowId xmlns:a16="http://schemas.microsoft.com/office/drawing/2014/main" val="10001"/>
+                  </a:ext>
+                </a:extLst>
+              </a:tr>
+              <a:tr h="370840">
+                <a:tc>
+                  <a:txBody>
+                    <a:bodyPr/>
+                    <a:lstStyle/>
+                    <a:p>
+                      <a:pPr algn="ctr" latinLnBrk="1"/>
+                      <a:r>
+                        <a:rPr lang="en-US" altLang="ko-KR" sz="1600" dirty="0" smtClean="0"/>
+                        <a:t>502</a:t>
+                      </a:r>
+                      <a:endParaRPr lang="ko-KR" altLang="en-US" sz="1600" dirty="0"/>
+                    </a:p>
+                  </a:txBody>
+                  <a:tcPr anchor="ctr"/>
+                </a:tc>
+                <a:tc>
+                  <a:txBody>
+                    <a:bodyPr/>
+                    <a:lstStyle/>
+                    <a:p>
+                      <a:pPr algn="ctr" latinLnBrk="1"/>
+                      <a:r>
+                        <a:rPr lang="ko-KR" altLang="en-US" sz="1600" dirty="0" err="1" smtClean="0"/>
+                        <a:t>김산</a:t>
+                      </a:r>
+                      <a:endParaRPr lang="ko-KR" altLang="en-US" sz="1600" dirty="0"/>
+                    </a:p>
+                  </a:txBody>
+                  <a:tcPr anchor="ctr"/>
+                </a:tc>
+                <a:tc>
+                  <a:txBody>
+                    <a:bodyPr/>
+                    <a:lstStyle/>
+                    <a:p>
+                      <a:pPr algn="ctr" latinLnBrk="1"/>
+                      <a:r>
+                        <a:rPr lang="en-US" altLang="ko-KR" sz="1600" dirty="0" smtClean="0"/>
+                        <a:t>24</a:t>
+                      </a:r>
+                      <a:endParaRPr lang="ko-KR" altLang="en-US" sz="1600" dirty="0"/>
+                    </a:p>
+                  </a:txBody>
+                  <a:tcPr anchor="ctr"/>
+                </a:tc>
+                <a:tc>
+                  <a:txBody>
+                    <a:bodyPr/>
+                    <a:lstStyle/>
+                    <a:p>
+                      <a:pPr algn="ctr" latinLnBrk="1"/>
+                      <a:r>
+                        <a:rPr lang="en-US" altLang="ko-KR" sz="1600" dirty="0" smtClean="0"/>
+                        <a:t>20</a:t>
+                      </a:r>
+                      <a:endParaRPr lang="ko-KR" altLang="en-US" sz="1600" dirty="0"/>
+                    </a:p>
+                  </a:txBody>
+                  <a:tcPr anchor="ctr"/>
+                </a:tc>
+                <a:extLst>
+                  <a:ext uri="{0D108BD9-81ED-4DB2-BD59-A6C34878D82A}">
+                    <a16:rowId xmlns:a16="http://schemas.microsoft.com/office/drawing/2014/main" val="10002"/>
+                  </a:ext>
+                </a:extLst>
+              </a:tr>
+              <a:tr h="370840">
+                <a:tc>
+                  <a:txBody>
+                    <a:bodyPr/>
+                    <a:lstStyle/>
+                    <a:p>
+                      <a:pPr algn="ctr" latinLnBrk="1"/>
+                      <a:r>
+                        <a:rPr lang="en-US" altLang="ko-KR" sz="1600" dirty="0" smtClean="0"/>
+                        <a:t>503</a:t>
+                      </a:r>
+                      <a:endParaRPr lang="ko-KR" altLang="en-US" sz="1600" dirty="0"/>
+                    </a:p>
+                  </a:txBody>
+                  <a:tcPr anchor="ctr"/>
+                </a:tc>
+                <a:tc>
+                  <a:txBody>
+                    <a:bodyPr/>
+                    <a:lstStyle/>
+                    <a:p>
+                      <a:pPr algn="ctr" latinLnBrk="1"/>
+                      <a:r>
+                        <a:rPr lang="ko-KR" altLang="en-US" sz="1600" dirty="0" smtClean="0"/>
+                        <a:t>남한강</a:t>
+                      </a:r>
+                      <a:endParaRPr lang="ko-KR" altLang="en-US" sz="1600" dirty="0"/>
+                    </a:p>
+                  </a:txBody>
+                  <a:tcPr anchor="ctr"/>
+                </a:tc>
+                <a:tc>
+                  <a:txBody>
+                    <a:bodyPr/>
+                    <a:lstStyle/>
+                    <a:p>
+                      <a:pPr algn="ctr" latinLnBrk="1"/>
+                      <a:r>
+                        <a:rPr lang="en-US" altLang="ko-KR" sz="1600" dirty="0" smtClean="0"/>
+                        <a:t>31</a:t>
+                      </a:r>
+                      <a:endParaRPr lang="ko-KR" altLang="en-US" sz="1600" dirty="0"/>
+                    </a:p>
+                  </a:txBody>
+                  <a:tcPr anchor="ctr"/>
+                </a:tc>
+                <a:tc>
+                  <a:txBody>
+                    <a:bodyPr/>
+                    <a:lstStyle/>
+                    <a:p>
+                      <a:pPr algn="ctr" latinLnBrk="1"/>
+                      <a:r>
+                        <a:rPr lang="en-US" altLang="ko-KR" sz="1600" dirty="0" smtClean="0"/>
+                        <a:t>10</a:t>
+                      </a:r>
+                      <a:endParaRPr lang="ko-KR" altLang="en-US" sz="1600" dirty="0"/>
+                    </a:p>
+                  </a:txBody>
+                  <a:tcPr anchor="ctr"/>
+                </a:tc>
+                <a:extLst>
+                  <a:ext uri="{0D108BD9-81ED-4DB2-BD59-A6C34878D82A}">
+                    <a16:rowId xmlns:a16="http://schemas.microsoft.com/office/drawing/2014/main" val="10003"/>
+                  </a:ext>
+                </a:extLst>
+              </a:tr>
+              <a:tr h="370840">
+                <a:tc>
+                  <a:txBody>
+                    <a:bodyPr/>
+                    <a:lstStyle/>
+                    <a:p>
+                      <a:pPr algn="ctr" latinLnBrk="1"/>
+                      <a:r>
+                        <a:rPr lang="en-US" altLang="ko-KR" sz="1600" dirty="0" smtClean="0"/>
+                        <a:t>504</a:t>
+                      </a:r>
+                      <a:endParaRPr lang="ko-KR" altLang="en-US" sz="1600" dirty="0"/>
+                    </a:p>
+                  </a:txBody>
+                  <a:tcPr anchor="ctr"/>
+                </a:tc>
+                <a:tc>
+                  <a:txBody>
+                    <a:bodyPr/>
+                    <a:lstStyle/>
+                    <a:p>
+                      <a:pPr algn="ctr" latinLnBrk="1"/>
+                      <a:r>
+                        <a:rPr lang="ko-KR" altLang="en-US" sz="1600" dirty="0" smtClean="0"/>
+                        <a:t>북한강</a:t>
+                      </a:r>
+                      <a:endParaRPr lang="ko-KR" altLang="en-US" sz="1600" dirty="0"/>
+                    </a:p>
+                  </a:txBody>
+                  <a:tcPr anchor="ctr"/>
+                </a:tc>
+                <a:tc>
+                  <a:txBody>
+                    <a:bodyPr/>
+                    <a:lstStyle/>
+                    <a:p>
+                      <a:pPr algn="ctr" latinLnBrk="1"/>
+                      <a:r>
+                        <a:rPr lang="en-US" altLang="ko-KR" sz="1600" dirty="0" smtClean="0"/>
+                        <a:t>35</a:t>
+                      </a:r>
+                      <a:endParaRPr lang="ko-KR" altLang="en-US" sz="1600" dirty="0"/>
+                    </a:p>
+                  </a:txBody>
+                  <a:tcPr anchor="ctr"/>
+                </a:tc>
+                <a:tc>
+                  <a:txBody>
+                    <a:bodyPr/>
+                    <a:lstStyle/>
+                    <a:p>
+                      <a:pPr algn="ctr" latinLnBrk="1"/>
+                      <a:r>
+                        <a:rPr lang="en-US" altLang="ko-KR" sz="1600" dirty="0" smtClean="0"/>
+                        <a:t>20</a:t>
+                      </a:r>
+                      <a:endParaRPr lang="ko-KR" altLang="en-US" sz="1600" dirty="0"/>
+                    </a:p>
+                  </a:txBody>
+                  <a:tcPr anchor="ctr"/>
+                </a:tc>
+                <a:extLst>
+                  <a:ext uri="{0D108BD9-81ED-4DB2-BD59-A6C34878D82A}">
+                    <a16:rowId xmlns:a16="http://schemas.microsoft.com/office/drawing/2014/main" val="10004"/>
+                  </a:ext>
+                </a:extLst>
+              </a:tr>
+            </a:tbl>
+          </a:graphicData>
+        </a:graphic>
+      </p:graphicFrame>
+      <p:sp>
+        <p:nvSpPr>
+          <p:cNvPr id="7" name="모서리가 둥근 직사각형 6"/>
+          <p:cNvSpPr/>
+          <p:nvPr/>
+        </p:nvSpPr>
+        <p:spPr>
+          <a:xfrm>
+            <a:off x="5535802" y="4077072"/>
+            <a:ext cx="1080120" cy="2088232"/>
+          </a:xfrm>
+          <a:prstGeom prst="roundRect">
+            <a:avLst/>
+          </a:prstGeom>
+          <a:noFill/>
+          <a:ln w="19050">
+            <a:solidFill>
+              <a:srgbClr val="C00000"/>
+            </a:solidFill>
+          </a:ln>
+        </p:spPr>
+        <p:style>
+          <a:lnRef idx="2">
+            <a:schemeClr val="accent1">
+              <a:shade val="50000"/>
+            </a:schemeClr>
+          </a:lnRef>
+          <a:fillRef idx="1">
+            <a:schemeClr val="accent1"/>
+          </a:fillRef>
+          <a:effectRef idx="0">
+            <a:schemeClr val="accent1"/>
+          </a:effectRef>
+          <a:fontRef idx="minor">
+            <a:schemeClr val="lt1"/>
+          </a:fontRef>
+        </p:style>
+        <p:txBody>
+          <a:bodyPr rtlCol="0" anchor="ctr"/>
+          <a:lstStyle/>
+          <a:p>
+            <a:pPr algn="ctr"/>
+            <a:endParaRPr lang="ko-KR" altLang="en-US"/>
+          </a:p>
+        </p:txBody>
+      </p:sp>
+      <p:sp>
+        <p:nvSpPr>
+          <p:cNvPr id="11" name="모서리가 둥근 직사각형 10"/>
+          <p:cNvSpPr/>
+          <p:nvPr/>
+        </p:nvSpPr>
+        <p:spPr>
+          <a:xfrm>
+            <a:off x="2062797" y="4150464"/>
+            <a:ext cx="1080120" cy="1872208"/>
+          </a:xfrm>
+          <a:prstGeom prst="roundRect">
+            <a:avLst/>
+          </a:prstGeom>
+          <a:noFill/>
+          <a:ln w="19050">
+            <a:solidFill>
+              <a:srgbClr val="C00000"/>
+            </a:solidFill>
+          </a:ln>
+        </p:spPr>
+        <p:style>
+          <a:lnRef idx="2">
+            <a:schemeClr val="accent1">
+              <a:shade val="50000"/>
+            </a:schemeClr>
+          </a:lnRef>
+          <a:fillRef idx="1">
+            <a:schemeClr val="accent1"/>
+          </a:fillRef>
+          <a:effectRef idx="0">
+            <a:schemeClr val="accent1"/>
+          </a:effectRef>
+          <a:fontRef idx="minor">
+            <a:schemeClr val="lt1"/>
+          </a:fontRef>
+        </p:style>
+        <p:txBody>
+          <a:bodyPr rtlCol="0" anchor="ctr"/>
+          <a:lstStyle/>
+          <a:p>
+            <a:pPr algn="ctr"/>
+            <a:endParaRPr lang="ko-KR" altLang="en-US"/>
+          </a:p>
+        </p:txBody>
+      </p:sp>
+      <p:graphicFrame>
+        <p:nvGraphicFramePr>
+          <p:cNvPr id="16" name="내용 개체 틀 4"/>
+          <p:cNvGraphicFramePr>
+            <a:graphicFrameLocks/>
+          </p:cNvGraphicFramePr>
+          <p:nvPr>
+            <p:extLst/>
+          </p:nvPr>
+        </p:nvGraphicFramePr>
+        <p:xfrm>
+          <a:off x="2234507" y="2276873"/>
+          <a:ext cx="3511776" cy="1224137"/>
+        </p:xfrm>
+        <a:graphic>
+          <a:graphicData uri="http://schemas.openxmlformats.org/drawingml/2006/table">
+            <a:tbl>
+              <a:tblPr firstRow="1">
+                <a:tableStyleId>{5C22544A-7EE6-4342-B048-85BDC9FD1C3A}</a:tableStyleId>
+              </a:tblPr>
+              <a:tblGrid>
+                <a:gridCol w="1225038">
+                  <a:extLst>
+                    <a:ext uri="{9D8B030D-6E8A-4147-A177-3AD203B41FA5}">
+                      <a16:colId xmlns:a16="http://schemas.microsoft.com/office/drawing/2014/main" val="20000"/>
+                    </a:ext>
+                  </a:extLst>
+                </a:gridCol>
+                <a:gridCol w="1143369">
+                  <a:extLst>
+                    <a:ext uri="{9D8B030D-6E8A-4147-A177-3AD203B41FA5}">
+                      <a16:colId xmlns:a16="http://schemas.microsoft.com/office/drawing/2014/main" val="20001"/>
+                    </a:ext>
+                  </a:extLst>
+                </a:gridCol>
+                <a:gridCol w="1143369">
+                  <a:extLst>
+                    <a:ext uri="{9D8B030D-6E8A-4147-A177-3AD203B41FA5}">
+                      <a16:colId xmlns:a16="http://schemas.microsoft.com/office/drawing/2014/main" val="20002"/>
+                    </a:ext>
+                  </a:extLst>
+                </a:gridCol>
+              </a:tblGrid>
+              <a:tr h="381099">
+                <a:tc>
+                  <a:txBody>
+                    <a:bodyPr/>
+                    <a:lstStyle/>
+                    <a:p>
+                      <a:pPr algn="ctr" latinLnBrk="1"/>
+                      <a:r>
+                        <a:rPr lang="ko-KR" altLang="en-US" sz="1600" dirty="0" smtClean="0"/>
+                        <a:t>부서 코드</a:t>
+                      </a:r>
+                      <a:endParaRPr lang="ko-KR" altLang="en-US" sz="1600" dirty="0"/>
+                    </a:p>
+                  </a:txBody>
+                  <a:tcPr anchor="ctr"/>
+                </a:tc>
+                <a:tc>
+                  <a:txBody>
+                    <a:bodyPr/>
+                    <a:lstStyle/>
+                    <a:p>
+                      <a:pPr algn="ctr" latinLnBrk="1"/>
+                      <a:r>
+                        <a:rPr lang="ko-KR" altLang="en-US" sz="1600" dirty="0" smtClean="0"/>
+                        <a:t>부서 이름</a:t>
+                      </a:r>
+                      <a:endParaRPr lang="ko-KR" altLang="en-US" sz="1600" dirty="0"/>
+                    </a:p>
+                  </a:txBody>
+                  <a:tcPr anchor="ctr"/>
+                </a:tc>
+                <a:tc>
+                  <a:txBody>
+                    <a:bodyPr/>
+                    <a:lstStyle/>
+                    <a:p>
+                      <a:pPr algn="ctr" latinLnBrk="1"/>
+                      <a:r>
+                        <a:rPr lang="ko-KR" altLang="en-US" sz="1600" dirty="0" smtClean="0"/>
+                        <a:t>위치</a:t>
+                      </a:r>
+                      <a:endParaRPr lang="ko-KR" altLang="en-US" sz="1600" dirty="0"/>
+                    </a:p>
+                  </a:txBody>
+                  <a:tcPr anchor="ctr"/>
+                </a:tc>
+                <a:extLst>
+                  <a:ext uri="{0D108BD9-81ED-4DB2-BD59-A6C34878D82A}">
+                    <a16:rowId xmlns:a16="http://schemas.microsoft.com/office/drawing/2014/main" val="10000"/>
+                  </a:ext>
+                </a:extLst>
+              </a:tr>
+              <a:tr h="421519">
+                <a:tc>
+                  <a:txBody>
+                    <a:bodyPr/>
+                    <a:lstStyle/>
+                    <a:p>
+                      <a:pPr algn="ctr" latinLnBrk="1"/>
+                      <a:r>
+                        <a:rPr lang="en-US" altLang="ko-KR" sz="1600" dirty="0" smtClean="0"/>
+                        <a:t>10</a:t>
+                      </a:r>
+                      <a:endParaRPr lang="ko-KR" altLang="en-US" sz="1600" dirty="0"/>
+                    </a:p>
+                  </a:txBody>
+                  <a:tcPr anchor="ctr"/>
+                </a:tc>
+                <a:tc>
+                  <a:txBody>
+                    <a:bodyPr/>
+                    <a:lstStyle/>
+                    <a:p>
+                      <a:pPr algn="ctr" latinLnBrk="1"/>
+                      <a:r>
+                        <a:rPr lang="ko-KR" altLang="en-US" sz="1600" dirty="0" err="1" smtClean="0"/>
+                        <a:t>전산팀</a:t>
+                      </a:r>
+                      <a:endParaRPr lang="ko-KR" altLang="en-US" sz="1600" dirty="0"/>
+                    </a:p>
+                  </a:txBody>
+                  <a:tcPr anchor="ctr"/>
+                </a:tc>
+                <a:tc>
+                  <a:txBody>
+                    <a:bodyPr/>
+                    <a:lstStyle/>
+                    <a:p>
+                      <a:pPr algn="ctr" latinLnBrk="1"/>
+                      <a:r>
+                        <a:rPr lang="ko-KR" altLang="en-US" sz="1600" dirty="0" smtClean="0"/>
+                        <a:t>서울</a:t>
+                      </a:r>
+                      <a:endParaRPr lang="ko-KR" altLang="en-US" sz="1600" dirty="0"/>
+                    </a:p>
+                  </a:txBody>
+                  <a:tcPr anchor="ctr"/>
+                </a:tc>
+                <a:extLst>
+                  <a:ext uri="{0D108BD9-81ED-4DB2-BD59-A6C34878D82A}">
+                    <a16:rowId xmlns:a16="http://schemas.microsoft.com/office/drawing/2014/main" val="10001"/>
+                  </a:ext>
+                </a:extLst>
+              </a:tr>
+              <a:tr h="421519">
+                <a:tc>
+                  <a:txBody>
+                    <a:bodyPr/>
+                    <a:lstStyle/>
+                    <a:p>
+                      <a:pPr algn="ctr" latinLnBrk="1"/>
+                      <a:r>
+                        <a:rPr lang="en-US" altLang="ko-KR" sz="1600" dirty="0" smtClean="0"/>
+                        <a:t>20</a:t>
+                      </a:r>
+                      <a:endParaRPr lang="ko-KR" altLang="en-US" sz="1600" dirty="0"/>
+                    </a:p>
+                  </a:txBody>
+                  <a:tcPr anchor="ctr"/>
+                </a:tc>
+                <a:tc>
+                  <a:txBody>
+                    <a:bodyPr/>
+                    <a:lstStyle/>
+                    <a:p>
+                      <a:pPr algn="ctr" latinLnBrk="1"/>
+                      <a:r>
+                        <a:rPr lang="ko-KR" altLang="en-US" sz="1600" dirty="0" err="1" smtClean="0"/>
+                        <a:t>총무팀</a:t>
+                      </a:r>
+                      <a:endParaRPr lang="ko-KR" altLang="en-US" sz="1600" dirty="0"/>
+                    </a:p>
+                  </a:txBody>
+                  <a:tcPr anchor="ctr"/>
+                </a:tc>
+                <a:tc>
+                  <a:txBody>
+                    <a:bodyPr/>
+                    <a:lstStyle/>
+                    <a:p>
+                      <a:pPr algn="ctr" latinLnBrk="1"/>
+                      <a:r>
+                        <a:rPr lang="ko-KR" altLang="en-US" sz="1600" dirty="0" smtClean="0"/>
+                        <a:t>인천</a:t>
+                      </a:r>
+                      <a:endParaRPr lang="ko-KR" altLang="en-US" sz="1600" dirty="0"/>
+                    </a:p>
+                  </a:txBody>
+                  <a:tcPr anchor="ctr"/>
+                </a:tc>
+                <a:extLst>
+                  <a:ext uri="{0D108BD9-81ED-4DB2-BD59-A6C34878D82A}">
+                    <a16:rowId xmlns:a16="http://schemas.microsoft.com/office/drawing/2014/main" val="10002"/>
+                  </a:ext>
+                </a:extLst>
+              </a:tr>
+            </a:tbl>
+          </a:graphicData>
+        </a:graphic>
+      </p:graphicFrame>
+      <p:sp>
+        <p:nvSpPr>
+          <p:cNvPr id="17" name="모서리가 둥근 직사각형 16"/>
+          <p:cNvSpPr/>
+          <p:nvPr/>
+        </p:nvSpPr>
+        <p:spPr>
+          <a:xfrm>
+            <a:off x="2198636" y="2204864"/>
+            <a:ext cx="1152128" cy="1512168"/>
+          </a:xfrm>
+          <a:prstGeom prst="roundRect">
+            <a:avLst/>
+          </a:prstGeom>
+          <a:noFill/>
+          <a:ln w="19050">
+            <a:solidFill>
+              <a:srgbClr val="C00000"/>
+            </a:solidFill>
+          </a:ln>
+        </p:spPr>
+        <p:style>
+          <a:lnRef idx="2">
+            <a:schemeClr val="accent1">
+              <a:shade val="50000"/>
+            </a:schemeClr>
+          </a:lnRef>
+          <a:fillRef idx="1">
+            <a:schemeClr val="accent1"/>
+          </a:fillRef>
+          <a:effectRef idx="0">
+            <a:schemeClr val="accent1"/>
+          </a:effectRef>
+          <a:fontRef idx="minor">
+            <a:schemeClr val="lt1"/>
+          </a:fontRef>
+        </p:style>
+        <p:txBody>
+          <a:bodyPr rtlCol="0" anchor="ctr"/>
+          <a:lstStyle/>
+          <a:p>
+            <a:pPr algn="ctr"/>
+            <a:endParaRPr lang="ko-KR" altLang="en-US"/>
+          </a:p>
+        </p:txBody>
+      </p:sp>
+      <p:sp>
+        <p:nvSpPr>
+          <p:cNvPr id="18" name="모서리가 둥근 직사각형 17"/>
+          <p:cNvSpPr/>
+          <p:nvPr/>
+        </p:nvSpPr>
+        <p:spPr>
+          <a:xfrm>
+            <a:off x="6466367" y="4689140"/>
+            <a:ext cx="1008109" cy="432048"/>
+          </a:xfrm>
+          <a:prstGeom prst="roundRect">
+            <a:avLst/>
+          </a:prstGeom>
+          <a:ln w="19050"/>
+        </p:spPr>
+        <p:style>
+          <a:lnRef idx="2">
+            <a:schemeClr val="dk1"/>
+          </a:lnRef>
+          <a:fillRef idx="1">
+            <a:schemeClr val="lt1"/>
+          </a:fillRef>
+          <a:effectRef idx="0">
+            <a:schemeClr val="dk1"/>
+          </a:effectRef>
+          <a:fontRef idx="minor">
+            <a:schemeClr val="dk1"/>
+          </a:fontRef>
+        </p:style>
+        <p:txBody>
+          <a:bodyPr rtlCol="0" anchor="ctr"/>
+          <a:lstStyle/>
+          <a:p>
+            <a:pPr algn="ctr"/>
+            <a:r>
+              <a:rPr lang="ko-KR" altLang="en-US" sz="1600" dirty="0" err="1" smtClean="0">
+                <a:solidFill>
+                  <a:schemeClr val="tx1"/>
+                </a:solidFill>
+              </a:rPr>
+              <a:t>외래키</a:t>
+            </a:r>
+            <a:endParaRPr lang="ko-KR" altLang="en-US" sz="1600" dirty="0">
+              <a:solidFill>
+                <a:schemeClr val="tx1"/>
+              </a:solidFill>
+            </a:endParaRPr>
+          </a:p>
+        </p:txBody>
+      </p:sp>
+      <p:sp>
+        <p:nvSpPr>
+          <p:cNvPr id="13" name="모서리가 둥근 직사각형 12"/>
+          <p:cNvSpPr/>
+          <p:nvPr/>
+        </p:nvSpPr>
+        <p:spPr>
+          <a:xfrm>
+            <a:off x="1406417" y="2758616"/>
+            <a:ext cx="1008109" cy="432048"/>
+          </a:xfrm>
+          <a:prstGeom prst="roundRect">
+            <a:avLst/>
+          </a:prstGeom>
+          <a:ln w="19050"/>
+        </p:spPr>
+        <p:style>
+          <a:lnRef idx="2">
+            <a:schemeClr val="dk1"/>
+          </a:lnRef>
+          <a:fillRef idx="1">
+            <a:schemeClr val="lt1"/>
+          </a:fillRef>
+          <a:effectRef idx="0">
+            <a:schemeClr val="dk1"/>
+          </a:effectRef>
+          <a:fontRef idx="minor">
+            <a:schemeClr val="dk1"/>
+          </a:fontRef>
+        </p:style>
+        <p:txBody>
+          <a:bodyPr rtlCol="0" anchor="ctr"/>
+          <a:lstStyle/>
+          <a:p>
+            <a:pPr algn="ctr"/>
+            <a:r>
+              <a:rPr lang="ko-KR" altLang="en-US" sz="1600" smtClean="0">
+                <a:solidFill>
+                  <a:schemeClr val="tx1"/>
+                </a:solidFill>
+              </a:rPr>
+              <a:t>기본키</a:t>
+            </a:r>
+            <a:endParaRPr lang="ko-KR" altLang="en-US" sz="1600" dirty="0">
+              <a:solidFill>
+                <a:schemeClr val="tx1"/>
+              </a:solidFill>
+            </a:endParaRPr>
+          </a:p>
+        </p:txBody>
+      </p:sp>
+      <p:sp>
+        <p:nvSpPr>
+          <p:cNvPr id="19" name="모서리가 둥근 직사각형 18"/>
+          <p:cNvSpPr/>
+          <p:nvPr/>
+        </p:nvSpPr>
+        <p:spPr>
+          <a:xfrm>
+            <a:off x="1281791" y="4857120"/>
+            <a:ext cx="1008109" cy="432048"/>
+          </a:xfrm>
+          <a:prstGeom prst="roundRect">
+            <a:avLst/>
+          </a:prstGeom>
+          <a:ln w="19050"/>
+        </p:spPr>
+        <p:style>
+          <a:lnRef idx="2">
+            <a:schemeClr val="dk1"/>
+          </a:lnRef>
+          <a:fillRef idx="1">
+            <a:schemeClr val="lt1"/>
+          </a:fillRef>
+          <a:effectRef idx="0">
+            <a:schemeClr val="dk1"/>
+          </a:effectRef>
+          <a:fontRef idx="minor">
+            <a:schemeClr val="dk1"/>
+          </a:fontRef>
+        </p:style>
+        <p:txBody>
+          <a:bodyPr rtlCol="0" anchor="ctr"/>
+          <a:lstStyle/>
+          <a:p>
+            <a:pPr algn="ctr"/>
+            <a:r>
+              <a:rPr lang="ko-KR" altLang="en-US" sz="1600" smtClean="0">
+                <a:solidFill>
+                  <a:schemeClr val="tx1"/>
+                </a:solidFill>
+              </a:rPr>
+              <a:t>기본키</a:t>
+            </a:r>
+            <a:endParaRPr lang="ko-KR" altLang="en-US" sz="1600" dirty="0">
+              <a:solidFill>
+                <a:schemeClr val="tx1"/>
+              </a:solidFill>
+            </a:endParaRPr>
+          </a:p>
+        </p:txBody>
+      </p:sp>
+      <p:cxnSp>
+        <p:nvCxnSpPr>
+          <p:cNvPr id="20" name="꺾인 연결선 19"/>
+          <p:cNvCxnSpPr>
+            <a:stCxn id="17" idx="2"/>
+            <a:endCxn id="7" idx="0"/>
+          </p:cNvCxnSpPr>
+          <p:nvPr/>
+        </p:nvCxnSpPr>
+        <p:spPr>
+          <a:xfrm rot="16200000" flipH="1">
+            <a:off x="4245261" y="2246472"/>
+            <a:ext cx="360040" cy="3301161"/>
+          </a:xfrm>
+          <a:prstGeom prst="bentConnector3">
+            <a:avLst/>
+          </a:prstGeom>
+          <a:ln w="19050">
+            <a:solidFill>
+              <a:srgbClr val="C00000"/>
+            </a:solidFill>
+            <a:headEnd type="oval" w="med" len="med"/>
+            <a:tailEnd type="oval" w="med" len="med"/>
+          </a:ln>
+        </p:spPr>
+        <p:style>
+          <a:lnRef idx="1">
+            <a:schemeClr val="accent1"/>
+          </a:lnRef>
+          <a:fillRef idx="0">
+            <a:schemeClr val="accent1"/>
+          </a:fillRef>
+          <a:effectRef idx="0">
+            <a:schemeClr val="accent1"/>
+          </a:effectRef>
+          <a:fontRef idx="minor">
+            <a:schemeClr val="tx1"/>
+          </a:fontRef>
+        </p:style>
+      </p:cxnSp>
+    </p:spTree>
+    <p:extLst>
+      <p:ext uri="{BB962C8B-B14F-4D97-AF65-F5344CB8AC3E}">
+        <p14:creationId xmlns:p14="http://schemas.microsoft.com/office/powerpoint/2010/main" val="745569405"/>
+      </p:ext>
+    </p:extLst>
+  </p:cSld>
+  <p:clrMapOvr>
+    <a:masterClrMapping/>
+  </p:clrMapOvr>
+  <p:timing>
+    <p:tnLst>
+      <p:par>
+        <p:cTn id="1" dur="indefinite" restart="never" nodeType="tmRoot"/>
+      </p:par>
+    </p:tnLst>
+  </p:timing>
+</p:sld>
+</file>
+
+<file path=ppt/slides/slide34.xml><?xml version="1.0" encoding="utf-8"?>
+<p:sld xmlns:a="http://schemas.openxmlformats.org/drawingml/2006/main" xmlns:r="http://schemas.openxmlformats.org/officeDocument/2006/relationships" xmlns:p="http://schemas.openxmlformats.org/presentationml/2006/main">
+  <p:cSld>
+    <p:spTree>
+      <p:nvGrpSpPr>
+        <p:cNvPr id="1" name=""/>
+        <p:cNvGrpSpPr/>
+        <p:nvPr/>
+      </p:nvGrpSpPr>
+      <p:grpSpPr>
+        <a:xfrm>
+          <a:off x="0" y="0"/>
+          <a:ext cx="0" cy="0"/>
+          <a:chOff x="0" y="0"/>
+          <a:chExt cx="0" cy="0"/>
+        </a:xfrm>
+      </p:grpSpPr>
+      <p:sp>
+        <p:nvSpPr>
+          <p:cNvPr id="2" name="제목 1"/>
+          <p:cNvSpPr>
+            <a:spLocks noGrp="1"/>
+          </p:cNvSpPr>
+          <p:nvPr>
+            <p:ph type="title"/>
+          </p:nvPr>
+        </p:nvSpPr>
+        <p:spPr/>
+        <p:txBody>
+          <a:bodyPr/>
+          <a:lstStyle/>
+          <a:p>
+            <a:r>
+              <a:rPr lang="en-US" altLang="ko-KR" dirty="0" smtClean="0"/>
+              <a:t> </a:t>
+            </a:r>
+            <a:r>
+              <a:rPr lang="ko-KR" altLang="en-US" dirty="0"/>
+              <a:t>관계</a:t>
+            </a:r>
+            <a:r>
+              <a:rPr lang="en-US" altLang="ko-KR" dirty="0"/>
+              <a:t>(</a:t>
+            </a:r>
+            <a:r>
+              <a:rPr lang="en-US" altLang="ko-KR" dirty="0" err="1"/>
+              <a:t>Releation</a:t>
+            </a:r>
+            <a:r>
+              <a:rPr lang="en-US" altLang="ko-KR" dirty="0" smtClean="0"/>
+              <a:t>) - </a:t>
+            </a:r>
+            <a:r>
+              <a:rPr lang="ko-KR" altLang="en-US" dirty="0" err="1" smtClean="0"/>
+              <a:t>외래키</a:t>
+            </a:r>
+            <a:endParaRPr lang="ko-KR" altLang="en-US" dirty="0"/>
+          </a:p>
+        </p:txBody>
+      </p:sp>
+      <p:sp>
+        <p:nvSpPr>
+          <p:cNvPr id="4" name="슬라이드 번호 개체 틀 3"/>
+          <p:cNvSpPr>
+            <a:spLocks noGrp="1"/>
+          </p:cNvSpPr>
+          <p:nvPr>
+            <p:ph type="sldNum" sz="quarter" idx="12"/>
+          </p:nvPr>
+        </p:nvSpPr>
+        <p:spPr/>
+        <p:txBody>
+          <a:bodyPr/>
+          <a:lstStyle/>
+          <a:p>
+            <a:fld id="{1BDE3FE7-3AEA-4B05-AC5A-802D1816ACF0}" type="slidenum">
+              <a:rPr lang="ko-KR" altLang="en-US" smtClean="0"/>
+              <a:t>34</a:t>
+            </a:fld>
+            <a:endParaRPr lang="ko-KR" altLang="en-US"/>
+          </a:p>
+        </p:txBody>
+      </p:sp>
+      <p:sp>
+        <p:nvSpPr>
+          <p:cNvPr id="6" name="TextBox 5"/>
+          <p:cNvSpPr txBox="1"/>
+          <p:nvPr/>
+        </p:nvSpPr>
+        <p:spPr>
+          <a:xfrm>
+            <a:off x="1043608" y="1124744"/>
+            <a:ext cx="5854805" cy="1015663"/>
+          </a:xfrm>
+          <a:prstGeom prst="rect">
+            <a:avLst/>
+          </a:prstGeom>
+          <a:noFill/>
+        </p:spPr>
+        <p:txBody>
+          <a:bodyPr wrap="square" rtlCol="0">
+            <a:spAutoFit/>
+          </a:bodyPr>
+          <a:lstStyle/>
+          <a:p>
+            <a:r>
+              <a:rPr lang="ko-KR" altLang="en-US" sz="2000" b="1" dirty="0" smtClean="0"/>
+              <a:t>부</a:t>
+            </a:r>
+            <a:r>
+              <a:rPr lang="ko-KR" altLang="en-US" sz="2000" b="1" dirty="0"/>
+              <a:t>서</a:t>
+            </a:r>
+            <a:r>
+              <a:rPr lang="ko-KR" altLang="en-US" sz="2000" b="1" dirty="0" smtClean="0"/>
+              <a:t>와 직원 테이블 생성</a:t>
+            </a:r>
+            <a:endParaRPr lang="en-US" altLang="ko-KR" sz="2000" b="1" dirty="0"/>
+          </a:p>
+          <a:p>
+            <a:endParaRPr lang="en-US" altLang="ko-KR" sz="2000" b="1" dirty="0" smtClean="0"/>
+          </a:p>
+          <a:p>
+            <a:r>
+              <a:rPr lang="ko-KR" altLang="en-US" sz="2000" b="1" dirty="0" smtClean="0"/>
+              <a:t> </a:t>
+            </a:r>
+            <a:r>
+              <a:rPr lang="en-US" altLang="ko-KR" b="1" dirty="0" smtClean="0"/>
+              <a:t>- </a:t>
+            </a:r>
+            <a:r>
+              <a:rPr lang="ko-KR" altLang="en-US" b="1" dirty="0" smtClean="0"/>
+              <a:t>사원</a:t>
+            </a:r>
+            <a:r>
+              <a:rPr lang="en-US" altLang="ko-KR" b="1" dirty="0" smtClean="0"/>
+              <a:t>(employee)</a:t>
+            </a:r>
+            <a:r>
+              <a:rPr lang="ko-KR" altLang="en-US" b="1" dirty="0" smtClean="0"/>
+              <a:t> 테이블에 </a:t>
+            </a:r>
+            <a:r>
+              <a:rPr lang="en-US" altLang="ko-KR" b="1" dirty="0" smtClean="0"/>
+              <a:t>Foreign Key </a:t>
+            </a:r>
+            <a:r>
+              <a:rPr lang="ko-KR" altLang="en-US" b="1" dirty="0" smtClean="0"/>
+              <a:t>설정</a:t>
+            </a:r>
+            <a:endParaRPr lang="ko-KR" altLang="en-US" b="1" dirty="0"/>
+          </a:p>
+        </p:txBody>
+      </p:sp>
+      <p:pic>
+        <p:nvPicPr>
+          <p:cNvPr id="7" name="그림 6"/>
+          <p:cNvPicPr>
+            <a:picLocks noChangeAspect="1"/>
+          </p:cNvPicPr>
+          <p:nvPr/>
+        </p:nvPicPr>
+        <p:blipFill>
+          <a:blip r:embed="rId2">
+            <a:extLst>
+              <a:ext uri="{28A0092B-C50C-407E-A947-70E740481C1C}">
+                <a14:useLocalDpi xmlns:a14="http://schemas.microsoft.com/office/drawing/2010/main" val="0"/>
+              </a:ext>
+            </a:extLst>
+          </a:blip>
+          <a:stretch>
+            <a:fillRect/>
+          </a:stretch>
+        </p:blipFill>
+        <p:spPr>
+          <a:xfrm>
+            <a:off x="1312252" y="2335493"/>
+            <a:ext cx="6965284" cy="3734124"/>
+          </a:xfrm>
+          <a:prstGeom prst="rect">
+            <a:avLst/>
+          </a:prstGeom>
+          <a:ln>
+            <a:solidFill>
+              <a:schemeClr val="bg1">
+                <a:lumMod val="85000"/>
+              </a:schemeClr>
+            </a:solidFill>
+          </a:ln>
+        </p:spPr>
+      </p:pic>
+      <p:sp>
+        <p:nvSpPr>
+          <p:cNvPr id="10" name="모서리가 둥근 직사각형 9"/>
+          <p:cNvSpPr/>
+          <p:nvPr/>
+        </p:nvSpPr>
+        <p:spPr>
+          <a:xfrm>
+            <a:off x="1619672" y="5517231"/>
+            <a:ext cx="6860147" cy="394025"/>
+          </a:xfrm>
+          <a:prstGeom prst="roundRect">
+            <a:avLst/>
+          </a:prstGeom>
+          <a:noFill/>
+          <a:ln w="28575">
+            <a:solidFill>
+              <a:srgbClr val="C00000"/>
+            </a:solidFill>
+            <a:prstDash val="sysDash"/>
+          </a:ln>
+        </p:spPr>
+        <p:style>
+          <a:lnRef idx="2">
+            <a:schemeClr val="accent1">
+              <a:shade val="50000"/>
+            </a:schemeClr>
+          </a:lnRef>
+          <a:fillRef idx="1">
+            <a:schemeClr val="accent1"/>
+          </a:fillRef>
+          <a:effectRef idx="0">
+            <a:schemeClr val="accent1"/>
+          </a:effectRef>
+          <a:fontRef idx="minor">
+            <a:schemeClr val="lt1"/>
+          </a:fontRef>
+        </p:style>
+        <p:txBody>
+          <a:bodyPr rtlCol="0" anchor="ctr"/>
+          <a:lstStyle/>
+          <a:p>
+            <a:pPr algn="ctr"/>
+            <a:endParaRPr lang="ko-KR" altLang="en-US" sz="1400"/>
+          </a:p>
+        </p:txBody>
+      </p:sp>
+    </p:spTree>
+    <p:extLst>
+      <p:ext uri="{BB962C8B-B14F-4D97-AF65-F5344CB8AC3E}">
+        <p14:creationId xmlns:p14="http://schemas.microsoft.com/office/powerpoint/2010/main" val="3501762922"/>
+      </p:ext>
+    </p:extLst>
+  </p:cSld>
+  <p:clrMapOvr>
+    <a:masterClrMapping/>
+  </p:clrMapOvr>
+  <p:timing>
+    <p:tnLst>
+      <p:par>
+        <p:cTn id="1" dur="indefinite" restart="never" nodeType="tmRoot">
+          <p:childTnLst>
+            <p:seq concurrent="1" nextAc="seek">
+              <p:cTn id="2" dur="indefinite" nodeType="mainSeq">
+                <p:childTnLst>
+                  <p:par>
+                    <p:cTn id="3" fill="hold">
+                      <p:stCondLst>
+                        <p:cond delay="indefinite"/>
+                      </p:stCondLst>
+                      <p:childTnLst>
+                        <p:par>
+                          <p:cTn id="4" fill="hold">
+                            <p:stCondLst>
+                              <p:cond delay="0"/>
+                            </p:stCondLst>
+                            <p:childTnLst>
+                              <p:par>
+                                <p:cTn id="5" presetID="32" presetClass="emph" presetSubtype="0" fill="hold" grpId="0" nodeType="clickEffect">
+                                  <p:stCondLst>
+                                    <p:cond delay="0"/>
+                                  </p:stCondLst>
+                                  <p:childTnLst>
+                                    <p:animRot by="120000">
+                                      <p:cBhvr>
+                                        <p:cTn id="6" dur="100" fill="hold">
+                                          <p:stCondLst>
+                                            <p:cond delay="0"/>
+                                          </p:stCondLst>
+                                        </p:cTn>
+                                        <p:tgtEl>
+                                          <p:spTgt spid="10"/>
+                                        </p:tgtEl>
+                                        <p:attrNameLst>
+                                          <p:attrName>r</p:attrName>
+                                        </p:attrNameLst>
+                                      </p:cBhvr>
+                                    </p:animRot>
+                                    <p:animRot by="-240000">
+                                      <p:cBhvr>
+                                        <p:cTn id="7" dur="200" fill="hold">
+                                          <p:stCondLst>
+                                            <p:cond delay="200"/>
+                                          </p:stCondLst>
+                                        </p:cTn>
+                                        <p:tgtEl>
+                                          <p:spTgt spid="10"/>
+                                        </p:tgtEl>
+                                        <p:attrNameLst>
+                                          <p:attrName>r</p:attrName>
+                                        </p:attrNameLst>
+                                      </p:cBhvr>
+                                    </p:animRot>
+                                    <p:animRot by="240000">
+                                      <p:cBhvr>
+                                        <p:cTn id="8" dur="200" fill="hold">
+                                          <p:stCondLst>
+                                            <p:cond delay="400"/>
+                                          </p:stCondLst>
+                                        </p:cTn>
+                                        <p:tgtEl>
+                                          <p:spTgt spid="10"/>
+                                        </p:tgtEl>
+                                        <p:attrNameLst>
+                                          <p:attrName>r</p:attrName>
+                                        </p:attrNameLst>
+                                      </p:cBhvr>
+                                    </p:animRot>
+                                    <p:animRot by="-240000">
+                                      <p:cBhvr>
+                                        <p:cTn id="9" dur="200" fill="hold">
+                                          <p:stCondLst>
+                                            <p:cond delay="600"/>
+                                          </p:stCondLst>
+                                        </p:cTn>
+                                        <p:tgtEl>
+                                          <p:spTgt spid="10"/>
+                                        </p:tgtEl>
+                                        <p:attrNameLst>
+                                          <p:attrName>r</p:attrName>
+                                        </p:attrNameLst>
+                                      </p:cBhvr>
+                                    </p:animRot>
+                                    <p:animRot by="120000">
+                                      <p:cBhvr>
+                                        <p:cTn id="10" dur="200" fill="hold">
+                                          <p:stCondLst>
+                                            <p:cond delay="800"/>
+                                          </p:stCondLst>
+                                        </p:cTn>
+                                        <p:tgtEl>
+                                          <p:spTgt spid="10"/>
+                                        </p:tgtEl>
+                                        <p:attrNameLst>
+                                          <p:attrName>r</p:attrName>
+                                        </p:attrNameLst>
+                                      </p:cBhvr>
+                                    </p:animRot>
+                                  </p:childTnLst>
+                                </p:cTn>
+                              </p:par>
+                            </p:childTnLst>
+                          </p:cTn>
+                        </p:par>
+                      </p:childTnLst>
+                    </p:cTn>
+                  </p:par>
+                </p:childTnLst>
+              </p:cTn>
+              <p:prevCondLst>
+                <p:cond evt="onPrev" delay="0">
+                  <p:tgtEl>
+                    <p:sldTgt/>
+                  </p:tgtEl>
+                </p:cond>
+              </p:prevCondLst>
+              <p:nextCondLst>
+                <p:cond evt="onNext" delay="0">
+                  <p:tgtEl>
+                    <p:sldTgt/>
+                  </p:tgtEl>
+                </p:cond>
+              </p:nextCondLst>
+            </p:seq>
+          </p:childTnLst>
+        </p:cTn>
+      </p:par>
+    </p:tnLst>
+    <p:bldLst>
+      <p:bldP spid="10" grpId="0" animBg="1"/>
+    </p:bldLst>
+  </p:timing>
+</p:sld>
+</file>
+
+<file path=ppt/slides/slide35.xml><?xml version="1.0" encoding="utf-8"?>
+<p:sld xmlns:a="http://schemas.openxmlformats.org/drawingml/2006/main" xmlns:r="http://schemas.openxmlformats.org/officeDocument/2006/relationships" xmlns:p="http://schemas.openxmlformats.org/presentationml/2006/main">
+  <p:cSld>
+    <p:spTree>
+      <p:nvGrpSpPr>
+        <p:cNvPr id="1" name=""/>
+        <p:cNvGrpSpPr/>
+        <p:nvPr/>
+      </p:nvGrpSpPr>
+      <p:grpSpPr>
+        <a:xfrm>
+          <a:off x="0" y="0"/>
+          <a:ext cx="0" cy="0"/>
+          <a:chOff x="0" y="0"/>
+          <a:chExt cx="0" cy="0"/>
+        </a:xfrm>
+      </p:grpSpPr>
+      <p:sp>
+        <p:nvSpPr>
+          <p:cNvPr id="2" name="제목 1"/>
+          <p:cNvSpPr>
+            <a:spLocks noGrp="1"/>
+          </p:cNvSpPr>
+          <p:nvPr>
+            <p:ph type="title"/>
+          </p:nvPr>
+        </p:nvSpPr>
+        <p:spPr/>
+        <p:txBody>
+          <a:bodyPr>
+            <a:normAutofit fontScale="90000"/>
+          </a:bodyPr>
+          <a:lstStyle/>
+          <a:p>
+            <a:r>
+              <a:rPr lang="en-US" altLang="ko-KR" dirty="0" smtClean="0"/>
+              <a:t> </a:t>
+            </a:r>
+            <a:r>
+              <a:rPr lang="ko-KR" altLang="en-US" dirty="0"/>
+              <a:t>관계</a:t>
+            </a:r>
+            <a:r>
+              <a:rPr lang="en-US" altLang="ko-KR" dirty="0"/>
+              <a:t>(</a:t>
+            </a:r>
+            <a:r>
+              <a:rPr lang="en-US" altLang="ko-KR" dirty="0" err="1"/>
+              <a:t>Releation</a:t>
+            </a:r>
+            <a:r>
+              <a:rPr lang="en-US" altLang="ko-KR" dirty="0"/>
+              <a:t>) </a:t>
+            </a:r>
+            <a:r>
+              <a:rPr lang="en-US" altLang="ko-KR" dirty="0" smtClean="0"/>
+              <a:t>– </a:t>
+            </a:r>
+            <a:r>
+              <a:rPr lang="ko-KR" altLang="en-US" dirty="0" err="1" smtClean="0"/>
+              <a:t>외래키</a:t>
+            </a:r>
+            <a:r>
+              <a:rPr lang="ko-KR" altLang="en-US" dirty="0" smtClean="0"/>
+              <a:t> 제약</a:t>
+            </a:r>
+            <a:endParaRPr lang="ko-KR" altLang="en-US" dirty="0"/>
+          </a:p>
+        </p:txBody>
+      </p:sp>
+      <p:sp>
+        <p:nvSpPr>
+          <p:cNvPr id="4" name="슬라이드 번호 개체 틀 3"/>
+          <p:cNvSpPr>
+            <a:spLocks noGrp="1"/>
+          </p:cNvSpPr>
+          <p:nvPr>
+            <p:ph type="sldNum" sz="quarter" idx="12"/>
+          </p:nvPr>
+        </p:nvSpPr>
+        <p:spPr/>
+        <p:txBody>
+          <a:bodyPr/>
+          <a:lstStyle/>
+          <a:p>
+            <a:fld id="{1BDE3FE7-3AEA-4B05-AC5A-802D1816ACF0}" type="slidenum">
+              <a:rPr lang="ko-KR" altLang="en-US" smtClean="0"/>
+              <a:t>35</a:t>
+            </a:fld>
+            <a:endParaRPr lang="ko-KR" altLang="en-US"/>
+          </a:p>
+        </p:txBody>
+      </p:sp>
+      <p:sp>
+        <p:nvSpPr>
+          <p:cNvPr id="6" name="TextBox 5"/>
+          <p:cNvSpPr txBox="1"/>
+          <p:nvPr/>
+        </p:nvSpPr>
+        <p:spPr>
+          <a:xfrm>
+            <a:off x="971600" y="1196752"/>
+            <a:ext cx="5472608" cy="400110"/>
+          </a:xfrm>
+          <a:prstGeom prst="rect">
+            <a:avLst/>
+          </a:prstGeom>
+          <a:noFill/>
+        </p:spPr>
+        <p:txBody>
+          <a:bodyPr wrap="square" rtlCol="0">
+            <a:spAutoFit/>
+          </a:bodyPr>
+          <a:lstStyle/>
+          <a:p>
+            <a:r>
+              <a:rPr lang="ko-KR" altLang="en-US" sz="2000" b="1" dirty="0" smtClean="0"/>
+              <a:t>부</a:t>
+            </a:r>
+            <a:r>
+              <a:rPr lang="ko-KR" altLang="en-US" sz="2000" b="1" dirty="0"/>
+              <a:t>서</a:t>
+            </a:r>
+            <a:r>
+              <a:rPr lang="ko-KR" altLang="en-US" sz="2000" b="1" dirty="0" smtClean="0"/>
+              <a:t>와 직원 자료 추가</a:t>
+            </a:r>
+            <a:endParaRPr lang="ko-KR" altLang="en-US" sz="2000" b="1" dirty="0"/>
+          </a:p>
+        </p:txBody>
+      </p:sp>
+      <p:pic>
+        <p:nvPicPr>
+          <p:cNvPr id="3" name="그림 2"/>
+          <p:cNvPicPr>
+            <a:picLocks noChangeAspect="1"/>
+          </p:cNvPicPr>
+          <p:nvPr/>
+        </p:nvPicPr>
+        <p:blipFill>
+          <a:blip r:embed="rId2">
+            <a:extLst>
+              <a:ext uri="{28A0092B-C50C-407E-A947-70E740481C1C}">
+                <a14:useLocalDpi xmlns:a14="http://schemas.microsoft.com/office/drawing/2010/main" val="0"/>
+              </a:ext>
+            </a:extLst>
+          </a:blip>
+          <a:stretch>
+            <a:fillRect/>
+          </a:stretch>
+        </p:blipFill>
+        <p:spPr>
+          <a:xfrm>
+            <a:off x="1187624" y="1844824"/>
+            <a:ext cx="6386114" cy="2187130"/>
+          </a:xfrm>
+          <a:prstGeom prst="rect">
+            <a:avLst/>
+          </a:prstGeom>
+          <a:ln>
+            <a:solidFill>
+              <a:schemeClr val="bg1">
+                <a:lumMod val="85000"/>
+              </a:schemeClr>
+            </a:solidFill>
+          </a:ln>
+        </p:spPr>
+      </p:pic>
+      <p:pic>
+        <p:nvPicPr>
+          <p:cNvPr id="12" name="그림 11"/>
+          <p:cNvPicPr>
+            <a:picLocks noChangeAspect="1"/>
+          </p:cNvPicPr>
+          <p:nvPr/>
+        </p:nvPicPr>
+        <p:blipFill>
+          <a:blip r:embed="rId3">
+            <a:extLst>
+              <a:ext uri="{28A0092B-C50C-407E-A947-70E740481C1C}">
+                <a14:useLocalDpi xmlns:a14="http://schemas.microsoft.com/office/drawing/2010/main" val="0"/>
+              </a:ext>
+            </a:extLst>
+          </a:blip>
+          <a:stretch>
+            <a:fillRect/>
+          </a:stretch>
+        </p:blipFill>
+        <p:spPr>
+          <a:xfrm>
+            <a:off x="1187625" y="4293096"/>
+            <a:ext cx="6386114" cy="1032648"/>
+          </a:xfrm>
+          <a:prstGeom prst="rect">
+            <a:avLst/>
+          </a:prstGeom>
+          <a:ln>
+            <a:solidFill>
+              <a:schemeClr val="bg1">
+                <a:lumMod val="85000"/>
+              </a:schemeClr>
+            </a:solidFill>
+          </a:ln>
+        </p:spPr>
+      </p:pic>
+    </p:spTree>
+    <p:extLst>
+      <p:ext uri="{BB962C8B-B14F-4D97-AF65-F5344CB8AC3E}">
+        <p14:creationId xmlns:p14="http://schemas.microsoft.com/office/powerpoint/2010/main" val="889139456"/>
+      </p:ext>
+    </p:extLst>
+  </p:cSld>
+  <p:clrMapOvr>
+    <a:masterClrMapping/>
+  </p:clrMapOvr>
+  <p:timing>
+    <p:tnLst>
+      <p:par>
+        <p:cTn id="1" dur="indefinite" restart="never" nodeType="tmRoot"/>
+      </p:par>
+    </p:tnLst>
+  </p:timing>
+</p:sld>
+</file>
+
+<file path=ppt/slides/slide36.xml><?xml version="1.0" encoding="utf-8"?>
+<p:sld xmlns:a="http://schemas.openxmlformats.org/drawingml/2006/main" xmlns:r="http://schemas.openxmlformats.org/officeDocument/2006/relationships" xmlns:p="http://schemas.openxmlformats.org/presentationml/2006/main">
+  <p:cSld>
+    <p:spTree>
+      <p:nvGrpSpPr>
+        <p:cNvPr id="1" name=""/>
+        <p:cNvGrpSpPr/>
+        <p:nvPr/>
+      </p:nvGrpSpPr>
+      <p:grpSpPr>
+        <a:xfrm>
+          <a:off x="0" y="0"/>
+          <a:ext cx="0" cy="0"/>
+          <a:chOff x="0" y="0"/>
+          <a:chExt cx="0" cy="0"/>
+        </a:xfrm>
+      </p:grpSpPr>
+      <p:sp>
+        <p:nvSpPr>
+          <p:cNvPr id="2" name="제목 1"/>
+          <p:cNvSpPr>
+            <a:spLocks noGrp="1"/>
+          </p:cNvSpPr>
+          <p:nvPr>
+            <p:ph type="title"/>
+          </p:nvPr>
+        </p:nvSpPr>
+        <p:spPr/>
+        <p:txBody>
+          <a:bodyPr>
+            <a:normAutofit fontScale="90000"/>
+          </a:bodyPr>
+          <a:lstStyle/>
+          <a:p>
+            <a:r>
+              <a:rPr lang="en-US" altLang="ko-KR" dirty="0" smtClean="0"/>
+              <a:t> </a:t>
+            </a:r>
+            <a:r>
+              <a:rPr lang="ko-KR" altLang="en-US" dirty="0"/>
+              <a:t>관계</a:t>
+            </a:r>
+            <a:r>
+              <a:rPr lang="en-US" altLang="ko-KR" dirty="0"/>
+              <a:t>(</a:t>
+            </a:r>
+            <a:r>
+              <a:rPr lang="en-US" altLang="ko-KR" dirty="0" err="1"/>
+              <a:t>Releation</a:t>
+            </a:r>
+            <a:r>
+              <a:rPr lang="en-US" altLang="ko-KR" dirty="0"/>
+              <a:t>) </a:t>
+            </a:r>
+            <a:r>
+              <a:rPr lang="en-US" altLang="ko-KR" dirty="0" smtClean="0"/>
+              <a:t>– </a:t>
+            </a:r>
+            <a:r>
+              <a:rPr lang="ko-KR" altLang="en-US" dirty="0" err="1" smtClean="0"/>
+              <a:t>외래키</a:t>
+            </a:r>
+            <a:r>
+              <a:rPr lang="ko-KR" altLang="en-US" dirty="0" smtClean="0"/>
+              <a:t> 제약</a:t>
+            </a:r>
+            <a:endParaRPr lang="ko-KR" altLang="en-US" dirty="0"/>
+          </a:p>
+        </p:txBody>
+      </p:sp>
+      <p:sp>
+        <p:nvSpPr>
+          <p:cNvPr id="4" name="슬라이드 번호 개체 틀 3"/>
+          <p:cNvSpPr>
+            <a:spLocks noGrp="1"/>
+          </p:cNvSpPr>
+          <p:nvPr>
+            <p:ph type="sldNum" sz="quarter" idx="12"/>
+          </p:nvPr>
+        </p:nvSpPr>
+        <p:spPr/>
+        <p:txBody>
+          <a:bodyPr/>
+          <a:lstStyle/>
+          <a:p>
+            <a:fld id="{1BDE3FE7-3AEA-4B05-AC5A-802D1816ACF0}" type="slidenum">
+              <a:rPr lang="ko-KR" altLang="en-US" smtClean="0"/>
+              <a:t>36</a:t>
+            </a:fld>
+            <a:endParaRPr lang="ko-KR" altLang="en-US"/>
+          </a:p>
+        </p:txBody>
+      </p:sp>
+      <p:sp>
+        <p:nvSpPr>
+          <p:cNvPr id="6" name="TextBox 5"/>
+          <p:cNvSpPr txBox="1"/>
+          <p:nvPr/>
+        </p:nvSpPr>
+        <p:spPr>
+          <a:xfrm>
+            <a:off x="971600" y="1124744"/>
+            <a:ext cx="5472608" cy="400110"/>
+          </a:xfrm>
+          <a:prstGeom prst="rect">
+            <a:avLst/>
+          </a:prstGeom>
+          <a:noFill/>
+        </p:spPr>
+        <p:txBody>
+          <a:bodyPr wrap="square" rtlCol="0">
+            <a:spAutoFit/>
+          </a:bodyPr>
+          <a:lstStyle/>
+          <a:p>
+            <a:r>
+              <a:rPr lang="ko-KR" altLang="en-US" sz="2000" b="1" dirty="0" smtClean="0"/>
+              <a:t>부서 자료 삭제</a:t>
+            </a:r>
+            <a:endParaRPr lang="ko-KR" altLang="en-US" sz="2000" b="1" dirty="0"/>
+          </a:p>
+        </p:txBody>
+      </p:sp>
+      <p:pic>
+        <p:nvPicPr>
+          <p:cNvPr id="3" name="그림 2"/>
+          <p:cNvPicPr>
+            <a:picLocks noChangeAspect="1"/>
+          </p:cNvPicPr>
+          <p:nvPr/>
+        </p:nvPicPr>
+        <p:blipFill>
+          <a:blip r:embed="rId2">
+            <a:extLst>
+              <a:ext uri="{28A0092B-C50C-407E-A947-70E740481C1C}">
+                <a14:useLocalDpi xmlns:a14="http://schemas.microsoft.com/office/drawing/2010/main" val="0"/>
+              </a:ext>
+            </a:extLst>
+          </a:blip>
+          <a:stretch>
+            <a:fillRect/>
+          </a:stretch>
+        </p:blipFill>
+        <p:spPr>
+          <a:xfrm>
+            <a:off x="1043608" y="1628800"/>
+            <a:ext cx="7130758" cy="672046"/>
+          </a:xfrm>
+          <a:prstGeom prst="rect">
+            <a:avLst/>
+          </a:prstGeom>
+          <a:ln>
+            <a:solidFill>
+              <a:schemeClr val="bg1">
+                <a:lumMod val="85000"/>
+              </a:schemeClr>
+            </a:solidFill>
+          </a:ln>
+        </p:spPr>
+      </p:pic>
+      <p:pic>
+        <p:nvPicPr>
+          <p:cNvPr id="5" name="그림 4"/>
+          <p:cNvPicPr>
+            <a:picLocks noChangeAspect="1"/>
+          </p:cNvPicPr>
+          <p:nvPr/>
+        </p:nvPicPr>
+        <p:blipFill>
+          <a:blip r:embed="rId3">
+            <a:extLst>
+              <a:ext uri="{28A0092B-C50C-407E-A947-70E740481C1C}">
+                <a14:useLocalDpi xmlns:a14="http://schemas.microsoft.com/office/drawing/2010/main" val="0"/>
+              </a:ext>
+            </a:extLst>
+          </a:blip>
+          <a:stretch>
+            <a:fillRect/>
+          </a:stretch>
+        </p:blipFill>
+        <p:spPr>
+          <a:xfrm>
+            <a:off x="1057401" y="2563078"/>
+            <a:ext cx="7130758" cy="1078376"/>
+          </a:xfrm>
+          <a:prstGeom prst="rect">
+            <a:avLst/>
+          </a:prstGeom>
+          <a:ln>
+            <a:solidFill>
+              <a:schemeClr val="bg1">
+                <a:lumMod val="85000"/>
+              </a:schemeClr>
+            </a:solidFill>
+          </a:ln>
+        </p:spPr>
+      </p:pic>
+      <p:sp>
+        <p:nvSpPr>
+          <p:cNvPr id="12" name="TextBox 11"/>
+          <p:cNvSpPr txBox="1"/>
+          <p:nvPr/>
+        </p:nvSpPr>
+        <p:spPr>
+          <a:xfrm>
+            <a:off x="971600" y="3933055"/>
+            <a:ext cx="3096344" cy="369332"/>
+          </a:xfrm>
+          <a:prstGeom prst="rect">
+            <a:avLst/>
+          </a:prstGeom>
+          <a:noFill/>
+        </p:spPr>
+        <p:txBody>
+          <a:bodyPr wrap="square" rtlCol="0">
+            <a:spAutoFit/>
+          </a:bodyPr>
+          <a:lstStyle/>
+          <a:p>
+            <a:r>
+              <a:rPr lang="ko-KR" altLang="en-US" b="1" dirty="0" err="1" smtClean="0"/>
+              <a:t>외래키</a:t>
+            </a:r>
+            <a:r>
+              <a:rPr lang="ko-KR" altLang="en-US" b="1" dirty="0" smtClean="0"/>
+              <a:t> 제약 조건 삭제</a:t>
+            </a:r>
+            <a:endParaRPr lang="ko-KR" altLang="en-US" b="1" dirty="0"/>
+          </a:p>
+        </p:txBody>
+      </p:sp>
+      <p:pic>
+        <p:nvPicPr>
+          <p:cNvPr id="8" name="그림 7"/>
+          <p:cNvPicPr>
+            <a:picLocks noChangeAspect="1"/>
+          </p:cNvPicPr>
+          <p:nvPr/>
+        </p:nvPicPr>
+        <p:blipFill>
+          <a:blip r:embed="rId4">
+            <a:extLst>
+              <a:ext uri="{28A0092B-C50C-407E-A947-70E740481C1C}">
+                <a14:useLocalDpi xmlns:a14="http://schemas.microsoft.com/office/drawing/2010/main" val="0"/>
+              </a:ext>
+            </a:extLst>
+          </a:blip>
+          <a:stretch>
+            <a:fillRect/>
+          </a:stretch>
+        </p:blipFill>
+        <p:spPr>
+          <a:xfrm>
+            <a:off x="1057401" y="4365103"/>
+            <a:ext cx="4480949" cy="472481"/>
+          </a:xfrm>
+          <a:prstGeom prst="rect">
+            <a:avLst/>
+          </a:prstGeom>
+          <a:ln>
+            <a:solidFill>
+              <a:schemeClr val="bg1">
+                <a:lumMod val="85000"/>
+              </a:schemeClr>
+            </a:solidFill>
+          </a:ln>
+        </p:spPr>
+      </p:pic>
+      <p:sp>
+        <p:nvSpPr>
+          <p:cNvPr id="13" name="TextBox 12"/>
+          <p:cNvSpPr txBox="1"/>
+          <p:nvPr/>
+        </p:nvSpPr>
+        <p:spPr>
+          <a:xfrm>
+            <a:off x="971600" y="5013176"/>
+            <a:ext cx="3096344" cy="369332"/>
+          </a:xfrm>
+          <a:prstGeom prst="rect">
+            <a:avLst/>
+          </a:prstGeom>
+          <a:noFill/>
+        </p:spPr>
+        <p:txBody>
+          <a:bodyPr wrap="square" rtlCol="0">
+            <a:spAutoFit/>
+          </a:bodyPr>
+          <a:lstStyle/>
+          <a:p>
+            <a:r>
+              <a:rPr lang="ko-KR" altLang="en-US" b="1" dirty="0" smtClean="0"/>
+              <a:t>테이블 삭제</a:t>
+            </a:r>
+            <a:endParaRPr lang="ko-KR" altLang="en-US" b="1" dirty="0"/>
+          </a:p>
+        </p:txBody>
+      </p:sp>
+      <p:pic>
+        <p:nvPicPr>
+          <p:cNvPr id="9" name="그림 8"/>
+          <p:cNvPicPr>
+            <a:picLocks noChangeAspect="1"/>
+          </p:cNvPicPr>
+          <p:nvPr/>
+        </p:nvPicPr>
+        <p:blipFill>
+          <a:blip r:embed="rId5">
+            <a:extLst>
+              <a:ext uri="{28A0092B-C50C-407E-A947-70E740481C1C}">
+                <a14:useLocalDpi xmlns:a14="http://schemas.microsoft.com/office/drawing/2010/main" val="0"/>
+              </a:ext>
+            </a:extLst>
+          </a:blip>
+          <a:stretch>
+            <a:fillRect/>
+          </a:stretch>
+        </p:blipFill>
+        <p:spPr>
+          <a:xfrm>
+            <a:off x="1030221" y="5445224"/>
+            <a:ext cx="4508129" cy="650658"/>
+          </a:xfrm>
+          <a:prstGeom prst="rect">
+            <a:avLst/>
+          </a:prstGeom>
+          <a:ln>
+            <a:solidFill>
+              <a:schemeClr val="bg1">
+                <a:lumMod val="85000"/>
+              </a:schemeClr>
+            </a:solidFill>
+          </a:ln>
+        </p:spPr>
+      </p:pic>
+    </p:spTree>
+    <p:extLst>
+      <p:ext uri="{BB962C8B-B14F-4D97-AF65-F5344CB8AC3E}">
+        <p14:creationId xmlns:p14="http://schemas.microsoft.com/office/powerpoint/2010/main" val="3993586163"/>
+      </p:ext>
+    </p:extLst>
+  </p:cSld>
+  <p:clrMapOvr>
+    <a:masterClrMapping/>
+  </p:clrMapOvr>
+  <p:timing>
+    <p:tnLst>
+      <p:par>
+        <p:cTn id="1" dur="indefinite" restart="never" nodeType="tmRoot"/>
+      </p:par>
+    </p:tnLst>
+  </p:timing>
+</p:sld>
+</file>
+
 <file path=ppt/slides/slide4.xml><?xml version="1.0" encoding="utf-8"?>
 <p:sld xmlns:a="http://schemas.openxmlformats.org/drawingml/2006/main" xmlns:r="http://schemas.openxmlformats.org/officeDocument/2006/relationships" xmlns:p="http://schemas.openxmlformats.org/presentationml/2006/main">
   <p:cSld>
